--- a/CapstoneProjectTemplate-210213-230632.pptx
+++ b/CapstoneProjectTemplate-210213-230632.pptx
@@ -2,54 +2,59 @@
 <file path=ppt/presentation.xml><?xml version="1.0" encoding="utf-8"?>
 <p:presentation xmlns:a="http://schemas.openxmlformats.org/drawingml/2006/main" xmlns:r="http://schemas.openxmlformats.org/officeDocument/2006/relationships" xmlns:p="http://schemas.openxmlformats.org/presentationml/2006/main" strictFirstAndLastChars="0" embedTrueTypeFonts="1" saveSubsetFonts="1" autoCompressPictures="0">
   <p:sldMasterIdLst>
-    <p:sldMasterId id="2147483659" r:id="rId1"/>
+    <p:sldMasterId id="2147483648" r:id="rId1"/>
   </p:sldMasterIdLst>
   <p:notesMasterIdLst>
-    <p:notesMasterId r:id="rId30"/>
+    <p:notesMasterId r:id="rId4"/>
   </p:notesMasterIdLst>
   <p:sldIdLst>
-    <p:sldId id="256" r:id="rId2"/>
-    <p:sldId id="276" r:id="rId3"/>
-    <p:sldId id="275" r:id="rId4"/>
-    <p:sldId id="274" r:id="rId5"/>
-    <p:sldId id="273" r:id="rId6"/>
-    <p:sldId id="272" r:id="rId7"/>
-    <p:sldId id="271" r:id="rId8"/>
-    <p:sldId id="270" r:id="rId9"/>
-    <p:sldId id="269" r:id="rId10"/>
-    <p:sldId id="268" r:id="rId11"/>
-    <p:sldId id="267" r:id="rId12"/>
-    <p:sldId id="266" r:id="rId13"/>
-    <p:sldId id="265" r:id="rId14"/>
-    <p:sldId id="264" r:id="rId15"/>
-    <p:sldId id="263" r:id="rId16"/>
-    <p:sldId id="261" r:id="rId17"/>
-    <p:sldId id="260" r:id="rId18"/>
-    <p:sldId id="258" r:id="rId19"/>
-    <p:sldId id="277" r:id="rId20"/>
-    <p:sldId id="278" r:id="rId21"/>
-    <p:sldId id="279" r:id="rId22"/>
-    <p:sldId id="280" r:id="rId23"/>
-    <p:sldId id="281" r:id="rId24"/>
-    <p:sldId id="282" r:id="rId25"/>
-    <p:sldId id="283" r:id="rId26"/>
-    <p:sldId id="284" r:id="rId27"/>
-    <p:sldId id="285" r:id="rId28"/>
-    <p:sldId id="286" r:id="rId29"/>
+    <p:sldId id="256" r:id="rId3"/>
+    <p:sldId id="303" r:id="rId5"/>
+    <p:sldId id="304" r:id="rId6"/>
+    <p:sldId id="276" r:id="rId7"/>
+    <p:sldId id="275" r:id="rId8"/>
+    <p:sldId id="274" r:id="rId9"/>
+    <p:sldId id="273" r:id="rId10"/>
+    <p:sldId id="272" r:id="rId11"/>
+    <p:sldId id="271" r:id="rId12"/>
+    <p:sldId id="270" r:id="rId13"/>
+    <p:sldId id="269" r:id="rId14"/>
+    <p:sldId id="268" r:id="rId15"/>
+    <p:sldId id="267" r:id="rId16"/>
+    <p:sldId id="266" r:id="rId17"/>
+    <p:sldId id="265" r:id="rId18"/>
+    <p:sldId id="264" r:id="rId19"/>
+    <p:sldId id="263" r:id="rId20"/>
+    <p:sldId id="261" r:id="rId21"/>
+    <p:sldId id="260" r:id="rId22"/>
+    <p:sldId id="258" r:id="rId23"/>
+    <p:sldId id="277" r:id="rId24"/>
+    <p:sldId id="278" r:id="rId25"/>
+    <p:sldId id="279" r:id="rId26"/>
+    <p:sldId id="280" r:id="rId27"/>
+    <p:sldId id="305" r:id="rId28"/>
+    <p:sldId id="281" r:id="rId29"/>
+    <p:sldId id="282" r:id="rId30"/>
+    <p:sldId id="283" r:id="rId31"/>
+    <p:sldId id="284" r:id="rId32"/>
+    <p:sldId id="307" r:id="rId33"/>
+    <p:sldId id="285" r:id="rId34"/>
+    <p:sldId id="306" r:id="rId35"/>
+    <p:sldId id="286" r:id="rId36"/>
+    <p:sldId id="308" r:id="rId37"/>
   </p:sldIdLst>
   <p:sldSz cx="9144000" cy="5143500" type="screen16x9"/>
   <p:notesSz cx="6858000" cy="9144000"/>
   <p:embeddedFontLst>
     <p:embeddedFont>
-      <p:font typeface="Bahnschrift SemiBold" panose="020B0502040204020203" pitchFamily="34" charset="0"/>
-      <p:bold r:id="rId31"/>
+      <p:font typeface="Montserrat" panose="00000500000000000000"/>
+      <p:regular r:id="rId41"/>
+      <p:bold r:id="rId42"/>
+      <p:boldItalic r:id="rId43"/>
     </p:embeddedFont>
     <p:embeddedFont>
-      <p:font typeface="Montserrat" panose="020B0604020202020204" charset="0"/>
-      <p:regular r:id="rId32"/>
-      <p:bold r:id="rId33"/>
-      <p:italic r:id="rId34"/>
-      <p:boldItalic r:id="rId35"/>
+      <p:font typeface="Bahnschrift SemiBold" panose="020B0502040204020203" pitchFamily="34" charset="0"/>
+      <p:bold r:id="rId44"/>
     </p:embeddedFont>
   </p:embeddedFontLst>
   <p:defaultTextStyle>
@@ -77,15 +82,15 @@
       <a:buClr>
         <a:srgbClr val="000000"/>
       </a:buClr>
-      <a:buFont typeface="Arial"/>
+      <a:buFont typeface="Arial" panose="020B0604020202020204"/>
       <a:defRPr sz="1400" b="0" i="0" u="none" strike="noStrike" cap="none">
         <a:solidFill>
           <a:srgbClr val="000000"/>
         </a:solidFill>
-        <a:latin typeface="Arial"/>
-        <a:ea typeface="Arial"/>
-        <a:cs typeface="Arial"/>
-        <a:sym typeface="Arial"/>
+        <a:latin typeface="Arial" panose="020B0604020202020204"/>
+        <a:ea typeface="Arial" panose="020B0604020202020204"/>
+        <a:cs typeface="Arial" panose="020B0604020202020204"/>
+        <a:sym typeface="Arial" panose="020B0604020202020204"/>
       </a:defRPr>
     </a:lvl1pPr>
     <a:lvl2pPr marR="0" lvl="1" algn="l" rtl="0">
@@ -101,15 +106,15 @@
       <a:buClr>
         <a:srgbClr val="000000"/>
       </a:buClr>
-      <a:buFont typeface="Arial"/>
+      <a:buFont typeface="Arial" panose="020B0604020202020204"/>
       <a:defRPr sz="1400" b="0" i="0" u="none" strike="noStrike" cap="none">
         <a:solidFill>
           <a:srgbClr val="000000"/>
         </a:solidFill>
-        <a:latin typeface="Arial"/>
-        <a:ea typeface="Arial"/>
-        <a:cs typeface="Arial"/>
-        <a:sym typeface="Arial"/>
+        <a:latin typeface="Arial" panose="020B0604020202020204"/>
+        <a:ea typeface="Arial" panose="020B0604020202020204"/>
+        <a:cs typeface="Arial" panose="020B0604020202020204"/>
+        <a:sym typeface="Arial" panose="020B0604020202020204"/>
       </a:defRPr>
     </a:lvl2pPr>
     <a:lvl3pPr marR="0" lvl="2" algn="l" rtl="0">
@@ -125,15 +130,15 @@
       <a:buClr>
         <a:srgbClr val="000000"/>
       </a:buClr>
-      <a:buFont typeface="Arial"/>
+      <a:buFont typeface="Arial" panose="020B0604020202020204"/>
       <a:defRPr sz="1400" b="0" i="0" u="none" strike="noStrike" cap="none">
         <a:solidFill>
           <a:srgbClr val="000000"/>
         </a:solidFill>
-        <a:latin typeface="Arial"/>
-        <a:ea typeface="Arial"/>
-        <a:cs typeface="Arial"/>
-        <a:sym typeface="Arial"/>
+        <a:latin typeface="Arial" panose="020B0604020202020204"/>
+        <a:ea typeface="Arial" panose="020B0604020202020204"/>
+        <a:cs typeface="Arial" panose="020B0604020202020204"/>
+        <a:sym typeface="Arial" panose="020B0604020202020204"/>
       </a:defRPr>
     </a:lvl3pPr>
     <a:lvl4pPr marR="0" lvl="3" algn="l" rtl="0">
@@ -149,15 +154,15 @@
       <a:buClr>
         <a:srgbClr val="000000"/>
       </a:buClr>
-      <a:buFont typeface="Arial"/>
+      <a:buFont typeface="Arial" panose="020B0604020202020204"/>
       <a:defRPr sz="1400" b="0" i="0" u="none" strike="noStrike" cap="none">
         <a:solidFill>
           <a:srgbClr val="000000"/>
         </a:solidFill>
-        <a:latin typeface="Arial"/>
-        <a:ea typeface="Arial"/>
-        <a:cs typeface="Arial"/>
-        <a:sym typeface="Arial"/>
+        <a:latin typeface="Arial" panose="020B0604020202020204"/>
+        <a:ea typeface="Arial" panose="020B0604020202020204"/>
+        <a:cs typeface="Arial" panose="020B0604020202020204"/>
+        <a:sym typeface="Arial" panose="020B0604020202020204"/>
       </a:defRPr>
     </a:lvl4pPr>
     <a:lvl5pPr marR="0" lvl="4" algn="l" rtl="0">
@@ -173,15 +178,15 @@
       <a:buClr>
         <a:srgbClr val="000000"/>
       </a:buClr>
-      <a:buFont typeface="Arial"/>
+      <a:buFont typeface="Arial" panose="020B0604020202020204"/>
       <a:defRPr sz="1400" b="0" i="0" u="none" strike="noStrike" cap="none">
         <a:solidFill>
           <a:srgbClr val="000000"/>
         </a:solidFill>
-        <a:latin typeface="Arial"/>
-        <a:ea typeface="Arial"/>
-        <a:cs typeface="Arial"/>
-        <a:sym typeface="Arial"/>
+        <a:latin typeface="Arial" panose="020B0604020202020204"/>
+        <a:ea typeface="Arial" panose="020B0604020202020204"/>
+        <a:cs typeface="Arial" panose="020B0604020202020204"/>
+        <a:sym typeface="Arial" panose="020B0604020202020204"/>
       </a:defRPr>
     </a:lvl5pPr>
     <a:lvl6pPr marR="0" lvl="5" algn="l" rtl="0">
@@ -197,15 +202,15 @@
       <a:buClr>
         <a:srgbClr val="000000"/>
       </a:buClr>
-      <a:buFont typeface="Arial"/>
+      <a:buFont typeface="Arial" panose="020B0604020202020204"/>
       <a:defRPr sz="1400" b="0" i="0" u="none" strike="noStrike" cap="none">
         <a:solidFill>
           <a:srgbClr val="000000"/>
         </a:solidFill>
-        <a:latin typeface="Arial"/>
-        <a:ea typeface="Arial"/>
-        <a:cs typeface="Arial"/>
-        <a:sym typeface="Arial"/>
+        <a:latin typeface="Arial" panose="020B0604020202020204"/>
+        <a:ea typeface="Arial" panose="020B0604020202020204"/>
+        <a:cs typeface="Arial" panose="020B0604020202020204"/>
+        <a:sym typeface="Arial" panose="020B0604020202020204"/>
       </a:defRPr>
     </a:lvl6pPr>
     <a:lvl7pPr marR="0" lvl="6" algn="l" rtl="0">
@@ -221,15 +226,15 @@
       <a:buClr>
         <a:srgbClr val="000000"/>
       </a:buClr>
-      <a:buFont typeface="Arial"/>
+      <a:buFont typeface="Arial" panose="020B0604020202020204"/>
       <a:defRPr sz="1400" b="0" i="0" u="none" strike="noStrike" cap="none">
         <a:solidFill>
           <a:srgbClr val="000000"/>
         </a:solidFill>
-        <a:latin typeface="Arial"/>
-        <a:ea typeface="Arial"/>
-        <a:cs typeface="Arial"/>
-        <a:sym typeface="Arial"/>
+        <a:latin typeface="Arial" panose="020B0604020202020204"/>
+        <a:ea typeface="Arial" panose="020B0604020202020204"/>
+        <a:cs typeface="Arial" panose="020B0604020202020204"/>
+        <a:sym typeface="Arial" panose="020B0604020202020204"/>
       </a:defRPr>
     </a:lvl7pPr>
     <a:lvl8pPr marR="0" lvl="7" algn="l" rtl="0">
@@ -245,15 +250,15 @@
       <a:buClr>
         <a:srgbClr val="000000"/>
       </a:buClr>
-      <a:buFont typeface="Arial"/>
+      <a:buFont typeface="Arial" panose="020B0604020202020204"/>
       <a:defRPr sz="1400" b="0" i="0" u="none" strike="noStrike" cap="none">
         <a:solidFill>
           <a:srgbClr val="000000"/>
         </a:solidFill>
-        <a:latin typeface="Arial"/>
-        <a:ea typeface="Arial"/>
-        <a:cs typeface="Arial"/>
-        <a:sym typeface="Arial"/>
+        <a:latin typeface="Arial" panose="020B0604020202020204"/>
+        <a:ea typeface="Arial" panose="020B0604020202020204"/>
+        <a:cs typeface="Arial" panose="020B0604020202020204"/>
+        <a:sym typeface="Arial" panose="020B0604020202020204"/>
       </a:defRPr>
     </a:lvl8pPr>
     <a:lvl9pPr marR="0" lvl="8" algn="l" rtl="0">
@@ -269,34 +274,18 @@
       <a:buClr>
         <a:srgbClr val="000000"/>
       </a:buClr>
-      <a:buFont typeface="Arial"/>
+      <a:buFont typeface="Arial" panose="020B0604020202020204"/>
       <a:defRPr sz="1400" b="0" i="0" u="none" strike="noStrike" cap="none">
         <a:solidFill>
           <a:srgbClr val="000000"/>
         </a:solidFill>
-        <a:latin typeface="Arial"/>
-        <a:ea typeface="Arial"/>
-        <a:cs typeface="Arial"/>
-        <a:sym typeface="Arial"/>
+        <a:latin typeface="Arial" panose="020B0604020202020204"/>
+        <a:ea typeface="Arial" panose="020B0604020202020204"/>
+        <a:cs typeface="Arial" panose="020B0604020202020204"/>
+        <a:sym typeface="Arial" panose="020B0604020202020204"/>
       </a:defRPr>
     </a:lvl9pPr>
   </p:defaultTextStyle>
-  <p:extLst>
-    <p:ext uri="{EFAFB233-063F-42B5-8137-9DF3F51BA10A}">
-      <p15:sldGuideLst xmlns:p15="http://schemas.microsoft.com/office/powerpoint/2012/main">
-        <p15:guide id="1" orient="horz" pos="1620">
-          <p15:clr>
-            <a:srgbClr val="A4A3A4"/>
-          </p15:clr>
-        </p15:guide>
-        <p15:guide id="2" pos="2880">
-          <p15:clr>
-            <a:srgbClr val="A4A3A4"/>
-          </p15:clr>
-        </p15:guide>
-      </p15:sldGuideLst>
-    </p:ext>
-  </p:extLst>
 </p:presentation>
 </file>
 
@@ -415,16 +404,16 @@
                 <a:srgbClr val="000000"/>
               </a:buClr>
               <a:buSzPts val="1100"/>
-              <a:buFont typeface="Arial"/>
+              <a:buFont typeface="Arial" panose="020B0604020202020204"/>
               <a:buChar char="●"/>
               <a:defRPr sz="1100" b="0" i="0" u="none" strike="noStrike" cap="none">
                 <a:solidFill>
                   <a:srgbClr val="000000"/>
                 </a:solidFill>
-                <a:latin typeface="Arial"/>
-                <a:ea typeface="Arial"/>
-                <a:cs typeface="Arial"/>
-                <a:sym typeface="Arial"/>
+                <a:latin typeface="Arial" panose="020B0604020202020204"/>
+                <a:ea typeface="Arial" panose="020B0604020202020204"/>
+                <a:cs typeface="Arial" panose="020B0604020202020204"/>
+                <a:sym typeface="Arial" panose="020B0604020202020204"/>
               </a:defRPr>
             </a:lvl1pPr>
             <a:lvl2pPr marL="914400" marR="0" lvl="1" indent="-298450" algn="l" rtl="0">
@@ -441,16 +430,16 @@
                 <a:srgbClr val="000000"/>
               </a:buClr>
               <a:buSzPts val="1100"/>
-              <a:buFont typeface="Arial"/>
+              <a:buFont typeface="Arial" panose="020B0604020202020204"/>
               <a:buChar char="○"/>
               <a:defRPr sz="1100" b="0" i="0" u="none" strike="noStrike" cap="none">
                 <a:solidFill>
                   <a:srgbClr val="000000"/>
                 </a:solidFill>
-                <a:latin typeface="Arial"/>
-                <a:ea typeface="Arial"/>
-                <a:cs typeface="Arial"/>
-                <a:sym typeface="Arial"/>
+                <a:latin typeface="Arial" panose="020B0604020202020204"/>
+                <a:ea typeface="Arial" panose="020B0604020202020204"/>
+                <a:cs typeface="Arial" panose="020B0604020202020204"/>
+                <a:sym typeface="Arial" panose="020B0604020202020204"/>
               </a:defRPr>
             </a:lvl2pPr>
             <a:lvl3pPr marL="1371600" marR="0" lvl="2" indent="-298450" algn="l" rtl="0">
@@ -467,16 +456,16 @@
                 <a:srgbClr val="000000"/>
               </a:buClr>
               <a:buSzPts val="1100"/>
-              <a:buFont typeface="Arial"/>
+              <a:buFont typeface="Arial" panose="020B0604020202020204"/>
               <a:buChar char="■"/>
               <a:defRPr sz="1100" b="0" i="0" u="none" strike="noStrike" cap="none">
                 <a:solidFill>
                   <a:srgbClr val="000000"/>
                 </a:solidFill>
-                <a:latin typeface="Arial"/>
-                <a:ea typeface="Arial"/>
-                <a:cs typeface="Arial"/>
-                <a:sym typeface="Arial"/>
+                <a:latin typeface="Arial" panose="020B0604020202020204"/>
+                <a:ea typeface="Arial" panose="020B0604020202020204"/>
+                <a:cs typeface="Arial" panose="020B0604020202020204"/>
+                <a:sym typeface="Arial" panose="020B0604020202020204"/>
               </a:defRPr>
             </a:lvl3pPr>
             <a:lvl4pPr marL="1828800" marR="0" lvl="3" indent="-298450" algn="l" rtl="0">
@@ -493,16 +482,16 @@
                 <a:srgbClr val="000000"/>
               </a:buClr>
               <a:buSzPts val="1100"/>
-              <a:buFont typeface="Arial"/>
+              <a:buFont typeface="Arial" panose="020B0604020202020204"/>
               <a:buChar char="●"/>
               <a:defRPr sz="1100" b="0" i="0" u="none" strike="noStrike" cap="none">
                 <a:solidFill>
                   <a:srgbClr val="000000"/>
                 </a:solidFill>
-                <a:latin typeface="Arial"/>
-                <a:ea typeface="Arial"/>
-                <a:cs typeface="Arial"/>
-                <a:sym typeface="Arial"/>
+                <a:latin typeface="Arial" panose="020B0604020202020204"/>
+                <a:ea typeface="Arial" panose="020B0604020202020204"/>
+                <a:cs typeface="Arial" panose="020B0604020202020204"/>
+                <a:sym typeface="Arial" panose="020B0604020202020204"/>
               </a:defRPr>
             </a:lvl4pPr>
             <a:lvl5pPr marL="2286000" marR="0" lvl="4" indent="-298450" algn="l" rtl="0">
@@ -519,16 +508,16 @@
                 <a:srgbClr val="000000"/>
               </a:buClr>
               <a:buSzPts val="1100"/>
-              <a:buFont typeface="Arial"/>
+              <a:buFont typeface="Arial" panose="020B0604020202020204"/>
               <a:buChar char="○"/>
               <a:defRPr sz="1100" b="0" i="0" u="none" strike="noStrike" cap="none">
                 <a:solidFill>
                   <a:srgbClr val="000000"/>
                 </a:solidFill>
-                <a:latin typeface="Arial"/>
-                <a:ea typeface="Arial"/>
-                <a:cs typeface="Arial"/>
-                <a:sym typeface="Arial"/>
+                <a:latin typeface="Arial" panose="020B0604020202020204"/>
+                <a:ea typeface="Arial" panose="020B0604020202020204"/>
+                <a:cs typeface="Arial" panose="020B0604020202020204"/>
+                <a:sym typeface="Arial" panose="020B0604020202020204"/>
               </a:defRPr>
             </a:lvl5pPr>
             <a:lvl6pPr marL="2743200" marR="0" lvl="5" indent="-298450" algn="l" rtl="0">
@@ -545,16 +534,16 @@
                 <a:srgbClr val="000000"/>
               </a:buClr>
               <a:buSzPts val="1100"/>
-              <a:buFont typeface="Arial"/>
+              <a:buFont typeface="Arial" panose="020B0604020202020204"/>
               <a:buChar char="■"/>
               <a:defRPr sz="1100" b="0" i="0" u="none" strike="noStrike" cap="none">
                 <a:solidFill>
                   <a:srgbClr val="000000"/>
                 </a:solidFill>
-                <a:latin typeface="Arial"/>
-                <a:ea typeface="Arial"/>
-                <a:cs typeface="Arial"/>
-                <a:sym typeface="Arial"/>
+                <a:latin typeface="Arial" panose="020B0604020202020204"/>
+                <a:ea typeface="Arial" panose="020B0604020202020204"/>
+                <a:cs typeface="Arial" panose="020B0604020202020204"/>
+                <a:sym typeface="Arial" panose="020B0604020202020204"/>
               </a:defRPr>
             </a:lvl6pPr>
             <a:lvl7pPr marL="3200400" marR="0" lvl="6" indent="-298450" algn="l" rtl="0">
@@ -571,16 +560,16 @@
                 <a:srgbClr val="000000"/>
               </a:buClr>
               <a:buSzPts val="1100"/>
-              <a:buFont typeface="Arial"/>
+              <a:buFont typeface="Arial" panose="020B0604020202020204"/>
               <a:buChar char="●"/>
               <a:defRPr sz="1100" b="0" i="0" u="none" strike="noStrike" cap="none">
                 <a:solidFill>
                   <a:srgbClr val="000000"/>
                 </a:solidFill>
-                <a:latin typeface="Arial"/>
-                <a:ea typeface="Arial"/>
-                <a:cs typeface="Arial"/>
-                <a:sym typeface="Arial"/>
+                <a:latin typeface="Arial" panose="020B0604020202020204"/>
+                <a:ea typeface="Arial" panose="020B0604020202020204"/>
+                <a:cs typeface="Arial" panose="020B0604020202020204"/>
+                <a:sym typeface="Arial" panose="020B0604020202020204"/>
               </a:defRPr>
             </a:lvl7pPr>
             <a:lvl8pPr marL="3657600" marR="0" lvl="7" indent="-298450" algn="l" rtl="0">
@@ -597,16 +586,16 @@
                 <a:srgbClr val="000000"/>
               </a:buClr>
               <a:buSzPts val="1100"/>
-              <a:buFont typeface="Arial"/>
+              <a:buFont typeface="Arial" panose="020B0604020202020204"/>
               <a:buChar char="○"/>
               <a:defRPr sz="1100" b="0" i="0" u="none" strike="noStrike" cap="none">
                 <a:solidFill>
                   <a:srgbClr val="000000"/>
                 </a:solidFill>
-                <a:latin typeface="Arial"/>
-                <a:ea typeface="Arial"/>
-                <a:cs typeface="Arial"/>
-                <a:sym typeface="Arial"/>
+                <a:latin typeface="Arial" panose="020B0604020202020204"/>
+                <a:ea typeface="Arial" panose="020B0604020202020204"/>
+                <a:cs typeface="Arial" panose="020B0604020202020204"/>
+                <a:sym typeface="Arial" panose="020B0604020202020204"/>
               </a:defRPr>
             </a:lvl8pPr>
             <a:lvl9pPr marL="4114800" marR="0" lvl="8" indent="-298450" algn="l" rtl="0">
@@ -623,22 +612,20 @@
                 <a:srgbClr val="000000"/>
               </a:buClr>
               <a:buSzPts val="1100"/>
-              <a:buFont typeface="Arial"/>
+              <a:buFont typeface="Arial" panose="020B0604020202020204"/>
               <a:buChar char="■"/>
               <a:defRPr sz="1100" b="0" i="0" u="none" strike="noStrike" cap="none">
                 <a:solidFill>
                   <a:srgbClr val="000000"/>
                 </a:solidFill>
-                <a:latin typeface="Arial"/>
-                <a:ea typeface="Arial"/>
-                <a:cs typeface="Arial"/>
-                <a:sym typeface="Arial"/>
+                <a:latin typeface="Arial" panose="020B0604020202020204"/>
+                <a:ea typeface="Arial" panose="020B0604020202020204"/>
+                <a:cs typeface="Arial" panose="020B0604020202020204"/>
+                <a:sym typeface="Arial" panose="020B0604020202020204"/>
               </a:defRPr>
             </a:lvl9pPr>
           </a:lstStyle>
-          <a:p>
-            <a:endParaRPr/>
-          </a:p>
+          <a:p/>
         </p:txBody>
       </p:sp>
     </p:spTree>
@@ -669,15 +656,15 @@
       <a:buClr>
         <a:srgbClr val="000000"/>
       </a:buClr>
-      <a:buFont typeface="Arial"/>
+      <a:buFont typeface="Arial" panose="020B0604020202020204"/>
       <a:defRPr sz="1400" b="0" i="0" u="none" strike="noStrike" cap="none">
         <a:solidFill>
           <a:srgbClr val="000000"/>
         </a:solidFill>
-        <a:latin typeface="Arial"/>
-        <a:ea typeface="Arial"/>
-        <a:cs typeface="Arial"/>
-        <a:sym typeface="Arial"/>
+        <a:latin typeface="Arial" panose="020B0604020202020204"/>
+        <a:ea typeface="Arial" panose="020B0604020202020204"/>
+        <a:cs typeface="Arial" panose="020B0604020202020204"/>
+        <a:sym typeface="Arial" panose="020B0604020202020204"/>
       </a:defRPr>
     </a:lvl1pPr>
     <a:lvl2pPr marR="0" lvl="1" algn="l" rtl="0">
@@ -693,15 +680,15 @@
       <a:buClr>
         <a:srgbClr val="000000"/>
       </a:buClr>
-      <a:buFont typeface="Arial"/>
+      <a:buFont typeface="Arial" panose="020B0604020202020204"/>
       <a:defRPr sz="1400" b="0" i="0" u="none" strike="noStrike" cap="none">
         <a:solidFill>
           <a:srgbClr val="000000"/>
         </a:solidFill>
-        <a:latin typeface="Arial"/>
-        <a:ea typeface="Arial"/>
-        <a:cs typeface="Arial"/>
-        <a:sym typeface="Arial"/>
+        <a:latin typeface="Arial" panose="020B0604020202020204"/>
+        <a:ea typeface="Arial" panose="020B0604020202020204"/>
+        <a:cs typeface="Arial" panose="020B0604020202020204"/>
+        <a:sym typeface="Arial" panose="020B0604020202020204"/>
       </a:defRPr>
     </a:lvl2pPr>
     <a:lvl3pPr marR="0" lvl="2" algn="l" rtl="0">
@@ -717,15 +704,15 @@
       <a:buClr>
         <a:srgbClr val="000000"/>
       </a:buClr>
-      <a:buFont typeface="Arial"/>
+      <a:buFont typeface="Arial" panose="020B0604020202020204"/>
       <a:defRPr sz="1400" b="0" i="0" u="none" strike="noStrike" cap="none">
         <a:solidFill>
           <a:srgbClr val="000000"/>
         </a:solidFill>
-        <a:latin typeface="Arial"/>
-        <a:ea typeface="Arial"/>
-        <a:cs typeface="Arial"/>
-        <a:sym typeface="Arial"/>
+        <a:latin typeface="Arial" panose="020B0604020202020204"/>
+        <a:ea typeface="Arial" panose="020B0604020202020204"/>
+        <a:cs typeface="Arial" panose="020B0604020202020204"/>
+        <a:sym typeface="Arial" panose="020B0604020202020204"/>
       </a:defRPr>
     </a:lvl3pPr>
     <a:lvl4pPr marR="0" lvl="3" algn="l" rtl="0">
@@ -741,15 +728,15 @@
       <a:buClr>
         <a:srgbClr val="000000"/>
       </a:buClr>
-      <a:buFont typeface="Arial"/>
+      <a:buFont typeface="Arial" panose="020B0604020202020204"/>
       <a:defRPr sz="1400" b="0" i="0" u="none" strike="noStrike" cap="none">
         <a:solidFill>
           <a:srgbClr val="000000"/>
         </a:solidFill>
-        <a:latin typeface="Arial"/>
-        <a:ea typeface="Arial"/>
-        <a:cs typeface="Arial"/>
-        <a:sym typeface="Arial"/>
+        <a:latin typeface="Arial" panose="020B0604020202020204"/>
+        <a:ea typeface="Arial" panose="020B0604020202020204"/>
+        <a:cs typeface="Arial" panose="020B0604020202020204"/>
+        <a:sym typeface="Arial" panose="020B0604020202020204"/>
       </a:defRPr>
     </a:lvl4pPr>
     <a:lvl5pPr marR="0" lvl="4" algn="l" rtl="0">
@@ -765,15 +752,15 @@
       <a:buClr>
         <a:srgbClr val="000000"/>
       </a:buClr>
-      <a:buFont typeface="Arial"/>
+      <a:buFont typeface="Arial" panose="020B0604020202020204"/>
       <a:defRPr sz="1400" b="0" i="0" u="none" strike="noStrike" cap="none">
         <a:solidFill>
           <a:srgbClr val="000000"/>
         </a:solidFill>
-        <a:latin typeface="Arial"/>
-        <a:ea typeface="Arial"/>
-        <a:cs typeface="Arial"/>
-        <a:sym typeface="Arial"/>
+        <a:latin typeface="Arial" panose="020B0604020202020204"/>
+        <a:ea typeface="Arial" panose="020B0604020202020204"/>
+        <a:cs typeface="Arial" panose="020B0604020202020204"/>
+        <a:sym typeface="Arial" panose="020B0604020202020204"/>
       </a:defRPr>
     </a:lvl5pPr>
     <a:lvl6pPr marR="0" lvl="5" algn="l" rtl="0">
@@ -789,15 +776,15 @@
       <a:buClr>
         <a:srgbClr val="000000"/>
       </a:buClr>
-      <a:buFont typeface="Arial"/>
+      <a:buFont typeface="Arial" panose="020B0604020202020204"/>
       <a:defRPr sz="1400" b="0" i="0" u="none" strike="noStrike" cap="none">
         <a:solidFill>
           <a:srgbClr val="000000"/>
         </a:solidFill>
-        <a:latin typeface="Arial"/>
-        <a:ea typeface="Arial"/>
-        <a:cs typeface="Arial"/>
-        <a:sym typeface="Arial"/>
+        <a:latin typeface="Arial" panose="020B0604020202020204"/>
+        <a:ea typeface="Arial" panose="020B0604020202020204"/>
+        <a:cs typeface="Arial" panose="020B0604020202020204"/>
+        <a:sym typeface="Arial" panose="020B0604020202020204"/>
       </a:defRPr>
     </a:lvl6pPr>
     <a:lvl7pPr marR="0" lvl="6" algn="l" rtl="0">
@@ -813,15 +800,15 @@
       <a:buClr>
         <a:srgbClr val="000000"/>
       </a:buClr>
-      <a:buFont typeface="Arial"/>
+      <a:buFont typeface="Arial" panose="020B0604020202020204"/>
       <a:defRPr sz="1400" b="0" i="0" u="none" strike="noStrike" cap="none">
         <a:solidFill>
           <a:srgbClr val="000000"/>
         </a:solidFill>
-        <a:latin typeface="Arial"/>
-        <a:ea typeface="Arial"/>
-        <a:cs typeface="Arial"/>
-        <a:sym typeface="Arial"/>
+        <a:latin typeface="Arial" panose="020B0604020202020204"/>
+        <a:ea typeface="Arial" panose="020B0604020202020204"/>
+        <a:cs typeface="Arial" panose="020B0604020202020204"/>
+        <a:sym typeface="Arial" panose="020B0604020202020204"/>
       </a:defRPr>
     </a:lvl7pPr>
     <a:lvl8pPr marR="0" lvl="7" algn="l" rtl="0">
@@ -837,15 +824,15 @@
       <a:buClr>
         <a:srgbClr val="000000"/>
       </a:buClr>
-      <a:buFont typeface="Arial"/>
+      <a:buFont typeface="Arial" panose="020B0604020202020204"/>
       <a:defRPr sz="1400" b="0" i="0" u="none" strike="noStrike" cap="none">
         <a:solidFill>
           <a:srgbClr val="000000"/>
         </a:solidFill>
-        <a:latin typeface="Arial"/>
-        <a:ea typeface="Arial"/>
-        <a:cs typeface="Arial"/>
-        <a:sym typeface="Arial"/>
+        <a:latin typeface="Arial" panose="020B0604020202020204"/>
+        <a:ea typeface="Arial" panose="020B0604020202020204"/>
+        <a:cs typeface="Arial" panose="020B0604020202020204"/>
+        <a:sym typeface="Arial" panose="020B0604020202020204"/>
       </a:defRPr>
     </a:lvl8pPr>
     <a:lvl9pPr marR="0" lvl="8" algn="l" rtl="0">
@@ -861,15 +848,15 @@
       <a:buClr>
         <a:srgbClr val="000000"/>
       </a:buClr>
-      <a:buFont typeface="Arial"/>
+      <a:buFont typeface="Arial" panose="020B0604020202020204"/>
       <a:defRPr sz="1400" b="0" i="0" u="none" strike="noStrike" cap="none">
         <a:solidFill>
           <a:srgbClr val="000000"/>
         </a:solidFill>
-        <a:latin typeface="Arial"/>
-        <a:ea typeface="Arial"/>
-        <a:cs typeface="Arial"/>
-        <a:sym typeface="Arial"/>
+        <a:latin typeface="Arial" panose="020B0604020202020204"/>
+        <a:ea typeface="Arial" panose="020B0604020202020204"/>
+        <a:cs typeface="Arial" panose="020B0604020202020204"/>
+        <a:sym typeface="Arial" panose="020B0604020202020204"/>
       </a:defRPr>
     </a:lvl9pPr>
   </p:notesStyle>
@@ -877,7 +864,7 @@
 </file>
 
 <file path=ppt/notesSlides/notesSlide1.xml><?xml version="1.0" encoding="utf-8"?>
-<p:notes xmlns:a="http://schemas.openxmlformats.org/drawingml/2006/main" xmlns:r="http://schemas.openxmlformats.org/officeDocument/2006/relationships" xmlns:p="http://schemas.openxmlformats.org/presentationml/2006/main" showMasterSp="0" showMasterPhAnim="0">
+<p:notes xmlns:a="http://schemas.openxmlformats.org/drawingml/2006/main" xmlns:r="http://schemas.openxmlformats.org/officeDocument/2006/relationships" xmlns:p="http://schemas.openxmlformats.org/presentationml/2006/main" showMasterPhAnim="0" showMasterSp="0">
   <p:cSld>
     <p:spTree>
       <p:nvGrpSpPr>
@@ -986,7 +973,6 @@
               <a:buSzPts val="1100"/>
               <a:buNone/>
             </a:pPr>
-            <a:endParaRPr/>
           </a:p>
         </p:txBody>
       </p:sp>
@@ -999,7 +985,7 @@
 </file>
 
 <file path=ppt/slideLayouts/slideLayout1.xml><?xml version="1.0" encoding="utf-8"?>
-<p:sldLayout xmlns:a="http://schemas.openxmlformats.org/drawingml/2006/main" xmlns:r="http://schemas.openxmlformats.org/officeDocument/2006/relationships" xmlns:p="http://schemas.openxmlformats.org/presentationml/2006/main" matchingName="Title slide" type="title">
+<p:sldLayout xmlns:a="http://schemas.openxmlformats.org/drawingml/2006/main" xmlns:r="http://schemas.openxmlformats.org/officeDocument/2006/relationships" xmlns:p="http://schemas.openxmlformats.org/presentationml/2006/main" type="title" matchingName="Title slide">
   <p:cSld name="TITLE">
     <p:spTree>
       <p:nvGrpSpPr>
@@ -1170,9 +1156,7 @@
               <a:defRPr sz="5200"/>
             </a:lvl9pPr>
           </a:lstStyle>
-          <a:p>
-            <a:endParaRPr/>
-          </a:p>
+          <a:p/>
         </p:txBody>
       </p:sp>
       <p:sp>
@@ -1330,9 +1314,7 @@
               <a:defRPr sz="2800"/>
             </a:lvl9pPr>
           </a:lstStyle>
-          <a:p>
-            <a:endParaRPr/>
-          </a:p>
+          <a:p/>
         </p:txBody>
       </p:sp>
       <p:sp>
@@ -1377,16 +1359,16 @@
                 <a:srgbClr val="000000"/>
               </a:buClr>
               <a:buSzPts val="1000"/>
-              <a:buFont typeface="Arial"/>
+              <a:buFont typeface="Arial" panose="020B0604020202020204"/>
               <a:buNone/>
               <a:defRPr sz="1000" b="0" i="0" u="none" strike="noStrike" cap="none">
                 <a:solidFill>
                   <a:schemeClr val="dk2"/>
                 </a:solidFill>
-                <a:latin typeface="Arial"/>
-                <a:ea typeface="Arial"/>
-                <a:cs typeface="Arial"/>
-                <a:sym typeface="Arial"/>
+                <a:latin typeface="Arial" panose="020B0604020202020204"/>
+                <a:ea typeface="Arial" panose="020B0604020202020204"/>
+                <a:cs typeface="Arial" panose="020B0604020202020204"/>
+                <a:sym typeface="Arial" panose="020B0604020202020204"/>
               </a:defRPr>
             </a:lvl1pPr>
             <a:lvl2pPr marL="0" marR="0" lvl="1" indent="0" algn="r">
@@ -1403,16 +1385,16 @@
                 <a:srgbClr val="000000"/>
               </a:buClr>
               <a:buSzPts val="1000"/>
-              <a:buFont typeface="Arial"/>
+              <a:buFont typeface="Arial" panose="020B0604020202020204"/>
               <a:buNone/>
               <a:defRPr sz="1000" b="0" i="0" u="none" strike="noStrike" cap="none">
                 <a:solidFill>
                   <a:schemeClr val="dk2"/>
                 </a:solidFill>
-                <a:latin typeface="Arial"/>
-                <a:ea typeface="Arial"/>
-                <a:cs typeface="Arial"/>
-                <a:sym typeface="Arial"/>
+                <a:latin typeface="Arial" panose="020B0604020202020204"/>
+                <a:ea typeface="Arial" panose="020B0604020202020204"/>
+                <a:cs typeface="Arial" panose="020B0604020202020204"/>
+                <a:sym typeface="Arial" panose="020B0604020202020204"/>
               </a:defRPr>
             </a:lvl2pPr>
             <a:lvl3pPr marL="0" marR="0" lvl="2" indent="0" algn="r">
@@ -1429,16 +1411,16 @@
                 <a:srgbClr val="000000"/>
               </a:buClr>
               <a:buSzPts val="1000"/>
-              <a:buFont typeface="Arial"/>
+              <a:buFont typeface="Arial" panose="020B0604020202020204"/>
               <a:buNone/>
               <a:defRPr sz="1000" b="0" i="0" u="none" strike="noStrike" cap="none">
                 <a:solidFill>
                   <a:schemeClr val="dk2"/>
                 </a:solidFill>
-                <a:latin typeface="Arial"/>
-                <a:ea typeface="Arial"/>
-                <a:cs typeface="Arial"/>
-                <a:sym typeface="Arial"/>
+                <a:latin typeface="Arial" panose="020B0604020202020204"/>
+                <a:ea typeface="Arial" panose="020B0604020202020204"/>
+                <a:cs typeface="Arial" panose="020B0604020202020204"/>
+                <a:sym typeface="Arial" panose="020B0604020202020204"/>
               </a:defRPr>
             </a:lvl3pPr>
             <a:lvl4pPr marL="0" marR="0" lvl="3" indent="0" algn="r">
@@ -1455,16 +1437,16 @@
                 <a:srgbClr val="000000"/>
               </a:buClr>
               <a:buSzPts val="1000"/>
-              <a:buFont typeface="Arial"/>
+              <a:buFont typeface="Arial" panose="020B0604020202020204"/>
               <a:buNone/>
               <a:defRPr sz="1000" b="0" i="0" u="none" strike="noStrike" cap="none">
                 <a:solidFill>
                   <a:schemeClr val="dk2"/>
                 </a:solidFill>
-                <a:latin typeface="Arial"/>
-                <a:ea typeface="Arial"/>
-                <a:cs typeface="Arial"/>
-                <a:sym typeface="Arial"/>
+                <a:latin typeface="Arial" panose="020B0604020202020204"/>
+                <a:ea typeface="Arial" panose="020B0604020202020204"/>
+                <a:cs typeface="Arial" panose="020B0604020202020204"/>
+                <a:sym typeface="Arial" panose="020B0604020202020204"/>
               </a:defRPr>
             </a:lvl4pPr>
             <a:lvl5pPr marL="0" marR="0" lvl="4" indent="0" algn="r">
@@ -1481,16 +1463,16 @@
                 <a:srgbClr val="000000"/>
               </a:buClr>
               <a:buSzPts val="1000"/>
-              <a:buFont typeface="Arial"/>
+              <a:buFont typeface="Arial" panose="020B0604020202020204"/>
               <a:buNone/>
               <a:defRPr sz="1000" b="0" i="0" u="none" strike="noStrike" cap="none">
                 <a:solidFill>
                   <a:schemeClr val="dk2"/>
                 </a:solidFill>
-                <a:latin typeface="Arial"/>
-                <a:ea typeface="Arial"/>
-                <a:cs typeface="Arial"/>
-                <a:sym typeface="Arial"/>
+                <a:latin typeface="Arial" panose="020B0604020202020204"/>
+                <a:ea typeface="Arial" panose="020B0604020202020204"/>
+                <a:cs typeface="Arial" panose="020B0604020202020204"/>
+                <a:sym typeface="Arial" panose="020B0604020202020204"/>
               </a:defRPr>
             </a:lvl5pPr>
             <a:lvl6pPr marL="0" marR="0" lvl="5" indent="0" algn="r">
@@ -1507,16 +1489,16 @@
                 <a:srgbClr val="000000"/>
               </a:buClr>
               <a:buSzPts val="1000"/>
-              <a:buFont typeface="Arial"/>
+              <a:buFont typeface="Arial" panose="020B0604020202020204"/>
               <a:buNone/>
               <a:defRPr sz="1000" b="0" i="0" u="none" strike="noStrike" cap="none">
                 <a:solidFill>
                   <a:schemeClr val="dk2"/>
                 </a:solidFill>
-                <a:latin typeface="Arial"/>
-                <a:ea typeface="Arial"/>
-                <a:cs typeface="Arial"/>
-                <a:sym typeface="Arial"/>
+                <a:latin typeface="Arial" panose="020B0604020202020204"/>
+                <a:ea typeface="Arial" panose="020B0604020202020204"/>
+                <a:cs typeface="Arial" panose="020B0604020202020204"/>
+                <a:sym typeface="Arial" panose="020B0604020202020204"/>
               </a:defRPr>
             </a:lvl6pPr>
             <a:lvl7pPr marL="0" marR="0" lvl="6" indent="0" algn="r">
@@ -1533,16 +1515,16 @@
                 <a:srgbClr val="000000"/>
               </a:buClr>
               <a:buSzPts val="1000"/>
-              <a:buFont typeface="Arial"/>
+              <a:buFont typeface="Arial" panose="020B0604020202020204"/>
               <a:buNone/>
               <a:defRPr sz="1000" b="0" i="0" u="none" strike="noStrike" cap="none">
                 <a:solidFill>
                   <a:schemeClr val="dk2"/>
                 </a:solidFill>
-                <a:latin typeface="Arial"/>
-                <a:ea typeface="Arial"/>
-                <a:cs typeface="Arial"/>
-                <a:sym typeface="Arial"/>
+                <a:latin typeface="Arial" panose="020B0604020202020204"/>
+                <a:ea typeface="Arial" panose="020B0604020202020204"/>
+                <a:cs typeface="Arial" panose="020B0604020202020204"/>
+                <a:sym typeface="Arial" panose="020B0604020202020204"/>
               </a:defRPr>
             </a:lvl7pPr>
             <a:lvl8pPr marL="0" marR="0" lvl="7" indent="0" algn="r">
@@ -1559,16 +1541,16 @@
                 <a:srgbClr val="000000"/>
               </a:buClr>
               <a:buSzPts val="1000"/>
-              <a:buFont typeface="Arial"/>
+              <a:buFont typeface="Arial" panose="020B0604020202020204"/>
               <a:buNone/>
               <a:defRPr sz="1000" b="0" i="0" u="none" strike="noStrike" cap="none">
                 <a:solidFill>
                   <a:schemeClr val="dk2"/>
                 </a:solidFill>
-                <a:latin typeface="Arial"/>
-                <a:ea typeface="Arial"/>
-                <a:cs typeface="Arial"/>
-                <a:sym typeface="Arial"/>
+                <a:latin typeface="Arial" panose="020B0604020202020204"/>
+                <a:ea typeface="Arial" panose="020B0604020202020204"/>
+                <a:cs typeface="Arial" panose="020B0604020202020204"/>
+                <a:sym typeface="Arial" panose="020B0604020202020204"/>
               </a:defRPr>
             </a:lvl8pPr>
             <a:lvl9pPr marL="0" marR="0" lvl="8" indent="0" algn="r">
@@ -1585,16 +1567,16 @@
                 <a:srgbClr val="000000"/>
               </a:buClr>
               <a:buSzPts val="1000"/>
-              <a:buFont typeface="Arial"/>
+              <a:buFont typeface="Arial" panose="020B0604020202020204"/>
               <a:buNone/>
               <a:defRPr sz="1000" b="0" i="0" u="none" strike="noStrike" cap="none">
                 <a:solidFill>
                   <a:schemeClr val="dk2"/>
                 </a:solidFill>
-                <a:latin typeface="Arial"/>
-                <a:ea typeface="Arial"/>
-                <a:cs typeface="Arial"/>
-                <a:sym typeface="Arial"/>
+                <a:latin typeface="Arial" panose="020B0604020202020204"/>
+                <a:ea typeface="Arial" panose="020B0604020202020204"/>
+                <a:cs typeface="Arial" panose="020B0604020202020204"/>
+                <a:sym typeface="Arial" panose="020B0604020202020204"/>
               </a:defRPr>
             </a:lvl9pPr>
           </a:lstStyle>
@@ -1610,9 +1592,8 @@
             </a:pPr>
             <a:fld id="{00000000-1234-1234-1234-123412341234}" type="slidenum">
               <a:rPr lang="en-GB"/>
-              <a:t>‹#›</a:t>
             </a:fld>
-            <a:endParaRPr/>
+            <a:endParaRPr lang="en-GB"/>
           </a:p>
         </p:txBody>
       </p:sp>
@@ -1958,9 +1939,7 @@
               <a:defRPr/>
             </a:lvl9pPr>
           </a:lstStyle>
-          <a:p>
-            <a:endParaRPr/>
-          </a:p>
+          <a:p/>
         </p:txBody>
       </p:sp>
       <p:sp>
@@ -2005,16 +1984,16 @@
                 <a:srgbClr val="000000"/>
               </a:buClr>
               <a:buSzPts val="1000"/>
-              <a:buFont typeface="Arial"/>
+              <a:buFont typeface="Arial" panose="020B0604020202020204"/>
               <a:buNone/>
               <a:defRPr sz="1000" b="0" i="0" u="none" strike="noStrike" cap="none">
                 <a:solidFill>
                   <a:schemeClr val="dk2"/>
                 </a:solidFill>
-                <a:latin typeface="Arial"/>
-                <a:ea typeface="Arial"/>
-                <a:cs typeface="Arial"/>
-                <a:sym typeface="Arial"/>
+                <a:latin typeface="Arial" panose="020B0604020202020204"/>
+                <a:ea typeface="Arial" panose="020B0604020202020204"/>
+                <a:cs typeface="Arial" panose="020B0604020202020204"/>
+                <a:sym typeface="Arial" panose="020B0604020202020204"/>
               </a:defRPr>
             </a:lvl1pPr>
             <a:lvl2pPr marL="0" marR="0" lvl="1" indent="0" algn="r">
@@ -2031,16 +2010,16 @@
                 <a:srgbClr val="000000"/>
               </a:buClr>
               <a:buSzPts val="1000"/>
-              <a:buFont typeface="Arial"/>
+              <a:buFont typeface="Arial" panose="020B0604020202020204"/>
               <a:buNone/>
               <a:defRPr sz="1000" b="0" i="0" u="none" strike="noStrike" cap="none">
                 <a:solidFill>
                   <a:schemeClr val="dk2"/>
                 </a:solidFill>
-                <a:latin typeface="Arial"/>
-                <a:ea typeface="Arial"/>
-                <a:cs typeface="Arial"/>
-                <a:sym typeface="Arial"/>
+                <a:latin typeface="Arial" panose="020B0604020202020204"/>
+                <a:ea typeface="Arial" panose="020B0604020202020204"/>
+                <a:cs typeface="Arial" panose="020B0604020202020204"/>
+                <a:sym typeface="Arial" panose="020B0604020202020204"/>
               </a:defRPr>
             </a:lvl2pPr>
             <a:lvl3pPr marL="0" marR="0" lvl="2" indent="0" algn="r">
@@ -2057,16 +2036,16 @@
                 <a:srgbClr val="000000"/>
               </a:buClr>
               <a:buSzPts val="1000"/>
-              <a:buFont typeface="Arial"/>
+              <a:buFont typeface="Arial" panose="020B0604020202020204"/>
               <a:buNone/>
               <a:defRPr sz="1000" b="0" i="0" u="none" strike="noStrike" cap="none">
                 <a:solidFill>
                   <a:schemeClr val="dk2"/>
                 </a:solidFill>
-                <a:latin typeface="Arial"/>
-                <a:ea typeface="Arial"/>
-                <a:cs typeface="Arial"/>
-                <a:sym typeface="Arial"/>
+                <a:latin typeface="Arial" panose="020B0604020202020204"/>
+                <a:ea typeface="Arial" panose="020B0604020202020204"/>
+                <a:cs typeface="Arial" panose="020B0604020202020204"/>
+                <a:sym typeface="Arial" panose="020B0604020202020204"/>
               </a:defRPr>
             </a:lvl3pPr>
             <a:lvl4pPr marL="0" marR="0" lvl="3" indent="0" algn="r">
@@ -2083,16 +2062,16 @@
                 <a:srgbClr val="000000"/>
               </a:buClr>
               <a:buSzPts val="1000"/>
-              <a:buFont typeface="Arial"/>
+              <a:buFont typeface="Arial" panose="020B0604020202020204"/>
               <a:buNone/>
               <a:defRPr sz="1000" b="0" i="0" u="none" strike="noStrike" cap="none">
                 <a:solidFill>
                   <a:schemeClr val="dk2"/>
                 </a:solidFill>
-                <a:latin typeface="Arial"/>
-                <a:ea typeface="Arial"/>
-                <a:cs typeface="Arial"/>
-                <a:sym typeface="Arial"/>
+                <a:latin typeface="Arial" panose="020B0604020202020204"/>
+                <a:ea typeface="Arial" panose="020B0604020202020204"/>
+                <a:cs typeface="Arial" panose="020B0604020202020204"/>
+                <a:sym typeface="Arial" panose="020B0604020202020204"/>
               </a:defRPr>
             </a:lvl4pPr>
             <a:lvl5pPr marL="0" marR="0" lvl="4" indent="0" algn="r">
@@ -2109,16 +2088,16 @@
                 <a:srgbClr val="000000"/>
               </a:buClr>
               <a:buSzPts val="1000"/>
-              <a:buFont typeface="Arial"/>
+              <a:buFont typeface="Arial" panose="020B0604020202020204"/>
               <a:buNone/>
               <a:defRPr sz="1000" b="0" i="0" u="none" strike="noStrike" cap="none">
                 <a:solidFill>
                   <a:schemeClr val="dk2"/>
                 </a:solidFill>
-                <a:latin typeface="Arial"/>
-                <a:ea typeface="Arial"/>
-                <a:cs typeface="Arial"/>
-                <a:sym typeface="Arial"/>
+                <a:latin typeface="Arial" panose="020B0604020202020204"/>
+                <a:ea typeface="Arial" panose="020B0604020202020204"/>
+                <a:cs typeface="Arial" panose="020B0604020202020204"/>
+                <a:sym typeface="Arial" panose="020B0604020202020204"/>
               </a:defRPr>
             </a:lvl5pPr>
             <a:lvl6pPr marL="0" marR="0" lvl="5" indent="0" algn="r">
@@ -2135,16 +2114,16 @@
                 <a:srgbClr val="000000"/>
               </a:buClr>
               <a:buSzPts val="1000"/>
-              <a:buFont typeface="Arial"/>
+              <a:buFont typeface="Arial" panose="020B0604020202020204"/>
               <a:buNone/>
               <a:defRPr sz="1000" b="0" i="0" u="none" strike="noStrike" cap="none">
                 <a:solidFill>
                   <a:schemeClr val="dk2"/>
                 </a:solidFill>
-                <a:latin typeface="Arial"/>
-                <a:ea typeface="Arial"/>
-                <a:cs typeface="Arial"/>
-                <a:sym typeface="Arial"/>
+                <a:latin typeface="Arial" panose="020B0604020202020204"/>
+                <a:ea typeface="Arial" panose="020B0604020202020204"/>
+                <a:cs typeface="Arial" panose="020B0604020202020204"/>
+                <a:sym typeface="Arial" panose="020B0604020202020204"/>
               </a:defRPr>
             </a:lvl6pPr>
             <a:lvl7pPr marL="0" marR="0" lvl="6" indent="0" algn="r">
@@ -2161,16 +2140,16 @@
                 <a:srgbClr val="000000"/>
               </a:buClr>
               <a:buSzPts val="1000"/>
-              <a:buFont typeface="Arial"/>
+              <a:buFont typeface="Arial" panose="020B0604020202020204"/>
               <a:buNone/>
               <a:defRPr sz="1000" b="0" i="0" u="none" strike="noStrike" cap="none">
                 <a:solidFill>
                   <a:schemeClr val="dk2"/>
                 </a:solidFill>
-                <a:latin typeface="Arial"/>
-                <a:ea typeface="Arial"/>
-                <a:cs typeface="Arial"/>
-                <a:sym typeface="Arial"/>
+                <a:latin typeface="Arial" panose="020B0604020202020204"/>
+                <a:ea typeface="Arial" panose="020B0604020202020204"/>
+                <a:cs typeface="Arial" panose="020B0604020202020204"/>
+                <a:sym typeface="Arial" panose="020B0604020202020204"/>
               </a:defRPr>
             </a:lvl7pPr>
             <a:lvl8pPr marL="0" marR="0" lvl="7" indent="0" algn="r">
@@ -2187,16 +2166,16 @@
                 <a:srgbClr val="000000"/>
               </a:buClr>
               <a:buSzPts val="1000"/>
-              <a:buFont typeface="Arial"/>
+              <a:buFont typeface="Arial" panose="020B0604020202020204"/>
               <a:buNone/>
               <a:defRPr sz="1000" b="0" i="0" u="none" strike="noStrike" cap="none">
                 <a:solidFill>
                   <a:schemeClr val="dk2"/>
                 </a:solidFill>
-                <a:latin typeface="Arial"/>
-                <a:ea typeface="Arial"/>
-                <a:cs typeface="Arial"/>
-                <a:sym typeface="Arial"/>
+                <a:latin typeface="Arial" panose="020B0604020202020204"/>
+                <a:ea typeface="Arial" panose="020B0604020202020204"/>
+                <a:cs typeface="Arial" panose="020B0604020202020204"/>
+                <a:sym typeface="Arial" panose="020B0604020202020204"/>
               </a:defRPr>
             </a:lvl8pPr>
             <a:lvl9pPr marL="0" marR="0" lvl="8" indent="0" algn="r">
@@ -2213,16 +2192,16 @@
                 <a:srgbClr val="000000"/>
               </a:buClr>
               <a:buSzPts val="1000"/>
-              <a:buFont typeface="Arial"/>
+              <a:buFont typeface="Arial" panose="020B0604020202020204"/>
               <a:buNone/>
               <a:defRPr sz="1000" b="0" i="0" u="none" strike="noStrike" cap="none">
                 <a:solidFill>
                   <a:schemeClr val="dk2"/>
                 </a:solidFill>
-                <a:latin typeface="Arial"/>
-                <a:ea typeface="Arial"/>
-                <a:cs typeface="Arial"/>
-                <a:sym typeface="Arial"/>
+                <a:latin typeface="Arial" panose="020B0604020202020204"/>
+                <a:ea typeface="Arial" panose="020B0604020202020204"/>
+                <a:cs typeface="Arial" panose="020B0604020202020204"/>
+                <a:sym typeface="Arial" panose="020B0604020202020204"/>
               </a:defRPr>
             </a:lvl9pPr>
           </a:lstStyle>
@@ -2238,9 +2217,8 @@
             </a:pPr>
             <a:fld id="{00000000-1234-1234-1234-123412341234}" type="slidenum">
               <a:rPr lang="en-GB"/>
-              <a:t>‹#›</a:t>
             </a:fld>
-            <a:endParaRPr/>
+            <a:endParaRPr lang="en-GB"/>
           </a:p>
         </p:txBody>
       </p:sp>
@@ -2253,7 +2231,7 @@
 </file>
 
 <file path=ppt/slideLayouts/slideLayout11.xml><?xml version="1.0" encoding="utf-8"?>
-<p:sldLayout xmlns:a="http://schemas.openxmlformats.org/drawingml/2006/main" xmlns:r="http://schemas.openxmlformats.org/officeDocument/2006/relationships" xmlns:p="http://schemas.openxmlformats.org/presentationml/2006/main" matchingName="Blank" type="blank">
+<p:sldLayout xmlns:a="http://schemas.openxmlformats.org/drawingml/2006/main" xmlns:r="http://schemas.openxmlformats.org/officeDocument/2006/relationships" xmlns:p="http://schemas.openxmlformats.org/presentationml/2006/main" type="blank" matchingName="Blank">
   <p:cSld name="BLANK">
     <p:spTree>
       <p:nvGrpSpPr>
@@ -2311,16 +2289,16 @@
                 <a:srgbClr val="000000"/>
               </a:buClr>
               <a:buSzPts val="1000"/>
-              <a:buFont typeface="Arial"/>
+              <a:buFont typeface="Arial" panose="020B0604020202020204"/>
               <a:buNone/>
               <a:defRPr sz="1000" b="0" i="0" u="none" strike="noStrike" cap="none">
                 <a:solidFill>
                   <a:schemeClr val="dk2"/>
                 </a:solidFill>
-                <a:latin typeface="Arial"/>
-                <a:ea typeface="Arial"/>
-                <a:cs typeface="Arial"/>
-                <a:sym typeface="Arial"/>
+                <a:latin typeface="Arial" panose="020B0604020202020204"/>
+                <a:ea typeface="Arial" panose="020B0604020202020204"/>
+                <a:cs typeface="Arial" panose="020B0604020202020204"/>
+                <a:sym typeface="Arial" panose="020B0604020202020204"/>
               </a:defRPr>
             </a:lvl1pPr>
             <a:lvl2pPr marL="0" marR="0" lvl="1" indent="0" algn="r">
@@ -2337,16 +2315,16 @@
                 <a:srgbClr val="000000"/>
               </a:buClr>
               <a:buSzPts val="1000"/>
-              <a:buFont typeface="Arial"/>
+              <a:buFont typeface="Arial" panose="020B0604020202020204"/>
               <a:buNone/>
               <a:defRPr sz="1000" b="0" i="0" u="none" strike="noStrike" cap="none">
                 <a:solidFill>
                   <a:schemeClr val="dk2"/>
                 </a:solidFill>
-                <a:latin typeface="Arial"/>
-                <a:ea typeface="Arial"/>
-                <a:cs typeface="Arial"/>
-                <a:sym typeface="Arial"/>
+                <a:latin typeface="Arial" panose="020B0604020202020204"/>
+                <a:ea typeface="Arial" panose="020B0604020202020204"/>
+                <a:cs typeface="Arial" panose="020B0604020202020204"/>
+                <a:sym typeface="Arial" panose="020B0604020202020204"/>
               </a:defRPr>
             </a:lvl2pPr>
             <a:lvl3pPr marL="0" marR="0" lvl="2" indent="0" algn="r">
@@ -2363,16 +2341,16 @@
                 <a:srgbClr val="000000"/>
               </a:buClr>
               <a:buSzPts val="1000"/>
-              <a:buFont typeface="Arial"/>
+              <a:buFont typeface="Arial" panose="020B0604020202020204"/>
               <a:buNone/>
               <a:defRPr sz="1000" b="0" i="0" u="none" strike="noStrike" cap="none">
                 <a:solidFill>
                   <a:schemeClr val="dk2"/>
                 </a:solidFill>
-                <a:latin typeface="Arial"/>
-                <a:ea typeface="Arial"/>
-                <a:cs typeface="Arial"/>
-                <a:sym typeface="Arial"/>
+                <a:latin typeface="Arial" panose="020B0604020202020204"/>
+                <a:ea typeface="Arial" panose="020B0604020202020204"/>
+                <a:cs typeface="Arial" panose="020B0604020202020204"/>
+                <a:sym typeface="Arial" panose="020B0604020202020204"/>
               </a:defRPr>
             </a:lvl3pPr>
             <a:lvl4pPr marL="0" marR="0" lvl="3" indent="0" algn="r">
@@ -2389,16 +2367,16 @@
                 <a:srgbClr val="000000"/>
               </a:buClr>
               <a:buSzPts val="1000"/>
-              <a:buFont typeface="Arial"/>
+              <a:buFont typeface="Arial" panose="020B0604020202020204"/>
               <a:buNone/>
               <a:defRPr sz="1000" b="0" i="0" u="none" strike="noStrike" cap="none">
                 <a:solidFill>
                   <a:schemeClr val="dk2"/>
                 </a:solidFill>
-                <a:latin typeface="Arial"/>
-                <a:ea typeface="Arial"/>
-                <a:cs typeface="Arial"/>
-                <a:sym typeface="Arial"/>
+                <a:latin typeface="Arial" panose="020B0604020202020204"/>
+                <a:ea typeface="Arial" panose="020B0604020202020204"/>
+                <a:cs typeface="Arial" panose="020B0604020202020204"/>
+                <a:sym typeface="Arial" panose="020B0604020202020204"/>
               </a:defRPr>
             </a:lvl4pPr>
             <a:lvl5pPr marL="0" marR="0" lvl="4" indent="0" algn="r">
@@ -2415,16 +2393,16 @@
                 <a:srgbClr val="000000"/>
               </a:buClr>
               <a:buSzPts val="1000"/>
-              <a:buFont typeface="Arial"/>
+              <a:buFont typeface="Arial" panose="020B0604020202020204"/>
               <a:buNone/>
               <a:defRPr sz="1000" b="0" i="0" u="none" strike="noStrike" cap="none">
                 <a:solidFill>
                   <a:schemeClr val="dk2"/>
                 </a:solidFill>
-                <a:latin typeface="Arial"/>
-                <a:ea typeface="Arial"/>
-                <a:cs typeface="Arial"/>
-                <a:sym typeface="Arial"/>
+                <a:latin typeface="Arial" panose="020B0604020202020204"/>
+                <a:ea typeface="Arial" panose="020B0604020202020204"/>
+                <a:cs typeface="Arial" panose="020B0604020202020204"/>
+                <a:sym typeface="Arial" panose="020B0604020202020204"/>
               </a:defRPr>
             </a:lvl5pPr>
             <a:lvl6pPr marL="0" marR="0" lvl="5" indent="0" algn="r">
@@ -2441,16 +2419,16 @@
                 <a:srgbClr val="000000"/>
               </a:buClr>
               <a:buSzPts val="1000"/>
-              <a:buFont typeface="Arial"/>
+              <a:buFont typeface="Arial" panose="020B0604020202020204"/>
               <a:buNone/>
               <a:defRPr sz="1000" b="0" i="0" u="none" strike="noStrike" cap="none">
                 <a:solidFill>
                   <a:schemeClr val="dk2"/>
                 </a:solidFill>
-                <a:latin typeface="Arial"/>
-                <a:ea typeface="Arial"/>
-                <a:cs typeface="Arial"/>
-                <a:sym typeface="Arial"/>
+                <a:latin typeface="Arial" panose="020B0604020202020204"/>
+                <a:ea typeface="Arial" panose="020B0604020202020204"/>
+                <a:cs typeface="Arial" panose="020B0604020202020204"/>
+                <a:sym typeface="Arial" panose="020B0604020202020204"/>
               </a:defRPr>
             </a:lvl6pPr>
             <a:lvl7pPr marL="0" marR="0" lvl="6" indent="0" algn="r">
@@ -2467,16 +2445,16 @@
                 <a:srgbClr val="000000"/>
               </a:buClr>
               <a:buSzPts val="1000"/>
-              <a:buFont typeface="Arial"/>
+              <a:buFont typeface="Arial" panose="020B0604020202020204"/>
               <a:buNone/>
               <a:defRPr sz="1000" b="0" i="0" u="none" strike="noStrike" cap="none">
                 <a:solidFill>
                   <a:schemeClr val="dk2"/>
                 </a:solidFill>
-                <a:latin typeface="Arial"/>
-                <a:ea typeface="Arial"/>
-                <a:cs typeface="Arial"/>
-                <a:sym typeface="Arial"/>
+                <a:latin typeface="Arial" panose="020B0604020202020204"/>
+                <a:ea typeface="Arial" panose="020B0604020202020204"/>
+                <a:cs typeface="Arial" panose="020B0604020202020204"/>
+                <a:sym typeface="Arial" panose="020B0604020202020204"/>
               </a:defRPr>
             </a:lvl7pPr>
             <a:lvl8pPr marL="0" marR="0" lvl="7" indent="0" algn="r">
@@ -2493,16 +2471,16 @@
                 <a:srgbClr val="000000"/>
               </a:buClr>
               <a:buSzPts val="1000"/>
-              <a:buFont typeface="Arial"/>
+              <a:buFont typeface="Arial" panose="020B0604020202020204"/>
               <a:buNone/>
               <a:defRPr sz="1000" b="0" i="0" u="none" strike="noStrike" cap="none">
                 <a:solidFill>
                   <a:schemeClr val="dk2"/>
                 </a:solidFill>
-                <a:latin typeface="Arial"/>
-                <a:ea typeface="Arial"/>
-                <a:cs typeface="Arial"/>
-                <a:sym typeface="Arial"/>
+                <a:latin typeface="Arial" panose="020B0604020202020204"/>
+                <a:ea typeface="Arial" panose="020B0604020202020204"/>
+                <a:cs typeface="Arial" panose="020B0604020202020204"/>
+                <a:sym typeface="Arial" panose="020B0604020202020204"/>
               </a:defRPr>
             </a:lvl8pPr>
             <a:lvl9pPr marL="0" marR="0" lvl="8" indent="0" algn="r">
@@ -2519,16 +2497,16 @@
                 <a:srgbClr val="000000"/>
               </a:buClr>
               <a:buSzPts val="1000"/>
-              <a:buFont typeface="Arial"/>
+              <a:buFont typeface="Arial" panose="020B0604020202020204"/>
               <a:buNone/>
               <a:defRPr sz="1000" b="0" i="0" u="none" strike="noStrike" cap="none">
                 <a:solidFill>
                   <a:schemeClr val="dk2"/>
                 </a:solidFill>
-                <a:latin typeface="Arial"/>
-                <a:ea typeface="Arial"/>
-                <a:cs typeface="Arial"/>
-                <a:sym typeface="Arial"/>
+                <a:latin typeface="Arial" panose="020B0604020202020204"/>
+                <a:ea typeface="Arial" panose="020B0604020202020204"/>
+                <a:cs typeface="Arial" panose="020B0604020202020204"/>
+                <a:sym typeface="Arial" panose="020B0604020202020204"/>
               </a:defRPr>
             </a:lvl9pPr>
           </a:lstStyle>
@@ -2544,9 +2522,8 @@
             </a:pPr>
             <a:fld id="{00000000-1234-1234-1234-123412341234}" type="slidenum">
               <a:rPr lang="en-GB"/>
-              <a:t>‹#›</a:t>
             </a:fld>
-            <a:endParaRPr/>
+            <a:endParaRPr lang="en-GB"/>
           </a:p>
         </p:txBody>
       </p:sp>
@@ -2559,7 +2536,7 @@
 </file>
 
 <file path=ppt/slideLayouts/slideLayout2.xml><?xml version="1.0" encoding="utf-8"?>
-<p:sldLayout xmlns:a="http://schemas.openxmlformats.org/drawingml/2006/main" xmlns:r="http://schemas.openxmlformats.org/officeDocument/2006/relationships" xmlns:p="http://schemas.openxmlformats.org/presentationml/2006/main" matchingName="Title and body" type="tx">
+<p:sldLayout xmlns:a="http://schemas.openxmlformats.org/drawingml/2006/main" xmlns:r="http://schemas.openxmlformats.org/officeDocument/2006/relationships" xmlns:p="http://schemas.openxmlformats.org/presentationml/2006/main" type="tx" matchingName="Title and body">
   <p:cSld name="TITLE_AND_BODY">
     <p:spTree>
       <p:nvGrpSpPr>
@@ -2730,9 +2707,7 @@
               <a:defRPr/>
             </a:lvl9pPr>
           </a:lstStyle>
-          <a:p>
-            <a:endParaRPr/>
-          </a:p>
+          <a:p/>
         </p:txBody>
       </p:sp>
       <p:sp>
@@ -2890,9 +2865,7 @@
               <a:defRPr/>
             </a:lvl9pPr>
           </a:lstStyle>
-          <a:p>
-            <a:endParaRPr/>
-          </a:p>
+          <a:p/>
         </p:txBody>
       </p:sp>
       <p:sp>
@@ -2937,16 +2910,16 @@
                 <a:srgbClr val="000000"/>
               </a:buClr>
               <a:buSzPts val="1000"/>
-              <a:buFont typeface="Arial"/>
+              <a:buFont typeface="Arial" panose="020B0604020202020204"/>
               <a:buNone/>
               <a:defRPr sz="1000" b="0" i="0" u="none" strike="noStrike" cap="none">
                 <a:solidFill>
                   <a:schemeClr val="dk2"/>
                 </a:solidFill>
-                <a:latin typeface="Arial"/>
-                <a:ea typeface="Arial"/>
-                <a:cs typeface="Arial"/>
-                <a:sym typeface="Arial"/>
+                <a:latin typeface="Arial" panose="020B0604020202020204"/>
+                <a:ea typeface="Arial" panose="020B0604020202020204"/>
+                <a:cs typeface="Arial" panose="020B0604020202020204"/>
+                <a:sym typeface="Arial" panose="020B0604020202020204"/>
               </a:defRPr>
             </a:lvl1pPr>
             <a:lvl2pPr marL="0" marR="0" lvl="1" indent="0" algn="r">
@@ -2963,16 +2936,16 @@
                 <a:srgbClr val="000000"/>
               </a:buClr>
               <a:buSzPts val="1000"/>
-              <a:buFont typeface="Arial"/>
+              <a:buFont typeface="Arial" panose="020B0604020202020204"/>
               <a:buNone/>
               <a:defRPr sz="1000" b="0" i="0" u="none" strike="noStrike" cap="none">
                 <a:solidFill>
                   <a:schemeClr val="dk2"/>
                 </a:solidFill>
-                <a:latin typeface="Arial"/>
-                <a:ea typeface="Arial"/>
-                <a:cs typeface="Arial"/>
-                <a:sym typeface="Arial"/>
+                <a:latin typeface="Arial" panose="020B0604020202020204"/>
+                <a:ea typeface="Arial" panose="020B0604020202020204"/>
+                <a:cs typeface="Arial" panose="020B0604020202020204"/>
+                <a:sym typeface="Arial" panose="020B0604020202020204"/>
               </a:defRPr>
             </a:lvl2pPr>
             <a:lvl3pPr marL="0" marR="0" lvl="2" indent="0" algn="r">
@@ -2989,16 +2962,16 @@
                 <a:srgbClr val="000000"/>
               </a:buClr>
               <a:buSzPts val="1000"/>
-              <a:buFont typeface="Arial"/>
+              <a:buFont typeface="Arial" panose="020B0604020202020204"/>
               <a:buNone/>
               <a:defRPr sz="1000" b="0" i="0" u="none" strike="noStrike" cap="none">
                 <a:solidFill>
                   <a:schemeClr val="dk2"/>
                 </a:solidFill>
-                <a:latin typeface="Arial"/>
-                <a:ea typeface="Arial"/>
-                <a:cs typeface="Arial"/>
-                <a:sym typeface="Arial"/>
+                <a:latin typeface="Arial" panose="020B0604020202020204"/>
+                <a:ea typeface="Arial" panose="020B0604020202020204"/>
+                <a:cs typeface="Arial" panose="020B0604020202020204"/>
+                <a:sym typeface="Arial" panose="020B0604020202020204"/>
               </a:defRPr>
             </a:lvl3pPr>
             <a:lvl4pPr marL="0" marR="0" lvl="3" indent="0" algn="r">
@@ -3015,16 +2988,16 @@
                 <a:srgbClr val="000000"/>
               </a:buClr>
               <a:buSzPts val="1000"/>
-              <a:buFont typeface="Arial"/>
+              <a:buFont typeface="Arial" panose="020B0604020202020204"/>
               <a:buNone/>
               <a:defRPr sz="1000" b="0" i="0" u="none" strike="noStrike" cap="none">
                 <a:solidFill>
                   <a:schemeClr val="dk2"/>
                 </a:solidFill>
-                <a:latin typeface="Arial"/>
-                <a:ea typeface="Arial"/>
-                <a:cs typeface="Arial"/>
-                <a:sym typeface="Arial"/>
+                <a:latin typeface="Arial" panose="020B0604020202020204"/>
+                <a:ea typeface="Arial" panose="020B0604020202020204"/>
+                <a:cs typeface="Arial" panose="020B0604020202020204"/>
+                <a:sym typeface="Arial" panose="020B0604020202020204"/>
               </a:defRPr>
             </a:lvl4pPr>
             <a:lvl5pPr marL="0" marR="0" lvl="4" indent="0" algn="r">
@@ -3041,16 +3014,16 @@
                 <a:srgbClr val="000000"/>
               </a:buClr>
               <a:buSzPts val="1000"/>
-              <a:buFont typeface="Arial"/>
+              <a:buFont typeface="Arial" panose="020B0604020202020204"/>
               <a:buNone/>
               <a:defRPr sz="1000" b="0" i="0" u="none" strike="noStrike" cap="none">
                 <a:solidFill>
                   <a:schemeClr val="dk2"/>
                 </a:solidFill>
-                <a:latin typeface="Arial"/>
-                <a:ea typeface="Arial"/>
-                <a:cs typeface="Arial"/>
-                <a:sym typeface="Arial"/>
+                <a:latin typeface="Arial" panose="020B0604020202020204"/>
+                <a:ea typeface="Arial" panose="020B0604020202020204"/>
+                <a:cs typeface="Arial" panose="020B0604020202020204"/>
+                <a:sym typeface="Arial" panose="020B0604020202020204"/>
               </a:defRPr>
             </a:lvl5pPr>
             <a:lvl6pPr marL="0" marR="0" lvl="5" indent="0" algn="r">
@@ -3067,16 +3040,16 @@
                 <a:srgbClr val="000000"/>
               </a:buClr>
               <a:buSzPts val="1000"/>
-              <a:buFont typeface="Arial"/>
+              <a:buFont typeface="Arial" panose="020B0604020202020204"/>
               <a:buNone/>
               <a:defRPr sz="1000" b="0" i="0" u="none" strike="noStrike" cap="none">
                 <a:solidFill>
                   <a:schemeClr val="dk2"/>
                 </a:solidFill>
-                <a:latin typeface="Arial"/>
-                <a:ea typeface="Arial"/>
-                <a:cs typeface="Arial"/>
-                <a:sym typeface="Arial"/>
+                <a:latin typeface="Arial" panose="020B0604020202020204"/>
+                <a:ea typeface="Arial" panose="020B0604020202020204"/>
+                <a:cs typeface="Arial" panose="020B0604020202020204"/>
+                <a:sym typeface="Arial" panose="020B0604020202020204"/>
               </a:defRPr>
             </a:lvl6pPr>
             <a:lvl7pPr marL="0" marR="0" lvl="6" indent="0" algn="r">
@@ -3093,16 +3066,16 @@
                 <a:srgbClr val="000000"/>
               </a:buClr>
               <a:buSzPts val="1000"/>
-              <a:buFont typeface="Arial"/>
+              <a:buFont typeface="Arial" panose="020B0604020202020204"/>
               <a:buNone/>
               <a:defRPr sz="1000" b="0" i="0" u="none" strike="noStrike" cap="none">
                 <a:solidFill>
                   <a:schemeClr val="dk2"/>
                 </a:solidFill>
-                <a:latin typeface="Arial"/>
-                <a:ea typeface="Arial"/>
-                <a:cs typeface="Arial"/>
-                <a:sym typeface="Arial"/>
+                <a:latin typeface="Arial" panose="020B0604020202020204"/>
+                <a:ea typeface="Arial" panose="020B0604020202020204"/>
+                <a:cs typeface="Arial" panose="020B0604020202020204"/>
+                <a:sym typeface="Arial" panose="020B0604020202020204"/>
               </a:defRPr>
             </a:lvl7pPr>
             <a:lvl8pPr marL="0" marR="0" lvl="7" indent="0" algn="r">
@@ -3119,16 +3092,16 @@
                 <a:srgbClr val="000000"/>
               </a:buClr>
               <a:buSzPts val="1000"/>
-              <a:buFont typeface="Arial"/>
+              <a:buFont typeface="Arial" panose="020B0604020202020204"/>
               <a:buNone/>
               <a:defRPr sz="1000" b="0" i="0" u="none" strike="noStrike" cap="none">
                 <a:solidFill>
                   <a:schemeClr val="dk2"/>
                 </a:solidFill>
-                <a:latin typeface="Arial"/>
-                <a:ea typeface="Arial"/>
-                <a:cs typeface="Arial"/>
-                <a:sym typeface="Arial"/>
+                <a:latin typeface="Arial" panose="020B0604020202020204"/>
+                <a:ea typeface="Arial" panose="020B0604020202020204"/>
+                <a:cs typeface="Arial" panose="020B0604020202020204"/>
+                <a:sym typeface="Arial" panose="020B0604020202020204"/>
               </a:defRPr>
             </a:lvl8pPr>
             <a:lvl9pPr marL="0" marR="0" lvl="8" indent="0" algn="r">
@@ -3145,16 +3118,16 @@
                 <a:srgbClr val="000000"/>
               </a:buClr>
               <a:buSzPts val="1000"/>
-              <a:buFont typeface="Arial"/>
+              <a:buFont typeface="Arial" panose="020B0604020202020204"/>
               <a:buNone/>
               <a:defRPr sz="1000" b="0" i="0" u="none" strike="noStrike" cap="none">
                 <a:solidFill>
                   <a:schemeClr val="dk2"/>
                 </a:solidFill>
-                <a:latin typeface="Arial"/>
-                <a:ea typeface="Arial"/>
-                <a:cs typeface="Arial"/>
-                <a:sym typeface="Arial"/>
+                <a:latin typeface="Arial" panose="020B0604020202020204"/>
+                <a:ea typeface="Arial" panose="020B0604020202020204"/>
+                <a:cs typeface="Arial" panose="020B0604020202020204"/>
+                <a:sym typeface="Arial" panose="020B0604020202020204"/>
               </a:defRPr>
             </a:lvl9pPr>
           </a:lstStyle>
@@ -3170,9 +3143,8 @@
             </a:pPr>
             <a:fld id="{00000000-1234-1234-1234-123412341234}" type="slidenum">
               <a:rPr lang="en-GB"/>
-              <a:t>‹#›</a:t>
             </a:fld>
-            <a:endParaRPr/>
+            <a:endParaRPr lang="en-GB"/>
           </a:p>
         </p:txBody>
       </p:sp>
@@ -3185,7 +3157,7 @@
 </file>
 
 <file path=ppt/slideLayouts/slideLayout3.xml><?xml version="1.0" encoding="utf-8"?>
-<p:sldLayout xmlns:a="http://schemas.openxmlformats.org/drawingml/2006/main" xmlns:r="http://schemas.openxmlformats.org/officeDocument/2006/relationships" xmlns:p="http://schemas.openxmlformats.org/presentationml/2006/main" matchingName="Section header" type="secHead">
+<p:sldLayout xmlns:a="http://schemas.openxmlformats.org/drawingml/2006/main" xmlns:r="http://schemas.openxmlformats.org/officeDocument/2006/relationships" xmlns:p="http://schemas.openxmlformats.org/presentationml/2006/main" type="secHead" matchingName="Section header">
   <p:cSld name="SECTION_HEADER">
     <p:spTree>
       <p:nvGrpSpPr>
@@ -3356,9 +3328,7 @@
               <a:defRPr sz="3600"/>
             </a:lvl9pPr>
           </a:lstStyle>
-          <a:p>
-            <a:endParaRPr/>
-          </a:p>
+          <a:p/>
         </p:txBody>
       </p:sp>
       <p:sp>
@@ -3403,16 +3373,16 @@
                 <a:srgbClr val="000000"/>
               </a:buClr>
               <a:buSzPts val="1000"/>
-              <a:buFont typeface="Arial"/>
+              <a:buFont typeface="Arial" panose="020B0604020202020204"/>
               <a:buNone/>
               <a:defRPr sz="1000" b="0" i="0" u="none" strike="noStrike" cap="none">
                 <a:solidFill>
                   <a:schemeClr val="dk2"/>
                 </a:solidFill>
-                <a:latin typeface="Arial"/>
-                <a:ea typeface="Arial"/>
-                <a:cs typeface="Arial"/>
-                <a:sym typeface="Arial"/>
+                <a:latin typeface="Arial" panose="020B0604020202020204"/>
+                <a:ea typeface="Arial" panose="020B0604020202020204"/>
+                <a:cs typeface="Arial" panose="020B0604020202020204"/>
+                <a:sym typeface="Arial" panose="020B0604020202020204"/>
               </a:defRPr>
             </a:lvl1pPr>
             <a:lvl2pPr marL="0" marR="0" lvl="1" indent="0" algn="r">
@@ -3429,16 +3399,16 @@
                 <a:srgbClr val="000000"/>
               </a:buClr>
               <a:buSzPts val="1000"/>
-              <a:buFont typeface="Arial"/>
+              <a:buFont typeface="Arial" panose="020B0604020202020204"/>
               <a:buNone/>
               <a:defRPr sz="1000" b="0" i="0" u="none" strike="noStrike" cap="none">
                 <a:solidFill>
                   <a:schemeClr val="dk2"/>
                 </a:solidFill>
-                <a:latin typeface="Arial"/>
-                <a:ea typeface="Arial"/>
-                <a:cs typeface="Arial"/>
-                <a:sym typeface="Arial"/>
+                <a:latin typeface="Arial" panose="020B0604020202020204"/>
+                <a:ea typeface="Arial" panose="020B0604020202020204"/>
+                <a:cs typeface="Arial" panose="020B0604020202020204"/>
+                <a:sym typeface="Arial" panose="020B0604020202020204"/>
               </a:defRPr>
             </a:lvl2pPr>
             <a:lvl3pPr marL="0" marR="0" lvl="2" indent="0" algn="r">
@@ -3455,16 +3425,16 @@
                 <a:srgbClr val="000000"/>
               </a:buClr>
               <a:buSzPts val="1000"/>
-              <a:buFont typeface="Arial"/>
+              <a:buFont typeface="Arial" panose="020B0604020202020204"/>
               <a:buNone/>
               <a:defRPr sz="1000" b="0" i="0" u="none" strike="noStrike" cap="none">
                 <a:solidFill>
                   <a:schemeClr val="dk2"/>
                 </a:solidFill>
-                <a:latin typeface="Arial"/>
-                <a:ea typeface="Arial"/>
-                <a:cs typeface="Arial"/>
-                <a:sym typeface="Arial"/>
+                <a:latin typeface="Arial" panose="020B0604020202020204"/>
+                <a:ea typeface="Arial" panose="020B0604020202020204"/>
+                <a:cs typeface="Arial" panose="020B0604020202020204"/>
+                <a:sym typeface="Arial" panose="020B0604020202020204"/>
               </a:defRPr>
             </a:lvl3pPr>
             <a:lvl4pPr marL="0" marR="0" lvl="3" indent="0" algn="r">
@@ -3481,16 +3451,16 @@
                 <a:srgbClr val="000000"/>
               </a:buClr>
               <a:buSzPts val="1000"/>
-              <a:buFont typeface="Arial"/>
+              <a:buFont typeface="Arial" panose="020B0604020202020204"/>
               <a:buNone/>
               <a:defRPr sz="1000" b="0" i="0" u="none" strike="noStrike" cap="none">
                 <a:solidFill>
                   <a:schemeClr val="dk2"/>
                 </a:solidFill>
-                <a:latin typeface="Arial"/>
-                <a:ea typeface="Arial"/>
-                <a:cs typeface="Arial"/>
-                <a:sym typeface="Arial"/>
+                <a:latin typeface="Arial" panose="020B0604020202020204"/>
+                <a:ea typeface="Arial" panose="020B0604020202020204"/>
+                <a:cs typeface="Arial" panose="020B0604020202020204"/>
+                <a:sym typeface="Arial" panose="020B0604020202020204"/>
               </a:defRPr>
             </a:lvl4pPr>
             <a:lvl5pPr marL="0" marR="0" lvl="4" indent="0" algn="r">
@@ -3507,16 +3477,16 @@
                 <a:srgbClr val="000000"/>
               </a:buClr>
               <a:buSzPts val="1000"/>
-              <a:buFont typeface="Arial"/>
+              <a:buFont typeface="Arial" panose="020B0604020202020204"/>
               <a:buNone/>
               <a:defRPr sz="1000" b="0" i="0" u="none" strike="noStrike" cap="none">
                 <a:solidFill>
                   <a:schemeClr val="dk2"/>
                 </a:solidFill>
-                <a:latin typeface="Arial"/>
-                <a:ea typeface="Arial"/>
-                <a:cs typeface="Arial"/>
-                <a:sym typeface="Arial"/>
+                <a:latin typeface="Arial" panose="020B0604020202020204"/>
+                <a:ea typeface="Arial" panose="020B0604020202020204"/>
+                <a:cs typeface="Arial" panose="020B0604020202020204"/>
+                <a:sym typeface="Arial" panose="020B0604020202020204"/>
               </a:defRPr>
             </a:lvl5pPr>
             <a:lvl6pPr marL="0" marR="0" lvl="5" indent="0" algn="r">
@@ -3533,16 +3503,16 @@
                 <a:srgbClr val="000000"/>
               </a:buClr>
               <a:buSzPts val="1000"/>
-              <a:buFont typeface="Arial"/>
+              <a:buFont typeface="Arial" panose="020B0604020202020204"/>
               <a:buNone/>
               <a:defRPr sz="1000" b="0" i="0" u="none" strike="noStrike" cap="none">
                 <a:solidFill>
                   <a:schemeClr val="dk2"/>
                 </a:solidFill>
-                <a:latin typeface="Arial"/>
-                <a:ea typeface="Arial"/>
-                <a:cs typeface="Arial"/>
-                <a:sym typeface="Arial"/>
+                <a:latin typeface="Arial" panose="020B0604020202020204"/>
+                <a:ea typeface="Arial" panose="020B0604020202020204"/>
+                <a:cs typeface="Arial" panose="020B0604020202020204"/>
+                <a:sym typeface="Arial" panose="020B0604020202020204"/>
               </a:defRPr>
             </a:lvl6pPr>
             <a:lvl7pPr marL="0" marR="0" lvl="6" indent="0" algn="r">
@@ -3559,16 +3529,16 @@
                 <a:srgbClr val="000000"/>
               </a:buClr>
               <a:buSzPts val="1000"/>
-              <a:buFont typeface="Arial"/>
+              <a:buFont typeface="Arial" panose="020B0604020202020204"/>
               <a:buNone/>
               <a:defRPr sz="1000" b="0" i="0" u="none" strike="noStrike" cap="none">
                 <a:solidFill>
                   <a:schemeClr val="dk2"/>
                 </a:solidFill>
-                <a:latin typeface="Arial"/>
-                <a:ea typeface="Arial"/>
-                <a:cs typeface="Arial"/>
-                <a:sym typeface="Arial"/>
+                <a:latin typeface="Arial" panose="020B0604020202020204"/>
+                <a:ea typeface="Arial" panose="020B0604020202020204"/>
+                <a:cs typeface="Arial" panose="020B0604020202020204"/>
+                <a:sym typeface="Arial" panose="020B0604020202020204"/>
               </a:defRPr>
             </a:lvl7pPr>
             <a:lvl8pPr marL="0" marR="0" lvl="7" indent="0" algn="r">
@@ -3585,16 +3555,16 @@
                 <a:srgbClr val="000000"/>
               </a:buClr>
               <a:buSzPts val="1000"/>
-              <a:buFont typeface="Arial"/>
+              <a:buFont typeface="Arial" panose="020B0604020202020204"/>
               <a:buNone/>
               <a:defRPr sz="1000" b="0" i="0" u="none" strike="noStrike" cap="none">
                 <a:solidFill>
                   <a:schemeClr val="dk2"/>
                 </a:solidFill>
-                <a:latin typeface="Arial"/>
-                <a:ea typeface="Arial"/>
-                <a:cs typeface="Arial"/>
-                <a:sym typeface="Arial"/>
+                <a:latin typeface="Arial" panose="020B0604020202020204"/>
+                <a:ea typeface="Arial" panose="020B0604020202020204"/>
+                <a:cs typeface="Arial" panose="020B0604020202020204"/>
+                <a:sym typeface="Arial" panose="020B0604020202020204"/>
               </a:defRPr>
             </a:lvl8pPr>
             <a:lvl9pPr marL="0" marR="0" lvl="8" indent="0" algn="r">
@@ -3611,16 +3581,16 @@
                 <a:srgbClr val="000000"/>
               </a:buClr>
               <a:buSzPts val="1000"/>
-              <a:buFont typeface="Arial"/>
+              <a:buFont typeface="Arial" panose="020B0604020202020204"/>
               <a:buNone/>
               <a:defRPr sz="1000" b="0" i="0" u="none" strike="noStrike" cap="none">
                 <a:solidFill>
                   <a:schemeClr val="dk2"/>
                 </a:solidFill>
-                <a:latin typeface="Arial"/>
-                <a:ea typeface="Arial"/>
-                <a:cs typeface="Arial"/>
-                <a:sym typeface="Arial"/>
+                <a:latin typeface="Arial" panose="020B0604020202020204"/>
+                <a:ea typeface="Arial" panose="020B0604020202020204"/>
+                <a:cs typeface="Arial" panose="020B0604020202020204"/>
+                <a:sym typeface="Arial" panose="020B0604020202020204"/>
               </a:defRPr>
             </a:lvl9pPr>
           </a:lstStyle>
@@ -3636,9 +3606,8 @@
             </a:pPr>
             <a:fld id="{00000000-1234-1234-1234-123412341234}" type="slidenum">
               <a:rPr lang="en-GB"/>
-              <a:t>‹#›</a:t>
             </a:fld>
-            <a:endParaRPr/>
+            <a:endParaRPr lang="en-GB"/>
           </a:p>
         </p:txBody>
       </p:sp>
@@ -3651,7 +3620,7 @@
 </file>
 
 <file path=ppt/slideLayouts/slideLayout4.xml><?xml version="1.0" encoding="utf-8"?>
-<p:sldLayout xmlns:a="http://schemas.openxmlformats.org/drawingml/2006/main" xmlns:r="http://schemas.openxmlformats.org/officeDocument/2006/relationships" xmlns:p="http://schemas.openxmlformats.org/presentationml/2006/main" matchingName="Title and two columns" type="twoColTx">
+<p:sldLayout xmlns:a="http://schemas.openxmlformats.org/drawingml/2006/main" xmlns:r="http://schemas.openxmlformats.org/officeDocument/2006/relationships" xmlns:p="http://schemas.openxmlformats.org/presentationml/2006/main" type="twoColTx" matchingName="Title and two columns">
   <p:cSld name="TITLE_AND_TWO_COLUMNS">
     <p:spTree>
       <p:nvGrpSpPr>
@@ -3822,9 +3791,7 @@
               <a:defRPr/>
             </a:lvl9pPr>
           </a:lstStyle>
-          <a:p>
-            <a:endParaRPr/>
-          </a:p>
+          <a:p/>
         </p:txBody>
       </p:sp>
       <p:sp>
@@ -3982,9 +3949,7 @@
               <a:defRPr sz="1200"/>
             </a:lvl9pPr>
           </a:lstStyle>
-          <a:p>
-            <a:endParaRPr/>
-          </a:p>
+          <a:p/>
         </p:txBody>
       </p:sp>
       <p:sp>
@@ -4142,9 +4107,7 @@
               <a:defRPr sz="1200"/>
             </a:lvl9pPr>
           </a:lstStyle>
-          <a:p>
-            <a:endParaRPr/>
-          </a:p>
+          <a:p/>
         </p:txBody>
       </p:sp>
       <p:sp>
@@ -4189,16 +4152,16 @@
                 <a:srgbClr val="000000"/>
               </a:buClr>
               <a:buSzPts val="1000"/>
-              <a:buFont typeface="Arial"/>
+              <a:buFont typeface="Arial" panose="020B0604020202020204"/>
               <a:buNone/>
               <a:defRPr sz="1000" b="0" i="0" u="none" strike="noStrike" cap="none">
                 <a:solidFill>
                   <a:schemeClr val="dk2"/>
                 </a:solidFill>
-                <a:latin typeface="Arial"/>
-                <a:ea typeface="Arial"/>
-                <a:cs typeface="Arial"/>
-                <a:sym typeface="Arial"/>
+                <a:latin typeface="Arial" panose="020B0604020202020204"/>
+                <a:ea typeface="Arial" panose="020B0604020202020204"/>
+                <a:cs typeface="Arial" panose="020B0604020202020204"/>
+                <a:sym typeface="Arial" panose="020B0604020202020204"/>
               </a:defRPr>
             </a:lvl1pPr>
             <a:lvl2pPr marL="0" marR="0" lvl="1" indent="0" algn="r">
@@ -4215,16 +4178,16 @@
                 <a:srgbClr val="000000"/>
               </a:buClr>
               <a:buSzPts val="1000"/>
-              <a:buFont typeface="Arial"/>
+              <a:buFont typeface="Arial" panose="020B0604020202020204"/>
               <a:buNone/>
               <a:defRPr sz="1000" b="0" i="0" u="none" strike="noStrike" cap="none">
                 <a:solidFill>
                   <a:schemeClr val="dk2"/>
                 </a:solidFill>
-                <a:latin typeface="Arial"/>
-                <a:ea typeface="Arial"/>
-                <a:cs typeface="Arial"/>
-                <a:sym typeface="Arial"/>
+                <a:latin typeface="Arial" panose="020B0604020202020204"/>
+                <a:ea typeface="Arial" panose="020B0604020202020204"/>
+                <a:cs typeface="Arial" panose="020B0604020202020204"/>
+                <a:sym typeface="Arial" panose="020B0604020202020204"/>
               </a:defRPr>
             </a:lvl2pPr>
             <a:lvl3pPr marL="0" marR="0" lvl="2" indent="0" algn="r">
@@ -4241,16 +4204,16 @@
                 <a:srgbClr val="000000"/>
               </a:buClr>
               <a:buSzPts val="1000"/>
-              <a:buFont typeface="Arial"/>
+              <a:buFont typeface="Arial" panose="020B0604020202020204"/>
               <a:buNone/>
               <a:defRPr sz="1000" b="0" i="0" u="none" strike="noStrike" cap="none">
                 <a:solidFill>
                   <a:schemeClr val="dk2"/>
                 </a:solidFill>
-                <a:latin typeface="Arial"/>
-                <a:ea typeface="Arial"/>
-                <a:cs typeface="Arial"/>
-                <a:sym typeface="Arial"/>
+                <a:latin typeface="Arial" panose="020B0604020202020204"/>
+                <a:ea typeface="Arial" panose="020B0604020202020204"/>
+                <a:cs typeface="Arial" panose="020B0604020202020204"/>
+                <a:sym typeface="Arial" panose="020B0604020202020204"/>
               </a:defRPr>
             </a:lvl3pPr>
             <a:lvl4pPr marL="0" marR="0" lvl="3" indent="0" algn="r">
@@ -4267,16 +4230,16 @@
                 <a:srgbClr val="000000"/>
               </a:buClr>
               <a:buSzPts val="1000"/>
-              <a:buFont typeface="Arial"/>
+              <a:buFont typeface="Arial" panose="020B0604020202020204"/>
               <a:buNone/>
               <a:defRPr sz="1000" b="0" i="0" u="none" strike="noStrike" cap="none">
                 <a:solidFill>
                   <a:schemeClr val="dk2"/>
                 </a:solidFill>
-                <a:latin typeface="Arial"/>
-                <a:ea typeface="Arial"/>
-                <a:cs typeface="Arial"/>
-                <a:sym typeface="Arial"/>
+                <a:latin typeface="Arial" panose="020B0604020202020204"/>
+                <a:ea typeface="Arial" panose="020B0604020202020204"/>
+                <a:cs typeface="Arial" panose="020B0604020202020204"/>
+                <a:sym typeface="Arial" panose="020B0604020202020204"/>
               </a:defRPr>
             </a:lvl4pPr>
             <a:lvl5pPr marL="0" marR="0" lvl="4" indent="0" algn="r">
@@ -4293,16 +4256,16 @@
                 <a:srgbClr val="000000"/>
               </a:buClr>
               <a:buSzPts val="1000"/>
-              <a:buFont typeface="Arial"/>
+              <a:buFont typeface="Arial" panose="020B0604020202020204"/>
               <a:buNone/>
               <a:defRPr sz="1000" b="0" i="0" u="none" strike="noStrike" cap="none">
                 <a:solidFill>
                   <a:schemeClr val="dk2"/>
                 </a:solidFill>
-                <a:latin typeface="Arial"/>
-                <a:ea typeface="Arial"/>
-                <a:cs typeface="Arial"/>
-                <a:sym typeface="Arial"/>
+                <a:latin typeface="Arial" panose="020B0604020202020204"/>
+                <a:ea typeface="Arial" panose="020B0604020202020204"/>
+                <a:cs typeface="Arial" panose="020B0604020202020204"/>
+                <a:sym typeface="Arial" panose="020B0604020202020204"/>
               </a:defRPr>
             </a:lvl5pPr>
             <a:lvl6pPr marL="0" marR="0" lvl="5" indent="0" algn="r">
@@ -4319,16 +4282,16 @@
                 <a:srgbClr val="000000"/>
               </a:buClr>
               <a:buSzPts val="1000"/>
-              <a:buFont typeface="Arial"/>
+              <a:buFont typeface="Arial" panose="020B0604020202020204"/>
               <a:buNone/>
               <a:defRPr sz="1000" b="0" i="0" u="none" strike="noStrike" cap="none">
                 <a:solidFill>
                   <a:schemeClr val="dk2"/>
                 </a:solidFill>
-                <a:latin typeface="Arial"/>
-                <a:ea typeface="Arial"/>
-                <a:cs typeface="Arial"/>
-                <a:sym typeface="Arial"/>
+                <a:latin typeface="Arial" panose="020B0604020202020204"/>
+                <a:ea typeface="Arial" panose="020B0604020202020204"/>
+                <a:cs typeface="Arial" panose="020B0604020202020204"/>
+                <a:sym typeface="Arial" panose="020B0604020202020204"/>
               </a:defRPr>
             </a:lvl6pPr>
             <a:lvl7pPr marL="0" marR="0" lvl="6" indent="0" algn="r">
@@ -4345,16 +4308,16 @@
                 <a:srgbClr val="000000"/>
               </a:buClr>
               <a:buSzPts val="1000"/>
-              <a:buFont typeface="Arial"/>
+              <a:buFont typeface="Arial" panose="020B0604020202020204"/>
               <a:buNone/>
               <a:defRPr sz="1000" b="0" i="0" u="none" strike="noStrike" cap="none">
                 <a:solidFill>
                   <a:schemeClr val="dk2"/>
                 </a:solidFill>
-                <a:latin typeface="Arial"/>
-                <a:ea typeface="Arial"/>
-                <a:cs typeface="Arial"/>
-                <a:sym typeface="Arial"/>
+                <a:latin typeface="Arial" panose="020B0604020202020204"/>
+                <a:ea typeface="Arial" panose="020B0604020202020204"/>
+                <a:cs typeface="Arial" panose="020B0604020202020204"/>
+                <a:sym typeface="Arial" panose="020B0604020202020204"/>
               </a:defRPr>
             </a:lvl7pPr>
             <a:lvl8pPr marL="0" marR="0" lvl="7" indent="0" algn="r">
@@ -4371,16 +4334,16 @@
                 <a:srgbClr val="000000"/>
               </a:buClr>
               <a:buSzPts val="1000"/>
-              <a:buFont typeface="Arial"/>
+              <a:buFont typeface="Arial" panose="020B0604020202020204"/>
               <a:buNone/>
               <a:defRPr sz="1000" b="0" i="0" u="none" strike="noStrike" cap="none">
                 <a:solidFill>
                   <a:schemeClr val="dk2"/>
                 </a:solidFill>
-                <a:latin typeface="Arial"/>
-                <a:ea typeface="Arial"/>
-                <a:cs typeface="Arial"/>
-                <a:sym typeface="Arial"/>
+                <a:latin typeface="Arial" panose="020B0604020202020204"/>
+                <a:ea typeface="Arial" panose="020B0604020202020204"/>
+                <a:cs typeface="Arial" panose="020B0604020202020204"/>
+                <a:sym typeface="Arial" panose="020B0604020202020204"/>
               </a:defRPr>
             </a:lvl8pPr>
             <a:lvl9pPr marL="0" marR="0" lvl="8" indent="0" algn="r">
@@ -4397,16 +4360,16 @@
                 <a:srgbClr val="000000"/>
               </a:buClr>
               <a:buSzPts val="1000"/>
-              <a:buFont typeface="Arial"/>
+              <a:buFont typeface="Arial" panose="020B0604020202020204"/>
               <a:buNone/>
               <a:defRPr sz="1000" b="0" i="0" u="none" strike="noStrike" cap="none">
                 <a:solidFill>
                   <a:schemeClr val="dk2"/>
                 </a:solidFill>
-                <a:latin typeface="Arial"/>
-                <a:ea typeface="Arial"/>
-                <a:cs typeface="Arial"/>
-                <a:sym typeface="Arial"/>
+                <a:latin typeface="Arial" panose="020B0604020202020204"/>
+                <a:ea typeface="Arial" panose="020B0604020202020204"/>
+                <a:cs typeface="Arial" panose="020B0604020202020204"/>
+                <a:sym typeface="Arial" panose="020B0604020202020204"/>
               </a:defRPr>
             </a:lvl9pPr>
           </a:lstStyle>
@@ -4422,9 +4385,8 @@
             </a:pPr>
             <a:fld id="{00000000-1234-1234-1234-123412341234}" type="slidenum">
               <a:rPr lang="en-GB"/>
-              <a:t>‹#›</a:t>
             </a:fld>
-            <a:endParaRPr/>
+            <a:endParaRPr lang="en-GB"/>
           </a:p>
         </p:txBody>
       </p:sp>
@@ -4437,7 +4399,7 @@
 </file>
 
 <file path=ppt/slideLayouts/slideLayout5.xml><?xml version="1.0" encoding="utf-8"?>
-<p:sldLayout xmlns:a="http://schemas.openxmlformats.org/drawingml/2006/main" xmlns:r="http://schemas.openxmlformats.org/officeDocument/2006/relationships" xmlns:p="http://schemas.openxmlformats.org/presentationml/2006/main" matchingName="Title only" type="titleOnly">
+<p:sldLayout xmlns:a="http://schemas.openxmlformats.org/drawingml/2006/main" xmlns:r="http://schemas.openxmlformats.org/officeDocument/2006/relationships" xmlns:p="http://schemas.openxmlformats.org/presentationml/2006/main" type="titleOnly" matchingName="Title only">
   <p:cSld name="TITLE_ONLY">
     <p:spTree>
       <p:nvGrpSpPr>
@@ -4608,9 +4570,7 @@
               <a:defRPr/>
             </a:lvl9pPr>
           </a:lstStyle>
-          <a:p>
-            <a:endParaRPr/>
-          </a:p>
+          <a:p/>
         </p:txBody>
       </p:sp>
       <p:sp>
@@ -4655,16 +4615,16 @@
                 <a:srgbClr val="000000"/>
               </a:buClr>
               <a:buSzPts val="1000"/>
-              <a:buFont typeface="Arial"/>
+              <a:buFont typeface="Arial" panose="020B0604020202020204"/>
               <a:buNone/>
               <a:defRPr sz="1000" b="0" i="0" u="none" strike="noStrike" cap="none">
                 <a:solidFill>
                   <a:schemeClr val="dk2"/>
                 </a:solidFill>
-                <a:latin typeface="Arial"/>
-                <a:ea typeface="Arial"/>
-                <a:cs typeface="Arial"/>
-                <a:sym typeface="Arial"/>
+                <a:latin typeface="Arial" panose="020B0604020202020204"/>
+                <a:ea typeface="Arial" panose="020B0604020202020204"/>
+                <a:cs typeface="Arial" panose="020B0604020202020204"/>
+                <a:sym typeface="Arial" panose="020B0604020202020204"/>
               </a:defRPr>
             </a:lvl1pPr>
             <a:lvl2pPr marL="0" marR="0" lvl="1" indent="0" algn="r">
@@ -4681,16 +4641,16 @@
                 <a:srgbClr val="000000"/>
               </a:buClr>
               <a:buSzPts val="1000"/>
-              <a:buFont typeface="Arial"/>
+              <a:buFont typeface="Arial" panose="020B0604020202020204"/>
               <a:buNone/>
               <a:defRPr sz="1000" b="0" i="0" u="none" strike="noStrike" cap="none">
                 <a:solidFill>
                   <a:schemeClr val="dk2"/>
                 </a:solidFill>
-                <a:latin typeface="Arial"/>
-                <a:ea typeface="Arial"/>
-                <a:cs typeface="Arial"/>
-                <a:sym typeface="Arial"/>
+                <a:latin typeface="Arial" panose="020B0604020202020204"/>
+                <a:ea typeface="Arial" panose="020B0604020202020204"/>
+                <a:cs typeface="Arial" panose="020B0604020202020204"/>
+                <a:sym typeface="Arial" panose="020B0604020202020204"/>
               </a:defRPr>
             </a:lvl2pPr>
             <a:lvl3pPr marL="0" marR="0" lvl="2" indent="0" algn="r">
@@ -4707,16 +4667,16 @@
                 <a:srgbClr val="000000"/>
               </a:buClr>
               <a:buSzPts val="1000"/>
-              <a:buFont typeface="Arial"/>
+              <a:buFont typeface="Arial" panose="020B0604020202020204"/>
               <a:buNone/>
               <a:defRPr sz="1000" b="0" i="0" u="none" strike="noStrike" cap="none">
                 <a:solidFill>
                   <a:schemeClr val="dk2"/>
                 </a:solidFill>
-                <a:latin typeface="Arial"/>
-                <a:ea typeface="Arial"/>
-                <a:cs typeface="Arial"/>
-                <a:sym typeface="Arial"/>
+                <a:latin typeface="Arial" panose="020B0604020202020204"/>
+                <a:ea typeface="Arial" panose="020B0604020202020204"/>
+                <a:cs typeface="Arial" panose="020B0604020202020204"/>
+                <a:sym typeface="Arial" panose="020B0604020202020204"/>
               </a:defRPr>
             </a:lvl3pPr>
             <a:lvl4pPr marL="0" marR="0" lvl="3" indent="0" algn="r">
@@ -4733,16 +4693,16 @@
                 <a:srgbClr val="000000"/>
               </a:buClr>
               <a:buSzPts val="1000"/>
-              <a:buFont typeface="Arial"/>
+              <a:buFont typeface="Arial" panose="020B0604020202020204"/>
               <a:buNone/>
               <a:defRPr sz="1000" b="0" i="0" u="none" strike="noStrike" cap="none">
                 <a:solidFill>
                   <a:schemeClr val="dk2"/>
                 </a:solidFill>
-                <a:latin typeface="Arial"/>
-                <a:ea typeface="Arial"/>
-                <a:cs typeface="Arial"/>
-                <a:sym typeface="Arial"/>
+                <a:latin typeface="Arial" panose="020B0604020202020204"/>
+                <a:ea typeface="Arial" panose="020B0604020202020204"/>
+                <a:cs typeface="Arial" panose="020B0604020202020204"/>
+                <a:sym typeface="Arial" panose="020B0604020202020204"/>
               </a:defRPr>
             </a:lvl4pPr>
             <a:lvl5pPr marL="0" marR="0" lvl="4" indent="0" algn="r">
@@ -4759,16 +4719,16 @@
                 <a:srgbClr val="000000"/>
               </a:buClr>
               <a:buSzPts val="1000"/>
-              <a:buFont typeface="Arial"/>
+              <a:buFont typeface="Arial" panose="020B0604020202020204"/>
               <a:buNone/>
               <a:defRPr sz="1000" b="0" i="0" u="none" strike="noStrike" cap="none">
                 <a:solidFill>
                   <a:schemeClr val="dk2"/>
                 </a:solidFill>
-                <a:latin typeface="Arial"/>
-                <a:ea typeface="Arial"/>
-                <a:cs typeface="Arial"/>
-                <a:sym typeface="Arial"/>
+                <a:latin typeface="Arial" panose="020B0604020202020204"/>
+                <a:ea typeface="Arial" panose="020B0604020202020204"/>
+                <a:cs typeface="Arial" panose="020B0604020202020204"/>
+                <a:sym typeface="Arial" panose="020B0604020202020204"/>
               </a:defRPr>
             </a:lvl5pPr>
             <a:lvl6pPr marL="0" marR="0" lvl="5" indent="0" algn="r">
@@ -4785,16 +4745,16 @@
                 <a:srgbClr val="000000"/>
               </a:buClr>
               <a:buSzPts val="1000"/>
-              <a:buFont typeface="Arial"/>
+              <a:buFont typeface="Arial" panose="020B0604020202020204"/>
               <a:buNone/>
               <a:defRPr sz="1000" b="0" i="0" u="none" strike="noStrike" cap="none">
                 <a:solidFill>
                   <a:schemeClr val="dk2"/>
                 </a:solidFill>
-                <a:latin typeface="Arial"/>
-                <a:ea typeface="Arial"/>
-                <a:cs typeface="Arial"/>
-                <a:sym typeface="Arial"/>
+                <a:latin typeface="Arial" panose="020B0604020202020204"/>
+                <a:ea typeface="Arial" panose="020B0604020202020204"/>
+                <a:cs typeface="Arial" panose="020B0604020202020204"/>
+                <a:sym typeface="Arial" panose="020B0604020202020204"/>
               </a:defRPr>
             </a:lvl6pPr>
             <a:lvl7pPr marL="0" marR="0" lvl="6" indent="0" algn="r">
@@ -4811,16 +4771,16 @@
                 <a:srgbClr val="000000"/>
               </a:buClr>
               <a:buSzPts val="1000"/>
-              <a:buFont typeface="Arial"/>
+              <a:buFont typeface="Arial" panose="020B0604020202020204"/>
               <a:buNone/>
               <a:defRPr sz="1000" b="0" i="0" u="none" strike="noStrike" cap="none">
                 <a:solidFill>
                   <a:schemeClr val="dk2"/>
                 </a:solidFill>
-                <a:latin typeface="Arial"/>
-                <a:ea typeface="Arial"/>
-                <a:cs typeface="Arial"/>
-                <a:sym typeface="Arial"/>
+                <a:latin typeface="Arial" panose="020B0604020202020204"/>
+                <a:ea typeface="Arial" panose="020B0604020202020204"/>
+                <a:cs typeface="Arial" panose="020B0604020202020204"/>
+                <a:sym typeface="Arial" panose="020B0604020202020204"/>
               </a:defRPr>
             </a:lvl7pPr>
             <a:lvl8pPr marL="0" marR="0" lvl="7" indent="0" algn="r">
@@ -4837,16 +4797,16 @@
                 <a:srgbClr val="000000"/>
               </a:buClr>
               <a:buSzPts val="1000"/>
-              <a:buFont typeface="Arial"/>
+              <a:buFont typeface="Arial" panose="020B0604020202020204"/>
               <a:buNone/>
               <a:defRPr sz="1000" b="0" i="0" u="none" strike="noStrike" cap="none">
                 <a:solidFill>
                   <a:schemeClr val="dk2"/>
                 </a:solidFill>
-                <a:latin typeface="Arial"/>
-                <a:ea typeface="Arial"/>
-                <a:cs typeface="Arial"/>
-                <a:sym typeface="Arial"/>
+                <a:latin typeface="Arial" panose="020B0604020202020204"/>
+                <a:ea typeface="Arial" panose="020B0604020202020204"/>
+                <a:cs typeface="Arial" panose="020B0604020202020204"/>
+                <a:sym typeface="Arial" panose="020B0604020202020204"/>
               </a:defRPr>
             </a:lvl8pPr>
             <a:lvl9pPr marL="0" marR="0" lvl="8" indent="0" algn="r">
@@ -4863,16 +4823,16 @@
                 <a:srgbClr val="000000"/>
               </a:buClr>
               <a:buSzPts val="1000"/>
-              <a:buFont typeface="Arial"/>
+              <a:buFont typeface="Arial" panose="020B0604020202020204"/>
               <a:buNone/>
               <a:defRPr sz="1000" b="0" i="0" u="none" strike="noStrike" cap="none">
                 <a:solidFill>
                   <a:schemeClr val="dk2"/>
                 </a:solidFill>
-                <a:latin typeface="Arial"/>
-                <a:ea typeface="Arial"/>
-                <a:cs typeface="Arial"/>
-                <a:sym typeface="Arial"/>
+                <a:latin typeface="Arial" panose="020B0604020202020204"/>
+                <a:ea typeface="Arial" panose="020B0604020202020204"/>
+                <a:cs typeface="Arial" panose="020B0604020202020204"/>
+                <a:sym typeface="Arial" panose="020B0604020202020204"/>
               </a:defRPr>
             </a:lvl9pPr>
           </a:lstStyle>
@@ -4888,9 +4848,8 @@
             </a:pPr>
             <a:fld id="{00000000-1234-1234-1234-123412341234}" type="slidenum">
               <a:rPr lang="en-GB"/>
-              <a:t>‹#›</a:t>
             </a:fld>
-            <a:endParaRPr/>
+            <a:endParaRPr lang="en-GB"/>
           </a:p>
         </p:txBody>
       </p:sp>
@@ -5074,9 +5033,7 @@
               <a:defRPr sz="2400"/>
             </a:lvl9pPr>
           </a:lstStyle>
-          <a:p>
-            <a:endParaRPr/>
-          </a:p>
+          <a:p/>
         </p:txBody>
       </p:sp>
       <p:sp>
@@ -5234,9 +5191,7 @@
               <a:defRPr sz="1200"/>
             </a:lvl9pPr>
           </a:lstStyle>
-          <a:p>
-            <a:endParaRPr/>
-          </a:p>
+          <a:p/>
         </p:txBody>
       </p:sp>
       <p:sp>
@@ -5281,16 +5236,16 @@
                 <a:srgbClr val="000000"/>
               </a:buClr>
               <a:buSzPts val="1000"/>
-              <a:buFont typeface="Arial"/>
+              <a:buFont typeface="Arial" panose="020B0604020202020204"/>
               <a:buNone/>
               <a:defRPr sz="1000" b="0" i="0" u="none" strike="noStrike" cap="none">
                 <a:solidFill>
                   <a:schemeClr val="dk2"/>
                 </a:solidFill>
-                <a:latin typeface="Arial"/>
-                <a:ea typeface="Arial"/>
-                <a:cs typeface="Arial"/>
-                <a:sym typeface="Arial"/>
+                <a:latin typeface="Arial" panose="020B0604020202020204"/>
+                <a:ea typeface="Arial" panose="020B0604020202020204"/>
+                <a:cs typeface="Arial" panose="020B0604020202020204"/>
+                <a:sym typeface="Arial" panose="020B0604020202020204"/>
               </a:defRPr>
             </a:lvl1pPr>
             <a:lvl2pPr marL="0" marR="0" lvl="1" indent="0" algn="r">
@@ -5307,16 +5262,16 @@
                 <a:srgbClr val="000000"/>
               </a:buClr>
               <a:buSzPts val="1000"/>
-              <a:buFont typeface="Arial"/>
+              <a:buFont typeface="Arial" panose="020B0604020202020204"/>
               <a:buNone/>
               <a:defRPr sz="1000" b="0" i="0" u="none" strike="noStrike" cap="none">
                 <a:solidFill>
                   <a:schemeClr val="dk2"/>
                 </a:solidFill>
-                <a:latin typeface="Arial"/>
-                <a:ea typeface="Arial"/>
-                <a:cs typeface="Arial"/>
-                <a:sym typeface="Arial"/>
+                <a:latin typeface="Arial" panose="020B0604020202020204"/>
+                <a:ea typeface="Arial" panose="020B0604020202020204"/>
+                <a:cs typeface="Arial" panose="020B0604020202020204"/>
+                <a:sym typeface="Arial" panose="020B0604020202020204"/>
               </a:defRPr>
             </a:lvl2pPr>
             <a:lvl3pPr marL="0" marR="0" lvl="2" indent="0" algn="r">
@@ -5333,16 +5288,16 @@
                 <a:srgbClr val="000000"/>
               </a:buClr>
               <a:buSzPts val="1000"/>
-              <a:buFont typeface="Arial"/>
+              <a:buFont typeface="Arial" panose="020B0604020202020204"/>
               <a:buNone/>
               <a:defRPr sz="1000" b="0" i="0" u="none" strike="noStrike" cap="none">
                 <a:solidFill>
                   <a:schemeClr val="dk2"/>
                 </a:solidFill>
-                <a:latin typeface="Arial"/>
-                <a:ea typeface="Arial"/>
-                <a:cs typeface="Arial"/>
-                <a:sym typeface="Arial"/>
+                <a:latin typeface="Arial" panose="020B0604020202020204"/>
+                <a:ea typeface="Arial" panose="020B0604020202020204"/>
+                <a:cs typeface="Arial" panose="020B0604020202020204"/>
+                <a:sym typeface="Arial" panose="020B0604020202020204"/>
               </a:defRPr>
             </a:lvl3pPr>
             <a:lvl4pPr marL="0" marR="0" lvl="3" indent="0" algn="r">
@@ -5359,16 +5314,16 @@
                 <a:srgbClr val="000000"/>
               </a:buClr>
               <a:buSzPts val="1000"/>
-              <a:buFont typeface="Arial"/>
+              <a:buFont typeface="Arial" panose="020B0604020202020204"/>
               <a:buNone/>
               <a:defRPr sz="1000" b="0" i="0" u="none" strike="noStrike" cap="none">
                 <a:solidFill>
                   <a:schemeClr val="dk2"/>
                 </a:solidFill>
-                <a:latin typeface="Arial"/>
-                <a:ea typeface="Arial"/>
-                <a:cs typeface="Arial"/>
-                <a:sym typeface="Arial"/>
+                <a:latin typeface="Arial" panose="020B0604020202020204"/>
+                <a:ea typeface="Arial" panose="020B0604020202020204"/>
+                <a:cs typeface="Arial" panose="020B0604020202020204"/>
+                <a:sym typeface="Arial" panose="020B0604020202020204"/>
               </a:defRPr>
             </a:lvl4pPr>
             <a:lvl5pPr marL="0" marR="0" lvl="4" indent="0" algn="r">
@@ -5385,16 +5340,16 @@
                 <a:srgbClr val="000000"/>
               </a:buClr>
               <a:buSzPts val="1000"/>
-              <a:buFont typeface="Arial"/>
+              <a:buFont typeface="Arial" panose="020B0604020202020204"/>
               <a:buNone/>
               <a:defRPr sz="1000" b="0" i="0" u="none" strike="noStrike" cap="none">
                 <a:solidFill>
                   <a:schemeClr val="dk2"/>
                 </a:solidFill>
-                <a:latin typeface="Arial"/>
-                <a:ea typeface="Arial"/>
-                <a:cs typeface="Arial"/>
-                <a:sym typeface="Arial"/>
+                <a:latin typeface="Arial" panose="020B0604020202020204"/>
+                <a:ea typeface="Arial" panose="020B0604020202020204"/>
+                <a:cs typeface="Arial" panose="020B0604020202020204"/>
+                <a:sym typeface="Arial" panose="020B0604020202020204"/>
               </a:defRPr>
             </a:lvl5pPr>
             <a:lvl6pPr marL="0" marR="0" lvl="5" indent="0" algn="r">
@@ -5411,16 +5366,16 @@
                 <a:srgbClr val="000000"/>
               </a:buClr>
               <a:buSzPts val="1000"/>
-              <a:buFont typeface="Arial"/>
+              <a:buFont typeface="Arial" panose="020B0604020202020204"/>
               <a:buNone/>
               <a:defRPr sz="1000" b="0" i="0" u="none" strike="noStrike" cap="none">
                 <a:solidFill>
                   <a:schemeClr val="dk2"/>
                 </a:solidFill>
-                <a:latin typeface="Arial"/>
-                <a:ea typeface="Arial"/>
-                <a:cs typeface="Arial"/>
-                <a:sym typeface="Arial"/>
+                <a:latin typeface="Arial" panose="020B0604020202020204"/>
+                <a:ea typeface="Arial" panose="020B0604020202020204"/>
+                <a:cs typeface="Arial" panose="020B0604020202020204"/>
+                <a:sym typeface="Arial" panose="020B0604020202020204"/>
               </a:defRPr>
             </a:lvl6pPr>
             <a:lvl7pPr marL="0" marR="0" lvl="6" indent="0" algn="r">
@@ -5437,16 +5392,16 @@
                 <a:srgbClr val="000000"/>
               </a:buClr>
               <a:buSzPts val="1000"/>
-              <a:buFont typeface="Arial"/>
+              <a:buFont typeface="Arial" panose="020B0604020202020204"/>
               <a:buNone/>
               <a:defRPr sz="1000" b="0" i="0" u="none" strike="noStrike" cap="none">
                 <a:solidFill>
                   <a:schemeClr val="dk2"/>
                 </a:solidFill>
-                <a:latin typeface="Arial"/>
-                <a:ea typeface="Arial"/>
-                <a:cs typeface="Arial"/>
-                <a:sym typeface="Arial"/>
+                <a:latin typeface="Arial" panose="020B0604020202020204"/>
+                <a:ea typeface="Arial" panose="020B0604020202020204"/>
+                <a:cs typeface="Arial" panose="020B0604020202020204"/>
+                <a:sym typeface="Arial" panose="020B0604020202020204"/>
               </a:defRPr>
             </a:lvl7pPr>
             <a:lvl8pPr marL="0" marR="0" lvl="7" indent="0" algn="r">
@@ -5463,16 +5418,16 @@
                 <a:srgbClr val="000000"/>
               </a:buClr>
               <a:buSzPts val="1000"/>
-              <a:buFont typeface="Arial"/>
+              <a:buFont typeface="Arial" panose="020B0604020202020204"/>
               <a:buNone/>
               <a:defRPr sz="1000" b="0" i="0" u="none" strike="noStrike" cap="none">
                 <a:solidFill>
                   <a:schemeClr val="dk2"/>
                 </a:solidFill>
-                <a:latin typeface="Arial"/>
-                <a:ea typeface="Arial"/>
-                <a:cs typeface="Arial"/>
-                <a:sym typeface="Arial"/>
+                <a:latin typeface="Arial" panose="020B0604020202020204"/>
+                <a:ea typeface="Arial" panose="020B0604020202020204"/>
+                <a:cs typeface="Arial" panose="020B0604020202020204"/>
+                <a:sym typeface="Arial" panose="020B0604020202020204"/>
               </a:defRPr>
             </a:lvl8pPr>
             <a:lvl9pPr marL="0" marR="0" lvl="8" indent="0" algn="r">
@@ -5489,16 +5444,16 @@
                 <a:srgbClr val="000000"/>
               </a:buClr>
               <a:buSzPts val="1000"/>
-              <a:buFont typeface="Arial"/>
+              <a:buFont typeface="Arial" panose="020B0604020202020204"/>
               <a:buNone/>
               <a:defRPr sz="1000" b="0" i="0" u="none" strike="noStrike" cap="none">
                 <a:solidFill>
                   <a:schemeClr val="dk2"/>
                 </a:solidFill>
-                <a:latin typeface="Arial"/>
-                <a:ea typeface="Arial"/>
-                <a:cs typeface="Arial"/>
-                <a:sym typeface="Arial"/>
+                <a:latin typeface="Arial" panose="020B0604020202020204"/>
+                <a:ea typeface="Arial" panose="020B0604020202020204"/>
+                <a:cs typeface="Arial" panose="020B0604020202020204"/>
+                <a:sym typeface="Arial" panose="020B0604020202020204"/>
               </a:defRPr>
             </a:lvl9pPr>
           </a:lstStyle>
@@ -5514,9 +5469,8 @@
             </a:pPr>
             <a:fld id="{00000000-1234-1234-1234-123412341234}" type="slidenum">
               <a:rPr lang="en-GB"/>
-              <a:t>‹#›</a:t>
             </a:fld>
-            <a:endParaRPr/>
+            <a:endParaRPr lang="en-GB"/>
           </a:p>
         </p:txBody>
       </p:sp>
@@ -5700,9 +5654,7 @@
               <a:defRPr sz="4800"/>
             </a:lvl9pPr>
           </a:lstStyle>
-          <a:p>
-            <a:endParaRPr/>
-          </a:p>
+          <a:p/>
         </p:txBody>
       </p:sp>
       <p:sp>
@@ -5747,16 +5699,16 @@
                 <a:srgbClr val="000000"/>
               </a:buClr>
               <a:buSzPts val="1000"/>
-              <a:buFont typeface="Arial"/>
+              <a:buFont typeface="Arial" panose="020B0604020202020204"/>
               <a:buNone/>
               <a:defRPr sz="1000" b="0" i="0" u="none" strike="noStrike" cap="none">
                 <a:solidFill>
                   <a:schemeClr val="dk2"/>
                 </a:solidFill>
-                <a:latin typeface="Arial"/>
-                <a:ea typeface="Arial"/>
-                <a:cs typeface="Arial"/>
-                <a:sym typeface="Arial"/>
+                <a:latin typeface="Arial" panose="020B0604020202020204"/>
+                <a:ea typeface="Arial" panose="020B0604020202020204"/>
+                <a:cs typeface="Arial" panose="020B0604020202020204"/>
+                <a:sym typeface="Arial" panose="020B0604020202020204"/>
               </a:defRPr>
             </a:lvl1pPr>
             <a:lvl2pPr marL="0" marR="0" lvl="1" indent="0" algn="r">
@@ -5773,16 +5725,16 @@
                 <a:srgbClr val="000000"/>
               </a:buClr>
               <a:buSzPts val="1000"/>
-              <a:buFont typeface="Arial"/>
+              <a:buFont typeface="Arial" panose="020B0604020202020204"/>
               <a:buNone/>
               <a:defRPr sz="1000" b="0" i="0" u="none" strike="noStrike" cap="none">
                 <a:solidFill>
                   <a:schemeClr val="dk2"/>
                 </a:solidFill>
-                <a:latin typeface="Arial"/>
-                <a:ea typeface="Arial"/>
-                <a:cs typeface="Arial"/>
-                <a:sym typeface="Arial"/>
+                <a:latin typeface="Arial" panose="020B0604020202020204"/>
+                <a:ea typeface="Arial" panose="020B0604020202020204"/>
+                <a:cs typeface="Arial" panose="020B0604020202020204"/>
+                <a:sym typeface="Arial" panose="020B0604020202020204"/>
               </a:defRPr>
             </a:lvl2pPr>
             <a:lvl3pPr marL="0" marR="0" lvl="2" indent="0" algn="r">
@@ -5799,16 +5751,16 @@
                 <a:srgbClr val="000000"/>
               </a:buClr>
               <a:buSzPts val="1000"/>
-              <a:buFont typeface="Arial"/>
+              <a:buFont typeface="Arial" panose="020B0604020202020204"/>
               <a:buNone/>
               <a:defRPr sz="1000" b="0" i="0" u="none" strike="noStrike" cap="none">
                 <a:solidFill>
                   <a:schemeClr val="dk2"/>
                 </a:solidFill>
-                <a:latin typeface="Arial"/>
-                <a:ea typeface="Arial"/>
-                <a:cs typeface="Arial"/>
-                <a:sym typeface="Arial"/>
+                <a:latin typeface="Arial" panose="020B0604020202020204"/>
+                <a:ea typeface="Arial" panose="020B0604020202020204"/>
+                <a:cs typeface="Arial" panose="020B0604020202020204"/>
+                <a:sym typeface="Arial" panose="020B0604020202020204"/>
               </a:defRPr>
             </a:lvl3pPr>
             <a:lvl4pPr marL="0" marR="0" lvl="3" indent="0" algn="r">
@@ -5825,16 +5777,16 @@
                 <a:srgbClr val="000000"/>
               </a:buClr>
               <a:buSzPts val="1000"/>
-              <a:buFont typeface="Arial"/>
+              <a:buFont typeface="Arial" panose="020B0604020202020204"/>
               <a:buNone/>
               <a:defRPr sz="1000" b="0" i="0" u="none" strike="noStrike" cap="none">
                 <a:solidFill>
                   <a:schemeClr val="dk2"/>
                 </a:solidFill>
-                <a:latin typeface="Arial"/>
-                <a:ea typeface="Arial"/>
-                <a:cs typeface="Arial"/>
-                <a:sym typeface="Arial"/>
+                <a:latin typeface="Arial" panose="020B0604020202020204"/>
+                <a:ea typeface="Arial" panose="020B0604020202020204"/>
+                <a:cs typeface="Arial" panose="020B0604020202020204"/>
+                <a:sym typeface="Arial" panose="020B0604020202020204"/>
               </a:defRPr>
             </a:lvl4pPr>
             <a:lvl5pPr marL="0" marR="0" lvl="4" indent="0" algn="r">
@@ -5851,16 +5803,16 @@
                 <a:srgbClr val="000000"/>
               </a:buClr>
               <a:buSzPts val="1000"/>
-              <a:buFont typeface="Arial"/>
+              <a:buFont typeface="Arial" panose="020B0604020202020204"/>
               <a:buNone/>
               <a:defRPr sz="1000" b="0" i="0" u="none" strike="noStrike" cap="none">
                 <a:solidFill>
                   <a:schemeClr val="dk2"/>
                 </a:solidFill>
-                <a:latin typeface="Arial"/>
-                <a:ea typeface="Arial"/>
-                <a:cs typeface="Arial"/>
-                <a:sym typeface="Arial"/>
+                <a:latin typeface="Arial" panose="020B0604020202020204"/>
+                <a:ea typeface="Arial" panose="020B0604020202020204"/>
+                <a:cs typeface="Arial" panose="020B0604020202020204"/>
+                <a:sym typeface="Arial" panose="020B0604020202020204"/>
               </a:defRPr>
             </a:lvl5pPr>
             <a:lvl6pPr marL="0" marR="0" lvl="5" indent="0" algn="r">
@@ -5877,16 +5829,16 @@
                 <a:srgbClr val="000000"/>
               </a:buClr>
               <a:buSzPts val="1000"/>
-              <a:buFont typeface="Arial"/>
+              <a:buFont typeface="Arial" panose="020B0604020202020204"/>
               <a:buNone/>
               <a:defRPr sz="1000" b="0" i="0" u="none" strike="noStrike" cap="none">
                 <a:solidFill>
                   <a:schemeClr val="dk2"/>
                 </a:solidFill>
-                <a:latin typeface="Arial"/>
-                <a:ea typeface="Arial"/>
-                <a:cs typeface="Arial"/>
-                <a:sym typeface="Arial"/>
+                <a:latin typeface="Arial" panose="020B0604020202020204"/>
+                <a:ea typeface="Arial" panose="020B0604020202020204"/>
+                <a:cs typeface="Arial" panose="020B0604020202020204"/>
+                <a:sym typeface="Arial" panose="020B0604020202020204"/>
               </a:defRPr>
             </a:lvl6pPr>
             <a:lvl7pPr marL="0" marR="0" lvl="6" indent="0" algn="r">
@@ -5903,16 +5855,16 @@
                 <a:srgbClr val="000000"/>
               </a:buClr>
               <a:buSzPts val="1000"/>
-              <a:buFont typeface="Arial"/>
+              <a:buFont typeface="Arial" panose="020B0604020202020204"/>
               <a:buNone/>
               <a:defRPr sz="1000" b="0" i="0" u="none" strike="noStrike" cap="none">
                 <a:solidFill>
                   <a:schemeClr val="dk2"/>
                 </a:solidFill>
-                <a:latin typeface="Arial"/>
-                <a:ea typeface="Arial"/>
-                <a:cs typeface="Arial"/>
-                <a:sym typeface="Arial"/>
+                <a:latin typeface="Arial" panose="020B0604020202020204"/>
+                <a:ea typeface="Arial" panose="020B0604020202020204"/>
+                <a:cs typeface="Arial" panose="020B0604020202020204"/>
+                <a:sym typeface="Arial" panose="020B0604020202020204"/>
               </a:defRPr>
             </a:lvl7pPr>
             <a:lvl8pPr marL="0" marR="0" lvl="7" indent="0" algn="r">
@@ -5929,16 +5881,16 @@
                 <a:srgbClr val="000000"/>
               </a:buClr>
               <a:buSzPts val="1000"/>
-              <a:buFont typeface="Arial"/>
+              <a:buFont typeface="Arial" panose="020B0604020202020204"/>
               <a:buNone/>
               <a:defRPr sz="1000" b="0" i="0" u="none" strike="noStrike" cap="none">
                 <a:solidFill>
                   <a:schemeClr val="dk2"/>
                 </a:solidFill>
-                <a:latin typeface="Arial"/>
-                <a:ea typeface="Arial"/>
-                <a:cs typeface="Arial"/>
-                <a:sym typeface="Arial"/>
+                <a:latin typeface="Arial" panose="020B0604020202020204"/>
+                <a:ea typeface="Arial" panose="020B0604020202020204"/>
+                <a:cs typeface="Arial" panose="020B0604020202020204"/>
+                <a:sym typeface="Arial" panose="020B0604020202020204"/>
               </a:defRPr>
             </a:lvl8pPr>
             <a:lvl9pPr marL="0" marR="0" lvl="8" indent="0" algn="r">
@@ -5955,16 +5907,16 @@
                 <a:srgbClr val="000000"/>
               </a:buClr>
               <a:buSzPts val="1000"/>
-              <a:buFont typeface="Arial"/>
+              <a:buFont typeface="Arial" panose="020B0604020202020204"/>
               <a:buNone/>
               <a:defRPr sz="1000" b="0" i="0" u="none" strike="noStrike" cap="none">
                 <a:solidFill>
                   <a:schemeClr val="dk2"/>
                 </a:solidFill>
-                <a:latin typeface="Arial"/>
-                <a:ea typeface="Arial"/>
-                <a:cs typeface="Arial"/>
-                <a:sym typeface="Arial"/>
+                <a:latin typeface="Arial" panose="020B0604020202020204"/>
+                <a:ea typeface="Arial" panose="020B0604020202020204"/>
+                <a:cs typeface="Arial" panose="020B0604020202020204"/>
+                <a:sym typeface="Arial" panose="020B0604020202020204"/>
               </a:defRPr>
             </a:lvl9pPr>
           </a:lstStyle>
@@ -5980,9 +5932,8 @@
             </a:pPr>
             <a:fld id="{00000000-1234-1234-1234-123412341234}" type="slidenum">
               <a:rPr lang="en-GB"/>
-              <a:t>‹#›</a:t>
             </a:fld>
-            <a:endParaRPr/>
+            <a:endParaRPr lang="en-GB"/>
           </a:p>
         </p:txBody>
       </p:sp>
@@ -6052,17 +6003,17 @@
                 <a:srgbClr val="000000"/>
               </a:buClr>
               <a:buSzPts val="1400"/>
-              <a:buFont typeface="Arial"/>
+              <a:buFont typeface="Arial" panose="020B0604020202020204"/>
               <a:buNone/>
             </a:pPr>
             <a:endParaRPr sz="1400" b="0" i="0" u="none" strike="noStrike" cap="none">
               <a:solidFill>
                 <a:srgbClr val="000000"/>
               </a:solidFill>
-              <a:latin typeface="Arial"/>
-              <a:ea typeface="Arial"/>
-              <a:cs typeface="Arial"/>
-              <a:sym typeface="Arial"/>
+              <a:latin typeface="Arial" panose="020B0604020202020204"/>
+              <a:ea typeface="Arial" panose="020B0604020202020204"/>
+              <a:cs typeface="Arial" panose="020B0604020202020204"/>
+              <a:sym typeface="Arial" panose="020B0604020202020204"/>
             </a:endParaRPr>
           </a:p>
         </p:txBody>
@@ -6222,9 +6173,7 @@
               <a:defRPr sz="4200"/>
             </a:lvl9pPr>
           </a:lstStyle>
-          <a:p>
-            <a:endParaRPr/>
-          </a:p>
+          <a:p/>
         </p:txBody>
       </p:sp>
       <p:sp>
@@ -6382,9 +6331,7 @@
               <a:defRPr sz="2100"/>
             </a:lvl9pPr>
           </a:lstStyle>
-          <a:p>
-            <a:endParaRPr/>
-          </a:p>
+          <a:p/>
         </p:txBody>
       </p:sp>
       <p:sp>
@@ -6542,9 +6489,7 @@
               <a:defRPr/>
             </a:lvl9pPr>
           </a:lstStyle>
-          <a:p>
-            <a:endParaRPr/>
-          </a:p>
+          <a:p/>
         </p:txBody>
       </p:sp>
       <p:sp>
@@ -6589,16 +6534,16 @@
                 <a:srgbClr val="000000"/>
               </a:buClr>
               <a:buSzPts val="1000"/>
-              <a:buFont typeface="Arial"/>
+              <a:buFont typeface="Arial" panose="020B0604020202020204"/>
               <a:buNone/>
               <a:defRPr sz="1000" b="0" i="0" u="none" strike="noStrike" cap="none">
                 <a:solidFill>
                   <a:schemeClr val="dk2"/>
                 </a:solidFill>
-                <a:latin typeface="Arial"/>
-                <a:ea typeface="Arial"/>
-                <a:cs typeface="Arial"/>
-                <a:sym typeface="Arial"/>
+                <a:latin typeface="Arial" panose="020B0604020202020204"/>
+                <a:ea typeface="Arial" panose="020B0604020202020204"/>
+                <a:cs typeface="Arial" panose="020B0604020202020204"/>
+                <a:sym typeface="Arial" panose="020B0604020202020204"/>
               </a:defRPr>
             </a:lvl1pPr>
             <a:lvl2pPr marL="0" marR="0" lvl="1" indent="0" algn="r">
@@ -6615,16 +6560,16 @@
                 <a:srgbClr val="000000"/>
               </a:buClr>
               <a:buSzPts val="1000"/>
-              <a:buFont typeface="Arial"/>
+              <a:buFont typeface="Arial" panose="020B0604020202020204"/>
               <a:buNone/>
               <a:defRPr sz="1000" b="0" i="0" u="none" strike="noStrike" cap="none">
                 <a:solidFill>
                   <a:schemeClr val="dk2"/>
                 </a:solidFill>
-                <a:latin typeface="Arial"/>
-                <a:ea typeface="Arial"/>
-                <a:cs typeface="Arial"/>
-                <a:sym typeface="Arial"/>
+                <a:latin typeface="Arial" panose="020B0604020202020204"/>
+                <a:ea typeface="Arial" panose="020B0604020202020204"/>
+                <a:cs typeface="Arial" panose="020B0604020202020204"/>
+                <a:sym typeface="Arial" panose="020B0604020202020204"/>
               </a:defRPr>
             </a:lvl2pPr>
             <a:lvl3pPr marL="0" marR="0" lvl="2" indent="0" algn="r">
@@ -6641,16 +6586,16 @@
                 <a:srgbClr val="000000"/>
               </a:buClr>
               <a:buSzPts val="1000"/>
-              <a:buFont typeface="Arial"/>
+              <a:buFont typeface="Arial" panose="020B0604020202020204"/>
               <a:buNone/>
               <a:defRPr sz="1000" b="0" i="0" u="none" strike="noStrike" cap="none">
                 <a:solidFill>
                   <a:schemeClr val="dk2"/>
                 </a:solidFill>
-                <a:latin typeface="Arial"/>
-                <a:ea typeface="Arial"/>
-                <a:cs typeface="Arial"/>
-                <a:sym typeface="Arial"/>
+                <a:latin typeface="Arial" panose="020B0604020202020204"/>
+                <a:ea typeface="Arial" panose="020B0604020202020204"/>
+                <a:cs typeface="Arial" panose="020B0604020202020204"/>
+                <a:sym typeface="Arial" panose="020B0604020202020204"/>
               </a:defRPr>
             </a:lvl3pPr>
             <a:lvl4pPr marL="0" marR="0" lvl="3" indent="0" algn="r">
@@ -6667,16 +6612,16 @@
                 <a:srgbClr val="000000"/>
               </a:buClr>
               <a:buSzPts val="1000"/>
-              <a:buFont typeface="Arial"/>
+              <a:buFont typeface="Arial" panose="020B0604020202020204"/>
               <a:buNone/>
               <a:defRPr sz="1000" b="0" i="0" u="none" strike="noStrike" cap="none">
                 <a:solidFill>
                   <a:schemeClr val="dk2"/>
                 </a:solidFill>
-                <a:latin typeface="Arial"/>
-                <a:ea typeface="Arial"/>
-                <a:cs typeface="Arial"/>
-                <a:sym typeface="Arial"/>
+                <a:latin typeface="Arial" panose="020B0604020202020204"/>
+                <a:ea typeface="Arial" panose="020B0604020202020204"/>
+                <a:cs typeface="Arial" panose="020B0604020202020204"/>
+                <a:sym typeface="Arial" panose="020B0604020202020204"/>
               </a:defRPr>
             </a:lvl4pPr>
             <a:lvl5pPr marL="0" marR="0" lvl="4" indent="0" algn="r">
@@ -6693,16 +6638,16 @@
                 <a:srgbClr val="000000"/>
               </a:buClr>
               <a:buSzPts val="1000"/>
-              <a:buFont typeface="Arial"/>
+              <a:buFont typeface="Arial" panose="020B0604020202020204"/>
               <a:buNone/>
               <a:defRPr sz="1000" b="0" i="0" u="none" strike="noStrike" cap="none">
                 <a:solidFill>
                   <a:schemeClr val="dk2"/>
                 </a:solidFill>
-                <a:latin typeface="Arial"/>
-                <a:ea typeface="Arial"/>
-                <a:cs typeface="Arial"/>
-                <a:sym typeface="Arial"/>
+                <a:latin typeface="Arial" panose="020B0604020202020204"/>
+                <a:ea typeface="Arial" panose="020B0604020202020204"/>
+                <a:cs typeface="Arial" panose="020B0604020202020204"/>
+                <a:sym typeface="Arial" panose="020B0604020202020204"/>
               </a:defRPr>
             </a:lvl5pPr>
             <a:lvl6pPr marL="0" marR="0" lvl="5" indent="0" algn="r">
@@ -6719,16 +6664,16 @@
                 <a:srgbClr val="000000"/>
               </a:buClr>
               <a:buSzPts val="1000"/>
-              <a:buFont typeface="Arial"/>
+              <a:buFont typeface="Arial" panose="020B0604020202020204"/>
               <a:buNone/>
               <a:defRPr sz="1000" b="0" i="0" u="none" strike="noStrike" cap="none">
                 <a:solidFill>
                   <a:schemeClr val="dk2"/>
                 </a:solidFill>
-                <a:latin typeface="Arial"/>
-                <a:ea typeface="Arial"/>
-                <a:cs typeface="Arial"/>
-                <a:sym typeface="Arial"/>
+                <a:latin typeface="Arial" panose="020B0604020202020204"/>
+                <a:ea typeface="Arial" panose="020B0604020202020204"/>
+                <a:cs typeface="Arial" panose="020B0604020202020204"/>
+                <a:sym typeface="Arial" panose="020B0604020202020204"/>
               </a:defRPr>
             </a:lvl6pPr>
             <a:lvl7pPr marL="0" marR="0" lvl="6" indent="0" algn="r">
@@ -6745,16 +6690,16 @@
                 <a:srgbClr val="000000"/>
               </a:buClr>
               <a:buSzPts val="1000"/>
-              <a:buFont typeface="Arial"/>
+              <a:buFont typeface="Arial" panose="020B0604020202020204"/>
               <a:buNone/>
               <a:defRPr sz="1000" b="0" i="0" u="none" strike="noStrike" cap="none">
                 <a:solidFill>
                   <a:schemeClr val="dk2"/>
                 </a:solidFill>
-                <a:latin typeface="Arial"/>
-                <a:ea typeface="Arial"/>
-                <a:cs typeface="Arial"/>
-                <a:sym typeface="Arial"/>
+                <a:latin typeface="Arial" panose="020B0604020202020204"/>
+                <a:ea typeface="Arial" panose="020B0604020202020204"/>
+                <a:cs typeface="Arial" panose="020B0604020202020204"/>
+                <a:sym typeface="Arial" panose="020B0604020202020204"/>
               </a:defRPr>
             </a:lvl7pPr>
             <a:lvl8pPr marL="0" marR="0" lvl="7" indent="0" algn="r">
@@ -6771,16 +6716,16 @@
                 <a:srgbClr val="000000"/>
               </a:buClr>
               <a:buSzPts val="1000"/>
-              <a:buFont typeface="Arial"/>
+              <a:buFont typeface="Arial" panose="020B0604020202020204"/>
               <a:buNone/>
               <a:defRPr sz="1000" b="0" i="0" u="none" strike="noStrike" cap="none">
                 <a:solidFill>
                   <a:schemeClr val="dk2"/>
                 </a:solidFill>
-                <a:latin typeface="Arial"/>
-                <a:ea typeface="Arial"/>
-                <a:cs typeface="Arial"/>
-                <a:sym typeface="Arial"/>
+                <a:latin typeface="Arial" panose="020B0604020202020204"/>
+                <a:ea typeface="Arial" panose="020B0604020202020204"/>
+                <a:cs typeface="Arial" panose="020B0604020202020204"/>
+                <a:sym typeface="Arial" panose="020B0604020202020204"/>
               </a:defRPr>
             </a:lvl8pPr>
             <a:lvl9pPr marL="0" marR="0" lvl="8" indent="0" algn="r">
@@ -6797,16 +6742,16 @@
                 <a:srgbClr val="000000"/>
               </a:buClr>
               <a:buSzPts val="1000"/>
-              <a:buFont typeface="Arial"/>
+              <a:buFont typeface="Arial" panose="020B0604020202020204"/>
               <a:buNone/>
               <a:defRPr sz="1000" b="0" i="0" u="none" strike="noStrike" cap="none">
                 <a:solidFill>
                   <a:schemeClr val="dk2"/>
                 </a:solidFill>
-                <a:latin typeface="Arial"/>
-                <a:ea typeface="Arial"/>
-                <a:cs typeface="Arial"/>
-                <a:sym typeface="Arial"/>
+                <a:latin typeface="Arial" panose="020B0604020202020204"/>
+                <a:ea typeface="Arial" panose="020B0604020202020204"/>
+                <a:cs typeface="Arial" panose="020B0604020202020204"/>
+                <a:sym typeface="Arial" panose="020B0604020202020204"/>
               </a:defRPr>
             </a:lvl9pPr>
           </a:lstStyle>
@@ -6822,9 +6767,8 @@
             </a:pPr>
             <a:fld id="{00000000-1234-1234-1234-123412341234}" type="slidenum">
               <a:rPr lang="en-GB"/>
-              <a:t>‹#›</a:t>
             </a:fld>
-            <a:endParaRPr/>
+            <a:endParaRPr lang="en-GB"/>
           </a:p>
         </p:txBody>
       </p:sp>
@@ -6896,9 +6840,7 @@
               <a:defRPr/>
             </a:lvl1pPr>
           </a:lstStyle>
-          <a:p>
-            <a:endParaRPr/>
-          </a:p>
+          <a:p/>
         </p:txBody>
       </p:sp>
       <p:sp>
@@ -6943,16 +6885,16 @@
                 <a:srgbClr val="000000"/>
               </a:buClr>
               <a:buSzPts val="1000"/>
-              <a:buFont typeface="Arial"/>
+              <a:buFont typeface="Arial" panose="020B0604020202020204"/>
               <a:buNone/>
               <a:defRPr sz="1000" b="0" i="0" u="none" strike="noStrike" cap="none">
                 <a:solidFill>
                   <a:schemeClr val="dk2"/>
                 </a:solidFill>
-                <a:latin typeface="Arial"/>
-                <a:ea typeface="Arial"/>
-                <a:cs typeface="Arial"/>
-                <a:sym typeface="Arial"/>
+                <a:latin typeface="Arial" panose="020B0604020202020204"/>
+                <a:ea typeface="Arial" panose="020B0604020202020204"/>
+                <a:cs typeface="Arial" panose="020B0604020202020204"/>
+                <a:sym typeface="Arial" panose="020B0604020202020204"/>
               </a:defRPr>
             </a:lvl1pPr>
             <a:lvl2pPr marL="0" marR="0" lvl="1" indent="0" algn="r">
@@ -6969,16 +6911,16 @@
                 <a:srgbClr val="000000"/>
               </a:buClr>
               <a:buSzPts val="1000"/>
-              <a:buFont typeface="Arial"/>
+              <a:buFont typeface="Arial" panose="020B0604020202020204"/>
               <a:buNone/>
               <a:defRPr sz="1000" b="0" i="0" u="none" strike="noStrike" cap="none">
                 <a:solidFill>
                   <a:schemeClr val="dk2"/>
                 </a:solidFill>
-                <a:latin typeface="Arial"/>
-                <a:ea typeface="Arial"/>
-                <a:cs typeface="Arial"/>
-                <a:sym typeface="Arial"/>
+                <a:latin typeface="Arial" panose="020B0604020202020204"/>
+                <a:ea typeface="Arial" panose="020B0604020202020204"/>
+                <a:cs typeface="Arial" panose="020B0604020202020204"/>
+                <a:sym typeface="Arial" panose="020B0604020202020204"/>
               </a:defRPr>
             </a:lvl2pPr>
             <a:lvl3pPr marL="0" marR="0" lvl="2" indent="0" algn="r">
@@ -6995,16 +6937,16 @@
                 <a:srgbClr val="000000"/>
               </a:buClr>
               <a:buSzPts val="1000"/>
-              <a:buFont typeface="Arial"/>
+              <a:buFont typeface="Arial" panose="020B0604020202020204"/>
               <a:buNone/>
               <a:defRPr sz="1000" b="0" i="0" u="none" strike="noStrike" cap="none">
                 <a:solidFill>
                   <a:schemeClr val="dk2"/>
                 </a:solidFill>
-                <a:latin typeface="Arial"/>
-                <a:ea typeface="Arial"/>
-                <a:cs typeface="Arial"/>
-                <a:sym typeface="Arial"/>
+                <a:latin typeface="Arial" panose="020B0604020202020204"/>
+                <a:ea typeface="Arial" panose="020B0604020202020204"/>
+                <a:cs typeface="Arial" panose="020B0604020202020204"/>
+                <a:sym typeface="Arial" panose="020B0604020202020204"/>
               </a:defRPr>
             </a:lvl3pPr>
             <a:lvl4pPr marL="0" marR="0" lvl="3" indent="0" algn="r">
@@ -7021,16 +6963,16 @@
                 <a:srgbClr val="000000"/>
               </a:buClr>
               <a:buSzPts val="1000"/>
-              <a:buFont typeface="Arial"/>
+              <a:buFont typeface="Arial" panose="020B0604020202020204"/>
               <a:buNone/>
               <a:defRPr sz="1000" b="0" i="0" u="none" strike="noStrike" cap="none">
                 <a:solidFill>
                   <a:schemeClr val="dk2"/>
                 </a:solidFill>
-                <a:latin typeface="Arial"/>
-                <a:ea typeface="Arial"/>
-                <a:cs typeface="Arial"/>
-                <a:sym typeface="Arial"/>
+                <a:latin typeface="Arial" panose="020B0604020202020204"/>
+                <a:ea typeface="Arial" panose="020B0604020202020204"/>
+                <a:cs typeface="Arial" panose="020B0604020202020204"/>
+                <a:sym typeface="Arial" panose="020B0604020202020204"/>
               </a:defRPr>
             </a:lvl4pPr>
             <a:lvl5pPr marL="0" marR="0" lvl="4" indent="0" algn="r">
@@ -7047,16 +6989,16 @@
                 <a:srgbClr val="000000"/>
               </a:buClr>
               <a:buSzPts val="1000"/>
-              <a:buFont typeface="Arial"/>
+              <a:buFont typeface="Arial" panose="020B0604020202020204"/>
               <a:buNone/>
               <a:defRPr sz="1000" b="0" i="0" u="none" strike="noStrike" cap="none">
                 <a:solidFill>
                   <a:schemeClr val="dk2"/>
                 </a:solidFill>
-                <a:latin typeface="Arial"/>
-                <a:ea typeface="Arial"/>
-                <a:cs typeface="Arial"/>
-                <a:sym typeface="Arial"/>
+                <a:latin typeface="Arial" panose="020B0604020202020204"/>
+                <a:ea typeface="Arial" panose="020B0604020202020204"/>
+                <a:cs typeface="Arial" panose="020B0604020202020204"/>
+                <a:sym typeface="Arial" panose="020B0604020202020204"/>
               </a:defRPr>
             </a:lvl5pPr>
             <a:lvl6pPr marL="0" marR="0" lvl="5" indent="0" algn="r">
@@ -7073,16 +7015,16 @@
                 <a:srgbClr val="000000"/>
               </a:buClr>
               <a:buSzPts val="1000"/>
-              <a:buFont typeface="Arial"/>
+              <a:buFont typeface="Arial" panose="020B0604020202020204"/>
               <a:buNone/>
               <a:defRPr sz="1000" b="0" i="0" u="none" strike="noStrike" cap="none">
                 <a:solidFill>
                   <a:schemeClr val="dk2"/>
                 </a:solidFill>
-                <a:latin typeface="Arial"/>
-                <a:ea typeface="Arial"/>
-                <a:cs typeface="Arial"/>
-                <a:sym typeface="Arial"/>
+                <a:latin typeface="Arial" panose="020B0604020202020204"/>
+                <a:ea typeface="Arial" panose="020B0604020202020204"/>
+                <a:cs typeface="Arial" panose="020B0604020202020204"/>
+                <a:sym typeface="Arial" panose="020B0604020202020204"/>
               </a:defRPr>
             </a:lvl6pPr>
             <a:lvl7pPr marL="0" marR="0" lvl="6" indent="0" algn="r">
@@ -7099,16 +7041,16 @@
                 <a:srgbClr val="000000"/>
               </a:buClr>
               <a:buSzPts val="1000"/>
-              <a:buFont typeface="Arial"/>
+              <a:buFont typeface="Arial" panose="020B0604020202020204"/>
               <a:buNone/>
               <a:defRPr sz="1000" b="0" i="0" u="none" strike="noStrike" cap="none">
                 <a:solidFill>
                   <a:schemeClr val="dk2"/>
                 </a:solidFill>
-                <a:latin typeface="Arial"/>
-                <a:ea typeface="Arial"/>
-                <a:cs typeface="Arial"/>
-                <a:sym typeface="Arial"/>
+                <a:latin typeface="Arial" panose="020B0604020202020204"/>
+                <a:ea typeface="Arial" panose="020B0604020202020204"/>
+                <a:cs typeface="Arial" panose="020B0604020202020204"/>
+                <a:sym typeface="Arial" panose="020B0604020202020204"/>
               </a:defRPr>
             </a:lvl7pPr>
             <a:lvl8pPr marL="0" marR="0" lvl="7" indent="0" algn="r">
@@ -7125,16 +7067,16 @@
                 <a:srgbClr val="000000"/>
               </a:buClr>
               <a:buSzPts val="1000"/>
-              <a:buFont typeface="Arial"/>
+              <a:buFont typeface="Arial" panose="020B0604020202020204"/>
               <a:buNone/>
               <a:defRPr sz="1000" b="0" i="0" u="none" strike="noStrike" cap="none">
                 <a:solidFill>
                   <a:schemeClr val="dk2"/>
                 </a:solidFill>
-                <a:latin typeface="Arial"/>
-                <a:ea typeface="Arial"/>
-                <a:cs typeface="Arial"/>
-                <a:sym typeface="Arial"/>
+                <a:latin typeface="Arial" panose="020B0604020202020204"/>
+                <a:ea typeface="Arial" panose="020B0604020202020204"/>
+                <a:cs typeface="Arial" panose="020B0604020202020204"/>
+                <a:sym typeface="Arial" panose="020B0604020202020204"/>
               </a:defRPr>
             </a:lvl8pPr>
             <a:lvl9pPr marL="0" marR="0" lvl="8" indent="0" algn="r">
@@ -7151,16 +7093,16 @@
                 <a:srgbClr val="000000"/>
               </a:buClr>
               <a:buSzPts val="1000"/>
-              <a:buFont typeface="Arial"/>
+              <a:buFont typeface="Arial" panose="020B0604020202020204"/>
               <a:buNone/>
               <a:defRPr sz="1000" b="0" i="0" u="none" strike="noStrike" cap="none">
                 <a:solidFill>
                   <a:schemeClr val="dk2"/>
                 </a:solidFill>
-                <a:latin typeface="Arial"/>
-                <a:ea typeface="Arial"/>
-                <a:cs typeface="Arial"/>
-                <a:sym typeface="Arial"/>
+                <a:latin typeface="Arial" panose="020B0604020202020204"/>
+                <a:ea typeface="Arial" panose="020B0604020202020204"/>
+                <a:cs typeface="Arial" panose="020B0604020202020204"/>
+                <a:sym typeface="Arial" panose="020B0604020202020204"/>
               </a:defRPr>
             </a:lvl9pPr>
           </a:lstStyle>
@@ -7176,9 +7118,8 @@
             </a:pPr>
             <a:fld id="{00000000-1234-1234-1234-123412341234}" type="slidenum">
               <a:rPr lang="en-GB"/>
-              <a:t>‹#›</a:t>
             </a:fld>
-            <a:endParaRPr/>
+            <a:endParaRPr lang="en-GB"/>
           </a:p>
         </p:txBody>
       </p:sp>
@@ -7192,7 +7133,7 @@
 
 <file path=ppt/slideMasters/slideMaster1.xml><?xml version="1.0" encoding="utf-8"?>
 <p:sldMaster xmlns:a="http://schemas.openxmlformats.org/drawingml/2006/main" xmlns:r="http://schemas.openxmlformats.org/officeDocument/2006/relationships" xmlns:p="http://schemas.openxmlformats.org/presentationml/2006/main">
-  <p:cSld name="simple-light-2">
+  <p:cSld>
     <p:bg>
       <p:bgPr>
         <a:solidFill>
@@ -7257,16 +7198,16 @@
                 <a:schemeClr val="dk1"/>
               </a:buClr>
               <a:buSzPts val="2800"/>
-              <a:buFont typeface="Arial"/>
+              <a:buFont typeface="Arial" panose="020B0604020202020204"/>
               <a:buNone/>
               <a:defRPr sz="2800" b="0" i="0" u="none" strike="noStrike" cap="none">
                 <a:solidFill>
                   <a:schemeClr val="dk1"/>
                 </a:solidFill>
-                <a:latin typeface="Arial"/>
-                <a:ea typeface="Arial"/>
-                <a:cs typeface="Arial"/>
-                <a:sym typeface="Arial"/>
+                <a:latin typeface="Arial" panose="020B0604020202020204"/>
+                <a:ea typeface="Arial" panose="020B0604020202020204"/>
+                <a:cs typeface="Arial" panose="020B0604020202020204"/>
+                <a:sym typeface="Arial" panose="020B0604020202020204"/>
               </a:defRPr>
             </a:lvl1pPr>
             <a:lvl2pPr marR="0" lvl="1" algn="l" rtl="0">
@@ -7283,16 +7224,16 @@
                 <a:schemeClr val="dk1"/>
               </a:buClr>
               <a:buSzPts val="2800"/>
-              <a:buFont typeface="Arial"/>
+              <a:buFont typeface="Arial" panose="020B0604020202020204"/>
               <a:buNone/>
               <a:defRPr sz="2800" b="0" i="0" u="none" strike="noStrike" cap="none">
                 <a:solidFill>
                   <a:schemeClr val="dk1"/>
                 </a:solidFill>
-                <a:latin typeface="Arial"/>
-                <a:ea typeface="Arial"/>
-                <a:cs typeface="Arial"/>
-                <a:sym typeface="Arial"/>
+                <a:latin typeface="Arial" panose="020B0604020202020204"/>
+                <a:ea typeface="Arial" panose="020B0604020202020204"/>
+                <a:cs typeface="Arial" panose="020B0604020202020204"/>
+                <a:sym typeface="Arial" panose="020B0604020202020204"/>
               </a:defRPr>
             </a:lvl2pPr>
             <a:lvl3pPr marR="0" lvl="2" algn="l" rtl="0">
@@ -7309,16 +7250,16 @@
                 <a:schemeClr val="dk1"/>
               </a:buClr>
               <a:buSzPts val="2800"/>
-              <a:buFont typeface="Arial"/>
+              <a:buFont typeface="Arial" panose="020B0604020202020204"/>
               <a:buNone/>
               <a:defRPr sz="2800" b="0" i="0" u="none" strike="noStrike" cap="none">
                 <a:solidFill>
                   <a:schemeClr val="dk1"/>
                 </a:solidFill>
-                <a:latin typeface="Arial"/>
-                <a:ea typeface="Arial"/>
-                <a:cs typeface="Arial"/>
-                <a:sym typeface="Arial"/>
+                <a:latin typeface="Arial" panose="020B0604020202020204"/>
+                <a:ea typeface="Arial" panose="020B0604020202020204"/>
+                <a:cs typeface="Arial" panose="020B0604020202020204"/>
+                <a:sym typeface="Arial" panose="020B0604020202020204"/>
               </a:defRPr>
             </a:lvl3pPr>
             <a:lvl4pPr marR="0" lvl="3" algn="l" rtl="0">
@@ -7335,16 +7276,16 @@
                 <a:schemeClr val="dk1"/>
               </a:buClr>
               <a:buSzPts val="2800"/>
-              <a:buFont typeface="Arial"/>
+              <a:buFont typeface="Arial" panose="020B0604020202020204"/>
               <a:buNone/>
               <a:defRPr sz="2800" b="0" i="0" u="none" strike="noStrike" cap="none">
                 <a:solidFill>
                   <a:schemeClr val="dk1"/>
                 </a:solidFill>
-                <a:latin typeface="Arial"/>
-                <a:ea typeface="Arial"/>
-                <a:cs typeface="Arial"/>
-                <a:sym typeface="Arial"/>
+                <a:latin typeface="Arial" panose="020B0604020202020204"/>
+                <a:ea typeface="Arial" panose="020B0604020202020204"/>
+                <a:cs typeface="Arial" panose="020B0604020202020204"/>
+                <a:sym typeface="Arial" panose="020B0604020202020204"/>
               </a:defRPr>
             </a:lvl4pPr>
             <a:lvl5pPr marR="0" lvl="4" algn="l" rtl="0">
@@ -7361,16 +7302,16 @@
                 <a:schemeClr val="dk1"/>
               </a:buClr>
               <a:buSzPts val="2800"/>
-              <a:buFont typeface="Arial"/>
+              <a:buFont typeface="Arial" panose="020B0604020202020204"/>
               <a:buNone/>
               <a:defRPr sz="2800" b="0" i="0" u="none" strike="noStrike" cap="none">
                 <a:solidFill>
                   <a:schemeClr val="dk1"/>
                 </a:solidFill>
-                <a:latin typeface="Arial"/>
-                <a:ea typeface="Arial"/>
-                <a:cs typeface="Arial"/>
-                <a:sym typeface="Arial"/>
+                <a:latin typeface="Arial" panose="020B0604020202020204"/>
+                <a:ea typeface="Arial" panose="020B0604020202020204"/>
+                <a:cs typeface="Arial" panose="020B0604020202020204"/>
+                <a:sym typeface="Arial" panose="020B0604020202020204"/>
               </a:defRPr>
             </a:lvl5pPr>
             <a:lvl6pPr marR="0" lvl="5" algn="l" rtl="0">
@@ -7387,16 +7328,16 @@
                 <a:schemeClr val="dk1"/>
               </a:buClr>
               <a:buSzPts val="2800"/>
-              <a:buFont typeface="Arial"/>
+              <a:buFont typeface="Arial" panose="020B0604020202020204"/>
               <a:buNone/>
               <a:defRPr sz="2800" b="0" i="0" u="none" strike="noStrike" cap="none">
                 <a:solidFill>
                   <a:schemeClr val="dk1"/>
                 </a:solidFill>
-                <a:latin typeface="Arial"/>
-                <a:ea typeface="Arial"/>
-                <a:cs typeface="Arial"/>
-                <a:sym typeface="Arial"/>
+                <a:latin typeface="Arial" panose="020B0604020202020204"/>
+                <a:ea typeface="Arial" panose="020B0604020202020204"/>
+                <a:cs typeface="Arial" panose="020B0604020202020204"/>
+                <a:sym typeface="Arial" panose="020B0604020202020204"/>
               </a:defRPr>
             </a:lvl6pPr>
             <a:lvl7pPr marR="0" lvl="6" algn="l" rtl="0">
@@ -7413,16 +7354,16 @@
                 <a:schemeClr val="dk1"/>
               </a:buClr>
               <a:buSzPts val="2800"/>
-              <a:buFont typeface="Arial"/>
+              <a:buFont typeface="Arial" panose="020B0604020202020204"/>
               <a:buNone/>
               <a:defRPr sz="2800" b="0" i="0" u="none" strike="noStrike" cap="none">
                 <a:solidFill>
                   <a:schemeClr val="dk1"/>
                 </a:solidFill>
-                <a:latin typeface="Arial"/>
-                <a:ea typeface="Arial"/>
-                <a:cs typeface="Arial"/>
-                <a:sym typeface="Arial"/>
+                <a:latin typeface="Arial" panose="020B0604020202020204"/>
+                <a:ea typeface="Arial" panose="020B0604020202020204"/>
+                <a:cs typeface="Arial" panose="020B0604020202020204"/>
+                <a:sym typeface="Arial" panose="020B0604020202020204"/>
               </a:defRPr>
             </a:lvl7pPr>
             <a:lvl8pPr marR="0" lvl="7" algn="l" rtl="0">
@@ -7439,16 +7380,16 @@
                 <a:schemeClr val="dk1"/>
               </a:buClr>
               <a:buSzPts val="2800"/>
-              <a:buFont typeface="Arial"/>
+              <a:buFont typeface="Arial" panose="020B0604020202020204"/>
               <a:buNone/>
               <a:defRPr sz="2800" b="0" i="0" u="none" strike="noStrike" cap="none">
                 <a:solidFill>
                   <a:schemeClr val="dk1"/>
                 </a:solidFill>
-                <a:latin typeface="Arial"/>
-                <a:ea typeface="Arial"/>
-                <a:cs typeface="Arial"/>
-                <a:sym typeface="Arial"/>
+                <a:latin typeface="Arial" panose="020B0604020202020204"/>
+                <a:ea typeface="Arial" panose="020B0604020202020204"/>
+                <a:cs typeface="Arial" panose="020B0604020202020204"/>
+                <a:sym typeface="Arial" panose="020B0604020202020204"/>
               </a:defRPr>
             </a:lvl8pPr>
             <a:lvl9pPr marR="0" lvl="8" algn="l" rtl="0">
@@ -7465,22 +7406,20 @@
                 <a:schemeClr val="dk1"/>
               </a:buClr>
               <a:buSzPts val="2800"/>
-              <a:buFont typeface="Arial"/>
+              <a:buFont typeface="Arial" panose="020B0604020202020204"/>
               <a:buNone/>
               <a:defRPr sz="2800" b="0" i="0" u="none" strike="noStrike" cap="none">
                 <a:solidFill>
                   <a:schemeClr val="dk1"/>
                 </a:solidFill>
-                <a:latin typeface="Arial"/>
-                <a:ea typeface="Arial"/>
-                <a:cs typeface="Arial"/>
-                <a:sym typeface="Arial"/>
+                <a:latin typeface="Arial" panose="020B0604020202020204"/>
+                <a:ea typeface="Arial" panose="020B0604020202020204"/>
+                <a:cs typeface="Arial" panose="020B0604020202020204"/>
+                <a:sym typeface="Arial" panose="020B0604020202020204"/>
               </a:defRPr>
             </a:lvl9pPr>
           </a:lstStyle>
-          <a:p>
-            <a:endParaRPr/>
-          </a:p>
+          <a:p/>
         </p:txBody>
       </p:sp>
       <p:sp>
@@ -7525,16 +7464,16 @@
                 <a:schemeClr val="dk2"/>
               </a:buClr>
               <a:buSzPts val="1800"/>
-              <a:buFont typeface="Arial"/>
+              <a:buFont typeface="Arial" panose="020B0604020202020204"/>
               <a:buChar char="●"/>
               <a:defRPr sz="1800" b="0" i="0" u="none" strike="noStrike" cap="none">
                 <a:solidFill>
                   <a:schemeClr val="dk2"/>
                 </a:solidFill>
-                <a:latin typeface="Arial"/>
-                <a:ea typeface="Arial"/>
-                <a:cs typeface="Arial"/>
-                <a:sym typeface="Arial"/>
+                <a:latin typeface="Arial" panose="020B0604020202020204"/>
+                <a:ea typeface="Arial" panose="020B0604020202020204"/>
+                <a:cs typeface="Arial" panose="020B0604020202020204"/>
+                <a:sym typeface="Arial" panose="020B0604020202020204"/>
               </a:defRPr>
             </a:lvl1pPr>
             <a:lvl2pPr marL="914400" marR="0" lvl="1" indent="-317500" algn="l" rtl="0">
@@ -7551,16 +7490,16 @@
                 <a:schemeClr val="dk2"/>
               </a:buClr>
               <a:buSzPts val="1400"/>
-              <a:buFont typeface="Arial"/>
+              <a:buFont typeface="Arial" panose="020B0604020202020204"/>
               <a:buChar char="○"/>
               <a:defRPr sz="1400" b="0" i="0" u="none" strike="noStrike" cap="none">
                 <a:solidFill>
                   <a:schemeClr val="dk2"/>
                 </a:solidFill>
-                <a:latin typeface="Arial"/>
-                <a:ea typeface="Arial"/>
-                <a:cs typeface="Arial"/>
-                <a:sym typeface="Arial"/>
+                <a:latin typeface="Arial" panose="020B0604020202020204"/>
+                <a:ea typeface="Arial" panose="020B0604020202020204"/>
+                <a:cs typeface="Arial" panose="020B0604020202020204"/>
+                <a:sym typeface="Arial" panose="020B0604020202020204"/>
               </a:defRPr>
             </a:lvl2pPr>
             <a:lvl3pPr marL="1371600" marR="0" lvl="2" indent="-317500" algn="l" rtl="0">
@@ -7577,16 +7516,16 @@
                 <a:schemeClr val="dk2"/>
               </a:buClr>
               <a:buSzPts val="1400"/>
-              <a:buFont typeface="Arial"/>
+              <a:buFont typeface="Arial" panose="020B0604020202020204"/>
               <a:buChar char="■"/>
               <a:defRPr sz="1400" b="0" i="0" u="none" strike="noStrike" cap="none">
                 <a:solidFill>
                   <a:schemeClr val="dk2"/>
                 </a:solidFill>
-                <a:latin typeface="Arial"/>
-                <a:ea typeface="Arial"/>
-                <a:cs typeface="Arial"/>
-                <a:sym typeface="Arial"/>
+                <a:latin typeface="Arial" panose="020B0604020202020204"/>
+                <a:ea typeface="Arial" panose="020B0604020202020204"/>
+                <a:cs typeface="Arial" panose="020B0604020202020204"/>
+                <a:sym typeface="Arial" panose="020B0604020202020204"/>
               </a:defRPr>
             </a:lvl3pPr>
             <a:lvl4pPr marL="1828800" marR="0" lvl="3" indent="-317500" algn="l" rtl="0">
@@ -7603,16 +7542,16 @@
                 <a:schemeClr val="dk2"/>
               </a:buClr>
               <a:buSzPts val="1400"/>
-              <a:buFont typeface="Arial"/>
+              <a:buFont typeface="Arial" panose="020B0604020202020204"/>
               <a:buChar char="●"/>
               <a:defRPr sz="1400" b="0" i="0" u="none" strike="noStrike" cap="none">
                 <a:solidFill>
                   <a:schemeClr val="dk2"/>
                 </a:solidFill>
-                <a:latin typeface="Arial"/>
-                <a:ea typeface="Arial"/>
-                <a:cs typeface="Arial"/>
-                <a:sym typeface="Arial"/>
+                <a:latin typeface="Arial" panose="020B0604020202020204"/>
+                <a:ea typeface="Arial" panose="020B0604020202020204"/>
+                <a:cs typeface="Arial" panose="020B0604020202020204"/>
+                <a:sym typeface="Arial" panose="020B0604020202020204"/>
               </a:defRPr>
             </a:lvl4pPr>
             <a:lvl5pPr marL="2286000" marR="0" lvl="4" indent="-317500" algn="l" rtl="0">
@@ -7629,16 +7568,16 @@
                 <a:schemeClr val="dk2"/>
               </a:buClr>
               <a:buSzPts val="1400"/>
-              <a:buFont typeface="Arial"/>
+              <a:buFont typeface="Arial" panose="020B0604020202020204"/>
               <a:buChar char="○"/>
               <a:defRPr sz="1400" b="0" i="0" u="none" strike="noStrike" cap="none">
                 <a:solidFill>
                   <a:schemeClr val="dk2"/>
                 </a:solidFill>
-                <a:latin typeface="Arial"/>
-                <a:ea typeface="Arial"/>
-                <a:cs typeface="Arial"/>
-                <a:sym typeface="Arial"/>
+                <a:latin typeface="Arial" panose="020B0604020202020204"/>
+                <a:ea typeface="Arial" panose="020B0604020202020204"/>
+                <a:cs typeface="Arial" panose="020B0604020202020204"/>
+                <a:sym typeface="Arial" panose="020B0604020202020204"/>
               </a:defRPr>
             </a:lvl5pPr>
             <a:lvl6pPr marL="2743200" marR="0" lvl="5" indent="-317500" algn="l" rtl="0">
@@ -7655,16 +7594,16 @@
                 <a:schemeClr val="dk2"/>
               </a:buClr>
               <a:buSzPts val="1400"/>
-              <a:buFont typeface="Arial"/>
+              <a:buFont typeface="Arial" panose="020B0604020202020204"/>
               <a:buChar char="■"/>
               <a:defRPr sz="1400" b="0" i="0" u="none" strike="noStrike" cap="none">
                 <a:solidFill>
                   <a:schemeClr val="dk2"/>
                 </a:solidFill>
-                <a:latin typeface="Arial"/>
-                <a:ea typeface="Arial"/>
-                <a:cs typeface="Arial"/>
-                <a:sym typeface="Arial"/>
+                <a:latin typeface="Arial" panose="020B0604020202020204"/>
+                <a:ea typeface="Arial" panose="020B0604020202020204"/>
+                <a:cs typeface="Arial" panose="020B0604020202020204"/>
+                <a:sym typeface="Arial" panose="020B0604020202020204"/>
               </a:defRPr>
             </a:lvl6pPr>
             <a:lvl7pPr marL="3200400" marR="0" lvl="6" indent="-317500" algn="l" rtl="0">
@@ -7681,16 +7620,16 @@
                 <a:schemeClr val="dk2"/>
               </a:buClr>
               <a:buSzPts val="1400"/>
-              <a:buFont typeface="Arial"/>
+              <a:buFont typeface="Arial" panose="020B0604020202020204"/>
               <a:buChar char="●"/>
               <a:defRPr sz="1400" b="0" i="0" u="none" strike="noStrike" cap="none">
                 <a:solidFill>
                   <a:schemeClr val="dk2"/>
                 </a:solidFill>
-                <a:latin typeface="Arial"/>
-                <a:ea typeface="Arial"/>
-                <a:cs typeface="Arial"/>
-                <a:sym typeface="Arial"/>
+                <a:latin typeface="Arial" panose="020B0604020202020204"/>
+                <a:ea typeface="Arial" panose="020B0604020202020204"/>
+                <a:cs typeface="Arial" panose="020B0604020202020204"/>
+                <a:sym typeface="Arial" panose="020B0604020202020204"/>
               </a:defRPr>
             </a:lvl7pPr>
             <a:lvl8pPr marL="3657600" marR="0" lvl="7" indent="-317500" algn="l" rtl="0">
@@ -7707,16 +7646,16 @@
                 <a:schemeClr val="dk2"/>
               </a:buClr>
               <a:buSzPts val="1400"/>
-              <a:buFont typeface="Arial"/>
+              <a:buFont typeface="Arial" panose="020B0604020202020204"/>
               <a:buChar char="○"/>
               <a:defRPr sz="1400" b="0" i="0" u="none" strike="noStrike" cap="none">
                 <a:solidFill>
                   <a:schemeClr val="dk2"/>
                 </a:solidFill>
-                <a:latin typeface="Arial"/>
-                <a:ea typeface="Arial"/>
-                <a:cs typeface="Arial"/>
-                <a:sym typeface="Arial"/>
+                <a:latin typeface="Arial" panose="020B0604020202020204"/>
+                <a:ea typeface="Arial" panose="020B0604020202020204"/>
+                <a:cs typeface="Arial" panose="020B0604020202020204"/>
+                <a:sym typeface="Arial" panose="020B0604020202020204"/>
               </a:defRPr>
             </a:lvl8pPr>
             <a:lvl9pPr marL="4114800" marR="0" lvl="8" indent="-317500" algn="l" rtl="0">
@@ -7733,22 +7672,20 @@
                 <a:schemeClr val="dk2"/>
               </a:buClr>
               <a:buSzPts val="1400"/>
-              <a:buFont typeface="Arial"/>
+              <a:buFont typeface="Arial" panose="020B0604020202020204"/>
               <a:buChar char="■"/>
               <a:defRPr sz="1400" b="0" i="0" u="none" strike="noStrike" cap="none">
                 <a:solidFill>
                   <a:schemeClr val="dk2"/>
                 </a:solidFill>
-                <a:latin typeface="Arial"/>
-                <a:ea typeface="Arial"/>
-                <a:cs typeface="Arial"/>
-                <a:sym typeface="Arial"/>
+                <a:latin typeface="Arial" panose="020B0604020202020204"/>
+                <a:ea typeface="Arial" panose="020B0604020202020204"/>
+                <a:cs typeface="Arial" panose="020B0604020202020204"/>
+                <a:sym typeface="Arial" panose="020B0604020202020204"/>
               </a:defRPr>
             </a:lvl9pPr>
           </a:lstStyle>
-          <a:p>
-            <a:endParaRPr/>
-          </a:p>
+          <a:p/>
         </p:txBody>
       </p:sp>
       <p:sp>
@@ -7793,16 +7730,16 @@
                 <a:srgbClr val="000000"/>
               </a:buClr>
               <a:buSzPts val="1000"/>
-              <a:buFont typeface="Arial"/>
+              <a:buFont typeface="Arial" panose="020B0604020202020204"/>
               <a:buNone/>
               <a:defRPr sz="1000" b="0" i="0" u="none" strike="noStrike" cap="none">
                 <a:solidFill>
                   <a:schemeClr val="dk2"/>
                 </a:solidFill>
-                <a:latin typeface="Arial"/>
-                <a:ea typeface="Arial"/>
-                <a:cs typeface="Arial"/>
-                <a:sym typeface="Arial"/>
+                <a:latin typeface="Arial" panose="020B0604020202020204"/>
+                <a:ea typeface="Arial" panose="020B0604020202020204"/>
+                <a:cs typeface="Arial" panose="020B0604020202020204"/>
+                <a:sym typeface="Arial" panose="020B0604020202020204"/>
               </a:defRPr>
             </a:lvl1pPr>
             <a:lvl2pPr marL="0" marR="0" lvl="1" indent="0" algn="r" rtl="0">
@@ -7819,16 +7756,16 @@
                 <a:srgbClr val="000000"/>
               </a:buClr>
               <a:buSzPts val="1000"/>
-              <a:buFont typeface="Arial"/>
+              <a:buFont typeface="Arial" panose="020B0604020202020204"/>
               <a:buNone/>
               <a:defRPr sz="1000" b="0" i="0" u="none" strike="noStrike" cap="none">
                 <a:solidFill>
                   <a:schemeClr val="dk2"/>
                 </a:solidFill>
-                <a:latin typeface="Arial"/>
-                <a:ea typeface="Arial"/>
-                <a:cs typeface="Arial"/>
-                <a:sym typeface="Arial"/>
+                <a:latin typeface="Arial" panose="020B0604020202020204"/>
+                <a:ea typeface="Arial" panose="020B0604020202020204"/>
+                <a:cs typeface="Arial" panose="020B0604020202020204"/>
+                <a:sym typeface="Arial" panose="020B0604020202020204"/>
               </a:defRPr>
             </a:lvl2pPr>
             <a:lvl3pPr marL="0" marR="0" lvl="2" indent="0" algn="r" rtl="0">
@@ -7845,16 +7782,16 @@
                 <a:srgbClr val="000000"/>
               </a:buClr>
               <a:buSzPts val="1000"/>
-              <a:buFont typeface="Arial"/>
+              <a:buFont typeface="Arial" panose="020B0604020202020204"/>
               <a:buNone/>
               <a:defRPr sz="1000" b="0" i="0" u="none" strike="noStrike" cap="none">
                 <a:solidFill>
                   <a:schemeClr val="dk2"/>
                 </a:solidFill>
-                <a:latin typeface="Arial"/>
-                <a:ea typeface="Arial"/>
-                <a:cs typeface="Arial"/>
-                <a:sym typeface="Arial"/>
+                <a:latin typeface="Arial" panose="020B0604020202020204"/>
+                <a:ea typeface="Arial" panose="020B0604020202020204"/>
+                <a:cs typeface="Arial" panose="020B0604020202020204"/>
+                <a:sym typeface="Arial" panose="020B0604020202020204"/>
               </a:defRPr>
             </a:lvl3pPr>
             <a:lvl4pPr marL="0" marR="0" lvl="3" indent="0" algn="r" rtl="0">
@@ -7871,16 +7808,16 @@
                 <a:srgbClr val="000000"/>
               </a:buClr>
               <a:buSzPts val="1000"/>
-              <a:buFont typeface="Arial"/>
+              <a:buFont typeface="Arial" panose="020B0604020202020204"/>
               <a:buNone/>
               <a:defRPr sz="1000" b="0" i="0" u="none" strike="noStrike" cap="none">
                 <a:solidFill>
                   <a:schemeClr val="dk2"/>
                 </a:solidFill>
-                <a:latin typeface="Arial"/>
-                <a:ea typeface="Arial"/>
-                <a:cs typeface="Arial"/>
-                <a:sym typeface="Arial"/>
+                <a:latin typeface="Arial" panose="020B0604020202020204"/>
+                <a:ea typeface="Arial" panose="020B0604020202020204"/>
+                <a:cs typeface="Arial" panose="020B0604020202020204"/>
+                <a:sym typeface="Arial" panose="020B0604020202020204"/>
               </a:defRPr>
             </a:lvl4pPr>
             <a:lvl5pPr marL="0" marR="0" lvl="4" indent="0" algn="r" rtl="0">
@@ -7897,16 +7834,16 @@
                 <a:srgbClr val="000000"/>
               </a:buClr>
               <a:buSzPts val="1000"/>
-              <a:buFont typeface="Arial"/>
+              <a:buFont typeface="Arial" panose="020B0604020202020204"/>
               <a:buNone/>
               <a:defRPr sz="1000" b="0" i="0" u="none" strike="noStrike" cap="none">
                 <a:solidFill>
                   <a:schemeClr val="dk2"/>
                 </a:solidFill>
-                <a:latin typeface="Arial"/>
-                <a:ea typeface="Arial"/>
-                <a:cs typeface="Arial"/>
-                <a:sym typeface="Arial"/>
+                <a:latin typeface="Arial" panose="020B0604020202020204"/>
+                <a:ea typeface="Arial" panose="020B0604020202020204"/>
+                <a:cs typeface="Arial" panose="020B0604020202020204"/>
+                <a:sym typeface="Arial" panose="020B0604020202020204"/>
               </a:defRPr>
             </a:lvl5pPr>
             <a:lvl6pPr marL="0" marR="0" lvl="5" indent="0" algn="r" rtl="0">
@@ -7923,16 +7860,16 @@
                 <a:srgbClr val="000000"/>
               </a:buClr>
               <a:buSzPts val="1000"/>
-              <a:buFont typeface="Arial"/>
+              <a:buFont typeface="Arial" panose="020B0604020202020204"/>
               <a:buNone/>
               <a:defRPr sz="1000" b="0" i="0" u="none" strike="noStrike" cap="none">
                 <a:solidFill>
                   <a:schemeClr val="dk2"/>
                 </a:solidFill>
-                <a:latin typeface="Arial"/>
-                <a:ea typeface="Arial"/>
-                <a:cs typeface="Arial"/>
-                <a:sym typeface="Arial"/>
+                <a:latin typeface="Arial" panose="020B0604020202020204"/>
+                <a:ea typeface="Arial" panose="020B0604020202020204"/>
+                <a:cs typeface="Arial" panose="020B0604020202020204"/>
+                <a:sym typeface="Arial" panose="020B0604020202020204"/>
               </a:defRPr>
             </a:lvl6pPr>
             <a:lvl7pPr marL="0" marR="0" lvl="6" indent="0" algn="r" rtl="0">
@@ -7949,16 +7886,16 @@
                 <a:srgbClr val="000000"/>
               </a:buClr>
               <a:buSzPts val="1000"/>
-              <a:buFont typeface="Arial"/>
+              <a:buFont typeface="Arial" panose="020B0604020202020204"/>
               <a:buNone/>
               <a:defRPr sz="1000" b="0" i="0" u="none" strike="noStrike" cap="none">
                 <a:solidFill>
                   <a:schemeClr val="dk2"/>
                 </a:solidFill>
-                <a:latin typeface="Arial"/>
-                <a:ea typeface="Arial"/>
-                <a:cs typeface="Arial"/>
-                <a:sym typeface="Arial"/>
+                <a:latin typeface="Arial" panose="020B0604020202020204"/>
+                <a:ea typeface="Arial" panose="020B0604020202020204"/>
+                <a:cs typeface="Arial" panose="020B0604020202020204"/>
+                <a:sym typeface="Arial" panose="020B0604020202020204"/>
               </a:defRPr>
             </a:lvl7pPr>
             <a:lvl8pPr marL="0" marR="0" lvl="7" indent="0" algn="r" rtl="0">
@@ -7975,16 +7912,16 @@
                 <a:srgbClr val="000000"/>
               </a:buClr>
               <a:buSzPts val="1000"/>
-              <a:buFont typeface="Arial"/>
+              <a:buFont typeface="Arial" panose="020B0604020202020204"/>
               <a:buNone/>
               <a:defRPr sz="1000" b="0" i="0" u="none" strike="noStrike" cap="none">
                 <a:solidFill>
                   <a:schemeClr val="dk2"/>
                 </a:solidFill>
-                <a:latin typeface="Arial"/>
-                <a:ea typeface="Arial"/>
-                <a:cs typeface="Arial"/>
-                <a:sym typeface="Arial"/>
+                <a:latin typeface="Arial" panose="020B0604020202020204"/>
+                <a:ea typeface="Arial" panose="020B0604020202020204"/>
+                <a:cs typeface="Arial" panose="020B0604020202020204"/>
+                <a:sym typeface="Arial" panose="020B0604020202020204"/>
               </a:defRPr>
             </a:lvl8pPr>
             <a:lvl9pPr marL="0" marR="0" lvl="8" indent="0" algn="r" rtl="0">
@@ -8001,16 +7938,16 @@
                 <a:srgbClr val="000000"/>
               </a:buClr>
               <a:buSzPts val="1000"/>
-              <a:buFont typeface="Arial"/>
+              <a:buFont typeface="Arial" panose="020B0604020202020204"/>
               <a:buNone/>
               <a:defRPr sz="1000" b="0" i="0" u="none" strike="noStrike" cap="none">
                 <a:solidFill>
                   <a:schemeClr val="dk2"/>
                 </a:solidFill>
-                <a:latin typeface="Arial"/>
-                <a:ea typeface="Arial"/>
-                <a:cs typeface="Arial"/>
-                <a:sym typeface="Arial"/>
+                <a:latin typeface="Arial" panose="020B0604020202020204"/>
+                <a:ea typeface="Arial" panose="020B0604020202020204"/>
+                <a:cs typeface="Arial" panose="020B0604020202020204"/>
+                <a:sym typeface="Arial" panose="020B0604020202020204"/>
               </a:defRPr>
             </a:lvl9pPr>
           </a:lstStyle>
@@ -8026,9 +7963,8 @@
             </a:pPr>
             <a:fld id="{00000000-1234-1234-1234-123412341234}" type="slidenum">
               <a:rPr lang="en-GB"/>
-              <a:t>‹#›</a:t>
             </a:fld>
-            <a:endParaRPr/>
+            <a:endParaRPr lang="en-GB"/>
           </a:p>
         </p:txBody>
       </p:sp>
@@ -8039,11 +7975,11 @@
           <p:nvPr/>
         </p:nvPicPr>
         <p:blipFill rotWithShape="1">
-          <a:blip r:embed="rId13">
-            <a:alphaModFix/>
-          </a:blip>
+          <a:blip r:embed="rId12"/>
           <a:srcRect/>
-          <a:stretch/>
+          <a:stretch>
+            <a:fillRect/>
+          </a:stretch>
         </p:blipFill>
         <p:spPr>
           <a:xfrm>
@@ -8063,17 +7999,17 @@
   </p:cSld>
   <p:clrMap bg1="lt1" tx1="dk1" bg2="dk2" tx2="lt2" accent1="accent1" accent2="accent2" accent3="accent3" accent4="accent4" accent5="accent5" accent6="accent6" hlink="hlink" folHlink="folHlink"/>
   <p:sldLayoutIdLst>
-    <p:sldLayoutId id="2147483648" r:id="rId1"/>
-    <p:sldLayoutId id="2147483649" r:id="rId2"/>
-    <p:sldLayoutId id="2147483650" r:id="rId3"/>
-    <p:sldLayoutId id="2147483651" r:id="rId4"/>
-    <p:sldLayoutId id="2147483652" r:id="rId5"/>
-    <p:sldLayoutId id="2147483653" r:id="rId6"/>
-    <p:sldLayoutId id="2147483654" r:id="rId7"/>
-    <p:sldLayoutId id="2147483655" r:id="rId8"/>
-    <p:sldLayoutId id="2147483656" r:id="rId9"/>
-    <p:sldLayoutId id="2147483657" r:id="rId10"/>
-    <p:sldLayoutId id="2147483658" r:id="rId11"/>
+    <p:sldLayoutId id="2147483649" r:id="rId1"/>
+    <p:sldLayoutId id="2147483650" r:id="rId2"/>
+    <p:sldLayoutId id="2147483651" r:id="rId3"/>
+    <p:sldLayoutId id="2147483652" r:id="rId4"/>
+    <p:sldLayoutId id="2147483653" r:id="rId5"/>
+    <p:sldLayoutId id="2147483654" r:id="rId6"/>
+    <p:sldLayoutId id="2147483655" r:id="rId7"/>
+    <p:sldLayoutId id="2147483656" r:id="rId8"/>
+    <p:sldLayoutId id="2147483657" r:id="rId9"/>
+    <p:sldLayoutId id="2147483658" r:id="rId10"/>
+    <p:sldLayoutId id="2147483659" r:id="rId11"/>
   </p:sldLayoutIdLst>
   <p:hf sldNum="0" hdr="0" ftr="0" dt="0"/>
   <p:txStyles>
@@ -8102,15 +8038,15 @@
         <a:buClr>
           <a:srgbClr val="000000"/>
         </a:buClr>
-        <a:buFont typeface="Arial"/>
+        <a:buFont typeface="Arial" panose="020B0604020202020204"/>
         <a:defRPr sz="1400" b="0" i="0" u="none" strike="noStrike" cap="none">
           <a:solidFill>
             <a:srgbClr val="000000"/>
           </a:solidFill>
-          <a:latin typeface="Arial"/>
-          <a:ea typeface="Arial"/>
-          <a:cs typeface="Arial"/>
-          <a:sym typeface="Arial"/>
+          <a:latin typeface="Arial" panose="020B0604020202020204"/>
+          <a:ea typeface="Arial" panose="020B0604020202020204"/>
+          <a:cs typeface="Arial" panose="020B0604020202020204"/>
+          <a:sym typeface="Arial" panose="020B0604020202020204"/>
         </a:defRPr>
       </a:lvl1pPr>
       <a:lvl2pPr marR="0" lvl="1" algn="l" rtl="0">
@@ -8126,15 +8062,15 @@
         <a:buClr>
           <a:srgbClr val="000000"/>
         </a:buClr>
-        <a:buFont typeface="Arial"/>
+        <a:buFont typeface="Arial" panose="020B0604020202020204"/>
         <a:defRPr sz="1400" b="0" i="0" u="none" strike="noStrike" cap="none">
           <a:solidFill>
             <a:srgbClr val="000000"/>
           </a:solidFill>
-          <a:latin typeface="Arial"/>
-          <a:ea typeface="Arial"/>
-          <a:cs typeface="Arial"/>
-          <a:sym typeface="Arial"/>
+          <a:latin typeface="Arial" panose="020B0604020202020204"/>
+          <a:ea typeface="Arial" panose="020B0604020202020204"/>
+          <a:cs typeface="Arial" panose="020B0604020202020204"/>
+          <a:sym typeface="Arial" panose="020B0604020202020204"/>
         </a:defRPr>
       </a:lvl2pPr>
       <a:lvl3pPr marR="0" lvl="2" algn="l" rtl="0">
@@ -8150,15 +8086,15 @@
         <a:buClr>
           <a:srgbClr val="000000"/>
         </a:buClr>
-        <a:buFont typeface="Arial"/>
+        <a:buFont typeface="Arial" panose="020B0604020202020204"/>
         <a:defRPr sz="1400" b="0" i="0" u="none" strike="noStrike" cap="none">
           <a:solidFill>
             <a:srgbClr val="000000"/>
           </a:solidFill>
-          <a:latin typeface="Arial"/>
-          <a:ea typeface="Arial"/>
-          <a:cs typeface="Arial"/>
-          <a:sym typeface="Arial"/>
+          <a:latin typeface="Arial" panose="020B0604020202020204"/>
+          <a:ea typeface="Arial" panose="020B0604020202020204"/>
+          <a:cs typeface="Arial" panose="020B0604020202020204"/>
+          <a:sym typeface="Arial" panose="020B0604020202020204"/>
         </a:defRPr>
       </a:lvl3pPr>
       <a:lvl4pPr marR="0" lvl="3" algn="l" rtl="0">
@@ -8174,15 +8110,15 @@
         <a:buClr>
           <a:srgbClr val="000000"/>
         </a:buClr>
-        <a:buFont typeface="Arial"/>
+        <a:buFont typeface="Arial" panose="020B0604020202020204"/>
         <a:defRPr sz="1400" b="0" i="0" u="none" strike="noStrike" cap="none">
           <a:solidFill>
             <a:srgbClr val="000000"/>
           </a:solidFill>
-          <a:latin typeface="Arial"/>
-          <a:ea typeface="Arial"/>
-          <a:cs typeface="Arial"/>
-          <a:sym typeface="Arial"/>
+          <a:latin typeface="Arial" panose="020B0604020202020204"/>
+          <a:ea typeface="Arial" panose="020B0604020202020204"/>
+          <a:cs typeface="Arial" panose="020B0604020202020204"/>
+          <a:sym typeface="Arial" panose="020B0604020202020204"/>
         </a:defRPr>
       </a:lvl4pPr>
       <a:lvl5pPr marR="0" lvl="4" algn="l" rtl="0">
@@ -8198,15 +8134,15 @@
         <a:buClr>
           <a:srgbClr val="000000"/>
         </a:buClr>
-        <a:buFont typeface="Arial"/>
+        <a:buFont typeface="Arial" panose="020B0604020202020204"/>
         <a:defRPr sz="1400" b="0" i="0" u="none" strike="noStrike" cap="none">
           <a:solidFill>
             <a:srgbClr val="000000"/>
           </a:solidFill>
-          <a:latin typeface="Arial"/>
-          <a:ea typeface="Arial"/>
-          <a:cs typeface="Arial"/>
-          <a:sym typeface="Arial"/>
+          <a:latin typeface="Arial" panose="020B0604020202020204"/>
+          <a:ea typeface="Arial" panose="020B0604020202020204"/>
+          <a:cs typeface="Arial" panose="020B0604020202020204"/>
+          <a:sym typeface="Arial" panose="020B0604020202020204"/>
         </a:defRPr>
       </a:lvl5pPr>
       <a:lvl6pPr marR="0" lvl="5" algn="l" rtl="0">
@@ -8222,15 +8158,15 @@
         <a:buClr>
           <a:srgbClr val="000000"/>
         </a:buClr>
-        <a:buFont typeface="Arial"/>
+        <a:buFont typeface="Arial" panose="020B0604020202020204"/>
         <a:defRPr sz="1400" b="0" i="0" u="none" strike="noStrike" cap="none">
           <a:solidFill>
             <a:srgbClr val="000000"/>
           </a:solidFill>
-          <a:latin typeface="Arial"/>
-          <a:ea typeface="Arial"/>
-          <a:cs typeface="Arial"/>
-          <a:sym typeface="Arial"/>
+          <a:latin typeface="Arial" panose="020B0604020202020204"/>
+          <a:ea typeface="Arial" panose="020B0604020202020204"/>
+          <a:cs typeface="Arial" panose="020B0604020202020204"/>
+          <a:sym typeface="Arial" panose="020B0604020202020204"/>
         </a:defRPr>
       </a:lvl6pPr>
       <a:lvl7pPr marR="0" lvl="6" algn="l" rtl="0">
@@ -8246,15 +8182,15 @@
         <a:buClr>
           <a:srgbClr val="000000"/>
         </a:buClr>
-        <a:buFont typeface="Arial"/>
+        <a:buFont typeface="Arial" panose="020B0604020202020204"/>
         <a:defRPr sz="1400" b="0" i="0" u="none" strike="noStrike" cap="none">
           <a:solidFill>
             <a:srgbClr val="000000"/>
           </a:solidFill>
-          <a:latin typeface="Arial"/>
-          <a:ea typeface="Arial"/>
-          <a:cs typeface="Arial"/>
-          <a:sym typeface="Arial"/>
+          <a:latin typeface="Arial" panose="020B0604020202020204"/>
+          <a:ea typeface="Arial" panose="020B0604020202020204"/>
+          <a:cs typeface="Arial" panose="020B0604020202020204"/>
+          <a:sym typeface="Arial" panose="020B0604020202020204"/>
         </a:defRPr>
       </a:lvl7pPr>
       <a:lvl8pPr marR="0" lvl="7" algn="l" rtl="0">
@@ -8270,15 +8206,15 @@
         <a:buClr>
           <a:srgbClr val="000000"/>
         </a:buClr>
-        <a:buFont typeface="Arial"/>
+        <a:buFont typeface="Arial" panose="020B0604020202020204"/>
         <a:defRPr sz="1400" b="0" i="0" u="none" strike="noStrike" cap="none">
           <a:solidFill>
             <a:srgbClr val="000000"/>
           </a:solidFill>
-          <a:latin typeface="Arial"/>
-          <a:ea typeface="Arial"/>
-          <a:cs typeface="Arial"/>
-          <a:sym typeface="Arial"/>
+          <a:latin typeface="Arial" panose="020B0604020202020204"/>
+          <a:ea typeface="Arial" panose="020B0604020202020204"/>
+          <a:cs typeface="Arial" panose="020B0604020202020204"/>
+          <a:sym typeface="Arial" panose="020B0604020202020204"/>
         </a:defRPr>
       </a:lvl8pPr>
       <a:lvl9pPr marR="0" lvl="8" algn="l" rtl="0">
@@ -8294,15 +8230,15 @@
         <a:buClr>
           <a:srgbClr val="000000"/>
         </a:buClr>
-        <a:buFont typeface="Arial"/>
+        <a:buFont typeface="Arial" panose="020B0604020202020204"/>
         <a:defRPr sz="1400" b="0" i="0" u="none" strike="noStrike" cap="none">
           <a:solidFill>
             <a:srgbClr val="000000"/>
           </a:solidFill>
-          <a:latin typeface="Arial"/>
-          <a:ea typeface="Arial"/>
-          <a:cs typeface="Arial"/>
-          <a:sym typeface="Arial"/>
+          <a:latin typeface="Arial" panose="020B0604020202020204"/>
+          <a:ea typeface="Arial" panose="020B0604020202020204"/>
+          <a:cs typeface="Arial" panose="020B0604020202020204"/>
+          <a:sym typeface="Arial" panose="020B0604020202020204"/>
         </a:defRPr>
       </a:lvl9pPr>
     </p:titleStyle>
@@ -8331,15 +8267,15 @@
         <a:buClr>
           <a:srgbClr val="000000"/>
         </a:buClr>
-        <a:buFont typeface="Arial"/>
+        <a:buFont typeface="Arial" panose="020B0604020202020204"/>
         <a:defRPr sz="1400" b="0" i="0" u="none" strike="noStrike" cap="none">
           <a:solidFill>
             <a:srgbClr val="000000"/>
           </a:solidFill>
-          <a:latin typeface="Arial"/>
-          <a:ea typeface="Arial"/>
-          <a:cs typeface="Arial"/>
-          <a:sym typeface="Arial"/>
+          <a:latin typeface="Arial" panose="020B0604020202020204"/>
+          <a:ea typeface="Arial" panose="020B0604020202020204"/>
+          <a:cs typeface="Arial" panose="020B0604020202020204"/>
+          <a:sym typeface="Arial" panose="020B0604020202020204"/>
         </a:defRPr>
       </a:lvl1pPr>
       <a:lvl2pPr marR="0" lvl="1" algn="l" rtl="0">
@@ -8355,15 +8291,15 @@
         <a:buClr>
           <a:srgbClr val="000000"/>
         </a:buClr>
-        <a:buFont typeface="Arial"/>
+        <a:buFont typeface="Arial" panose="020B0604020202020204"/>
         <a:defRPr sz="1400" b="0" i="0" u="none" strike="noStrike" cap="none">
           <a:solidFill>
             <a:srgbClr val="000000"/>
           </a:solidFill>
-          <a:latin typeface="Arial"/>
-          <a:ea typeface="Arial"/>
-          <a:cs typeface="Arial"/>
-          <a:sym typeface="Arial"/>
+          <a:latin typeface="Arial" panose="020B0604020202020204"/>
+          <a:ea typeface="Arial" panose="020B0604020202020204"/>
+          <a:cs typeface="Arial" panose="020B0604020202020204"/>
+          <a:sym typeface="Arial" panose="020B0604020202020204"/>
         </a:defRPr>
       </a:lvl2pPr>
       <a:lvl3pPr marR="0" lvl="2" algn="l" rtl="0">
@@ -8379,15 +8315,15 @@
         <a:buClr>
           <a:srgbClr val="000000"/>
         </a:buClr>
-        <a:buFont typeface="Arial"/>
+        <a:buFont typeface="Arial" panose="020B0604020202020204"/>
         <a:defRPr sz="1400" b="0" i="0" u="none" strike="noStrike" cap="none">
           <a:solidFill>
             <a:srgbClr val="000000"/>
           </a:solidFill>
-          <a:latin typeface="Arial"/>
-          <a:ea typeface="Arial"/>
-          <a:cs typeface="Arial"/>
-          <a:sym typeface="Arial"/>
+          <a:latin typeface="Arial" panose="020B0604020202020204"/>
+          <a:ea typeface="Arial" panose="020B0604020202020204"/>
+          <a:cs typeface="Arial" panose="020B0604020202020204"/>
+          <a:sym typeface="Arial" panose="020B0604020202020204"/>
         </a:defRPr>
       </a:lvl3pPr>
       <a:lvl4pPr marR="0" lvl="3" algn="l" rtl="0">
@@ -8403,15 +8339,15 @@
         <a:buClr>
           <a:srgbClr val="000000"/>
         </a:buClr>
-        <a:buFont typeface="Arial"/>
+        <a:buFont typeface="Arial" panose="020B0604020202020204"/>
         <a:defRPr sz="1400" b="0" i="0" u="none" strike="noStrike" cap="none">
           <a:solidFill>
             <a:srgbClr val="000000"/>
           </a:solidFill>
-          <a:latin typeface="Arial"/>
-          <a:ea typeface="Arial"/>
-          <a:cs typeface="Arial"/>
-          <a:sym typeface="Arial"/>
+          <a:latin typeface="Arial" panose="020B0604020202020204"/>
+          <a:ea typeface="Arial" panose="020B0604020202020204"/>
+          <a:cs typeface="Arial" panose="020B0604020202020204"/>
+          <a:sym typeface="Arial" panose="020B0604020202020204"/>
         </a:defRPr>
       </a:lvl4pPr>
       <a:lvl5pPr marR="0" lvl="4" algn="l" rtl="0">
@@ -8427,15 +8363,15 @@
         <a:buClr>
           <a:srgbClr val="000000"/>
         </a:buClr>
-        <a:buFont typeface="Arial"/>
+        <a:buFont typeface="Arial" panose="020B0604020202020204"/>
         <a:defRPr sz="1400" b="0" i="0" u="none" strike="noStrike" cap="none">
           <a:solidFill>
             <a:srgbClr val="000000"/>
           </a:solidFill>
-          <a:latin typeface="Arial"/>
-          <a:ea typeface="Arial"/>
-          <a:cs typeface="Arial"/>
-          <a:sym typeface="Arial"/>
+          <a:latin typeface="Arial" panose="020B0604020202020204"/>
+          <a:ea typeface="Arial" panose="020B0604020202020204"/>
+          <a:cs typeface="Arial" panose="020B0604020202020204"/>
+          <a:sym typeface="Arial" panose="020B0604020202020204"/>
         </a:defRPr>
       </a:lvl5pPr>
       <a:lvl6pPr marR="0" lvl="5" algn="l" rtl="0">
@@ -8451,15 +8387,15 @@
         <a:buClr>
           <a:srgbClr val="000000"/>
         </a:buClr>
-        <a:buFont typeface="Arial"/>
+        <a:buFont typeface="Arial" panose="020B0604020202020204"/>
         <a:defRPr sz="1400" b="0" i="0" u="none" strike="noStrike" cap="none">
           <a:solidFill>
             <a:srgbClr val="000000"/>
           </a:solidFill>
-          <a:latin typeface="Arial"/>
-          <a:ea typeface="Arial"/>
-          <a:cs typeface="Arial"/>
-          <a:sym typeface="Arial"/>
+          <a:latin typeface="Arial" panose="020B0604020202020204"/>
+          <a:ea typeface="Arial" panose="020B0604020202020204"/>
+          <a:cs typeface="Arial" panose="020B0604020202020204"/>
+          <a:sym typeface="Arial" panose="020B0604020202020204"/>
         </a:defRPr>
       </a:lvl6pPr>
       <a:lvl7pPr marR="0" lvl="6" algn="l" rtl="0">
@@ -8475,15 +8411,15 @@
         <a:buClr>
           <a:srgbClr val="000000"/>
         </a:buClr>
-        <a:buFont typeface="Arial"/>
+        <a:buFont typeface="Arial" panose="020B0604020202020204"/>
         <a:defRPr sz="1400" b="0" i="0" u="none" strike="noStrike" cap="none">
           <a:solidFill>
             <a:srgbClr val="000000"/>
           </a:solidFill>
-          <a:latin typeface="Arial"/>
-          <a:ea typeface="Arial"/>
-          <a:cs typeface="Arial"/>
-          <a:sym typeface="Arial"/>
+          <a:latin typeface="Arial" panose="020B0604020202020204"/>
+          <a:ea typeface="Arial" panose="020B0604020202020204"/>
+          <a:cs typeface="Arial" panose="020B0604020202020204"/>
+          <a:sym typeface="Arial" panose="020B0604020202020204"/>
         </a:defRPr>
       </a:lvl7pPr>
       <a:lvl8pPr marR="0" lvl="7" algn="l" rtl="0">
@@ -8499,15 +8435,15 @@
         <a:buClr>
           <a:srgbClr val="000000"/>
         </a:buClr>
-        <a:buFont typeface="Arial"/>
+        <a:buFont typeface="Arial" panose="020B0604020202020204"/>
         <a:defRPr sz="1400" b="0" i="0" u="none" strike="noStrike" cap="none">
           <a:solidFill>
             <a:srgbClr val="000000"/>
           </a:solidFill>
-          <a:latin typeface="Arial"/>
-          <a:ea typeface="Arial"/>
-          <a:cs typeface="Arial"/>
-          <a:sym typeface="Arial"/>
+          <a:latin typeface="Arial" panose="020B0604020202020204"/>
+          <a:ea typeface="Arial" panose="020B0604020202020204"/>
+          <a:cs typeface="Arial" panose="020B0604020202020204"/>
+          <a:sym typeface="Arial" panose="020B0604020202020204"/>
         </a:defRPr>
       </a:lvl8pPr>
       <a:lvl9pPr marR="0" lvl="8" algn="l" rtl="0">
@@ -8523,15 +8459,15 @@
         <a:buClr>
           <a:srgbClr val="000000"/>
         </a:buClr>
-        <a:buFont typeface="Arial"/>
+        <a:buFont typeface="Arial" panose="020B0604020202020204"/>
         <a:defRPr sz="1400" b="0" i="0" u="none" strike="noStrike" cap="none">
           <a:solidFill>
             <a:srgbClr val="000000"/>
           </a:solidFill>
-          <a:latin typeface="Arial"/>
-          <a:ea typeface="Arial"/>
-          <a:cs typeface="Arial"/>
-          <a:sym typeface="Arial"/>
+          <a:latin typeface="Arial" panose="020B0604020202020204"/>
+          <a:ea typeface="Arial" panose="020B0604020202020204"/>
+          <a:cs typeface="Arial" panose="020B0604020202020204"/>
+          <a:sym typeface="Arial" panose="020B0604020202020204"/>
         </a:defRPr>
       </a:lvl9pPr>
     </p:bodyStyle>
@@ -8560,15 +8496,15 @@
         <a:buClr>
           <a:srgbClr val="000000"/>
         </a:buClr>
-        <a:buFont typeface="Arial"/>
+        <a:buFont typeface="Arial" panose="020B0604020202020204"/>
         <a:defRPr sz="1400" b="0" i="0" u="none" strike="noStrike" cap="none">
           <a:solidFill>
             <a:srgbClr val="000000"/>
           </a:solidFill>
-          <a:latin typeface="Arial"/>
-          <a:ea typeface="Arial"/>
-          <a:cs typeface="Arial"/>
-          <a:sym typeface="Arial"/>
+          <a:latin typeface="Arial" panose="020B0604020202020204"/>
+          <a:ea typeface="Arial" panose="020B0604020202020204"/>
+          <a:cs typeface="Arial" panose="020B0604020202020204"/>
+          <a:sym typeface="Arial" panose="020B0604020202020204"/>
         </a:defRPr>
       </a:lvl1pPr>
       <a:lvl2pPr marR="0" lvl="1" algn="l" rtl="0">
@@ -8584,15 +8520,15 @@
         <a:buClr>
           <a:srgbClr val="000000"/>
         </a:buClr>
-        <a:buFont typeface="Arial"/>
+        <a:buFont typeface="Arial" panose="020B0604020202020204"/>
         <a:defRPr sz="1400" b="0" i="0" u="none" strike="noStrike" cap="none">
           <a:solidFill>
             <a:srgbClr val="000000"/>
           </a:solidFill>
-          <a:latin typeface="Arial"/>
-          <a:ea typeface="Arial"/>
-          <a:cs typeface="Arial"/>
-          <a:sym typeface="Arial"/>
+          <a:latin typeface="Arial" panose="020B0604020202020204"/>
+          <a:ea typeface="Arial" panose="020B0604020202020204"/>
+          <a:cs typeface="Arial" panose="020B0604020202020204"/>
+          <a:sym typeface="Arial" panose="020B0604020202020204"/>
         </a:defRPr>
       </a:lvl2pPr>
       <a:lvl3pPr marR="0" lvl="2" algn="l" rtl="0">
@@ -8608,15 +8544,15 @@
         <a:buClr>
           <a:srgbClr val="000000"/>
         </a:buClr>
-        <a:buFont typeface="Arial"/>
+        <a:buFont typeface="Arial" panose="020B0604020202020204"/>
         <a:defRPr sz="1400" b="0" i="0" u="none" strike="noStrike" cap="none">
           <a:solidFill>
             <a:srgbClr val="000000"/>
           </a:solidFill>
-          <a:latin typeface="Arial"/>
-          <a:ea typeface="Arial"/>
-          <a:cs typeface="Arial"/>
-          <a:sym typeface="Arial"/>
+          <a:latin typeface="Arial" panose="020B0604020202020204"/>
+          <a:ea typeface="Arial" panose="020B0604020202020204"/>
+          <a:cs typeface="Arial" panose="020B0604020202020204"/>
+          <a:sym typeface="Arial" panose="020B0604020202020204"/>
         </a:defRPr>
       </a:lvl3pPr>
       <a:lvl4pPr marR="0" lvl="3" algn="l" rtl="0">
@@ -8632,15 +8568,15 @@
         <a:buClr>
           <a:srgbClr val="000000"/>
         </a:buClr>
-        <a:buFont typeface="Arial"/>
+        <a:buFont typeface="Arial" panose="020B0604020202020204"/>
         <a:defRPr sz="1400" b="0" i="0" u="none" strike="noStrike" cap="none">
           <a:solidFill>
             <a:srgbClr val="000000"/>
           </a:solidFill>
-          <a:latin typeface="Arial"/>
-          <a:ea typeface="Arial"/>
-          <a:cs typeface="Arial"/>
-          <a:sym typeface="Arial"/>
+          <a:latin typeface="Arial" panose="020B0604020202020204"/>
+          <a:ea typeface="Arial" panose="020B0604020202020204"/>
+          <a:cs typeface="Arial" panose="020B0604020202020204"/>
+          <a:sym typeface="Arial" panose="020B0604020202020204"/>
         </a:defRPr>
       </a:lvl4pPr>
       <a:lvl5pPr marR="0" lvl="4" algn="l" rtl="0">
@@ -8656,15 +8592,15 @@
         <a:buClr>
           <a:srgbClr val="000000"/>
         </a:buClr>
-        <a:buFont typeface="Arial"/>
+        <a:buFont typeface="Arial" panose="020B0604020202020204"/>
         <a:defRPr sz="1400" b="0" i="0" u="none" strike="noStrike" cap="none">
           <a:solidFill>
             <a:srgbClr val="000000"/>
           </a:solidFill>
-          <a:latin typeface="Arial"/>
-          <a:ea typeface="Arial"/>
-          <a:cs typeface="Arial"/>
-          <a:sym typeface="Arial"/>
+          <a:latin typeface="Arial" panose="020B0604020202020204"/>
+          <a:ea typeface="Arial" panose="020B0604020202020204"/>
+          <a:cs typeface="Arial" panose="020B0604020202020204"/>
+          <a:sym typeface="Arial" panose="020B0604020202020204"/>
         </a:defRPr>
       </a:lvl5pPr>
       <a:lvl6pPr marR="0" lvl="5" algn="l" rtl="0">
@@ -8680,15 +8616,15 @@
         <a:buClr>
           <a:srgbClr val="000000"/>
         </a:buClr>
-        <a:buFont typeface="Arial"/>
+        <a:buFont typeface="Arial" panose="020B0604020202020204"/>
         <a:defRPr sz="1400" b="0" i="0" u="none" strike="noStrike" cap="none">
           <a:solidFill>
             <a:srgbClr val="000000"/>
           </a:solidFill>
-          <a:latin typeface="Arial"/>
-          <a:ea typeface="Arial"/>
-          <a:cs typeface="Arial"/>
-          <a:sym typeface="Arial"/>
+          <a:latin typeface="Arial" panose="020B0604020202020204"/>
+          <a:ea typeface="Arial" panose="020B0604020202020204"/>
+          <a:cs typeface="Arial" panose="020B0604020202020204"/>
+          <a:sym typeface="Arial" panose="020B0604020202020204"/>
         </a:defRPr>
       </a:lvl6pPr>
       <a:lvl7pPr marR="0" lvl="6" algn="l" rtl="0">
@@ -8704,15 +8640,15 @@
         <a:buClr>
           <a:srgbClr val="000000"/>
         </a:buClr>
-        <a:buFont typeface="Arial"/>
+        <a:buFont typeface="Arial" panose="020B0604020202020204"/>
         <a:defRPr sz="1400" b="0" i="0" u="none" strike="noStrike" cap="none">
           <a:solidFill>
             <a:srgbClr val="000000"/>
           </a:solidFill>
-          <a:latin typeface="Arial"/>
-          <a:ea typeface="Arial"/>
-          <a:cs typeface="Arial"/>
-          <a:sym typeface="Arial"/>
+          <a:latin typeface="Arial" panose="020B0604020202020204"/>
+          <a:ea typeface="Arial" panose="020B0604020202020204"/>
+          <a:cs typeface="Arial" panose="020B0604020202020204"/>
+          <a:sym typeface="Arial" panose="020B0604020202020204"/>
         </a:defRPr>
       </a:lvl7pPr>
       <a:lvl8pPr marR="0" lvl="7" algn="l" rtl="0">
@@ -8728,15 +8664,15 @@
         <a:buClr>
           <a:srgbClr val="000000"/>
         </a:buClr>
-        <a:buFont typeface="Arial"/>
+        <a:buFont typeface="Arial" panose="020B0604020202020204"/>
         <a:defRPr sz="1400" b="0" i="0" u="none" strike="noStrike" cap="none">
           <a:solidFill>
             <a:srgbClr val="000000"/>
           </a:solidFill>
-          <a:latin typeface="Arial"/>
-          <a:ea typeface="Arial"/>
-          <a:cs typeface="Arial"/>
-          <a:sym typeface="Arial"/>
+          <a:latin typeface="Arial" panose="020B0604020202020204"/>
+          <a:ea typeface="Arial" panose="020B0604020202020204"/>
+          <a:cs typeface="Arial" panose="020B0604020202020204"/>
+          <a:sym typeface="Arial" panose="020B0604020202020204"/>
         </a:defRPr>
       </a:lvl8pPr>
       <a:lvl9pPr marR="0" lvl="8" algn="l" rtl="0">
@@ -8752,15 +8688,15 @@
         <a:buClr>
           <a:srgbClr val="000000"/>
         </a:buClr>
-        <a:buFont typeface="Arial"/>
+        <a:buFont typeface="Arial" panose="020B0604020202020204"/>
         <a:defRPr sz="1400" b="0" i="0" u="none" strike="noStrike" cap="none">
           <a:solidFill>
             <a:srgbClr val="000000"/>
           </a:solidFill>
-          <a:latin typeface="Arial"/>
-          <a:ea typeface="Arial"/>
-          <a:cs typeface="Arial"/>
-          <a:sym typeface="Arial"/>
+          <a:latin typeface="Arial" panose="020B0604020202020204"/>
+          <a:ea typeface="Arial" panose="020B0604020202020204"/>
+          <a:cs typeface="Arial" panose="020B0604020202020204"/>
+          <a:sym typeface="Arial" panose="020B0604020202020204"/>
         </a:defRPr>
       </a:lvl9pPr>
     </p:otherStyle>
@@ -8832,10 +8768,10 @@
                 <a:solidFill>
                   <a:srgbClr val="CC0000"/>
                 </a:solidFill>
-                <a:latin typeface="Montserrat"/>
-                <a:ea typeface="Montserrat"/>
-                <a:cs typeface="Montserrat"/>
-                <a:sym typeface="Montserrat"/>
+                <a:latin typeface="Montserrat" panose="00000500000000000000"/>
+                <a:ea typeface="Montserrat" panose="00000500000000000000"/>
+                <a:cs typeface="Montserrat" panose="00000500000000000000"/>
+                <a:sym typeface="Montserrat" panose="00000500000000000000"/>
               </a:rPr>
               <a:t>           Capstone Project</a:t>
             </a:r>
@@ -8843,10 +8779,10 @@
               <a:solidFill>
                 <a:srgbClr val="CC0000"/>
               </a:solidFill>
-              <a:latin typeface="Montserrat"/>
-              <a:ea typeface="Montserrat"/>
-              <a:cs typeface="Montserrat"/>
-              <a:sym typeface="Montserrat"/>
+              <a:latin typeface="Montserrat" panose="00000500000000000000"/>
+              <a:ea typeface="Montserrat" panose="00000500000000000000"/>
+              <a:cs typeface="Montserrat" panose="00000500000000000000"/>
+              <a:sym typeface="Montserrat" panose="00000500000000000000"/>
             </a:endParaRPr>
           </a:p>
           <a:p>
@@ -8868,10 +8804,10 @@
                 <a:solidFill>
                   <a:schemeClr val="lt1"/>
                 </a:solidFill>
-                <a:latin typeface="Montserrat"/>
-                <a:ea typeface="Montserrat"/>
-                <a:cs typeface="Montserrat"/>
-                <a:sym typeface="Montserrat"/>
+                <a:latin typeface="Montserrat" panose="00000500000000000000"/>
+                <a:ea typeface="Montserrat" panose="00000500000000000000"/>
+                <a:cs typeface="Montserrat" panose="00000500000000000000"/>
+                <a:sym typeface="Montserrat" panose="00000500000000000000"/>
               </a:rPr>
               <a:t>Rossmann Sales Prediction</a:t>
             </a:r>
@@ -8879,10 +8815,10 @@
               <a:solidFill>
                 <a:schemeClr val="lt1"/>
               </a:solidFill>
-              <a:latin typeface="Montserrat"/>
-              <a:ea typeface="Montserrat"/>
-              <a:cs typeface="Montserrat"/>
-              <a:sym typeface="Montserrat"/>
+              <a:latin typeface="Montserrat" panose="00000500000000000000"/>
+              <a:ea typeface="Montserrat" panose="00000500000000000000"/>
+              <a:cs typeface="Montserrat" panose="00000500000000000000"/>
+              <a:sym typeface="Montserrat" panose="00000500000000000000"/>
             </a:endParaRPr>
           </a:p>
           <a:p>
@@ -8900,10 +8836,10 @@
               <a:solidFill>
                 <a:schemeClr val="lt1"/>
               </a:solidFill>
-              <a:latin typeface="Montserrat"/>
-              <a:ea typeface="Montserrat"/>
-              <a:cs typeface="Montserrat"/>
-              <a:sym typeface="Montserrat"/>
+              <a:latin typeface="Montserrat" panose="00000500000000000000"/>
+              <a:ea typeface="Montserrat" panose="00000500000000000000"/>
+              <a:cs typeface="Montserrat" panose="00000500000000000000"/>
+              <a:sym typeface="Montserrat" panose="00000500000000000000"/>
             </a:endParaRPr>
           </a:p>
           <a:p>
@@ -8921,10 +8857,10 @@
               <a:solidFill>
                 <a:schemeClr val="lt1"/>
               </a:solidFill>
-              <a:latin typeface="Montserrat"/>
-              <a:ea typeface="Montserrat"/>
-              <a:cs typeface="Montserrat"/>
-              <a:sym typeface="Montserrat"/>
+              <a:latin typeface="Montserrat" panose="00000500000000000000"/>
+              <a:ea typeface="Montserrat" panose="00000500000000000000"/>
+              <a:cs typeface="Montserrat" panose="00000500000000000000"/>
+              <a:sym typeface="Montserrat" panose="00000500000000000000"/>
             </a:endParaRPr>
           </a:p>
         </p:txBody>
@@ -8956,13 +8892,7 @@
       </p:grpSpPr>
       <p:sp>
         <p:nvSpPr>
-          <p:cNvPr id="4" name="Title 3">
-            <a:extLst>
-              <a:ext uri="{FF2B5EF4-FFF2-40B4-BE49-F238E27FC236}">
-                <a16:creationId xmlns:a16="http://schemas.microsoft.com/office/drawing/2014/main" id="{C1D31F62-4497-43A2-B6DF-8C1D41F0C694}"/>
-              </a:ext>
-            </a:extLst>
-          </p:cNvPr>
+          <p:cNvPr id="4" name="Title 3"/>
           <p:cNvSpPr>
             <a:spLocks noGrp="1"/>
           </p:cNvSpPr>
@@ -8972,8 +8902,8 @@
         </p:nvSpPr>
         <p:spPr>
           <a:xfrm>
-            <a:off x="1731818" y="235527"/>
-            <a:ext cx="7100481" cy="782198"/>
+            <a:off x="1447800" y="202661"/>
+            <a:ext cx="7384500" cy="690957"/>
           </a:xfrm>
         </p:spPr>
         <p:txBody>
@@ -8984,35 +8914,32 @@
               <a:rPr lang="en-US" dirty="0">
                 <a:latin typeface="Bahnschrift SemiBold" panose="020B0502040204020203" pitchFamily="34" charset="0"/>
               </a:rPr>
-              <a:t>Number of stores open on Holidays</a:t>
+              <a:t>Number of Holidays celebrated by stores</a:t>
             </a:r>
+            <a:endParaRPr lang="en-US" dirty="0">
+              <a:latin typeface="Bahnschrift SemiBold" panose="020B0502040204020203" pitchFamily="34" charset="0"/>
+            </a:endParaRPr>
           </a:p>
         </p:txBody>
       </p:sp>
       <p:pic>
         <p:nvPicPr>
-          <p:cNvPr id="6" name="Picture 5">
-            <a:extLst>
-              <a:ext uri="{FF2B5EF4-FFF2-40B4-BE49-F238E27FC236}">
-                <a16:creationId xmlns:a16="http://schemas.microsoft.com/office/drawing/2014/main" id="{29700E3B-7D81-4D2E-9444-7977EDC16DC6}"/>
-              </a:ext>
-            </a:extLst>
-          </p:cNvPr>
+          <p:cNvPr id="6" name="Picture 5"/>
           <p:cNvPicPr>
             <a:picLocks noChangeAspect="1"/>
           </p:cNvPicPr>
           <p:nvPr/>
         </p:nvPicPr>
         <p:blipFill>
-          <a:blip r:embed="rId2"/>
+          <a:blip r:embed="rId1"/>
           <a:stretch>
             <a:fillRect/>
           </a:stretch>
         </p:blipFill>
         <p:spPr>
           <a:xfrm>
-            <a:off x="595744" y="1017725"/>
-            <a:ext cx="7488383" cy="4018386"/>
+            <a:off x="914400" y="893618"/>
+            <a:ext cx="7239000" cy="4047221"/>
           </a:xfrm>
           <a:prstGeom prst="rect">
             <a:avLst/>
@@ -9020,11 +8947,6 @@
         </p:spPr>
       </p:pic>
     </p:spTree>
-    <p:extLst>
-      <p:ext uri="{BB962C8B-B14F-4D97-AF65-F5344CB8AC3E}">
-        <p14:creationId xmlns:p14="http://schemas.microsoft.com/office/powerpoint/2010/main" val="3246162407"/>
-      </p:ext>
-    </p:extLst>
   </p:cSld>
   <p:clrMapOvr>
     <a:masterClrMapping/>
@@ -9051,13 +8973,7 @@
       </p:grpSpPr>
       <p:sp>
         <p:nvSpPr>
-          <p:cNvPr id="4" name="Title 3">
-            <a:extLst>
-              <a:ext uri="{FF2B5EF4-FFF2-40B4-BE49-F238E27FC236}">
-                <a16:creationId xmlns:a16="http://schemas.microsoft.com/office/drawing/2014/main" id="{EF307E45-69D5-43E5-80B4-FB3FF0E5BDAD}"/>
-              </a:ext>
-            </a:extLst>
-          </p:cNvPr>
+          <p:cNvPr id="4" name="Title 3"/>
           <p:cNvSpPr>
             <a:spLocks noGrp="1"/>
           </p:cNvSpPr>
@@ -9067,8 +8983,8 @@
         </p:nvSpPr>
         <p:spPr>
           <a:xfrm>
-            <a:off x="1302327" y="166255"/>
-            <a:ext cx="6837217" cy="685801"/>
+            <a:off x="1835726" y="249382"/>
+            <a:ext cx="6137565" cy="768343"/>
           </a:xfrm>
         </p:spPr>
         <p:txBody>
@@ -9079,35 +8995,32 @@
               <a:rPr lang="en-US" dirty="0">
                 <a:latin typeface="Bahnschrift SemiBold" panose="020B0502040204020203" pitchFamily="34" charset="0"/>
               </a:rPr>
-              <a:t>	Distribution of values</a:t>
+              <a:t>Number of store data given by Date</a:t>
             </a:r>
+            <a:endParaRPr lang="en-US" dirty="0">
+              <a:latin typeface="Bahnschrift SemiBold" panose="020B0502040204020203" pitchFamily="34" charset="0"/>
+            </a:endParaRPr>
           </a:p>
         </p:txBody>
       </p:sp>
       <p:pic>
         <p:nvPicPr>
-          <p:cNvPr id="6" name="Picture 5">
-            <a:extLst>
-              <a:ext uri="{FF2B5EF4-FFF2-40B4-BE49-F238E27FC236}">
-                <a16:creationId xmlns:a16="http://schemas.microsoft.com/office/drawing/2014/main" id="{E268144C-2869-4E39-92B2-134C7308300E}"/>
-              </a:ext>
-            </a:extLst>
-          </p:cNvPr>
+          <p:cNvPr id="6" name="Picture 5"/>
           <p:cNvPicPr>
             <a:picLocks noChangeAspect="1"/>
           </p:cNvPicPr>
           <p:nvPr/>
         </p:nvPicPr>
         <p:blipFill>
-          <a:blip r:embed="rId2"/>
+          <a:blip r:embed="rId1"/>
           <a:stretch>
             <a:fillRect/>
           </a:stretch>
         </p:blipFill>
         <p:spPr>
           <a:xfrm>
-            <a:off x="311700" y="852056"/>
-            <a:ext cx="8520600" cy="4191000"/>
+            <a:off x="762000" y="1017725"/>
+            <a:ext cx="7703127" cy="4012034"/>
           </a:xfrm>
           <a:prstGeom prst="rect">
             <a:avLst/>
@@ -9115,11 +9028,6 @@
         </p:spPr>
       </p:pic>
     </p:spTree>
-    <p:extLst>
-      <p:ext uri="{BB962C8B-B14F-4D97-AF65-F5344CB8AC3E}">
-        <p14:creationId xmlns:p14="http://schemas.microsoft.com/office/powerpoint/2010/main" val="1696451077"/>
-      </p:ext>
-    </p:extLst>
   </p:cSld>
   <p:clrMapOvr>
     <a:masterClrMapping/>
@@ -9146,13 +9054,7 @@
       </p:grpSpPr>
       <p:sp>
         <p:nvSpPr>
-          <p:cNvPr id="4" name="Title 3">
-            <a:extLst>
-              <a:ext uri="{FF2B5EF4-FFF2-40B4-BE49-F238E27FC236}">
-                <a16:creationId xmlns:a16="http://schemas.microsoft.com/office/drawing/2014/main" id="{FBB320D3-4A35-45F7-B976-6D7C4D2FB410}"/>
-              </a:ext>
-            </a:extLst>
-          </p:cNvPr>
+          <p:cNvPr id="4" name="Title 3"/>
           <p:cNvSpPr>
             <a:spLocks noGrp="1"/>
           </p:cNvSpPr>
@@ -9162,8 +9064,8 @@
         </p:nvSpPr>
         <p:spPr>
           <a:xfrm>
-            <a:off x="1863436" y="138544"/>
-            <a:ext cx="6968864" cy="602673"/>
+            <a:off x="1731818" y="235527"/>
+            <a:ext cx="7100481" cy="782198"/>
           </a:xfrm>
         </p:spPr>
         <p:txBody>
@@ -9174,35 +9076,32 @@
               <a:rPr lang="en-US" dirty="0">
                 <a:latin typeface="Bahnschrift SemiBold" panose="020B0502040204020203" pitchFamily="34" charset="0"/>
               </a:rPr>
-              <a:t>After remove the skewness</a:t>
+              <a:t>Number of stores open on Holidays</a:t>
             </a:r>
+            <a:endParaRPr lang="en-US" dirty="0">
+              <a:latin typeface="Bahnschrift SemiBold" panose="020B0502040204020203" pitchFamily="34" charset="0"/>
+            </a:endParaRPr>
           </a:p>
         </p:txBody>
       </p:sp>
       <p:pic>
         <p:nvPicPr>
-          <p:cNvPr id="6" name="Picture 5">
-            <a:extLst>
-              <a:ext uri="{FF2B5EF4-FFF2-40B4-BE49-F238E27FC236}">
-                <a16:creationId xmlns:a16="http://schemas.microsoft.com/office/drawing/2014/main" id="{F918D092-29B7-4BFE-91AB-27AD5C919E03}"/>
-              </a:ext>
-            </a:extLst>
-          </p:cNvPr>
+          <p:cNvPr id="6" name="Picture 5"/>
           <p:cNvPicPr>
             <a:picLocks noChangeAspect="1"/>
           </p:cNvPicPr>
           <p:nvPr/>
         </p:nvPicPr>
         <p:blipFill>
-          <a:blip r:embed="rId2"/>
+          <a:blip r:embed="rId1"/>
           <a:stretch>
             <a:fillRect/>
           </a:stretch>
         </p:blipFill>
         <p:spPr>
           <a:xfrm>
-            <a:off x="311700" y="741218"/>
-            <a:ext cx="8520600" cy="4402282"/>
+            <a:off x="595744" y="1017725"/>
+            <a:ext cx="7488383" cy="4018386"/>
           </a:xfrm>
           <a:prstGeom prst="rect">
             <a:avLst/>
@@ -9210,11 +9109,6 @@
         </p:spPr>
       </p:pic>
     </p:spTree>
-    <p:extLst>
-      <p:ext uri="{BB962C8B-B14F-4D97-AF65-F5344CB8AC3E}">
-        <p14:creationId xmlns:p14="http://schemas.microsoft.com/office/powerpoint/2010/main" val="3826577930"/>
-      </p:ext>
-    </p:extLst>
   </p:cSld>
   <p:clrMapOvr>
     <a:masterClrMapping/>
@@ -9241,13 +9135,7 @@
       </p:grpSpPr>
       <p:sp>
         <p:nvSpPr>
-          <p:cNvPr id="4" name="Title 3">
-            <a:extLst>
-              <a:ext uri="{FF2B5EF4-FFF2-40B4-BE49-F238E27FC236}">
-                <a16:creationId xmlns:a16="http://schemas.microsoft.com/office/drawing/2014/main" id="{70522530-1386-48E6-94C4-8B11D464FB3C}"/>
-              </a:ext>
-            </a:extLst>
-          </p:cNvPr>
+          <p:cNvPr id="4" name="Title 3"/>
           <p:cNvSpPr>
             <a:spLocks noGrp="1"/>
           </p:cNvSpPr>
@@ -9257,8 +9145,8 @@
         </p:nvSpPr>
         <p:spPr>
           <a:xfrm>
-            <a:off x="810490" y="445025"/>
-            <a:ext cx="8021809" cy="572700"/>
+            <a:off x="1302327" y="166255"/>
+            <a:ext cx="6837217" cy="685801"/>
           </a:xfrm>
         </p:spPr>
         <p:txBody>
@@ -9269,35 +9157,32 @@
               <a:rPr lang="en-US" dirty="0">
                 <a:latin typeface="Bahnschrift SemiBold" panose="020B0502040204020203" pitchFamily="34" charset="0"/>
               </a:rPr>
-              <a:t>Relationship between sales and customer data</a:t>
+              <a:t>	Distribution of values</a:t>
             </a:r>
+            <a:endParaRPr lang="en-US" dirty="0">
+              <a:latin typeface="Bahnschrift SemiBold" panose="020B0502040204020203" pitchFamily="34" charset="0"/>
+            </a:endParaRPr>
           </a:p>
         </p:txBody>
       </p:sp>
       <p:pic>
         <p:nvPicPr>
-          <p:cNvPr id="6" name="Picture 5">
-            <a:extLst>
-              <a:ext uri="{FF2B5EF4-FFF2-40B4-BE49-F238E27FC236}">
-                <a16:creationId xmlns:a16="http://schemas.microsoft.com/office/drawing/2014/main" id="{A8E5C144-EA63-486B-85DA-C9673B9A079B}"/>
-              </a:ext>
-            </a:extLst>
-          </p:cNvPr>
+          <p:cNvPr id="6" name="Picture 5"/>
           <p:cNvPicPr>
             <a:picLocks noChangeAspect="1"/>
           </p:cNvPicPr>
           <p:nvPr/>
         </p:nvPicPr>
         <p:blipFill>
-          <a:blip r:embed="rId2"/>
+          <a:blip r:embed="rId1"/>
           <a:stretch>
             <a:fillRect/>
           </a:stretch>
         </p:blipFill>
         <p:spPr>
           <a:xfrm>
-            <a:off x="630381" y="1108364"/>
-            <a:ext cx="7703127" cy="3983181"/>
+            <a:off x="311700" y="852056"/>
+            <a:ext cx="8520600" cy="4191000"/>
           </a:xfrm>
           <a:prstGeom prst="rect">
             <a:avLst/>
@@ -9305,11 +9190,6 @@
         </p:spPr>
       </p:pic>
     </p:spTree>
-    <p:extLst>
-      <p:ext uri="{BB962C8B-B14F-4D97-AF65-F5344CB8AC3E}">
-        <p14:creationId xmlns:p14="http://schemas.microsoft.com/office/powerpoint/2010/main" val="3184832523"/>
-      </p:ext>
-    </p:extLst>
   </p:cSld>
   <p:clrMapOvr>
     <a:masterClrMapping/>
@@ -9336,13 +9216,7 @@
       </p:grpSpPr>
       <p:sp>
         <p:nvSpPr>
-          <p:cNvPr id="4" name="Title 3">
-            <a:extLst>
-              <a:ext uri="{FF2B5EF4-FFF2-40B4-BE49-F238E27FC236}">
-                <a16:creationId xmlns:a16="http://schemas.microsoft.com/office/drawing/2014/main" id="{981FEA9F-BFEC-44BB-A637-242BD025C628}"/>
-              </a:ext>
-            </a:extLst>
-          </p:cNvPr>
+          <p:cNvPr id="4" name="Title 3"/>
           <p:cNvSpPr>
             <a:spLocks noGrp="1"/>
           </p:cNvSpPr>
@@ -9352,42 +9226,44 @@
         </p:nvSpPr>
         <p:spPr>
           <a:xfrm>
-            <a:off x="311700" y="152401"/>
-            <a:ext cx="8520600" cy="554182"/>
+            <a:off x="1863436" y="138544"/>
+            <a:ext cx="6968864" cy="602673"/>
           </a:xfrm>
         </p:spPr>
         <p:txBody>
           <a:bodyPr/>
           <a:lstStyle/>
           <a:p>
-            <a:endParaRPr lang="en-US" dirty="0"/>
+            <a:r>
+              <a:rPr lang="en-US" dirty="0">
+                <a:latin typeface="Bahnschrift SemiBold" panose="020B0502040204020203" pitchFamily="34" charset="0"/>
+              </a:rPr>
+              <a:t>After remove the skewness</a:t>
+            </a:r>
+            <a:endParaRPr lang="en-US" dirty="0">
+              <a:latin typeface="Bahnschrift SemiBold" panose="020B0502040204020203" pitchFamily="34" charset="0"/>
+            </a:endParaRPr>
           </a:p>
         </p:txBody>
       </p:sp>
       <p:pic>
         <p:nvPicPr>
-          <p:cNvPr id="6" name="Picture 5">
-            <a:extLst>
-              <a:ext uri="{FF2B5EF4-FFF2-40B4-BE49-F238E27FC236}">
-                <a16:creationId xmlns:a16="http://schemas.microsoft.com/office/drawing/2014/main" id="{3291D966-5BB8-4A37-8706-31F4462633F2}"/>
-              </a:ext>
-            </a:extLst>
-          </p:cNvPr>
+          <p:cNvPr id="6" name="Picture 5"/>
           <p:cNvPicPr>
             <a:picLocks noChangeAspect="1"/>
           </p:cNvPicPr>
           <p:nvPr/>
         </p:nvPicPr>
         <p:blipFill>
-          <a:blip r:embed="rId2"/>
+          <a:blip r:embed="rId1"/>
           <a:stretch>
             <a:fillRect/>
           </a:stretch>
         </p:blipFill>
         <p:spPr>
           <a:xfrm>
-            <a:off x="561110" y="706584"/>
-            <a:ext cx="8001000" cy="4436916"/>
+            <a:off x="311700" y="741218"/>
+            <a:ext cx="8520600" cy="4402282"/>
           </a:xfrm>
           <a:prstGeom prst="rect">
             <a:avLst/>
@@ -9395,11 +9271,6 @@
         </p:spPr>
       </p:pic>
     </p:spTree>
-    <p:extLst>
-      <p:ext uri="{BB962C8B-B14F-4D97-AF65-F5344CB8AC3E}">
-        <p14:creationId xmlns:p14="http://schemas.microsoft.com/office/powerpoint/2010/main" val="1132892259"/>
-      </p:ext>
-    </p:extLst>
   </p:cSld>
   <p:clrMapOvr>
     <a:masterClrMapping/>
@@ -9426,13 +9297,7 @@
       </p:grpSpPr>
       <p:sp>
         <p:nvSpPr>
-          <p:cNvPr id="4" name="Title 3">
-            <a:extLst>
-              <a:ext uri="{FF2B5EF4-FFF2-40B4-BE49-F238E27FC236}">
-                <a16:creationId xmlns:a16="http://schemas.microsoft.com/office/drawing/2014/main" id="{31B878C6-4EF9-4180-9491-4AABDB62010E}"/>
-              </a:ext>
-            </a:extLst>
-          </p:cNvPr>
+          <p:cNvPr id="4" name="Title 3"/>
           <p:cNvSpPr>
             <a:spLocks noGrp="1"/>
           </p:cNvSpPr>
@@ -9442,42 +9307,44 @@
         </p:nvSpPr>
         <p:spPr>
           <a:xfrm>
-            <a:off x="311700" y="62345"/>
-            <a:ext cx="8520600" cy="519546"/>
+            <a:off x="810490" y="445025"/>
+            <a:ext cx="8021809" cy="572700"/>
           </a:xfrm>
         </p:spPr>
         <p:txBody>
           <a:bodyPr/>
           <a:lstStyle/>
           <a:p>
-            <a:endParaRPr lang="en-US" dirty="0"/>
+            <a:r>
+              <a:rPr lang="en-US" dirty="0">
+                <a:latin typeface="Bahnschrift SemiBold" panose="020B0502040204020203" pitchFamily="34" charset="0"/>
+              </a:rPr>
+              <a:t>Relationship between sales and customer data</a:t>
+            </a:r>
+            <a:endParaRPr lang="en-US" dirty="0">
+              <a:latin typeface="Bahnschrift SemiBold" panose="020B0502040204020203" pitchFamily="34" charset="0"/>
+            </a:endParaRPr>
           </a:p>
         </p:txBody>
       </p:sp>
       <p:pic>
         <p:nvPicPr>
-          <p:cNvPr id="6" name="Picture 5">
-            <a:extLst>
-              <a:ext uri="{FF2B5EF4-FFF2-40B4-BE49-F238E27FC236}">
-                <a16:creationId xmlns:a16="http://schemas.microsoft.com/office/drawing/2014/main" id="{13C1F791-CA31-4852-8386-E3E2BB4603B1}"/>
-              </a:ext>
-            </a:extLst>
-          </p:cNvPr>
+          <p:cNvPr id="6" name="Picture 5"/>
           <p:cNvPicPr>
             <a:picLocks noChangeAspect="1"/>
           </p:cNvPicPr>
           <p:nvPr/>
         </p:nvPicPr>
         <p:blipFill>
-          <a:blip r:embed="rId2"/>
+          <a:blip r:embed="rId1"/>
           <a:stretch>
             <a:fillRect/>
           </a:stretch>
         </p:blipFill>
         <p:spPr>
           <a:xfrm>
-            <a:off x="311700" y="665018"/>
-            <a:ext cx="8520600" cy="4478482"/>
+            <a:off x="630381" y="1108364"/>
+            <a:ext cx="7703127" cy="3983181"/>
           </a:xfrm>
           <a:prstGeom prst="rect">
             <a:avLst/>
@@ -9485,11 +9352,6 @@
         </p:spPr>
       </p:pic>
     </p:spTree>
-    <p:extLst>
-      <p:ext uri="{BB962C8B-B14F-4D97-AF65-F5344CB8AC3E}">
-        <p14:creationId xmlns:p14="http://schemas.microsoft.com/office/powerpoint/2010/main" val="1395851087"/>
-      </p:ext>
-    </p:extLst>
   </p:cSld>
   <p:clrMapOvr>
     <a:masterClrMapping/>
@@ -9516,13 +9378,7 @@
       </p:grpSpPr>
       <p:sp>
         <p:nvSpPr>
-          <p:cNvPr id="4" name="Title 3">
-            <a:extLst>
-              <a:ext uri="{FF2B5EF4-FFF2-40B4-BE49-F238E27FC236}">
-                <a16:creationId xmlns:a16="http://schemas.microsoft.com/office/drawing/2014/main" id="{9A3DDFE4-6BDF-4344-9942-AE5A41482C66}"/>
-              </a:ext>
-            </a:extLst>
-          </p:cNvPr>
+          <p:cNvPr id="4" name="Title 3"/>
           <p:cNvSpPr>
             <a:spLocks noGrp="1"/>
           </p:cNvSpPr>
@@ -9530,129 +9386,42 @@
             <p:ph type="title"/>
           </p:nvPr>
         </p:nvSpPr>
-        <p:spPr/>
+        <p:spPr>
+          <a:xfrm>
+            <a:off x="311700" y="152401"/>
+            <a:ext cx="8520600" cy="554182"/>
+          </a:xfrm>
+        </p:spPr>
         <p:txBody>
           <a:bodyPr/>
           <a:lstStyle/>
           <a:p>
-            <a:endParaRPr lang="en-US"/>
+            <a:r>
+              <a:rPr lang="en-IN" altLang="en-US" dirty="0"/>
+              <a:t>Correlation matrix of Rossmann’s Dataset</a:t>
+            </a:r>
+            <a:endParaRPr lang="en-IN" altLang="en-US" dirty="0"/>
           </a:p>
         </p:txBody>
       </p:sp>
       <p:pic>
         <p:nvPicPr>
-          <p:cNvPr id="6" name="Picture 5">
-            <a:extLst>
-              <a:ext uri="{FF2B5EF4-FFF2-40B4-BE49-F238E27FC236}">
-                <a16:creationId xmlns:a16="http://schemas.microsoft.com/office/drawing/2014/main" id="{F8C1E1BD-C636-4CE8-8799-D8E5B30EA426}"/>
-              </a:ext>
-            </a:extLst>
-          </p:cNvPr>
+          <p:cNvPr id="6" name="Picture 5"/>
           <p:cNvPicPr>
             <a:picLocks noChangeAspect="1"/>
           </p:cNvPicPr>
           <p:nvPr/>
         </p:nvPicPr>
         <p:blipFill>
-          <a:blip r:embed="rId2"/>
+          <a:blip r:embed="rId1"/>
           <a:stretch>
             <a:fillRect/>
           </a:stretch>
         </p:blipFill>
         <p:spPr>
           <a:xfrm>
-            <a:off x="138489" y="1214536"/>
-            <a:ext cx="2195973" cy="3572209"/>
-          </a:xfrm>
-          <a:prstGeom prst="rect">
-            <a:avLst/>
-          </a:prstGeom>
-        </p:spPr>
-      </p:pic>
-      <p:pic>
-        <p:nvPicPr>
-          <p:cNvPr id="8" name="Picture 7">
-            <a:extLst>
-              <a:ext uri="{FF2B5EF4-FFF2-40B4-BE49-F238E27FC236}">
-                <a16:creationId xmlns:a16="http://schemas.microsoft.com/office/drawing/2014/main" id="{F03E16DF-B834-40FC-B141-2B96538A6797}"/>
-              </a:ext>
-            </a:extLst>
-          </p:cNvPr>
-          <p:cNvPicPr>
-            <a:picLocks noChangeAspect="1"/>
-          </p:cNvPicPr>
-          <p:nvPr/>
-        </p:nvPicPr>
-        <p:blipFill>
-          <a:blip r:embed="rId3"/>
-          <a:stretch>
-            <a:fillRect/>
-          </a:stretch>
-        </p:blipFill>
-        <p:spPr>
-          <a:xfrm>
-            <a:off x="2376027" y="1214536"/>
-            <a:ext cx="2195973" cy="3572209"/>
-          </a:xfrm>
-          <a:prstGeom prst="rect">
-            <a:avLst/>
-          </a:prstGeom>
-        </p:spPr>
-      </p:pic>
-      <p:pic>
-        <p:nvPicPr>
-          <p:cNvPr id="10" name="Picture 9">
-            <a:extLst>
-              <a:ext uri="{FF2B5EF4-FFF2-40B4-BE49-F238E27FC236}">
-                <a16:creationId xmlns:a16="http://schemas.microsoft.com/office/drawing/2014/main" id="{3F156770-AD4D-4C78-BFF2-D81DE1820423}"/>
-              </a:ext>
-            </a:extLst>
-          </p:cNvPr>
-          <p:cNvPicPr>
-            <a:picLocks noChangeAspect="1"/>
-          </p:cNvPicPr>
-          <p:nvPr/>
-        </p:nvPicPr>
-        <p:blipFill>
-          <a:blip r:embed="rId4"/>
-          <a:stretch>
-            <a:fillRect/>
-          </a:stretch>
-        </p:blipFill>
-        <p:spPr>
-          <a:xfrm>
-            <a:off x="4613565" y="1214536"/>
-            <a:ext cx="2189018" cy="3572209"/>
-          </a:xfrm>
-          <a:prstGeom prst="rect">
-            <a:avLst/>
-          </a:prstGeom>
-        </p:spPr>
-      </p:pic>
-      <p:pic>
-        <p:nvPicPr>
-          <p:cNvPr id="12" name="Picture 11">
-            <a:extLst>
-              <a:ext uri="{FF2B5EF4-FFF2-40B4-BE49-F238E27FC236}">
-                <a16:creationId xmlns:a16="http://schemas.microsoft.com/office/drawing/2014/main" id="{DE64693E-3AD4-4EFA-8C6A-F0F3CEAD3124}"/>
-              </a:ext>
-            </a:extLst>
-          </p:cNvPr>
-          <p:cNvPicPr>
-            <a:picLocks noChangeAspect="1"/>
-          </p:cNvPicPr>
-          <p:nvPr/>
-        </p:nvPicPr>
-        <p:blipFill>
-          <a:blip r:embed="rId5"/>
-          <a:stretch>
-            <a:fillRect/>
-          </a:stretch>
-        </p:blipFill>
-        <p:spPr>
-          <a:xfrm>
-            <a:off x="6844148" y="1214536"/>
-            <a:ext cx="2112845" cy="3572209"/>
+            <a:off x="561110" y="706584"/>
+            <a:ext cx="8001000" cy="4436916"/>
           </a:xfrm>
           <a:prstGeom prst="rect">
             <a:avLst/>
@@ -9660,11 +9429,6 @@
         </p:spPr>
       </p:pic>
     </p:spTree>
-    <p:extLst>
-      <p:ext uri="{BB962C8B-B14F-4D97-AF65-F5344CB8AC3E}">
-        <p14:creationId xmlns:p14="http://schemas.microsoft.com/office/powerpoint/2010/main" val="1831337590"/>
-      </p:ext>
-    </p:extLst>
   </p:cSld>
   <p:clrMapOvr>
     <a:masterClrMapping/>
@@ -9691,13 +9455,7 @@
       </p:grpSpPr>
       <p:sp>
         <p:nvSpPr>
-          <p:cNvPr id="4" name="Title 3">
-            <a:extLst>
-              <a:ext uri="{FF2B5EF4-FFF2-40B4-BE49-F238E27FC236}">
-                <a16:creationId xmlns:a16="http://schemas.microsoft.com/office/drawing/2014/main" id="{BF649ECD-8631-4B8F-927E-86C7F49EF844}"/>
-              </a:ext>
-            </a:extLst>
-          </p:cNvPr>
+          <p:cNvPr id="4" name="Title 3"/>
           <p:cNvSpPr>
             <a:spLocks noGrp="1"/>
           </p:cNvSpPr>
@@ -9705,189 +9463,42 @@
             <p:ph type="title"/>
           </p:nvPr>
         </p:nvSpPr>
-        <p:spPr/>
+        <p:spPr>
+          <a:xfrm>
+            <a:off x="311700" y="62345"/>
+            <a:ext cx="8520600" cy="519546"/>
+          </a:xfrm>
+        </p:spPr>
         <p:txBody>
           <a:bodyPr/>
           <a:lstStyle/>
           <a:p>
-            <a:endParaRPr lang="en-US"/>
+            <a:r>
+              <a:rPr lang="en-IN" altLang="en-US" dirty="0"/>
+              <a:t>Correlation after merging the two dataset</a:t>
+            </a:r>
+            <a:endParaRPr lang="en-IN" altLang="en-US" dirty="0"/>
           </a:p>
         </p:txBody>
       </p:sp>
       <p:pic>
         <p:nvPicPr>
-          <p:cNvPr id="6" name="Picture 5">
-            <a:extLst>
-              <a:ext uri="{FF2B5EF4-FFF2-40B4-BE49-F238E27FC236}">
-                <a16:creationId xmlns:a16="http://schemas.microsoft.com/office/drawing/2014/main" id="{46FFF95A-1FDB-4492-B386-B0D7237A8877}"/>
-              </a:ext>
-            </a:extLst>
-          </p:cNvPr>
+          <p:cNvPr id="6" name="Picture 5"/>
           <p:cNvPicPr>
             <a:picLocks noChangeAspect="1"/>
           </p:cNvPicPr>
           <p:nvPr/>
         </p:nvPicPr>
         <p:blipFill>
-          <a:blip r:embed="rId2"/>
+          <a:blip r:embed="rId1"/>
           <a:stretch>
             <a:fillRect/>
           </a:stretch>
         </p:blipFill>
         <p:spPr>
           <a:xfrm>
-            <a:off x="90055" y="1136072"/>
-            <a:ext cx="2784763" cy="1738745"/>
-          </a:xfrm>
-          <a:prstGeom prst="rect">
-            <a:avLst/>
-          </a:prstGeom>
-        </p:spPr>
-      </p:pic>
-      <p:pic>
-        <p:nvPicPr>
-          <p:cNvPr id="8" name="Picture 7">
-            <a:extLst>
-              <a:ext uri="{FF2B5EF4-FFF2-40B4-BE49-F238E27FC236}">
-                <a16:creationId xmlns:a16="http://schemas.microsoft.com/office/drawing/2014/main" id="{E70BE3A4-41FF-4AA8-870B-194EA17EA9A9}"/>
-              </a:ext>
-            </a:extLst>
-          </p:cNvPr>
-          <p:cNvPicPr>
-            <a:picLocks noChangeAspect="1"/>
-          </p:cNvPicPr>
-          <p:nvPr/>
-        </p:nvPicPr>
-        <p:blipFill>
-          <a:blip r:embed="rId3"/>
-          <a:stretch>
-            <a:fillRect/>
-          </a:stretch>
-        </p:blipFill>
-        <p:spPr>
-          <a:xfrm>
-            <a:off x="2874818" y="1136073"/>
-            <a:ext cx="2895599" cy="1738744"/>
-          </a:xfrm>
-          <a:prstGeom prst="rect">
-            <a:avLst/>
-          </a:prstGeom>
-        </p:spPr>
-      </p:pic>
-      <p:pic>
-        <p:nvPicPr>
-          <p:cNvPr id="10" name="Picture 9">
-            <a:extLst>
-              <a:ext uri="{FF2B5EF4-FFF2-40B4-BE49-F238E27FC236}">
-                <a16:creationId xmlns:a16="http://schemas.microsoft.com/office/drawing/2014/main" id="{BDFFC74B-40A0-470F-88B5-B97D3BE88378}"/>
-              </a:ext>
-            </a:extLst>
-          </p:cNvPr>
-          <p:cNvPicPr>
-            <a:picLocks noChangeAspect="1"/>
-          </p:cNvPicPr>
-          <p:nvPr/>
-        </p:nvPicPr>
-        <p:blipFill>
-          <a:blip r:embed="rId4"/>
-          <a:stretch>
-            <a:fillRect/>
-          </a:stretch>
-        </p:blipFill>
-        <p:spPr>
-          <a:xfrm>
-            <a:off x="5770418" y="1136072"/>
-            <a:ext cx="3061881" cy="1738743"/>
-          </a:xfrm>
-          <a:prstGeom prst="rect">
-            <a:avLst/>
-          </a:prstGeom>
-        </p:spPr>
-      </p:pic>
-      <p:pic>
-        <p:nvPicPr>
-          <p:cNvPr id="12" name="Picture 11">
-            <a:extLst>
-              <a:ext uri="{FF2B5EF4-FFF2-40B4-BE49-F238E27FC236}">
-                <a16:creationId xmlns:a16="http://schemas.microsoft.com/office/drawing/2014/main" id="{6E423E51-86DD-4DB4-A806-A605AE210BA3}"/>
-              </a:ext>
-            </a:extLst>
-          </p:cNvPr>
-          <p:cNvPicPr>
-            <a:picLocks noChangeAspect="1"/>
-          </p:cNvPicPr>
-          <p:nvPr/>
-        </p:nvPicPr>
-        <p:blipFill>
-          <a:blip r:embed="rId5"/>
-          <a:stretch>
-            <a:fillRect/>
-          </a:stretch>
-        </p:blipFill>
-        <p:spPr>
-          <a:xfrm>
-            <a:off x="90055" y="2937164"/>
-            <a:ext cx="2784763" cy="2001981"/>
-          </a:xfrm>
-          <a:prstGeom prst="rect">
-            <a:avLst/>
-          </a:prstGeom>
-        </p:spPr>
-      </p:pic>
-      <p:pic>
-        <p:nvPicPr>
-          <p:cNvPr id="14" name="Picture 13">
-            <a:extLst>
-              <a:ext uri="{FF2B5EF4-FFF2-40B4-BE49-F238E27FC236}">
-                <a16:creationId xmlns:a16="http://schemas.microsoft.com/office/drawing/2014/main" id="{A2F238F1-04FF-462E-A44B-964894D8FA36}"/>
-              </a:ext>
-            </a:extLst>
-          </p:cNvPr>
-          <p:cNvPicPr>
-            <a:picLocks noChangeAspect="1"/>
-          </p:cNvPicPr>
-          <p:nvPr/>
-        </p:nvPicPr>
-        <p:blipFill>
-          <a:blip r:embed="rId6"/>
-          <a:stretch>
-            <a:fillRect/>
-          </a:stretch>
-        </p:blipFill>
-        <p:spPr>
-          <a:xfrm>
-            <a:off x="2874818" y="2937164"/>
-            <a:ext cx="2895600" cy="2001981"/>
-          </a:xfrm>
-          <a:prstGeom prst="rect">
-            <a:avLst/>
-          </a:prstGeom>
-        </p:spPr>
-      </p:pic>
-      <p:pic>
-        <p:nvPicPr>
-          <p:cNvPr id="16" name="Picture 15">
-            <a:extLst>
-              <a:ext uri="{FF2B5EF4-FFF2-40B4-BE49-F238E27FC236}">
-                <a16:creationId xmlns:a16="http://schemas.microsoft.com/office/drawing/2014/main" id="{2B3B6682-CA63-4336-B63A-3304B503D1EF}"/>
-              </a:ext>
-            </a:extLst>
-          </p:cNvPr>
-          <p:cNvPicPr>
-            <a:picLocks noChangeAspect="1"/>
-          </p:cNvPicPr>
-          <p:nvPr/>
-        </p:nvPicPr>
-        <p:blipFill>
-          <a:blip r:embed="rId7"/>
-          <a:stretch>
-            <a:fillRect/>
-          </a:stretch>
-        </p:blipFill>
-        <p:spPr>
-          <a:xfrm>
-            <a:off x="5770416" y="2937164"/>
-            <a:ext cx="3061881" cy="2001981"/>
+            <a:off x="311700" y="665018"/>
+            <a:ext cx="8520600" cy="4478482"/>
           </a:xfrm>
           <a:prstGeom prst="rect">
             <a:avLst/>
@@ -9895,11 +9506,6 @@
         </p:spPr>
       </p:pic>
     </p:spTree>
-    <p:extLst>
-      <p:ext uri="{BB962C8B-B14F-4D97-AF65-F5344CB8AC3E}">
-        <p14:creationId xmlns:p14="http://schemas.microsoft.com/office/powerpoint/2010/main" val="1893646292"/>
-      </p:ext>
-    </p:extLst>
   </p:cSld>
   <p:clrMapOvr>
     <a:masterClrMapping/>
@@ -9926,13 +9532,7 @@
       </p:grpSpPr>
       <p:sp>
         <p:nvSpPr>
-          <p:cNvPr id="4" name="Title 3">
-            <a:extLst>
-              <a:ext uri="{FF2B5EF4-FFF2-40B4-BE49-F238E27FC236}">
-                <a16:creationId xmlns:a16="http://schemas.microsoft.com/office/drawing/2014/main" id="{85F35955-98C4-4A43-876B-93D4361A973C}"/>
-              </a:ext>
-            </a:extLst>
-          </p:cNvPr>
+          <p:cNvPr id="4" name="Title 3"/>
           <p:cNvSpPr>
             <a:spLocks noGrp="1"/>
           </p:cNvSpPr>
@@ -9945,19 +9545,51 @@
           <a:bodyPr/>
           <a:lstStyle/>
           <a:p>
-            <a:endParaRPr lang="en-US"/>
+            <a:r>
+              <a:rPr lang="en-IN" altLang="en-US"/>
+              <a:t>The scatter plot for sales_log_t with other </a:t>
+            </a:r>
+            <a:r>
+              <a:rPr lang="en-IN" altLang="en-US">
+                <a:sym typeface="+mn-ea"/>
+              </a:rPr>
+              <a:t>Variables</a:t>
+            </a:r>
+            <a:r>
+              <a:rPr lang="en-IN" altLang="en-US"/>
+              <a:t>:</a:t>
+            </a:r>
+            <a:endParaRPr lang="en-IN" altLang="en-US"/>
           </a:p>
         </p:txBody>
       </p:sp>
       <p:pic>
         <p:nvPicPr>
-          <p:cNvPr id="6" name="Picture 5">
-            <a:extLst>
-              <a:ext uri="{FF2B5EF4-FFF2-40B4-BE49-F238E27FC236}">
-                <a16:creationId xmlns:a16="http://schemas.microsoft.com/office/drawing/2014/main" id="{DEA32F64-A9D9-4767-8C72-40F639316E26}"/>
-              </a:ext>
-            </a:extLst>
-          </p:cNvPr>
+          <p:cNvPr id="6" name="Picture 5"/>
+          <p:cNvPicPr>
+            <a:picLocks noChangeAspect="1"/>
+          </p:cNvPicPr>
+          <p:nvPr/>
+        </p:nvPicPr>
+        <p:blipFill>
+          <a:blip r:embed="rId1"/>
+          <a:stretch>
+            <a:fillRect/>
+          </a:stretch>
+        </p:blipFill>
+        <p:spPr>
+          <a:xfrm>
+            <a:off x="138489" y="1214536"/>
+            <a:ext cx="2195973" cy="3572209"/>
+          </a:xfrm>
+          <a:prstGeom prst="rect">
+            <a:avLst/>
+          </a:prstGeom>
+        </p:spPr>
+      </p:pic>
+      <p:pic>
+        <p:nvPicPr>
+          <p:cNvPr id="8" name="Picture 7"/>
           <p:cNvPicPr>
             <a:picLocks noChangeAspect="1"/>
           </p:cNvPicPr>
@@ -9971,8 +9603,8 @@
         </p:blipFill>
         <p:spPr>
           <a:xfrm>
-            <a:off x="124636" y="1343890"/>
-            <a:ext cx="2154438" cy="3408219"/>
+            <a:off x="2376027" y="1214536"/>
+            <a:ext cx="2195973" cy="3572209"/>
           </a:xfrm>
           <a:prstGeom prst="rect">
             <a:avLst/>
@@ -9981,13 +9613,7 @@
       </p:pic>
       <p:pic>
         <p:nvPicPr>
-          <p:cNvPr id="8" name="Picture 7">
-            <a:extLst>
-              <a:ext uri="{FF2B5EF4-FFF2-40B4-BE49-F238E27FC236}">
-                <a16:creationId xmlns:a16="http://schemas.microsoft.com/office/drawing/2014/main" id="{E0B356F4-6C4F-4AC8-A51A-95FB1CFCDF8E}"/>
-              </a:ext>
-            </a:extLst>
-          </p:cNvPr>
+          <p:cNvPr id="10" name="Picture 9"/>
           <p:cNvPicPr>
             <a:picLocks noChangeAspect="1"/>
           </p:cNvPicPr>
@@ -10001,8 +9627,8 @@
         </p:blipFill>
         <p:spPr>
           <a:xfrm>
-            <a:off x="2279075" y="1343890"/>
-            <a:ext cx="2154438" cy="3408219"/>
+            <a:off x="4613565" y="1214536"/>
+            <a:ext cx="2189018" cy="3572209"/>
           </a:xfrm>
           <a:prstGeom prst="rect">
             <a:avLst/>
@@ -10011,13 +9637,7 @@
       </p:pic>
       <p:pic>
         <p:nvPicPr>
-          <p:cNvPr id="10" name="Picture 9">
-            <a:extLst>
-              <a:ext uri="{FF2B5EF4-FFF2-40B4-BE49-F238E27FC236}">
-                <a16:creationId xmlns:a16="http://schemas.microsoft.com/office/drawing/2014/main" id="{B28A69F9-78A8-4882-95C0-316C656DA196}"/>
-              </a:ext>
-            </a:extLst>
-          </p:cNvPr>
+          <p:cNvPr id="12" name="Picture 11"/>
           <p:cNvPicPr>
             <a:picLocks noChangeAspect="1"/>
           </p:cNvPicPr>
@@ -10031,38 +9651,8 @@
         </p:blipFill>
         <p:spPr>
           <a:xfrm>
-            <a:off x="4495769" y="1343890"/>
-            <a:ext cx="2154439" cy="3408219"/>
-          </a:xfrm>
-          <a:prstGeom prst="rect">
-            <a:avLst/>
-          </a:prstGeom>
-        </p:spPr>
-      </p:pic>
-      <p:pic>
-        <p:nvPicPr>
-          <p:cNvPr id="12" name="Picture 11">
-            <a:extLst>
-              <a:ext uri="{FF2B5EF4-FFF2-40B4-BE49-F238E27FC236}">
-                <a16:creationId xmlns:a16="http://schemas.microsoft.com/office/drawing/2014/main" id="{A0ABDE13-CF05-4EE3-BC21-293F13758354}"/>
-              </a:ext>
-            </a:extLst>
-          </p:cNvPr>
-          <p:cNvPicPr>
-            <a:picLocks noChangeAspect="1"/>
-          </p:cNvPicPr>
-          <p:nvPr/>
-        </p:nvPicPr>
-        <p:blipFill>
-          <a:blip r:embed="rId5"/>
-          <a:stretch>
-            <a:fillRect/>
-          </a:stretch>
-        </p:blipFill>
-        <p:spPr>
-          <a:xfrm>
-            <a:off x="6677860" y="1343890"/>
-            <a:ext cx="2154439" cy="3408219"/>
+            <a:off x="6844148" y="1214536"/>
+            <a:ext cx="2112845" cy="3572209"/>
           </a:xfrm>
           <a:prstGeom prst="rect">
             <a:avLst/>
@@ -10070,11 +9660,6 @@
         </p:spPr>
       </p:pic>
     </p:spTree>
-    <p:extLst>
-      <p:ext uri="{BB962C8B-B14F-4D97-AF65-F5344CB8AC3E}">
-        <p14:creationId xmlns:p14="http://schemas.microsoft.com/office/powerpoint/2010/main" val="294082784"/>
-      </p:ext>
-    </p:extLst>
   </p:cSld>
   <p:clrMapOvr>
     <a:masterClrMapping/>
@@ -10101,13 +9686,7 @@
       </p:grpSpPr>
       <p:sp>
         <p:nvSpPr>
-          <p:cNvPr id="2" name="Title 1">
-            <a:extLst>
-              <a:ext uri="{FF2B5EF4-FFF2-40B4-BE49-F238E27FC236}">
-                <a16:creationId xmlns:a16="http://schemas.microsoft.com/office/drawing/2014/main" id="{955DAB11-71B3-44FE-B7FE-2EA497772CEA}"/>
-              </a:ext>
-            </a:extLst>
-          </p:cNvPr>
+          <p:cNvPr id="4" name="Title 3"/>
           <p:cNvSpPr>
             <a:spLocks noGrp="1"/>
           </p:cNvSpPr>
@@ -10120,19 +9699,55 @@
           <a:bodyPr/>
           <a:lstStyle/>
           <a:p>
+            <a:r>
+              <a:rPr lang="en-IN" altLang="en-US">
+                <a:sym typeface="+mn-ea"/>
+              </a:rPr>
+              <a:t>The scatter plot for sales_log_t with other </a:t>
+            </a:r>
+            <a:r>
+              <a:rPr lang="en-IN" altLang="en-US">
+                <a:sym typeface="+mn-ea"/>
+              </a:rPr>
+              <a:t>Variables</a:t>
+            </a:r>
+            <a:r>
+              <a:rPr lang="en-IN" altLang="en-US">
+                <a:sym typeface="+mn-ea"/>
+              </a:rPr>
+              <a:t>:</a:t>
+            </a:r>
             <a:endParaRPr lang="en-US"/>
           </a:p>
         </p:txBody>
       </p:sp>
       <p:pic>
         <p:nvPicPr>
-          <p:cNvPr id="4" name="Picture 3">
-            <a:extLst>
-              <a:ext uri="{FF2B5EF4-FFF2-40B4-BE49-F238E27FC236}">
-                <a16:creationId xmlns:a16="http://schemas.microsoft.com/office/drawing/2014/main" id="{4677396A-6CAC-44B8-AAE0-0A90932026AF}"/>
-              </a:ext>
-            </a:extLst>
-          </p:cNvPr>
+          <p:cNvPr id="6" name="Picture 5"/>
+          <p:cNvPicPr>
+            <a:picLocks noChangeAspect="1"/>
+          </p:cNvPicPr>
+          <p:nvPr/>
+        </p:nvPicPr>
+        <p:blipFill>
+          <a:blip r:embed="rId1"/>
+          <a:stretch>
+            <a:fillRect/>
+          </a:stretch>
+        </p:blipFill>
+        <p:spPr>
+          <a:xfrm>
+            <a:off x="90055" y="1136072"/>
+            <a:ext cx="2784763" cy="1738745"/>
+          </a:xfrm>
+          <a:prstGeom prst="rect">
+            <a:avLst/>
+          </a:prstGeom>
+        </p:spPr>
+      </p:pic>
+      <p:pic>
+        <p:nvPicPr>
+          <p:cNvPr id="8" name="Picture 7"/>
           <p:cNvPicPr>
             <a:picLocks noChangeAspect="1"/>
           </p:cNvPicPr>
@@ -10146,8 +9761,8 @@
         </p:blipFill>
         <p:spPr>
           <a:xfrm>
-            <a:off x="96982" y="1080654"/>
-            <a:ext cx="2888673" cy="1814945"/>
+            <a:off x="2874818" y="1136073"/>
+            <a:ext cx="2895599" cy="1738744"/>
           </a:xfrm>
           <a:prstGeom prst="rect">
             <a:avLst/>
@@ -10156,13 +9771,7 @@
       </p:pic>
       <p:pic>
         <p:nvPicPr>
-          <p:cNvPr id="6" name="Picture 5">
-            <a:extLst>
-              <a:ext uri="{FF2B5EF4-FFF2-40B4-BE49-F238E27FC236}">
-                <a16:creationId xmlns:a16="http://schemas.microsoft.com/office/drawing/2014/main" id="{1C55DC32-05EE-44EE-A7A5-CEAB9389A947}"/>
-              </a:ext>
-            </a:extLst>
-          </p:cNvPr>
+          <p:cNvPr id="10" name="Picture 9"/>
           <p:cNvPicPr>
             <a:picLocks noChangeAspect="1"/>
           </p:cNvPicPr>
@@ -10176,8 +9785,8 @@
         </p:blipFill>
         <p:spPr>
           <a:xfrm>
-            <a:off x="2985655" y="1080654"/>
-            <a:ext cx="2888672" cy="1814946"/>
+            <a:off x="5770418" y="1136072"/>
+            <a:ext cx="3061881" cy="1738743"/>
           </a:xfrm>
           <a:prstGeom prst="rect">
             <a:avLst/>
@@ -10186,13 +9795,7 @@
       </p:pic>
       <p:pic>
         <p:nvPicPr>
-          <p:cNvPr id="8" name="Picture 7">
-            <a:extLst>
-              <a:ext uri="{FF2B5EF4-FFF2-40B4-BE49-F238E27FC236}">
-                <a16:creationId xmlns:a16="http://schemas.microsoft.com/office/drawing/2014/main" id="{8EFD2502-E4F1-4594-9865-11964CB48B46}"/>
-              </a:ext>
-            </a:extLst>
-          </p:cNvPr>
+          <p:cNvPr id="12" name="Picture 11"/>
           <p:cNvPicPr>
             <a:picLocks noChangeAspect="1"/>
           </p:cNvPicPr>
@@ -10206,8 +9809,8 @@
         </p:blipFill>
         <p:spPr>
           <a:xfrm>
-            <a:off x="5874327" y="1080655"/>
-            <a:ext cx="2957971" cy="1814945"/>
+            <a:off x="90055" y="2937164"/>
+            <a:ext cx="2784763" cy="2001981"/>
           </a:xfrm>
           <a:prstGeom prst="rect">
             <a:avLst/>
@@ -10216,13 +9819,7 @@
       </p:pic>
       <p:pic>
         <p:nvPicPr>
-          <p:cNvPr id="10" name="Picture 9">
-            <a:extLst>
-              <a:ext uri="{FF2B5EF4-FFF2-40B4-BE49-F238E27FC236}">
-                <a16:creationId xmlns:a16="http://schemas.microsoft.com/office/drawing/2014/main" id="{C4A7372C-3020-4334-97CF-3A3C6ABB3379}"/>
-              </a:ext>
-            </a:extLst>
-          </p:cNvPr>
+          <p:cNvPr id="14" name="Picture 13"/>
           <p:cNvPicPr>
             <a:picLocks noChangeAspect="1"/>
           </p:cNvPicPr>
@@ -10236,8 +9833,8 @@
         </p:blipFill>
         <p:spPr>
           <a:xfrm>
-            <a:off x="96982" y="3110346"/>
-            <a:ext cx="2888673" cy="1814946"/>
+            <a:off x="2874818" y="2937164"/>
+            <a:ext cx="2895600" cy="2001981"/>
           </a:xfrm>
           <a:prstGeom prst="rect">
             <a:avLst/>
@@ -10246,13 +9843,7 @@
       </p:pic>
       <p:pic>
         <p:nvPicPr>
-          <p:cNvPr id="12" name="Picture 11">
-            <a:extLst>
-              <a:ext uri="{FF2B5EF4-FFF2-40B4-BE49-F238E27FC236}">
-                <a16:creationId xmlns:a16="http://schemas.microsoft.com/office/drawing/2014/main" id="{80EDA400-4A9F-4DF6-979A-B89D8E61E264}"/>
-              </a:ext>
-            </a:extLst>
-          </p:cNvPr>
+          <p:cNvPr id="16" name="Picture 15"/>
           <p:cNvPicPr>
             <a:picLocks noChangeAspect="1"/>
           </p:cNvPicPr>
@@ -10266,38 +9857,8 @@
         </p:blipFill>
         <p:spPr>
           <a:xfrm>
-            <a:off x="2985655" y="3110346"/>
-            <a:ext cx="2888672" cy="1814946"/>
-          </a:xfrm>
-          <a:prstGeom prst="rect">
-            <a:avLst/>
-          </a:prstGeom>
-        </p:spPr>
-      </p:pic>
-      <p:pic>
-        <p:nvPicPr>
-          <p:cNvPr id="14" name="Picture 13">
-            <a:extLst>
-              <a:ext uri="{FF2B5EF4-FFF2-40B4-BE49-F238E27FC236}">
-                <a16:creationId xmlns:a16="http://schemas.microsoft.com/office/drawing/2014/main" id="{41B08A12-60A0-4A43-84B5-CAD44C97BFB4}"/>
-              </a:ext>
-            </a:extLst>
-          </p:cNvPr>
-          <p:cNvPicPr>
-            <a:picLocks noChangeAspect="1"/>
-          </p:cNvPicPr>
-          <p:nvPr/>
-        </p:nvPicPr>
-        <p:blipFill>
-          <a:blip r:embed="rId7"/>
-          <a:stretch>
-            <a:fillRect/>
-          </a:stretch>
-        </p:blipFill>
-        <p:spPr>
-          <a:xfrm>
-            <a:off x="5929744" y="3110345"/>
-            <a:ext cx="2902553" cy="1814947"/>
+            <a:off x="5770416" y="2937164"/>
+            <a:ext cx="3061881" cy="2001981"/>
           </a:xfrm>
           <a:prstGeom prst="rect">
             <a:avLst/>
@@ -10305,11 +9866,6 @@
         </p:spPr>
       </p:pic>
     </p:spTree>
-    <p:extLst>
-      <p:ext uri="{BB962C8B-B14F-4D97-AF65-F5344CB8AC3E}">
-        <p14:creationId xmlns:p14="http://schemas.microsoft.com/office/powerpoint/2010/main" val="676790980"/>
-      </p:ext>
-    </p:extLst>
   </p:cSld>
   <p:clrMapOvr>
     <a:masterClrMapping/>
@@ -10326,23 +9882,10 @@
         <p:cNvGrpSpPr/>
         <p:nvPr/>
       </p:nvGrpSpPr>
-      <p:grpSpPr>
-        <a:xfrm>
-          <a:off x="0" y="0"/>
-          <a:ext cx="0" cy="0"/>
-          <a:chOff x="0" y="0"/>
-          <a:chExt cx="0" cy="0"/>
-        </a:xfrm>
-      </p:grpSpPr>
+      <p:grpSpPr/>
       <p:sp>
         <p:nvSpPr>
-          <p:cNvPr id="4" name="Title 3">
-            <a:extLst>
-              <a:ext uri="{FF2B5EF4-FFF2-40B4-BE49-F238E27FC236}">
-                <a16:creationId xmlns:a16="http://schemas.microsoft.com/office/drawing/2014/main" id="{8C68358A-A642-4014-82DE-CDD3A575A828}"/>
-              </a:ext>
-            </a:extLst>
-          </p:cNvPr>
+          <p:cNvPr id="2" name="Title 1"/>
           <p:cNvSpPr>
             <a:spLocks noGrp="1"/>
           </p:cNvSpPr>
@@ -10350,61 +9893,140 @@
             <p:ph type="title"/>
           </p:nvPr>
         </p:nvSpPr>
-        <p:spPr>
-          <a:xfrm>
-            <a:off x="1198418" y="124691"/>
-            <a:ext cx="6837218" cy="644236"/>
-          </a:xfrm>
-        </p:spPr>
+        <p:spPr/>
         <p:txBody>
           <a:bodyPr/>
-          <a:lstStyle/>
           <a:p>
             <a:r>
-              <a:rPr lang="en-US" dirty="0">
-                <a:latin typeface="Bahnschrift SemiBold" panose="020B0502040204020203" pitchFamily="34" charset="0"/>
-              </a:rPr>
-              <a:t>	Missing Values in the Datasets</a:t>
+              <a:rPr lang="en-IN" altLang="en-US"/>
+              <a:t>Problem Statement:</a:t>
             </a:r>
+            <a:endParaRPr lang="en-IN" altLang="en-US"/>
           </a:p>
         </p:txBody>
       </p:sp>
-      <p:pic>
-        <p:nvPicPr>
-          <p:cNvPr id="6" name="Picture 5">
-            <a:extLst>
-              <a:ext uri="{FF2B5EF4-FFF2-40B4-BE49-F238E27FC236}">
-                <a16:creationId xmlns:a16="http://schemas.microsoft.com/office/drawing/2014/main" id="{81344962-09E5-408F-98A0-92FA26C021DD}"/>
-              </a:ext>
-            </a:extLst>
-          </p:cNvPr>
-          <p:cNvPicPr>
-            <a:picLocks noChangeAspect="1"/>
-          </p:cNvPicPr>
-          <p:nvPr/>
-        </p:nvPicPr>
-        <p:blipFill>
-          <a:blip r:embed="rId2"/>
-          <a:stretch>
-            <a:fillRect/>
-          </a:stretch>
-        </p:blipFill>
-        <p:spPr>
-          <a:xfrm>
-            <a:off x="505691" y="768927"/>
-            <a:ext cx="8014854" cy="4374573"/>
-          </a:xfrm>
-          <a:prstGeom prst="rect">
-            <a:avLst/>
-          </a:prstGeom>
-        </p:spPr>
-      </p:pic>
+      <p:sp>
+        <p:nvSpPr>
+          <p:cNvPr id="3" name="Text Placeholder 2"/>
+          <p:cNvSpPr>
+            <a:spLocks noGrp="1"/>
+          </p:cNvSpPr>
+          <p:nvPr>
+            <p:ph type="body" idx="1"/>
+          </p:nvPr>
+        </p:nvSpPr>
+        <p:spPr/>
+        <p:txBody>
+          <a:bodyPr/>
+          <a:p>
+            <a:r>
+              <a:rPr lang="en-US">
+                <a:solidFill>
+                  <a:schemeClr val="bg2">
+                    <a:lumMod val="10000"/>
+                  </a:schemeClr>
+                </a:solidFill>
+              </a:rPr>
+              <a:t>Rossmann operates over 3,000 drug stores in 7 European countries. Currently</a:t>
+            </a:r>
+            <a:r>
+              <a:rPr lang="en-IN" altLang="en-US">
+                <a:solidFill>
+                  <a:schemeClr val="bg2">
+                    <a:lumMod val="10000"/>
+                  </a:schemeClr>
+                </a:solidFill>
+              </a:rPr>
+              <a:t>.</a:t>
+            </a:r>
+            <a:endParaRPr lang="en-IN" altLang="en-US">
+              <a:solidFill>
+                <a:schemeClr val="bg2">
+                  <a:lumMod val="10000"/>
+                </a:schemeClr>
+              </a:solidFill>
+            </a:endParaRPr>
+          </a:p>
+          <a:p>
+            <a:r>
+              <a:rPr lang="en-US">
+                <a:solidFill>
+                  <a:schemeClr val="bg2">
+                    <a:lumMod val="10000"/>
+                  </a:schemeClr>
+                </a:solidFill>
+              </a:rPr>
+              <a:t>Rossmann store managers are tasked with predicting their daily sales for up to six weeks in advance. </a:t>
+            </a:r>
+            <a:endParaRPr lang="en-US">
+              <a:solidFill>
+                <a:schemeClr val="bg2">
+                  <a:lumMod val="10000"/>
+                </a:schemeClr>
+              </a:solidFill>
+            </a:endParaRPr>
+          </a:p>
+          <a:p>
+            <a:r>
+              <a:rPr lang="en-US">
+                <a:solidFill>
+                  <a:schemeClr val="bg2">
+                    <a:lumMod val="10000"/>
+                  </a:schemeClr>
+                </a:solidFill>
+              </a:rPr>
+              <a:t>Store sales are influenced by many factors, including promotions, competition, school and state holidays, seasonality, and locality. </a:t>
+            </a:r>
+            <a:endParaRPr lang="en-US">
+              <a:solidFill>
+                <a:schemeClr val="bg2">
+                  <a:lumMod val="10000"/>
+                </a:schemeClr>
+              </a:solidFill>
+            </a:endParaRPr>
+          </a:p>
+          <a:p>
+            <a:r>
+              <a:rPr lang="en-IN" altLang="en-US">
+                <a:solidFill>
+                  <a:schemeClr val="bg2">
+                    <a:lumMod val="10000"/>
+                  </a:schemeClr>
+                </a:solidFill>
+              </a:rPr>
+              <a:t>We were</a:t>
+            </a:r>
+            <a:r>
+              <a:rPr lang="en-US">
+                <a:solidFill>
+                  <a:schemeClr val="bg2">
+                    <a:lumMod val="10000"/>
+                  </a:schemeClr>
+                </a:solidFill>
+              </a:rPr>
+              <a:t> provided with historical sales data for 1,115 Rossmann stores</a:t>
+            </a:r>
+            <a:r>
+              <a:rPr lang="en-IN" altLang="en-US">
+                <a:solidFill>
+                  <a:schemeClr val="bg2">
+                    <a:lumMod val="10000"/>
+                  </a:schemeClr>
+                </a:solidFill>
+              </a:rPr>
+              <a:t> and were asked to predict the same</a:t>
+            </a:r>
+            <a:endParaRPr lang="en-IN" altLang="en-US">
+              <a:solidFill>
+                <a:schemeClr val="bg2">
+                  <a:lumMod val="10000"/>
+                </a:schemeClr>
+              </a:solidFill>
+            </a:endParaRPr>
+          </a:p>
+        </p:txBody>
+      </p:sp>
     </p:spTree>
-    <p:extLst>
-      <p:ext uri="{BB962C8B-B14F-4D97-AF65-F5344CB8AC3E}">
-        <p14:creationId xmlns:p14="http://schemas.microsoft.com/office/powerpoint/2010/main" val="2120720049"/>
-      </p:ext>
-    </p:extLst>
   </p:cSld>
   <p:clrMapOvr>
     <a:masterClrMapping/>
@@ -10431,13 +10053,7 @@
       </p:grpSpPr>
       <p:sp>
         <p:nvSpPr>
-          <p:cNvPr id="2" name="Title 1">
-            <a:extLst>
-              <a:ext uri="{FF2B5EF4-FFF2-40B4-BE49-F238E27FC236}">
-                <a16:creationId xmlns:a16="http://schemas.microsoft.com/office/drawing/2014/main" id="{B7232FD3-0CCB-42F9-9A9D-594BBF43236F}"/>
-              </a:ext>
-            </a:extLst>
-          </p:cNvPr>
+          <p:cNvPr id="4" name="Title 3"/>
           <p:cNvSpPr>
             <a:spLocks noGrp="1"/>
           </p:cNvSpPr>
@@ -10450,19 +10066,55 @@
           <a:bodyPr/>
           <a:lstStyle/>
           <a:p>
+            <a:r>
+              <a:rPr lang="en-IN" altLang="en-US">
+                <a:sym typeface="+mn-ea"/>
+              </a:rPr>
+              <a:t>The scatter plot for sales_log_t with other </a:t>
+            </a:r>
+            <a:r>
+              <a:rPr lang="en-IN" altLang="en-US">
+                <a:sym typeface="+mn-ea"/>
+              </a:rPr>
+              <a:t>Variables</a:t>
+            </a:r>
+            <a:r>
+              <a:rPr lang="en-IN" altLang="en-US">
+                <a:sym typeface="+mn-ea"/>
+              </a:rPr>
+              <a:t>:</a:t>
+            </a:r>
             <a:endParaRPr lang="en-US"/>
           </a:p>
         </p:txBody>
       </p:sp>
       <p:pic>
         <p:nvPicPr>
-          <p:cNvPr id="4" name="Picture 3">
-            <a:extLst>
-              <a:ext uri="{FF2B5EF4-FFF2-40B4-BE49-F238E27FC236}">
-                <a16:creationId xmlns:a16="http://schemas.microsoft.com/office/drawing/2014/main" id="{055913CF-AE56-4C82-9DAD-7A7BF5157646}"/>
-              </a:ext>
-            </a:extLst>
-          </p:cNvPr>
+          <p:cNvPr id="6" name="Picture 5"/>
+          <p:cNvPicPr>
+            <a:picLocks noChangeAspect="1"/>
+          </p:cNvPicPr>
+          <p:nvPr/>
+        </p:nvPicPr>
+        <p:blipFill>
+          <a:blip r:embed="rId1"/>
+          <a:stretch>
+            <a:fillRect/>
+          </a:stretch>
+        </p:blipFill>
+        <p:spPr>
+          <a:xfrm>
+            <a:off x="124636" y="1343890"/>
+            <a:ext cx="2154438" cy="3408219"/>
+          </a:xfrm>
+          <a:prstGeom prst="rect">
+            <a:avLst/>
+          </a:prstGeom>
+        </p:spPr>
+      </p:pic>
+      <p:pic>
+        <p:nvPicPr>
+          <p:cNvPr id="8" name="Picture 7"/>
           <p:cNvPicPr>
             <a:picLocks noChangeAspect="1"/>
           </p:cNvPicPr>
@@ -10476,8 +10128,8 @@
         </p:blipFill>
         <p:spPr>
           <a:xfrm>
-            <a:off x="99137" y="1094508"/>
-            <a:ext cx="1801172" cy="1766455"/>
+            <a:off x="2279075" y="1343890"/>
+            <a:ext cx="2154438" cy="3408219"/>
           </a:xfrm>
           <a:prstGeom prst="rect">
             <a:avLst/>
@@ -10486,13 +10138,7 @@
       </p:pic>
       <p:pic>
         <p:nvPicPr>
-          <p:cNvPr id="6" name="Picture 5">
-            <a:extLst>
-              <a:ext uri="{FF2B5EF4-FFF2-40B4-BE49-F238E27FC236}">
-                <a16:creationId xmlns:a16="http://schemas.microsoft.com/office/drawing/2014/main" id="{53F9EADD-CDA7-47B2-9275-AA164A4BB669}"/>
-              </a:ext>
-            </a:extLst>
-          </p:cNvPr>
+          <p:cNvPr id="10" name="Picture 9"/>
           <p:cNvPicPr>
             <a:picLocks noChangeAspect="1"/>
           </p:cNvPicPr>
@@ -10506,8 +10152,8 @@
         </p:blipFill>
         <p:spPr>
           <a:xfrm>
-            <a:off x="1900310" y="1094507"/>
-            <a:ext cx="1801170" cy="1766455"/>
+            <a:off x="4495769" y="1343890"/>
+            <a:ext cx="2154439" cy="3408219"/>
           </a:xfrm>
           <a:prstGeom prst="rect">
             <a:avLst/>
@@ -10516,13 +10162,7 @@
       </p:pic>
       <p:pic>
         <p:nvPicPr>
-          <p:cNvPr id="8" name="Picture 7">
-            <a:extLst>
-              <a:ext uri="{FF2B5EF4-FFF2-40B4-BE49-F238E27FC236}">
-                <a16:creationId xmlns:a16="http://schemas.microsoft.com/office/drawing/2014/main" id="{F980C995-D7BF-4A7D-9D84-29795C1BEDFF}"/>
-              </a:ext>
-            </a:extLst>
-          </p:cNvPr>
+          <p:cNvPr id="12" name="Picture 11"/>
           <p:cNvPicPr>
             <a:picLocks noChangeAspect="1"/>
           </p:cNvPicPr>
@@ -10536,218 +10176,8 @@
         </p:blipFill>
         <p:spPr>
           <a:xfrm>
-            <a:off x="3701480" y="1094505"/>
-            <a:ext cx="1801170" cy="1766455"/>
-          </a:xfrm>
-          <a:prstGeom prst="rect">
-            <a:avLst/>
-          </a:prstGeom>
-        </p:spPr>
-      </p:pic>
-      <p:pic>
-        <p:nvPicPr>
-          <p:cNvPr id="10" name="Picture 9">
-            <a:extLst>
-              <a:ext uri="{FF2B5EF4-FFF2-40B4-BE49-F238E27FC236}">
-                <a16:creationId xmlns:a16="http://schemas.microsoft.com/office/drawing/2014/main" id="{6E0AE043-2323-4839-BD8F-99AF58BC9C20}"/>
-              </a:ext>
-            </a:extLst>
-          </p:cNvPr>
-          <p:cNvPicPr>
-            <a:picLocks noChangeAspect="1"/>
-          </p:cNvPicPr>
-          <p:nvPr/>
-        </p:nvPicPr>
-        <p:blipFill>
-          <a:blip r:embed="rId5"/>
-          <a:stretch>
-            <a:fillRect/>
-          </a:stretch>
-        </p:blipFill>
-        <p:spPr>
-          <a:xfrm>
-            <a:off x="5502651" y="1094502"/>
-            <a:ext cx="1801169" cy="1766455"/>
-          </a:xfrm>
-          <a:prstGeom prst="rect">
-            <a:avLst/>
-          </a:prstGeom>
-        </p:spPr>
-      </p:pic>
-      <p:pic>
-        <p:nvPicPr>
-          <p:cNvPr id="12" name="Picture 11">
-            <a:extLst>
-              <a:ext uri="{FF2B5EF4-FFF2-40B4-BE49-F238E27FC236}">
-                <a16:creationId xmlns:a16="http://schemas.microsoft.com/office/drawing/2014/main" id="{A1F05297-2B67-4B4A-96B7-5BBC2473F767}"/>
-              </a:ext>
-            </a:extLst>
-          </p:cNvPr>
-          <p:cNvPicPr>
-            <a:picLocks noChangeAspect="1"/>
-          </p:cNvPicPr>
-          <p:nvPr/>
-        </p:nvPicPr>
-        <p:blipFill>
-          <a:blip r:embed="rId6"/>
-          <a:stretch>
-            <a:fillRect/>
-          </a:stretch>
-        </p:blipFill>
-        <p:spPr>
-          <a:xfrm>
-            <a:off x="7303820" y="1094498"/>
-            <a:ext cx="1801168" cy="1766455"/>
-          </a:xfrm>
-          <a:prstGeom prst="rect">
-            <a:avLst/>
-          </a:prstGeom>
-        </p:spPr>
-      </p:pic>
-      <p:pic>
-        <p:nvPicPr>
-          <p:cNvPr id="14" name="Picture 13">
-            <a:extLst>
-              <a:ext uri="{FF2B5EF4-FFF2-40B4-BE49-F238E27FC236}">
-                <a16:creationId xmlns:a16="http://schemas.microsoft.com/office/drawing/2014/main" id="{8B70385F-3807-4ABF-A20C-B16A77FF199D}"/>
-              </a:ext>
-            </a:extLst>
-          </p:cNvPr>
-          <p:cNvPicPr>
-            <a:picLocks noChangeAspect="1"/>
-          </p:cNvPicPr>
-          <p:nvPr/>
-        </p:nvPicPr>
-        <p:blipFill>
-          <a:blip r:embed="rId7"/>
-          <a:stretch>
-            <a:fillRect/>
-          </a:stretch>
-        </p:blipFill>
-        <p:spPr>
-          <a:xfrm>
-            <a:off x="99138" y="2937734"/>
-            <a:ext cx="1801172" cy="1760741"/>
-          </a:xfrm>
-          <a:prstGeom prst="rect">
-            <a:avLst/>
-          </a:prstGeom>
-        </p:spPr>
-      </p:pic>
-      <p:pic>
-        <p:nvPicPr>
-          <p:cNvPr id="16" name="Picture 15">
-            <a:extLst>
-              <a:ext uri="{FF2B5EF4-FFF2-40B4-BE49-F238E27FC236}">
-                <a16:creationId xmlns:a16="http://schemas.microsoft.com/office/drawing/2014/main" id="{F321A44F-0F49-439A-975F-06E203535219}"/>
-              </a:ext>
-            </a:extLst>
-          </p:cNvPr>
-          <p:cNvPicPr>
-            <a:picLocks noChangeAspect="1"/>
-          </p:cNvPicPr>
-          <p:nvPr/>
-        </p:nvPicPr>
-        <p:blipFill>
-          <a:blip r:embed="rId8"/>
-          <a:stretch>
-            <a:fillRect/>
-          </a:stretch>
-        </p:blipFill>
-        <p:spPr>
-          <a:xfrm>
-            <a:off x="1900309" y="2946109"/>
-            <a:ext cx="1801171" cy="1760741"/>
-          </a:xfrm>
-          <a:prstGeom prst="rect">
-            <a:avLst/>
-          </a:prstGeom>
-        </p:spPr>
-      </p:pic>
-      <p:pic>
-        <p:nvPicPr>
-          <p:cNvPr id="18" name="Picture 17">
-            <a:extLst>
-              <a:ext uri="{FF2B5EF4-FFF2-40B4-BE49-F238E27FC236}">
-                <a16:creationId xmlns:a16="http://schemas.microsoft.com/office/drawing/2014/main" id="{F687422A-3644-418E-9C19-58FCF9FB597E}"/>
-              </a:ext>
-            </a:extLst>
-          </p:cNvPr>
-          <p:cNvPicPr>
-            <a:picLocks noChangeAspect="1"/>
-          </p:cNvPicPr>
-          <p:nvPr/>
-        </p:nvPicPr>
-        <p:blipFill>
-          <a:blip r:embed="rId9"/>
-          <a:stretch>
-            <a:fillRect/>
-          </a:stretch>
-        </p:blipFill>
-        <p:spPr>
-          <a:xfrm>
-            <a:off x="3701480" y="2937734"/>
-            <a:ext cx="1801169" cy="1769116"/>
-          </a:xfrm>
-          <a:prstGeom prst="rect">
-            <a:avLst/>
-          </a:prstGeom>
-        </p:spPr>
-      </p:pic>
-      <p:pic>
-        <p:nvPicPr>
-          <p:cNvPr id="20" name="Picture 19">
-            <a:extLst>
-              <a:ext uri="{FF2B5EF4-FFF2-40B4-BE49-F238E27FC236}">
-                <a16:creationId xmlns:a16="http://schemas.microsoft.com/office/drawing/2014/main" id="{54279758-B106-4AE9-BB43-E52E15972F86}"/>
-              </a:ext>
-            </a:extLst>
-          </p:cNvPr>
-          <p:cNvPicPr>
-            <a:picLocks noChangeAspect="1"/>
-          </p:cNvPicPr>
-          <p:nvPr/>
-        </p:nvPicPr>
-        <p:blipFill>
-          <a:blip r:embed="rId10"/>
-          <a:stretch>
-            <a:fillRect/>
-          </a:stretch>
-        </p:blipFill>
-        <p:spPr>
-          <a:xfrm>
-            <a:off x="5502648" y="2937734"/>
-            <a:ext cx="1801169" cy="1769116"/>
-          </a:xfrm>
-          <a:prstGeom prst="rect">
-            <a:avLst/>
-          </a:prstGeom>
-        </p:spPr>
-      </p:pic>
-      <p:pic>
-        <p:nvPicPr>
-          <p:cNvPr id="22" name="Picture 21">
-            <a:extLst>
-              <a:ext uri="{FF2B5EF4-FFF2-40B4-BE49-F238E27FC236}">
-                <a16:creationId xmlns:a16="http://schemas.microsoft.com/office/drawing/2014/main" id="{BE5BC647-3969-4903-899B-AD825117BE27}"/>
-              </a:ext>
-            </a:extLst>
-          </p:cNvPr>
-          <p:cNvPicPr>
-            <a:picLocks noChangeAspect="1"/>
-          </p:cNvPicPr>
-          <p:nvPr/>
-        </p:nvPicPr>
-        <p:blipFill>
-          <a:blip r:embed="rId11"/>
-          <a:stretch>
-            <a:fillRect/>
-          </a:stretch>
-        </p:blipFill>
-        <p:spPr>
-          <a:xfrm>
-            <a:off x="7303816" y="2937725"/>
-            <a:ext cx="1801172" cy="1769117"/>
+            <a:off x="6677860" y="1343890"/>
+            <a:ext cx="2154439" cy="3408219"/>
           </a:xfrm>
           <a:prstGeom prst="rect">
             <a:avLst/>
@@ -10755,11 +10185,6 @@
         </p:spPr>
       </p:pic>
     </p:spTree>
-    <p:extLst>
-      <p:ext uri="{BB962C8B-B14F-4D97-AF65-F5344CB8AC3E}">
-        <p14:creationId xmlns:p14="http://schemas.microsoft.com/office/powerpoint/2010/main" val="1478618269"/>
-      </p:ext>
-    </p:extLst>
   </p:cSld>
   <p:clrMapOvr>
     <a:masterClrMapping/>
@@ -10786,13 +10211,7 @@
       </p:grpSpPr>
       <p:sp>
         <p:nvSpPr>
-          <p:cNvPr id="2" name="Title 1">
-            <a:extLst>
-              <a:ext uri="{FF2B5EF4-FFF2-40B4-BE49-F238E27FC236}">
-                <a16:creationId xmlns:a16="http://schemas.microsoft.com/office/drawing/2014/main" id="{9BE4548A-5815-401F-90B5-D32923DD9F17}"/>
-              </a:ext>
-            </a:extLst>
-          </p:cNvPr>
+          <p:cNvPr id="2" name="Title 1"/>
           <p:cNvSpPr>
             <a:spLocks noGrp="1"/>
           </p:cNvSpPr>
@@ -10805,19 +10224,43 @@
           <a:bodyPr/>
           <a:lstStyle/>
           <a:p>
+            <a:r>
+              <a:rPr lang="en-IN" altLang="en-US">
+                <a:sym typeface="+mn-ea"/>
+              </a:rPr>
+              <a:t>The scatter plot for sales_log_t with other Variables:</a:t>
+            </a:r>
             <a:endParaRPr lang="en-US"/>
           </a:p>
         </p:txBody>
       </p:sp>
       <p:pic>
         <p:nvPicPr>
-          <p:cNvPr id="4" name="Picture 3">
-            <a:extLst>
-              <a:ext uri="{FF2B5EF4-FFF2-40B4-BE49-F238E27FC236}">
-                <a16:creationId xmlns:a16="http://schemas.microsoft.com/office/drawing/2014/main" id="{6EF8987C-96C2-4E5E-8BFD-4712F77C461D}"/>
-              </a:ext>
-            </a:extLst>
-          </p:cNvPr>
+          <p:cNvPr id="4" name="Picture 3"/>
+          <p:cNvPicPr>
+            <a:picLocks noChangeAspect="1"/>
+          </p:cNvPicPr>
+          <p:nvPr/>
+        </p:nvPicPr>
+        <p:blipFill>
+          <a:blip r:embed="rId1"/>
+          <a:stretch>
+            <a:fillRect/>
+          </a:stretch>
+        </p:blipFill>
+        <p:spPr>
+          <a:xfrm>
+            <a:off x="96982" y="1080654"/>
+            <a:ext cx="2888673" cy="1814945"/>
+          </a:xfrm>
+          <a:prstGeom prst="rect">
+            <a:avLst/>
+          </a:prstGeom>
+        </p:spPr>
+      </p:pic>
+      <p:pic>
+        <p:nvPicPr>
+          <p:cNvPr id="6" name="Picture 5"/>
           <p:cNvPicPr>
             <a:picLocks noChangeAspect="1"/>
           </p:cNvPicPr>
@@ -10831,8 +10274,8 @@
         </p:blipFill>
         <p:spPr>
           <a:xfrm>
-            <a:off x="0" y="1017725"/>
-            <a:ext cx="1856509" cy="1850166"/>
+            <a:off x="2985655" y="1080654"/>
+            <a:ext cx="2888672" cy="1814946"/>
           </a:xfrm>
           <a:prstGeom prst="rect">
             <a:avLst/>
@@ -10841,13 +10284,7 @@
       </p:pic>
       <p:pic>
         <p:nvPicPr>
-          <p:cNvPr id="6" name="Picture 5">
-            <a:extLst>
-              <a:ext uri="{FF2B5EF4-FFF2-40B4-BE49-F238E27FC236}">
-                <a16:creationId xmlns:a16="http://schemas.microsoft.com/office/drawing/2014/main" id="{50355D6D-D32B-4B06-90BB-D49377D079CE}"/>
-              </a:ext>
-            </a:extLst>
-          </p:cNvPr>
+          <p:cNvPr id="8" name="Picture 7"/>
           <p:cNvPicPr>
             <a:picLocks noChangeAspect="1"/>
           </p:cNvPicPr>
@@ -10861,8 +10298,8 @@
         </p:blipFill>
         <p:spPr>
           <a:xfrm>
-            <a:off x="1856509" y="1017724"/>
-            <a:ext cx="1856509" cy="1850165"/>
+            <a:off x="5874327" y="1080655"/>
+            <a:ext cx="2957971" cy="1814945"/>
           </a:xfrm>
           <a:prstGeom prst="rect">
             <a:avLst/>
@@ -10871,13 +10308,7 @@
       </p:pic>
       <p:pic>
         <p:nvPicPr>
-          <p:cNvPr id="8" name="Picture 7">
-            <a:extLst>
-              <a:ext uri="{FF2B5EF4-FFF2-40B4-BE49-F238E27FC236}">
-                <a16:creationId xmlns:a16="http://schemas.microsoft.com/office/drawing/2014/main" id="{52D21B59-8B9D-4D9C-A5FC-D8BBDE162FEF}"/>
-              </a:ext>
-            </a:extLst>
-          </p:cNvPr>
+          <p:cNvPr id="10" name="Picture 9"/>
           <p:cNvPicPr>
             <a:picLocks noChangeAspect="1"/>
           </p:cNvPicPr>
@@ -10891,8 +10322,8 @@
         </p:blipFill>
         <p:spPr>
           <a:xfrm>
-            <a:off x="3713018" y="1017725"/>
-            <a:ext cx="1856509" cy="1850164"/>
+            <a:off x="96982" y="3110346"/>
+            <a:ext cx="2888673" cy="1814946"/>
           </a:xfrm>
           <a:prstGeom prst="rect">
             <a:avLst/>
@@ -10901,13 +10332,7 @@
       </p:pic>
       <p:pic>
         <p:nvPicPr>
-          <p:cNvPr id="10" name="Picture 9">
-            <a:extLst>
-              <a:ext uri="{FF2B5EF4-FFF2-40B4-BE49-F238E27FC236}">
-                <a16:creationId xmlns:a16="http://schemas.microsoft.com/office/drawing/2014/main" id="{6A054BA1-90F7-473D-92DC-FF87C80EA3A2}"/>
-              </a:ext>
-            </a:extLst>
-          </p:cNvPr>
+          <p:cNvPr id="12" name="Picture 11"/>
           <p:cNvPicPr>
             <a:picLocks noChangeAspect="1"/>
           </p:cNvPicPr>
@@ -10921,8 +10346,8 @@
         </p:blipFill>
         <p:spPr>
           <a:xfrm>
-            <a:off x="5569527" y="1017724"/>
-            <a:ext cx="1856509" cy="1850164"/>
+            <a:off x="2985655" y="3110346"/>
+            <a:ext cx="2888672" cy="1814946"/>
           </a:xfrm>
           <a:prstGeom prst="rect">
             <a:avLst/>
@@ -10931,13 +10356,7 @@
       </p:pic>
       <p:pic>
         <p:nvPicPr>
-          <p:cNvPr id="12" name="Picture 11">
-            <a:extLst>
-              <a:ext uri="{FF2B5EF4-FFF2-40B4-BE49-F238E27FC236}">
-                <a16:creationId xmlns:a16="http://schemas.microsoft.com/office/drawing/2014/main" id="{A894981F-A725-4354-BEB8-63CDBB68140B}"/>
-              </a:ext>
-            </a:extLst>
-          </p:cNvPr>
+          <p:cNvPr id="14" name="Picture 13"/>
           <p:cNvPicPr>
             <a:picLocks noChangeAspect="1"/>
           </p:cNvPicPr>
@@ -10951,158 +10370,8 @@
         </p:blipFill>
         <p:spPr>
           <a:xfrm>
-            <a:off x="7426036" y="1017724"/>
-            <a:ext cx="1655618" cy="1850164"/>
-          </a:xfrm>
-          <a:prstGeom prst="rect">
-            <a:avLst/>
-          </a:prstGeom>
-        </p:spPr>
-      </p:pic>
-      <p:pic>
-        <p:nvPicPr>
-          <p:cNvPr id="14" name="Picture 13">
-            <a:extLst>
-              <a:ext uri="{FF2B5EF4-FFF2-40B4-BE49-F238E27FC236}">
-                <a16:creationId xmlns:a16="http://schemas.microsoft.com/office/drawing/2014/main" id="{C0625015-FA44-45C8-84BB-092511F69C49}"/>
-              </a:ext>
-            </a:extLst>
-          </p:cNvPr>
-          <p:cNvPicPr>
-            <a:picLocks noChangeAspect="1"/>
-          </p:cNvPicPr>
-          <p:nvPr/>
-        </p:nvPicPr>
-        <p:blipFill>
-          <a:blip r:embed="rId7"/>
-          <a:stretch>
-            <a:fillRect/>
-          </a:stretch>
-        </p:blipFill>
-        <p:spPr>
-          <a:xfrm>
-            <a:off x="0" y="2992582"/>
-            <a:ext cx="1856509" cy="1850166"/>
-          </a:xfrm>
-          <a:prstGeom prst="rect">
-            <a:avLst/>
-          </a:prstGeom>
-        </p:spPr>
-      </p:pic>
-      <p:pic>
-        <p:nvPicPr>
-          <p:cNvPr id="16" name="Picture 15">
-            <a:extLst>
-              <a:ext uri="{FF2B5EF4-FFF2-40B4-BE49-F238E27FC236}">
-                <a16:creationId xmlns:a16="http://schemas.microsoft.com/office/drawing/2014/main" id="{EE53BDD8-ACB0-4294-8EAF-196ACEAB42E7}"/>
-              </a:ext>
-            </a:extLst>
-          </p:cNvPr>
-          <p:cNvPicPr>
-            <a:picLocks noChangeAspect="1"/>
-          </p:cNvPicPr>
-          <p:nvPr/>
-        </p:nvPicPr>
-        <p:blipFill>
-          <a:blip r:embed="rId8"/>
-          <a:stretch>
-            <a:fillRect/>
-          </a:stretch>
-        </p:blipFill>
-        <p:spPr>
-          <a:xfrm>
-            <a:off x="1856510" y="2992582"/>
-            <a:ext cx="1856508" cy="1850164"/>
-          </a:xfrm>
-          <a:prstGeom prst="rect">
-            <a:avLst/>
-          </a:prstGeom>
-        </p:spPr>
-      </p:pic>
-      <p:pic>
-        <p:nvPicPr>
-          <p:cNvPr id="18" name="Picture 17">
-            <a:extLst>
-              <a:ext uri="{FF2B5EF4-FFF2-40B4-BE49-F238E27FC236}">
-                <a16:creationId xmlns:a16="http://schemas.microsoft.com/office/drawing/2014/main" id="{F2EBAD2A-5A12-44B9-823C-61573C73E808}"/>
-              </a:ext>
-            </a:extLst>
-          </p:cNvPr>
-          <p:cNvPicPr>
-            <a:picLocks noChangeAspect="1"/>
-          </p:cNvPicPr>
-          <p:nvPr/>
-        </p:nvPicPr>
-        <p:blipFill>
-          <a:blip r:embed="rId9"/>
-          <a:stretch>
-            <a:fillRect/>
-          </a:stretch>
-        </p:blipFill>
-        <p:spPr>
-          <a:xfrm>
-            <a:off x="3713019" y="2992582"/>
-            <a:ext cx="1856508" cy="1850164"/>
-          </a:xfrm>
-          <a:prstGeom prst="rect">
-            <a:avLst/>
-          </a:prstGeom>
-        </p:spPr>
-      </p:pic>
-      <p:pic>
-        <p:nvPicPr>
-          <p:cNvPr id="20" name="Picture 19">
-            <a:extLst>
-              <a:ext uri="{FF2B5EF4-FFF2-40B4-BE49-F238E27FC236}">
-                <a16:creationId xmlns:a16="http://schemas.microsoft.com/office/drawing/2014/main" id="{9A8EBFBB-18C5-4BEE-B115-3614974E76B7}"/>
-              </a:ext>
-            </a:extLst>
-          </p:cNvPr>
-          <p:cNvPicPr>
-            <a:picLocks noChangeAspect="1"/>
-          </p:cNvPicPr>
-          <p:nvPr/>
-        </p:nvPicPr>
-        <p:blipFill>
-          <a:blip r:embed="rId10"/>
-          <a:stretch>
-            <a:fillRect/>
-          </a:stretch>
-        </p:blipFill>
-        <p:spPr>
-          <a:xfrm>
-            <a:off x="5569527" y="2992582"/>
-            <a:ext cx="1856508" cy="1850164"/>
-          </a:xfrm>
-          <a:prstGeom prst="rect">
-            <a:avLst/>
-          </a:prstGeom>
-        </p:spPr>
-      </p:pic>
-      <p:pic>
-        <p:nvPicPr>
-          <p:cNvPr id="22" name="Picture 21">
-            <a:extLst>
-              <a:ext uri="{FF2B5EF4-FFF2-40B4-BE49-F238E27FC236}">
-                <a16:creationId xmlns:a16="http://schemas.microsoft.com/office/drawing/2014/main" id="{27A8CA47-8DCC-4A40-B4E8-8A8DC306F80D}"/>
-              </a:ext>
-            </a:extLst>
-          </p:cNvPr>
-          <p:cNvPicPr>
-            <a:picLocks noChangeAspect="1"/>
-          </p:cNvPicPr>
-          <p:nvPr/>
-        </p:nvPicPr>
-        <p:blipFill>
-          <a:blip r:embed="rId11"/>
-          <a:stretch>
-            <a:fillRect/>
-          </a:stretch>
-        </p:blipFill>
-        <p:spPr>
-          <a:xfrm>
-            <a:off x="7426035" y="2992582"/>
-            <a:ext cx="1655619" cy="1850164"/>
+            <a:off x="5929744" y="3110345"/>
+            <a:ext cx="2902553" cy="1814947"/>
           </a:xfrm>
           <a:prstGeom prst="rect">
             <a:avLst/>
@@ -11110,11 +10379,6 @@
         </p:spPr>
       </p:pic>
     </p:spTree>
-    <p:extLst>
-      <p:ext uri="{BB962C8B-B14F-4D97-AF65-F5344CB8AC3E}">
-        <p14:creationId xmlns:p14="http://schemas.microsoft.com/office/powerpoint/2010/main" val="3795924776"/>
-      </p:ext>
-    </p:extLst>
   </p:cSld>
   <p:clrMapOvr>
     <a:masterClrMapping/>
@@ -11141,13 +10405,7 @@
       </p:grpSpPr>
       <p:sp>
         <p:nvSpPr>
-          <p:cNvPr id="2" name="Title 1">
-            <a:extLst>
-              <a:ext uri="{FF2B5EF4-FFF2-40B4-BE49-F238E27FC236}">
-                <a16:creationId xmlns:a16="http://schemas.microsoft.com/office/drawing/2014/main" id="{88A50F48-1FCE-471A-B213-C7ADA9109927}"/>
-              </a:ext>
-            </a:extLst>
-          </p:cNvPr>
+          <p:cNvPr id="2" name="Title 1"/>
           <p:cNvSpPr>
             <a:spLocks noGrp="1"/>
           </p:cNvSpPr>
@@ -11160,19 +10418,41 @@
           <a:bodyPr/>
           <a:lstStyle/>
           <a:p>
-            <a:endParaRPr lang="en-US"/>
+            <a:r>
+              <a:rPr lang="en-IN" altLang="en-US"/>
+              <a:t>Plot of all the variables:</a:t>
+            </a:r>
+            <a:endParaRPr lang="en-IN" altLang="en-US"/>
           </a:p>
         </p:txBody>
       </p:sp>
       <p:pic>
         <p:nvPicPr>
-          <p:cNvPr id="4" name="Picture 3">
-            <a:extLst>
-              <a:ext uri="{FF2B5EF4-FFF2-40B4-BE49-F238E27FC236}">
-                <a16:creationId xmlns:a16="http://schemas.microsoft.com/office/drawing/2014/main" id="{495CEB05-6A3E-4085-A3CD-EF0A3D6F8B96}"/>
-              </a:ext>
-            </a:extLst>
-          </p:cNvPr>
+          <p:cNvPr id="4" name="Picture 3"/>
+          <p:cNvPicPr>
+            <a:picLocks noChangeAspect="1"/>
+          </p:cNvPicPr>
+          <p:nvPr/>
+        </p:nvPicPr>
+        <p:blipFill>
+          <a:blip r:embed="rId1"/>
+          <a:stretch>
+            <a:fillRect/>
+          </a:stretch>
+        </p:blipFill>
+        <p:spPr>
+          <a:xfrm>
+            <a:off x="99137" y="1094508"/>
+            <a:ext cx="1801172" cy="1766455"/>
+          </a:xfrm>
+          <a:prstGeom prst="rect">
+            <a:avLst/>
+          </a:prstGeom>
+        </p:spPr>
+      </p:pic>
+      <p:pic>
+        <p:nvPicPr>
+          <p:cNvPr id="6" name="Picture 5"/>
           <p:cNvPicPr>
             <a:picLocks noChangeAspect="1"/>
           </p:cNvPicPr>
@@ -11186,8 +10466,200 @@
         </p:blipFill>
         <p:spPr>
           <a:xfrm>
-            <a:off x="311698" y="1239981"/>
-            <a:ext cx="8520601" cy="3643745"/>
+            <a:off x="1900310" y="1094507"/>
+            <a:ext cx="1801170" cy="1766455"/>
+          </a:xfrm>
+          <a:prstGeom prst="rect">
+            <a:avLst/>
+          </a:prstGeom>
+        </p:spPr>
+      </p:pic>
+      <p:pic>
+        <p:nvPicPr>
+          <p:cNvPr id="8" name="Picture 7"/>
+          <p:cNvPicPr>
+            <a:picLocks noChangeAspect="1"/>
+          </p:cNvPicPr>
+          <p:nvPr/>
+        </p:nvPicPr>
+        <p:blipFill>
+          <a:blip r:embed="rId3"/>
+          <a:stretch>
+            <a:fillRect/>
+          </a:stretch>
+        </p:blipFill>
+        <p:spPr>
+          <a:xfrm>
+            <a:off x="3701480" y="1094505"/>
+            <a:ext cx="1801170" cy="1766455"/>
+          </a:xfrm>
+          <a:prstGeom prst="rect">
+            <a:avLst/>
+          </a:prstGeom>
+        </p:spPr>
+      </p:pic>
+      <p:pic>
+        <p:nvPicPr>
+          <p:cNvPr id="10" name="Picture 9"/>
+          <p:cNvPicPr>
+            <a:picLocks noChangeAspect="1"/>
+          </p:cNvPicPr>
+          <p:nvPr/>
+        </p:nvPicPr>
+        <p:blipFill>
+          <a:blip r:embed="rId4"/>
+          <a:stretch>
+            <a:fillRect/>
+          </a:stretch>
+        </p:blipFill>
+        <p:spPr>
+          <a:xfrm>
+            <a:off x="5502651" y="1094502"/>
+            <a:ext cx="1801169" cy="1766455"/>
+          </a:xfrm>
+          <a:prstGeom prst="rect">
+            <a:avLst/>
+          </a:prstGeom>
+        </p:spPr>
+      </p:pic>
+      <p:pic>
+        <p:nvPicPr>
+          <p:cNvPr id="12" name="Picture 11"/>
+          <p:cNvPicPr>
+            <a:picLocks noChangeAspect="1"/>
+          </p:cNvPicPr>
+          <p:nvPr/>
+        </p:nvPicPr>
+        <p:blipFill>
+          <a:blip r:embed="rId5"/>
+          <a:stretch>
+            <a:fillRect/>
+          </a:stretch>
+        </p:blipFill>
+        <p:spPr>
+          <a:xfrm>
+            <a:off x="7303820" y="1094498"/>
+            <a:ext cx="1801168" cy="1766455"/>
+          </a:xfrm>
+          <a:prstGeom prst="rect">
+            <a:avLst/>
+          </a:prstGeom>
+        </p:spPr>
+      </p:pic>
+      <p:pic>
+        <p:nvPicPr>
+          <p:cNvPr id="14" name="Picture 13"/>
+          <p:cNvPicPr>
+            <a:picLocks noChangeAspect="1"/>
+          </p:cNvPicPr>
+          <p:nvPr/>
+        </p:nvPicPr>
+        <p:blipFill>
+          <a:blip r:embed="rId6"/>
+          <a:stretch>
+            <a:fillRect/>
+          </a:stretch>
+        </p:blipFill>
+        <p:spPr>
+          <a:xfrm>
+            <a:off x="99138" y="2937734"/>
+            <a:ext cx="1801172" cy="1760741"/>
+          </a:xfrm>
+          <a:prstGeom prst="rect">
+            <a:avLst/>
+          </a:prstGeom>
+        </p:spPr>
+      </p:pic>
+      <p:pic>
+        <p:nvPicPr>
+          <p:cNvPr id="16" name="Picture 15"/>
+          <p:cNvPicPr>
+            <a:picLocks noChangeAspect="1"/>
+          </p:cNvPicPr>
+          <p:nvPr/>
+        </p:nvPicPr>
+        <p:blipFill>
+          <a:blip r:embed="rId7"/>
+          <a:stretch>
+            <a:fillRect/>
+          </a:stretch>
+        </p:blipFill>
+        <p:spPr>
+          <a:xfrm>
+            <a:off x="1900309" y="2946109"/>
+            <a:ext cx="1801171" cy="1760741"/>
+          </a:xfrm>
+          <a:prstGeom prst="rect">
+            <a:avLst/>
+          </a:prstGeom>
+        </p:spPr>
+      </p:pic>
+      <p:pic>
+        <p:nvPicPr>
+          <p:cNvPr id="18" name="Picture 17"/>
+          <p:cNvPicPr>
+            <a:picLocks noChangeAspect="1"/>
+          </p:cNvPicPr>
+          <p:nvPr/>
+        </p:nvPicPr>
+        <p:blipFill>
+          <a:blip r:embed="rId8"/>
+          <a:stretch>
+            <a:fillRect/>
+          </a:stretch>
+        </p:blipFill>
+        <p:spPr>
+          <a:xfrm>
+            <a:off x="3701480" y="2937734"/>
+            <a:ext cx="1801169" cy="1769116"/>
+          </a:xfrm>
+          <a:prstGeom prst="rect">
+            <a:avLst/>
+          </a:prstGeom>
+        </p:spPr>
+      </p:pic>
+      <p:pic>
+        <p:nvPicPr>
+          <p:cNvPr id="20" name="Picture 19"/>
+          <p:cNvPicPr>
+            <a:picLocks noChangeAspect="1"/>
+          </p:cNvPicPr>
+          <p:nvPr/>
+        </p:nvPicPr>
+        <p:blipFill>
+          <a:blip r:embed="rId9"/>
+          <a:stretch>
+            <a:fillRect/>
+          </a:stretch>
+        </p:blipFill>
+        <p:spPr>
+          <a:xfrm>
+            <a:off x="5502648" y="2937734"/>
+            <a:ext cx="1801169" cy="1769116"/>
+          </a:xfrm>
+          <a:prstGeom prst="rect">
+            <a:avLst/>
+          </a:prstGeom>
+        </p:spPr>
+      </p:pic>
+      <p:pic>
+        <p:nvPicPr>
+          <p:cNvPr id="22" name="Picture 21"/>
+          <p:cNvPicPr>
+            <a:picLocks noChangeAspect="1"/>
+          </p:cNvPicPr>
+          <p:nvPr/>
+        </p:nvPicPr>
+        <p:blipFill>
+          <a:blip r:embed="rId10"/>
+          <a:stretch>
+            <a:fillRect/>
+          </a:stretch>
+        </p:blipFill>
+        <p:spPr>
+          <a:xfrm>
+            <a:off x="7303816" y="2937725"/>
+            <a:ext cx="1801172" cy="1769117"/>
           </a:xfrm>
           <a:prstGeom prst="rect">
             <a:avLst/>
@@ -11195,11 +10667,6 @@
         </p:spPr>
       </p:pic>
     </p:spTree>
-    <p:extLst>
-      <p:ext uri="{BB962C8B-B14F-4D97-AF65-F5344CB8AC3E}">
-        <p14:creationId xmlns:p14="http://schemas.microsoft.com/office/powerpoint/2010/main" val="2118178928"/>
-      </p:ext>
-    </p:extLst>
   </p:cSld>
   <p:clrMapOvr>
     <a:masterClrMapping/>
@@ -11226,13 +10693,7 @@
       </p:grpSpPr>
       <p:sp>
         <p:nvSpPr>
-          <p:cNvPr id="2" name="Title 1">
-            <a:extLst>
-              <a:ext uri="{FF2B5EF4-FFF2-40B4-BE49-F238E27FC236}">
-                <a16:creationId xmlns:a16="http://schemas.microsoft.com/office/drawing/2014/main" id="{72879B4D-1A62-41B5-8114-DE60E7571266}"/>
-              </a:ext>
-            </a:extLst>
-          </p:cNvPr>
+          <p:cNvPr id="2" name="Title 1"/>
           <p:cNvSpPr>
             <a:spLocks noGrp="1"/>
           </p:cNvSpPr>
@@ -11245,19 +10706,43 @@
           <a:bodyPr/>
           <a:lstStyle/>
           <a:p>
+            <a:r>
+              <a:rPr lang="en-IN" altLang="en-US">
+                <a:sym typeface="+mn-ea"/>
+              </a:rPr>
+              <a:t>Plot of all the variables:</a:t>
+            </a:r>
             <a:endParaRPr lang="en-US"/>
           </a:p>
         </p:txBody>
       </p:sp>
       <p:pic>
         <p:nvPicPr>
-          <p:cNvPr id="4" name="Picture 3">
-            <a:extLst>
-              <a:ext uri="{FF2B5EF4-FFF2-40B4-BE49-F238E27FC236}">
-                <a16:creationId xmlns:a16="http://schemas.microsoft.com/office/drawing/2014/main" id="{BCB85A14-F797-4574-93D6-D54E442F772B}"/>
-              </a:ext>
-            </a:extLst>
-          </p:cNvPr>
+          <p:cNvPr id="4" name="Picture 3"/>
+          <p:cNvPicPr>
+            <a:picLocks noChangeAspect="1"/>
+          </p:cNvPicPr>
+          <p:nvPr/>
+        </p:nvPicPr>
+        <p:blipFill>
+          <a:blip r:embed="rId1"/>
+          <a:stretch>
+            <a:fillRect/>
+          </a:stretch>
+        </p:blipFill>
+        <p:spPr>
+          <a:xfrm>
+            <a:off x="0" y="1017725"/>
+            <a:ext cx="1856509" cy="1850166"/>
+          </a:xfrm>
+          <a:prstGeom prst="rect">
+            <a:avLst/>
+          </a:prstGeom>
+        </p:spPr>
+      </p:pic>
+      <p:pic>
+        <p:nvPicPr>
+          <p:cNvPr id="6" name="Picture 5"/>
           <p:cNvPicPr>
             <a:picLocks noChangeAspect="1"/>
           </p:cNvPicPr>
@@ -11271,8 +10756,8 @@
         </p:blipFill>
         <p:spPr>
           <a:xfrm>
-            <a:off x="311700" y="1233828"/>
-            <a:ext cx="2147480" cy="3340861"/>
+            <a:off x="1856509" y="1017724"/>
+            <a:ext cx="1856509" cy="1850165"/>
           </a:xfrm>
           <a:prstGeom prst="rect">
             <a:avLst/>
@@ -11281,13 +10766,7 @@
       </p:pic>
       <p:pic>
         <p:nvPicPr>
-          <p:cNvPr id="6" name="Picture 5">
-            <a:extLst>
-              <a:ext uri="{FF2B5EF4-FFF2-40B4-BE49-F238E27FC236}">
-                <a16:creationId xmlns:a16="http://schemas.microsoft.com/office/drawing/2014/main" id="{19F82194-67EE-43D0-9A70-5DA2849D6F2E}"/>
-              </a:ext>
-            </a:extLst>
-          </p:cNvPr>
+          <p:cNvPr id="8" name="Picture 7"/>
           <p:cNvPicPr>
             <a:picLocks noChangeAspect="1"/>
           </p:cNvPicPr>
@@ -11301,8 +10780,8 @@
         </p:blipFill>
         <p:spPr>
           <a:xfrm>
-            <a:off x="2459180" y="1233827"/>
-            <a:ext cx="2147480" cy="3340861"/>
+            <a:off x="3713018" y="1017725"/>
+            <a:ext cx="1856509" cy="1850164"/>
           </a:xfrm>
           <a:prstGeom prst="rect">
             <a:avLst/>
@@ -11311,13 +10790,7 @@
       </p:pic>
       <p:pic>
         <p:nvPicPr>
-          <p:cNvPr id="8" name="Picture 7">
-            <a:extLst>
-              <a:ext uri="{FF2B5EF4-FFF2-40B4-BE49-F238E27FC236}">
-                <a16:creationId xmlns:a16="http://schemas.microsoft.com/office/drawing/2014/main" id="{17FB5C98-BFC6-473E-9F57-68D6E0041CD3}"/>
-              </a:ext>
-            </a:extLst>
-          </p:cNvPr>
+          <p:cNvPr id="10" name="Picture 9"/>
           <p:cNvPicPr>
             <a:picLocks noChangeAspect="1"/>
           </p:cNvPicPr>
@@ -11331,8 +10804,8 @@
         </p:blipFill>
         <p:spPr>
           <a:xfrm>
-            <a:off x="4606660" y="1233825"/>
-            <a:ext cx="2147480" cy="3340861"/>
+            <a:off x="5569527" y="1017724"/>
+            <a:ext cx="1856509" cy="1850164"/>
           </a:xfrm>
           <a:prstGeom prst="rect">
             <a:avLst/>
@@ -11341,13 +10814,7 @@
       </p:pic>
       <p:pic>
         <p:nvPicPr>
-          <p:cNvPr id="10" name="Picture 9">
-            <a:extLst>
-              <a:ext uri="{FF2B5EF4-FFF2-40B4-BE49-F238E27FC236}">
-                <a16:creationId xmlns:a16="http://schemas.microsoft.com/office/drawing/2014/main" id="{3A11CADA-B12C-4BAE-87A7-2C49F5D18EE5}"/>
-              </a:ext>
-            </a:extLst>
-          </p:cNvPr>
+          <p:cNvPr id="12" name="Picture 11"/>
           <p:cNvPicPr>
             <a:picLocks noChangeAspect="1"/>
           </p:cNvPicPr>
@@ -11361,8 +10828,128 @@
         </p:blipFill>
         <p:spPr>
           <a:xfrm>
-            <a:off x="6754140" y="1233822"/>
-            <a:ext cx="2147480" cy="3130359"/>
+            <a:off x="7426036" y="1017724"/>
+            <a:ext cx="1655618" cy="1850164"/>
+          </a:xfrm>
+          <a:prstGeom prst="rect">
+            <a:avLst/>
+          </a:prstGeom>
+        </p:spPr>
+      </p:pic>
+      <p:pic>
+        <p:nvPicPr>
+          <p:cNvPr id="14" name="Picture 13"/>
+          <p:cNvPicPr>
+            <a:picLocks noChangeAspect="1"/>
+          </p:cNvPicPr>
+          <p:nvPr/>
+        </p:nvPicPr>
+        <p:blipFill>
+          <a:blip r:embed="rId6"/>
+          <a:stretch>
+            <a:fillRect/>
+          </a:stretch>
+        </p:blipFill>
+        <p:spPr>
+          <a:xfrm>
+            <a:off x="0" y="2992582"/>
+            <a:ext cx="1856509" cy="1850166"/>
+          </a:xfrm>
+          <a:prstGeom prst="rect">
+            <a:avLst/>
+          </a:prstGeom>
+        </p:spPr>
+      </p:pic>
+      <p:pic>
+        <p:nvPicPr>
+          <p:cNvPr id="16" name="Picture 15"/>
+          <p:cNvPicPr>
+            <a:picLocks noChangeAspect="1"/>
+          </p:cNvPicPr>
+          <p:nvPr/>
+        </p:nvPicPr>
+        <p:blipFill>
+          <a:blip r:embed="rId7"/>
+          <a:stretch>
+            <a:fillRect/>
+          </a:stretch>
+        </p:blipFill>
+        <p:spPr>
+          <a:xfrm>
+            <a:off x="1856510" y="2992582"/>
+            <a:ext cx="1856508" cy="1850164"/>
+          </a:xfrm>
+          <a:prstGeom prst="rect">
+            <a:avLst/>
+          </a:prstGeom>
+        </p:spPr>
+      </p:pic>
+      <p:pic>
+        <p:nvPicPr>
+          <p:cNvPr id="18" name="Picture 17"/>
+          <p:cNvPicPr>
+            <a:picLocks noChangeAspect="1"/>
+          </p:cNvPicPr>
+          <p:nvPr/>
+        </p:nvPicPr>
+        <p:blipFill>
+          <a:blip r:embed="rId8"/>
+          <a:stretch>
+            <a:fillRect/>
+          </a:stretch>
+        </p:blipFill>
+        <p:spPr>
+          <a:xfrm>
+            <a:off x="3713019" y="2992582"/>
+            <a:ext cx="1856508" cy="1850164"/>
+          </a:xfrm>
+          <a:prstGeom prst="rect">
+            <a:avLst/>
+          </a:prstGeom>
+        </p:spPr>
+      </p:pic>
+      <p:pic>
+        <p:nvPicPr>
+          <p:cNvPr id="20" name="Picture 19"/>
+          <p:cNvPicPr>
+            <a:picLocks noChangeAspect="1"/>
+          </p:cNvPicPr>
+          <p:nvPr/>
+        </p:nvPicPr>
+        <p:blipFill>
+          <a:blip r:embed="rId9"/>
+          <a:stretch>
+            <a:fillRect/>
+          </a:stretch>
+        </p:blipFill>
+        <p:spPr>
+          <a:xfrm>
+            <a:off x="5569527" y="2992582"/>
+            <a:ext cx="1856508" cy="1850164"/>
+          </a:xfrm>
+          <a:prstGeom prst="rect">
+            <a:avLst/>
+          </a:prstGeom>
+        </p:spPr>
+      </p:pic>
+      <p:pic>
+        <p:nvPicPr>
+          <p:cNvPr id="22" name="Picture 21"/>
+          <p:cNvPicPr>
+            <a:picLocks noChangeAspect="1"/>
+          </p:cNvPicPr>
+          <p:nvPr/>
+        </p:nvPicPr>
+        <p:blipFill>
+          <a:blip r:embed="rId10"/>
+          <a:stretch>
+            <a:fillRect/>
+          </a:stretch>
+        </p:blipFill>
+        <p:spPr>
+          <a:xfrm>
+            <a:off x="7426035" y="2992582"/>
+            <a:ext cx="1655619" cy="1850164"/>
           </a:xfrm>
           <a:prstGeom prst="rect">
             <a:avLst/>
@@ -11370,11 +10957,6 @@
         </p:spPr>
       </p:pic>
     </p:spTree>
-    <p:extLst>
-      <p:ext uri="{BB962C8B-B14F-4D97-AF65-F5344CB8AC3E}">
-        <p14:creationId xmlns:p14="http://schemas.microsoft.com/office/powerpoint/2010/main" val="1665498600"/>
-      </p:ext>
-    </p:extLst>
   </p:cSld>
   <p:clrMapOvr>
     <a:masterClrMapping/>
@@ -11401,13 +10983,7 @@
       </p:grpSpPr>
       <p:sp>
         <p:nvSpPr>
-          <p:cNvPr id="2" name="Title 1">
-            <a:extLst>
-              <a:ext uri="{FF2B5EF4-FFF2-40B4-BE49-F238E27FC236}">
-                <a16:creationId xmlns:a16="http://schemas.microsoft.com/office/drawing/2014/main" id="{75B7CAE4-E02D-4C75-9B17-77AF297B199B}"/>
-              </a:ext>
-            </a:extLst>
-          </p:cNvPr>
+          <p:cNvPr id="2" name="Title 1"/>
           <p:cNvSpPr>
             <a:spLocks noGrp="1"/>
           </p:cNvSpPr>
@@ -11415,39 +10991,46 @@
             <p:ph type="title"/>
           </p:nvPr>
         </p:nvSpPr>
-        <p:spPr/>
+        <p:spPr>
+          <a:xfrm>
+            <a:off x="311785" y="95250"/>
+            <a:ext cx="8520430" cy="877570"/>
+          </a:xfrm>
+        </p:spPr>
         <p:txBody>
           <a:bodyPr/>
           <a:lstStyle/>
           <a:p>
-            <a:endParaRPr lang="en-US"/>
+            <a:r>
+              <a:rPr lang="en-IN" altLang="en-US">
+                <a:sym typeface="+mn-ea"/>
+              </a:rPr>
+              <a:t>Plot first 100 observations between actual and predicted After builduing the linear regression:</a:t>
+            </a:r>
+            <a:endParaRPr lang="en-IN" altLang="en-US">
+              <a:sym typeface="+mn-ea"/>
+            </a:endParaRPr>
           </a:p>
         </p:txBody>
       </p:sp>
       <p:pic>
         <p:nvPicPr>
-          <p:cNvPr id="4" name="Picture 3">
-            <a:extLst>
-              <a:ext uri="{FF2B5EF4-FFF2-40B4-BE49-F238E27FC236}">
-                <a16:creationId xmlns:a16="http://schemas.microsoft.com/office/drawing/2014/main" id="{F45A5C64-D084-4684-B535-891515AE2822}"/>
-              </a:ext>
-            </a:extLst>
-          </p:cNvPr>
+          <p:cNvPr id="4" name="Picture 3"/>
           <p:cNvPicPr>
             <a:picLocks noChangeAspect="1"/>
           </p:cNvPicPr>
           <p:nvPr/>
         </p:nvPicPr>
         <p:blipFill>
-          <a:blip r:embed="rId2"/>
+          <a:blip r:embed="rId1"/>
           <a:stretch>
             <a:fillRect/>
           </a:stretch>
         </p:blipFill>
         <p:spPr>
           <a:xfrm>
-            <a:off x="311700" y="1156855"/>
-            <a:ext cx="8520600" cy="3657600"/>
+            <a:off x="311698" y="1239981"/>
+            <a:ext cx="8520601" cy="3643745"/>
           </a:xfrm>
           <a:prstGeom prst="rect">
             <a:avLst/>
@@ -11455,11 +11038,6 @@
         </p:spPr>
       </p:pic>
     </p:spTree>
-    <p:extLst>
-      <p:ext uri="{BB962C8B-B14F-4D97-AF65-F5344CB8AC3E}">
-        <p14:creationId xmlns:p14="http://schemas.microsoft.com/office/powerpoint/2010/main" val="2536196542"/>
-      </p:ext>
-    </p:extLst>
   </p:cSld>
   <p:clrMapOvr>
     <a:masterClrMapping/>
@@ -11476,23 +11054,10 @@
         <p:cNvGrpSpPr/>
         <p:nvPr/>
       </p:nvGrpSpPr>
-      <p:grpSpPr>
-        <a:xfrm>
-          <a:off x="0" y="0"/>
-          <a:ext cx="0" cy="0"/>
-          <a:chOff x="0" y="0"/>
-          <a:chExt cx="0" cy="0"/>
-        </a:xfrm>
-      </p:grpSpPr>
+      <p:grpSpPr/>
       <p:sp>
         <p:nvSpPr>
-          <p:cNvPr id="2" name="Title 1">
-            <a:extLst>
-              <a:ext uri="{FF2B5EF4-FFF2-40B4-BE49-F238E27FC236}">
-                <a16:creationId xmlns:a16="http://schemas.microsoft.com/office/drawing/2014/main" id="{04291838-F04D-42AA-8778-FFCF535E343C}"/>
-              </a:ext>
-            </a:extLst>
-          </p:cNvPr>
+          <p:cNvPr id="2" name="Title 1"/>
           <p:cNvSpPr>
             <a:spLocks noGrp="1"/>
           </p:cNvSpPr>
@@ -11500,51 +11065,212 @@
             <p:ph type="title"/>
           </p:nvPr>
         </p:nvSpPr>
-        <p:spPr/>
+        <p:spPr>
+          <a:xfrm>
+            <a:off x="311785" y="445135"/>
+            <a:ext cx="8520430" cy="979170"/>
+          </a:xfrm>
+        </p:spPr>
         <p:txBody>
           <a:bodyPr/>
-          <a:lstStyle/>
           <a:p>
-            <a:endParaRPr lang="en-US"/>
+            <a:r>
+              <a:rPr lang="en-US"/>
+              <a:t>We are using linear regression model so, we need to check 4 basic assumptions of linear regression.</a:t>
+            </a:r>
+            <a:br>
+              <a:rPr lang="en-US"/>
+            </a:br>
+            <a:br>
+              <a:rPr lang="en-US"/>
+            </a:br>
+            <a:r>
+              <a:rPr lang="en-IN" altLang="en-US">
+                <a:solidFill>
+                  <a:schemeClr val="bg2">
+                    <a:lumMod val="10000"/>
+                  </a:schemeClr>
+                </a:solidFill>
+              </a:rPr>
+              <a:t>1.</a:t>
+            </a:r>
+            <a:r>
+              <a:rPr lang="en-US">
+                <a:solidFill>
+                  <a:schemeClr val="bg2">
+                    <a:lumMod val="10000"/>
+                  </a:schemeClr>
+                </a:solidFill>
+                <a:sym typeface="+mn-ea"/>
+              </a:rPr>
+              <a:t>There need to be linear relationship between independent and dependent variables</a:t>
+            </a:r>
+            <a:r>
+              <a:rPr lang="en-IN" altLang="en-US">
+                <a:solidFill>
+                  <a:schemeClr val="bg2">
+                    <a:lumMod val="10000"/>
+                  </a:schemeClr>
+                </a:solidFill>
+                <a:sym typeface="+mn-ea"/>
+              </a:rPr>
+              <a:t>.</a:t>
+            </a:r>
+            <a:br>
+              <a:rPr lang="en-US">
+                <a:solidFill>
+                  <a:schemeClr val="bg2">
+                    <a:lumMod val="10000"/>
+                  </a:schemeClr>
+                </a:solidFill>
+                <a:sym typeface="+mn-ea"/>
+              </a:rPr>
+            </a:br>
+            <a:r>
+              <a:rPr lang="en-IN" altLang="en-US">
+                <a:solidFill>
+                  <a:schemeClr val="bg2">
+                    <a:lumMod val="10000"/>
+                  </a:schemeClr>
+                </a:solidFill>
+                <a:sym typeface="+mn-ea"/>
+              </a:rPr>
+              <a:t>2.</a:t>
+            </a:r>
+            <a:r>
+              <a:rPr lang="en-US">
+                <a:solidFill>
+                  <a:schemeClr val="bg2">
+                    <a:lumMod val="10000"/>
+                  </a:schemeClr>
+                </a:solidFill>
+                <a:sym typeface="+mn-ea"/>
+              </a:rPr>
+              <a:t>The sum of residuals should be near 0</a:t>
+            </a:r>
+            <a:r>
+              <a:rPr lang="en-IN" altLang="en-US">
+                <a:solidFill>
+                  <a:schemeClr val="bg2">
+                    <a:lumMod val="10000"/>
+                  </a:schemeClr>
+                </a:solidFill>
+                <a:sym typeface="+mn-ea"/>
+              </a:rPr>
+              <a:t>.</a:t>
+            </a:r>
+            <a:br>
+              <a:rPr lang="en-US">
+                <a:solidFill>
+                  <a:schemeClr val="bg2">
+                    <a:lumMod val="10000"/>
+                  </a:schemeClr>
+                </a:solidFill>
+                <a:sym typeface="+mn-ea"/>
+              </a:rPr>
+            </a:br>
+            <a:r>
+              <a:rPr lang="en-IN" altLang="en-US">
+                <a:solidFill>
+                  <a:schemeClr val="bg2">
+                    <a:lumMod val="10000"/>
+                  </a:schemeClr>
+                </a:solidFill>
+                <a:sym typeface="+mn-ea"/>
+              </a:rPr>
+              <a:t>3.</a:t>
+            </a:r>
+            <a:r>
+              <a:rPr lang="en-US">
+                <a:solidFill>
+                  <a:schemeClr val="bg2">
+                    <a:lumMod val="10000"/>
+                  </a:schemeClr>
+                </a:solidFill>
+                <a:sym typeface="+mn-ea"/>
+              </a:rPr>
+              <a:t>There should not be multicollinearity</a:t>
+            </a:r>
+            <a:r>
+              <a:rPr lang="en-IN" altLang="en-US">
+                <a:solidFill>
+                  <a:schemeClr val="bg2">
+                    <a:lumMod val="10000"/>
+                  </a:schemeClr>
+                </a:solidFill>
+                <a:sym typeface="+mn-ea"/>
+              </a:rPr>
+              <a:t>.</a:t>
+            </a:r>
+            <a:br>
+              <a:rPr lang="en-US">
+                <a:solidFill>
+                  <a:schemeClr val="bg2">
+                    <a:lumMod val="10000"/>
+                  </a:schemeClr>
+                </a:solidFill>
+                <a:sym typeface="+mn-ea"/>
+              </a:rPr>
+            </a:br>
+            <a:r>
+              <a:rPr lang="en-IN" altLang="en-US">
+                <a:solidFill>
+                  <a:schemeClr val="bg2">
+                    <a:lumMod val="10000"/>
+                  </a:schemeClr>
+                </a:solidFill>
+                <a:sym typeface="+mn-ea"/>
+              </a:rPr>
+              <a:t>4.</a:t>
+            </a:r>
+            <a:r>
+              <a:rPr lang="en-US">
+                <a:solidFill>
+                  <a:schemeClr val="bg2">
+                    <a:lumMod val="10000"/>
+                  </a:schemeClr>
+                </a:solidFill>
+                <a:sym typeface="+mn-ea"/>
+              </a:rPr>
+              <a:t>These should not be heteroscedasticity</a:t>
+            </a:r>
+            <a:r>
+              <a:rPr lang="en-IN" altLang="en-US">
+                <a:solidFill>
+                  <a:schemeClr val="bg2">
+                    <a:lumMod val="10000"/>
+                  </a:schemeClr>
+                </a:solidFill>
+                <a:sym typeface="+mn-ea"/>
+              </a:rPr>
+              <a:t>.</a:t>
+            </a:r>
+            <a:br>
+              <a:rPr lang="en-US">
+                <a:solidFill>
+                  <a:schemeClr val="bg2">
+                    <a:lumMod val="10000"/>
+                  </a:schemeClr>
+                </a:solidFill>
+              </a:rPr>
+            </a:br>
+            <a:br>
+              <a:rPr lang="en-US"/>
+            </a:br>
+            <a:br>
+              <a:rPr lang="en-US"/>
+            </a:br>
+            <a:endParaRPr lang="en-US">
+              <a:solidFill>
+                <a:schemeClr val="bg2">
+                  <a:lumMod val="10000"/>
+                </a:schemeClr>
+              </a:solidFill>
+            </a:endParaRPr>
           </a:p>
         </p:txBody>
       </p:sp>
-      <p:pic>
-        <p:nvPicPr>
-          <p:cNvPr id="4" name="Picture 3">
-            <a:extLst>
-              <a:ext uri="{FF2B5EF4-FFF2-40B4-BE49-F238E27FC236}">
-                <a16:creationId xmlns:a16="http://schemas.microsoft.com/office/drawing/2014/main" id="{43387271-2CDE-4245-A955-CBC1C8F0F8D8}"/>
-              </a:ext>
-            </a:extLst>
-          </p:cNvPr>
-          <p:cNvPicPr>
-            <a:picLocks noChangeAspect="1"/>
-          </p:cNvPicPr>
-          <p:nvPr/>
-        </p:nvPicPr>
-        <p:blipFill>
-          <a:blip r:embed="rId2"/>
-          <a:stretch>
-            <a:fillRect/>
-          </a:stretch>
-        </p:blipFill>
-        <p:spPr>
-          <a:xfrm>
-            <a:off x="311700" y="1212273"/>
-            <a:ext cx="8520600" cy="3486202"/>
-          </a:xfrm>
-          <a:prstGeom prst="rect">
-            <a:avLst/>
-          </a:prstGeom>
-        </p:spPr>
-      </p:pic>
     </p:spTree>
-    <p:extLst>
-      <p:ext uri="{BB962C8B-B14F-4D97-AF65-F5344CB8AC3E}">
-        <p14:creationId xmlns:p14="http://schemas.microsoft.com/office/powerpoint/2010/main" val="161733973"/>
-      </p:ext>
-    </p:extLst>
   </p:cSld>
   <p:clrMapOvr>
     <a:masterClrMapping/>
@@ -11571,13 +11297,7 @@
       </p:grpSpPr>
       <p:sp>
         <p:nvSpPr>
-          <p:cNvPr id="2" name="Title 1">
-            <a:extLst>
-              <a:ext uri="{FF2B5EF4-FFF2-40B4-BE49-F238E27FC236}">
-                <a16:creationId xmlns:a16="http://schemas.microsoft.com/office/drawing/2014/main" id="{EFE0CD10-A4F1-46F6-AA79-1DF3FF3A97D0}"/>
-              </a:ext>
-            </a:extLst>
-          </p:cNvPr>
+          <p:cNvPr id="2" name="Title 1"/>
           <p:cNvSpPr>
             <a:spLocks noGrp="1"/>
           </p:cNvSpPr>
@@ -11590,19 +11310,45 @@
           <a:bodyPr/>
           <a:lstStyle/>
           <a:p>
-            <a:endParaRPr lang="en-US"/>
+            <a:r>
+              <a:rPr lang="en-US"/>
+              <a:t>Plotting the </a:t>
+            </a:r>
+            <a:r>
+              <a:rPr lang="en-IN" altLang="en-US"/>
+              <a:t>assumptions graph:</a:t>
+            </a:r>
+            <a:endParaRPr lang="en-IN" altLang="en-US"/>
           </a:p>
         </p:txBody>
       </p:sp>
       <p:pic>
         <p:nvPicPr>
-          <p:cNvPr id="4" name="Picture 3">
-            <a:extLst>
-              <a:ext uri="{FF2B5EF4-FFF2-40B4-BE49-F238E27FC236}">
-                <a16:creationId xmlns:a16="http://schemas.microsoft.com/office/drawing/2014/main" id="{3FEA0435-1DF0-4FB0-9B2B-1C66963C141F}"/>
-              </a:ext>
-            </a:extLst>
-          </p:cNvPr>
+          <p:cNvPr id="4" name="Picture 3"/>
+          <p:cNvPicPr>
+            <a:picLocks noChangeAspect="1"/>
+          </p:cNvPicPr>
+          <p:nvPr/>
+        </p:nvPicPr>
+        <p:blipFill>
+          <a:blip r:embed="rId1"/>
+          <a:stretch>
+            <a:fillRect/>
+          </a:stretch>
+        </p:blipFill>
+        <p:spPr>
+          <a:xfrm>
+            <a:off x="311700" y="1233828"/>
+            <a:ext cx="2147480" cy="3340861"/>
+          </a:xfrm>
+          <a:prstGeom prst="rect">
+            <a:avLst/>
+          </a:prstGeom>
+        </p:spPr>
+      </p:pic>
+      <p:pic>
+        <p:nvPicPr>
+          <p:cNvPr id="6" name="Picture 5"/>
           <p:cNvPicPr>
             <a:picLocks noChangeAspect="1"/>
           </p:cNvPicPr>
@@ -11616,8 +11362,56 @@
         </p:blipFill>
         <p:spPr>
           <a:xfrm>
-            <a:off x="311700" y="1239981"/>
-            <a:ext cx="8520600" cy="3458493"/>
+            <a:off x="2459180" y="1233827"/>
+            <a:ext cx="2147480" cy="3340861"/>
+          </a:xfrm>
+          <a:prstGeom prst="rect">
+            <a:avLst/>
+          </a:prstGeom>
+        </p:spPr>
+      </p:pic>
+      <p:pic>
+        <p:nvPicPr>
+          <p:cNvPr id="8" name="Picture 7"/>
+          <p:cNvPicPr>
+            <a:picLocks noChangeAspect="1"/>
+          </p:cNvPicPr>
+          <p:nvPr/>
+        </p:nvPicPr>
+        <p:blipFill>
+          <a:blip r:embed="rId3"/>
+          <a:stretch>
+            <a:fillRect/>
+          </a:stretch>
+        </p:blipFill>
+        <p:spPr>
+          <a:xfrm>
+            <a:off x="4606660" y="1233825"/>
+            <a:ext cx="2147480" cy="3340861"/>
+          </a:xfrm>
+          <a:prstGeom prst="rect">
+            <a:avLst/>
+          </a:prstGeom>
+        </p:spPr>
+      </p:pic>
+      <p:pic>
+        <p:nvPicPr>
+          <p:cNvPr id="10" name="Picture 9"/>
+          <p:cNvPicPr>
+            <a:picLocks noChangeAspect="1"/>
+          </p:cNvPicPr>
+          <p:nvPr/>
+        </p:nvPicPr>
+        <p:blipFill>
+          <a:blip r:embed="rId4"/>
+          <a:stretch>
+            <a:fillRect/>
+          </a:stretch>
+        </p:blipFill>
+        <p:spPr>
+          <a:xfrm>
+            <a:off x="6754140" y="1233822"/>
+            <a:ext cx="2147480" cy="3130359"/>
           </a:xfrm>
           <a:prstGeom prst="rect">
             <a:avLst/>
@@ -11625,11 +11419,6 @@
         </p:spPr>
       </p:pic>
     </p:spTree>
-    <p:extLst>
-      <p:ext uri="{BB962C8B-B14F-4D97-AF65-F5344CB8AC3E}">
-        <p14:creationId xmlns:p14="http://schemas.microsoft.com/office/powerpoint/2010/main" val="3432279679"/>
-      </p:ext>
-    </p:extLst>
   </p:cSld>
   <p:clrMapOvr>
     <a:masterClrMapping/>
@@ -11656,13 +11445,7 @@
       </p:grpSpPr>
       <p:sp>
         <p:nvSpPr>
-          <p:cNvPr id="2" name="Title 1">
-            <a:extLst>
-              <a:ext uri="{FF2B5EF4-FFF2-40B4-BE49-F238E27FC236}">
-                <a16:creationId xmlns:a16="http://schemas.microsoft.com/office/drawing/2014/main" id="{FEF736B5-139D-47FE-AE99-B31268A4DE1F}"/>
-              </a:ext>
-            </a:extLst>
-          </p:cNvPr>
+          <p:cNvPr id="2" name="Title 1"/>
           <p:cNvSpPr>
             <a:spLocks noGrp="1"/>
           </p:cNvSpPr>
@@ -11670,51 +11453,83 @@
             <p:ph type="title"/>
           </p:nvPr>
         </p:nvSpPr>
-        <p:spPr/>
+        <p:spPr>
+          <a:xfrm>
+            <a:off x="311785" y="107315"/>
+            <a:ext cx="8520430" cy="924560"/>
+          </a:xfrm>
+        </p:spPr>
         <p:txBody>
           <a:bodyPr/>
           <a:lstStyle/>
           <a:p>
+            <a:r>
+              <a:rPr lang="en-US"/>
+              <a:t>Running Grid Search Cross Validation for Lasso Regression</a:t>
+            </a:r>
             <a:endParaRPr lang="en-US"/>
           </a:p>
         </p:txBody>
       </p:sp>
       <p:pic>
         <p:nvPicPr>
-          <p:cNvPr id="4" name="Picture 3">
-            <a:extLst>
-              <a:ext uri="{FF2B5EF4-FFF2-40B4-BE49-F238E27FC236}">
-                <a16:creationId xmlns:a16="http://schemas.microsoft.com/office/drawing/2014/main" id="{CEF7AA3D-BF2B-43FA-BB48-39DEAC511826}"/>
-              </a:ext>
-            </a:extLst>
-          </p:cNvPr>
+          <p:cNvPr id="4" name="Picture 3"/>
           <p:cNvPicPr>
             <a:picLocks noChangeAspect="1"/>
           </p:cNvPicPr>
           <p:nvPr/>
         </p:nvPicPr>
         <p:blipFill>
-          <a:blip r:embed="rId2"/>
+          <a:blip r:embed="rId1"/>
           <a:stretch>
             <a:fillRect/>
           </a:stretch>
         </p:blipFill>
         <p:spPr>
           <a:xfrm>
-            <a:off x="311700" y="1239981"/>
-            <a:ext cx="8520600" cy="3664528"/>
+            <a:off x="311785" y="1031875"/>
+            <a:ext cx="8520430" cy="3329940"/>
           </a:xfrm>
           <a:prstGeom prst="rect">
             <a:avLst/>
           </a:prstGeom>
         </p:spPr>
       </p:pic>
+      <p:sp>
+        <p:nvSpPr>
+          <p:cNvPr id="3" name="Text Box 2"/>
+          <p:cNvSpPr txBox="1"/>
+          <p:nvPr/>
+        </p:nvSpPr>
+        <p:spPr>
+          <a:xfrm>
+            <a:off x="1436370" y="4500880"/>
+            <a:ext cx="5932170" cy="521970"/>
+          </a:xfrm>
+          <a:prstGeom prst="rect">
+            <a:avLst/>
+          </a:prstGeom>
+          <a:noFill/>
+        </p:spPr>
+        <p:txBody>
+          <a:bodyPr wrap="square" rtlCol="0">
+            <a:spAutoFit/>
+          </a:bodyPr>
+          <a:p>
+            <a:pPr algn="l"/>
+            <a:r>
+              <a:rPr lang="en-IN" altLang="en-US"/>
+              <a:t>Note: </a:t>
+            </a:r>
+            <a:r>
+              <a:rPr lang="en-US"/>
+              <a:t>We can see that tuning the learning rate increases the evaluation scores.</a:t>
+            </a:r>
+            <a:endParaRPr lang="en-US"/>
+          </a:p>
+        </p:txBody>
+      </p:sp>
     </p:spTree>
-    <p:extLst>
-      <p:ext uri="{BB962C8B-B14F-4D97-AF65-F5344CB8AC3E}">
-        <p14:creationId xmlns:p14="http://schemas.microsoft.com/office/powerpoint/2010/main" val="271071316"/>
-      </p:ext>
-    </p:extLst>
   </p:cSld>
   <p:clrMapOvr>
     <a:masterClrMapping/>
@@ -11741,13 +11556,7 @@
       </p:grpSpPr>
       <p:sp>
         <p:nvSpPr>
-          <p:cNvPr id="2" name="Title 1">
-            <a:extLst>
-              <a:ext uri="{FF2B5EF4-FFF2-40B4-BE49-F238E27FC236}">
-                <a16:creationId xmlns:a16="http://schemas.microsoft.com/office/drawing/2014/main" id="{515596E7-6C18-4046-B59E-BF33C27FFAB0}"/>
-              </a:ext>
-            </a:extLst>
-          </p:cNvPr>
+          <p:cNvPr id="2" name="Title 1"/>
           <p:cNvSpPr>
             <a:spLocks noGrp="1"/>
           </p:cNvSpPr>
@@ -11755,39 +11564,42 @@
             <p:ph type="title"/>
           </p:nvPr>
         </p:nvSpPr>
-        <p:spPr/>
+        <p:spPr>
+          <a:xfrm>
+            <a:off x="311785" y="140335"/>
+            <a:ext cx="8520430" cy="685800"/>
+          </a:xfrm>
+        </p:spPr>
         <p:txBody>
           <a:bodyPr/>
           <a:lstStyle/>
           <a:p>
+            <a:r>
+              <a:rPr lang="en-US"/>
+              <a:t>Running Grid Search Cross Validation for Ridge Regression</a:t>
+            </a:r>
             <a:endParaRPr lang="en-US"/>
           </a:p>
         </p:txBody>
       </p:sp>
       <p:pic>
         <p:nvPicPr>
-          <p:cNvPr id="4" name="Picture 3">
-            <a:extLst>
-              <a:ext uri="{FF2B5EF4-FFF2-40B4-BE49-F238E27FC236}">
-                <a16:creationId xmlns:a16="http://schemas.microsoft.com/office/drawing/2014/main" id="{A5D83F42-BCEC-4A10-834F-916846A36F6D}"/>
-              </a:ext>
-            </a:extLst>
-          </p:cNvPr>
+          <p:cNvPr id="4" name="Picture 3"/>
           <p:cNvPicPr>
             <a:picLocks noChangeAspect="1"/>
           </p:cNvPicPr>
           <p:nvPr/>
         </p:nvPicPr>
         <p:blipFill>
-          <a:blip r:embed="rId2"/>
+          <a:blip r:embed="rId1"/>
           <a:stretch>
             <a:fillRect/>
           </a:stretch>
         </p:blipFill>
         <p:spPr>
           <a:xfrm>
-            <a:off x="311700" y="1205345"/>
-            <a:ext cx="8520600" cy="3699164"/>
+            <a:off x="311700" y="1212273"/>
+            <a:ext cx="8520600" cy="3486202"/>
           </a:xfrm>
           <a:prstGeom prst="rect">
             <a:avLst/>
@@ -11795,11 +11607,6 @@
         </p:spPr>
       </p:pic>
     </p:spTree>
-    <p:extLst>
-      <p:ext uri="{BB962C8B-B14F-4D97-AF65-F5344CB8AC3E}">
-        <p14:creationId xmlns:p14="http://schemas.microsoft.com/office/powerpoint/2010/main" val="965593402"/>
-      </p:ext>
-    </p:extLst>
   </p:cSld>
   <p:clrMapOvr>
     <a:masterClrMapping/>
@@ -11807,7 +11614,7 @@
 </p:sld>
 </file>
 
-<file path=ppt/slides/slide3.xml><?xml version="1.0" encoding="utf-8"?>
+<file path=ppt/slides/slide29.xml><?xml version="1.0" encoding="utf-8"?>
 <p:sld xmlns:a="http://schemas.openxmlformats.org/drawingml/2006/main" xmlns:r="http://schemas.openxmlformats.org/officeDocument/2006/relationships" xmlns:p="http://schemas.openxmlformats.org/presentationml/2006/main">
   <p:cSld>
     <p:spTree>
@@ -11826,13 +11633,7 @@
       </p:grpSpPr>
       <p:sp>
         <p:nvSpPr>
-          <p:cNvPr id="5" name="Title 4">
-            <a:extLst>
-              <a:ext uri="{FF2B5EF4-FFF2-40B4-BE49-F238E27FC236}">
-                <a16:creationId xmlns:a16="http://schemas.microsoft.com/office/drawing/2014/main" id="{5050A9FE-35AC-4B2D-8E7C-F833974058F1}"/>
-              </a:ext>
-            </a:extLst>
-          </p:cNvPr>
+          <p:cNvPr id="2" name="Title 1"/>
           <p:cNvSpPr>
             <a:spLocks noGrp="1"/>
           </p:cNvSpPr>
@@ -11842,8 +11643,8 @@
         </p:nvSpPr>
         <p:spPr>
           <a:xfrm>
-            <a:off x="595745" y="76200"/>
-            <a:ext cx="7744691" cy="637309"/>
+            <a:off x="311700" y="298340"/>
+            <a:ext cx="8520600" cy="572700"/>
           </a:xfrm>
         </p:spPr>
         <p:txBody>
@@ -11851,38 +11652,832 @@
           <a:lstStyle/>
           <a:p>
             <a:r>
-              <a:rPr lang="en-US" dirty="0">
-                <a:latin typeface="Bahnschrift SemiBold" panose="020B0502040204020203" pitchFamily="34" charset="0"/>
-              </a:rPr>
-              <a:t>	After filling NaN Values in the Datasets</a:t>
+              <a:rPr lang="en-US"/>
+              <a:t>Running Grid Search Cross Validation for Elastic Net Regression</a:t>
             </a:r>
+            <a:endParaRPr lang="en-US"/>
           </a:p>
         </p:txBody>
       </p:sp>
       <p:pic>
         <p:nvPicPr>
-          <p:cNvPr id="7" name="Picture 6">
-            <a:extLst>
-              <a:ext uri="{FF2B5EF4-FFF2-40B4-BE49-F238E27FC236}">
-                <a16:creationId xmlns:a16="http://schemas.microsoft.com/office/drawing/2014/main" id="{FB6AD3DF-D5D2-4575-9A75-2681A4283304}"/>
-              </a:ext>
-            </a:extLst>
-          </p:cNvPr>
+          <p:cNvPr id="4" name="Picture 3"/>
           <p:cNvPicPr>
             <a:picLocks noChangeAspect="1"/>
           </p:cNvPicPr>
           <p:nvPr/>
         </p:nvPicPr>
         <p:blipFill>
-          <a:blip r:embed="rId2"/>
+          <a:blip r:embed="rId1"/>
           <a:stretch>
             <a:fillRect/>
           </a:stretch>
         </p:blipFill>
         <p:spPr>
           <a:xfrm>
-            <a:off x="595745" y="796636"/>
-            <a:ext cx="7987146" cy="4346863"/>
+            <a:off x="311785" y="1240155"/>
+            <a:ext cx="8520430" cy="2756535"/>
+          </a:xfrm>
+          <a:prstGeom prst="rect">
+            <a:avLst/>
+          </a:prstGeom>
+        </p:spPr>
+      </p:pic>
+      <p:sp>
+        <p:nvSpPr>
+          <p:cNvPr id="3" name="Text Box 2"/>
+          <p:cNvSpPr txBox="1"/>
+          <p:nvPr/>
+        </p:nvSpPr>
+        <p:spPr>
+          <a:xfrm>
+            <a:off x="371475" y="3996690"/>
+            <a:ext cx="8460740" cy="1014730"/>
+          </a:xfrm>
+          <a:prstGeom prst="rect">
+            <a:avLst/>
+          </a:prstGeom>
+          <a:noFill/>
+        </p:spPr>
+        <p:txBody>
+          <a:bodyPr wrap="square" rtlCol="0">
+            <a:spAutoFit/>
+          </a:bodyPr>
+          <a:p>
+            <a:pPr algn="l"/>
+            <a:r>
+              <a:rPr lang="en-IN" altLang="en-US" sz="1200"/>
+              <a:t>Note: </a:t>
+            </a:r>
+            <a:r>
+              <a:rPr lang="en-US" sz="1200"/>
+              <a:t>We have made 4 models. Sometimes it's useful to predict data on different models to increase accuracy of prediction and raise our confidence level.</a:t>
+            </a:r>
+            <a:endParaRPr lang="en-US" sz="1200"/>
+          </a:p>
+          <a:p>
+            <a:pPr algn="l"/>
+            <a:endParaRPr lang="en-US" sz="1200"/>
+          </a:p>
+          <a:p>
+            <a:pPr algn="l"/>
+            <a:r>
+              <a:rPr lang="en-US" sz="1200"/>
+              <a:t>Staking is a good way to combine all the predictions from different models into one. We can adjust weights for each model in stacking.</a:t>
+            </a:r>
+            <a:endParaRPr lang="en-US" sz="1200"/>
+          </a:p>
+        </p:txBody>
+      </p:sp>
+    </p:spTree>
+  </p:cSld>
+  <p:clrMapOvr>
+    <a:masterClrMapping/>
+  </p:clrMapOvr>
+</p:sld>
+</file>
+
+<file path=ppt/slides/slide3.xml><?xml version="1.0" encoding="utf-8"?>
+<p:sld xmlns:a="http://schemas.openxmlformats.org/drawingml/2006/main" xmlns:r="http://schemas.openxmlformats.org/officeDocument/2006/relationships" xmlns:p="http://schemas.openxmlformats.org/presentationml/2006/main">
+  <p:cSld>
+    <p:spTree>
+      <p:nvGrpSpPr>
+        <p:cNvPr id="1" name=""/>
+        <p:cNvGrpSpPr/>
+        <p:nvPr/>
+      </p:nvGrpSpPr>
+      <p:grpSpPr/>
+      <p:sp>
+        <p:nvSpPr>
+          <p:cNvPr id="2" name="Title 1"/>
+          <p:cNvSpPr>
+            <a:spLocks noGrp="1"/>
+          </p:cNvSpPr>
+          <p:nvPr>
+            <p:ph type="title"/>
+          </p:nvPr>
+        </p:nvSpPr>
+        <p:spPr/>
+        <p:txBody>
+          <a:bodyPr/>
+          <a:p>
+            <a:r>
+              <a:rPr lang="en-IN" altLang="en-US"/>
+              <a:t>Description of data provided</a:t>
+            </a:r>
+            <a:endParaRPr lang="en-IN" altLang="en-US"/>
+          </a:p>
+        </p:txBody>
+      </p:sp>
+      <p:sp>
+        <p:nvSpPr>
+          <p:cNvPr id="3" name="Text Placeholder 2"/>
+          <p:cNvSpPr>
+            <a:spLocks noGrp="1"/>
+          </p:cNvSpPr>
+          <p:nvPr>
+            <p:ph type="body" idx="1"/>
+          </p:nvPr>
+        </p:nvSpPr>
+        <p:spPr/>
+        <p:txBody>
+          <a:bodyPr/>
+          <a:p>
+            <a:r>
+              <a:rPr lang="en-IN" altLang="en-US">
+                <a:solidFill>
+                  <a:schemeClr val="bg2">
+                    <a:lumMod val="10000"/>
+                  </a:schemeClr>
+                </a:solidFill>
+              </a:rPr>
+              <a:t>We are provided with 2 data sets:</a:t>
+            </a:r>
+            <a:endParaRPr lang="en-IN" altLang="en-US">
+              <a:solidFill>
+                <a:schemeClr val="bg2">
+                  <a:lumMod val="10000"/>
+                </a:schemeClr>
+              </a:solidFill>
+            </a:endParaRPr>
+          </a:p>
+          <a:p>
+            <a:r>
+              <a:rPr lang="en-IN" altLang="en-US">
+                <a:solidFill>
+                  <a:schemeClr val="bg2">
+                    <a:lumMod val="10000"/>
+                  </a:schemeClr>
+                </a:solidFill>
+              </a:rPr>
+              <a:t>1. Rossmann Stores Data.csv - This dataset includes the historical data including Sales. This dataset contain features like Sales, Customers,</a:t>
+            </a:r>
+            <a:endParaRPr lang="en-IN" altLang="en-US">
+              <a:solidFill>
+                <a:schemeClr val="bg2">
+                  <a:lumMod val="10000"/>
+                </a:schemeClr>
+              </a:solidFill>
+            </a:endParaRPr>
+          </a:p>
+          <a:p>
+            <a:r>
+              <a:rPr lang="en-IN" altLang="en-US">
+                <a:solidFill>
+                  <a:schemeClr val="bg2">
+                    <a:lumMod val="10000"/>
+                  </a:schemeClr>
+                </a:solidFill>
+              </a:rPr>
+              <a:t>Open, StateHoliday, SchoolHoliday.</a:t>
+            </a:r>
+            <a:endParaRPr lang="en-IN" altLang="en-US">
+              <a:solidFill>
+                <a:schemeClr val="bg2">
+                  <a:lumMod val="10000"/>
+                </a:schemeClr>
+              </a:solidFill>
+            </a:endParaRPr>
+          </a:p>
+          <a:p>
+            <a:r>
+              <a:rPr lang="en-IN" altLang="en-US">
+                <a:solidFill>
+                  <a:schemeClr val="bg2">
+                    <a:lumMod val="10000"/>
+                  </a:schemeClr>
+                </a:solidFill>
+              </a:rPr>
+              <a:t>2. store.csv - This includes supplemental information about the stores.</a:t>
+            </a:r>
+            <a:r>
+              <a:rPr lang="en-IN" altLang="en-US">
+                <a:solidFill>
+                  <a:schemeClr val="bg2">
+                    <a:lumMod val="10000"/>
+                  </a:schemeClr>
+                </a:solidFill>
+                <a:sym typeface="+mn-ea"/>
+              </a:rPr>
+              <a:t> This dataset contain features like Assortment, </a:t>
+            </a:r>
+            <a:r>
+              <a:rPr lang="en-IN" altLang="en-US">
+                <a:solidFill>
+                  <a:schemeClr val="bg2">
+                    <a:lumMod val="10000"/>
+                  </a:schemeClr>
+                </a:solidFill>
+              </a:rPr>
+              <a:t>CompetitionDistance, CompetitionOpenSince[Month/Year], Promo, Promo2,</a:t>
+            </a:r>
+            <a:endParaRPr lang="en-IN" altLang="en-US">
+              <a:solidFill>
+                <a:schemeClr val="bg2">
+                  <a:lumMod val="10000"/>
+                </a:schemeClr>
+              </a:solidFill>
+            </a:endParaRPr>
+          </a:p>
+          <a:p>
+            <a:r>
+              <a:rPr lang="en-IN" altLang="en-US">
+                <a:solidFill>
+                  <a:schemeClr val="bg2">
+                    <a:lumMod val="10000"/>
+                  </a:schemeClr>
+                </a:solidFill>
+              </a:rPr>
+              <a:t>Promo2Since[Year/Week] </a:t>
+            </a:r>
+            <a:endParaRPr lang="en-IN" altLang="en-US">
+              <a:solidFill>
+                <a:schemeClr val="bg2">
+                  <a:lumMod val="10000"/>
+                </a:schemeClr>
+              </a:solidFill>
+            </a:endParaRPr>
+          </a:p>
+        </p:txBody>
+      </p:sp>
+    </p:spTree>
+  </p:cSld>
+  <p:clrMapOvr>
+    <a:masterClrMapping/>
+  </p:clrMapOvr>
+</p:sld>
+</file>
+
+<file path=ppt/slides/slide30.xml><?xml version="1.0" encoding="utf-8"?>
+<p:sld xmlns:a="http://schemas.openxmlformats.org/drawingml/2006/main" xmlns:r="http://schemas.openxmlformats.org/officeDocument/2006/relationships" xmlns:p="http://schemas.openxmlformats.org/presentationml/2006/main">
+  <p:cSld>
+    <p:spTree>
+      <p:nvGrpSpPr>
+        <p:cNvPr id="1" name=""/>
+        <p:cNvGrpSpPr/>
+        <p:nvPr/>
+      </p:nvGrpSpPr>
+      <p:grpSpPr/>
+      <p:sp>
+        <p:nvSpPr>
+          <p:cNvPr id="2" name="Title 1"/>
+          <p:cNvSpPr>
+            <a:spLocks noGrp="1"/>
+          </p:cNvSpPr>
+          <p:nvPr>
+            <p:ph type="title"/>
+          </p:nvPr>
+        </p:nvSpPr>
+        <p:spPr>
+          <a:xfrm>
+            <a:off x="311785" y="445135"/>
+            <a:ext cx="8520430" cy="908050"/>
+          </a:xfrm>
+        </p:spPr>
+        <p:txBody>
+          <a:bodyPr/>
+          <a:p>
+            <a:r>
+              <a:rPr lang="en-IN" altLang="en-US"/>
+              <a:t>Here are some values of the factors observed in model building:</a:t>
+            </a:r>
+            <a:br>
+              <a:rPr lang="en-IN" altLang="en-US"/>
+            </a:br>
+            <a:endParaRPr lang="en-IN" altLang="en-US">
+              <a:solidFill>
+                <a:schemeClr val="bg2">
+                  <a:lumMod val="10000"/>
+                </a:schemeClr>
+              </a:solidFill>
+            </a:endParaRPr>
+          </a:p>
+        </p:txBody>
+      </p:sp>
+      <p:sp>
+        <p:nvSpPr>
+          <p:cNvPr id="3" name="Text Box 2"/>
+          <p:cNvSpPr txBox="1"/>
+          <p:nvPr/>
+        </p:nvSpPr>
+        <p:spPr>
+          <a:xfrm>
+            <a:off x="311785" y="1418590"/>
+            <a:ext cx="3590290" cy="1814830"/>
+          </a:xfrm>
+          <a:prstGeom prst="rect">
+            <a:avLst/>
+          </a:prstGeom>
+          <a:noFill/>
+        </p:spPr>
+        <p:txBody>
+          <a:bodyPr wrap="square" rtlCol="0">
+            <a:spAutoFit/>
+          </a:bodyPr>
+          <a:p>
+            <a:pPr algn="l"/>
+            <a:r>
+              <a:rPr lang="en-IN" altLang="en-US">
+                <a:solidFill>
+                  <a:schemeClr val="tx1"/>
+                </a:solidFill>
+                <a:sym typeface="+mn-ea"/>
+              </a:rPr>
+              <a:t>Linear Reegression model:</a:t>
+            </a:r>
+            <a:endParaRPr lang="en-IN" altLang="en-US">
+              <a:solidFill>
+                <a:schemeClr val="tx1"/>
+              </a:solidFill>
+              <a:sym typeface="+mn-ea"/>
+            </a:endParaRPr>
+          </a:p>
+          <a:p>
+            <a:pPr algn="l"/>
+            <a:r>
+              <a:rPr lang="en-IN" altLang="en-US">
+                <a:solidFill>
+                  <a:schemeClr val="bg2">
+                    <a:lumMod val="10000"/>
+                  </a:schemeClr>
+                </a:solidFill>
+                <a:sym typeface="+mn-ea"/>
+              </a:rPr>
+              <a:t>Mean Squared Error : 0.11</a:t>
+            </a:r>
+            <a:br>
+              <a:rPr lang="en-IN" altLang="en-US">
+                <a:solidFill>
+                  <a:schemeClr val="bg2">
+                    <a:lumMod val="10000"/>
+                  </a:schemeClr>
+                </a:solidFill>
+                <a:sym typeface="+mn-ea"/>
+              </a:rPr>
+            </a:br>
+            <a:r>
+              <a:rPr lang="en-IN" altLang="en-US">
+                <a:solidFill>
+                  <a:schemeClr val="bg2">
+                    <a:lumMod val="10000"/>
+                  </a:schemeClr>
+                </a:solidFill>
+                <a:sym typeface="+mn-ea"/>
+              </a:rPr>
+              <a:t>Root Mean Squared Error : 0</a:t>
+            </a:r>
+            <a:br>
+              <a:rPr lang="en-IN" altLang="en-US">
+                <a:solidFill>
+                  <a:schemeClr val="bg2">
+                    <a:lumMod val="10000"/>
+                  </a:schemeClr>
+                </a:solidFill>
+                <a:sym typeface="+mn-ea"/>
+              </a:rPr>
+            </a:br>
+            <a:r>
+              <a:rPr lang="en-IN" altLang="en-US">
+                <a:solidFill>
+                  <a:schemeClr val="bg2">
+                    <a:lumMod val="10000"/>
+                  </a:schemeClr>
+                </a:solidFill>
+                <a:sym typeface="+mn-ea"/>
+              </a:rPr>
+              <a:t>Mean Absolute Error : 0.25</a:t>
+            </a:r>
+            <a:br>
+              <a:rPr lang="en-IN" altLang="en-US">
+                <a:solidFill>
+                  <a:schemeClr val="bg2">
+                    <a:lumMod val="10000"/>
+                  </a:schemeClr>
+                </a:solidFill>
+                <a:sym typeface="+mn-ea"/>
+              </a:rPr>
+            </a:br>
+            <a:r>
+              <a:rPr lang="en-IN" altLang="en-US">
+                <a:solidFill>
+                  <a:schemeClr val="bg2">
+                    <a:lumMod val="10000"/>
+                  </a:schemeClr>
+                </a:solidFill>
+                <a:sym typeface="+mn-ea"/>
+              </a:rPr>
+              <a:t>Mean Absolute Percentage Error : 3.41 %</a:t>
+            </a:r>
+            <a:br>
+              <a:rPr lang="en-IN" altLang="en-US">
+                <a:solidFill>
+                  <a:schemeClr val="bg2">
+                    <a:lumMod val="10000"/>
+                  </a:schemeClr>
+                </a:solidFill>
+                <a:sym typeface="+mn-ea"/>
+              </a:rPr>
+            </a:br>
+            <a:r>
+              <a:rPr lang="en-IN" altLang="en-US">
+                <a:solidFill>
+                  <a:schemeClr val="bg2">
+                    <a:lumMod val="10000"/>
+                  </a:schemeClr>
+                </a:solidFill>
+                <a:sym typeface="+mn-ea"/>
+              </a:rPr>
+              <a:t>R-Square : 0.99</a:t>
+            </a:r>
+            <a:br>
+              <a:rPr lang="en-IN" altLang="en-US">
+                <a:solidFill>
+                  <a:schemeClr val="bg2">
+                    <a:lumMod val="10000"/>
+                  </a:schemeClr>
+                </a:solidFill>
+                <a:sym typeface="+mn-ea"/>
+              </a:rPr>
+            </a:br>
+            <a:r>
+              <a:rPr lang="en-IN" altLang="en-US">
+                <a:solidFill>
+                  <a:schemeClr val="bg2">
+                    <a:lumMod val="10000"/>
+                  </a:schemeClr>
+                </a:solidFill>
+                <a:sym typeface="+mn-ea"/>
+              </a:rPr>
+              <a:t>Adjusted R-Square :  0.99</a:t>
+            </a:r>
+            <a:endParaRPr lang="en-IN" altLang="en-US">
+              <a:solidFill>
+                <a:schemeClr val="bg2">
+                  <a:lumMod val="10000"/>
+                </a:schemeClr>
+              </a:solidFill>
+            </a:endParaRPr>
+          </a:p>
+          <a:p>
+            <a:endParaRPr lang="en-US"/>
+          </a:p>
+        </p:txBody>
+      </p:sp>
+      <p:sp>
+        <p:nvSpPr>
+          <p:cNvPr id="4" name="Text Box 3"/>
+          <p:cNvSpPr txBox="1"/>
+          <p:nvPr/>
+        </p:nvSpPr>
+        <p:spPr>
+          <a:xfrm>
+            <a:off x="4431030" y="1418590"/>
+            <a:ext cx="4010660" cy="1599565"/>
+          </a:xfrm>
+          <a:prstGeom prst="rect">
+            <a:avLst/>
+          </a:prstGeom>
+          <a:noFill/>
+        </p:spPr>
+        <p:txBody>
+          <a:bodyPr wrap="square" rtlCol="0">
+            <a:spAutoFit/>
+          </a:bodyPr>
+          <a:p>
+            <a:pPr algn="l"/>
+            <a:r>
+              <a:rPr lang="en-US">
+                <a:solidFill>
+                  <a:schemeClr val="tx1"/>
+                </a:solidFill>
+              </a:rPr>
+              <a:t>Lasso Regression with cross validation</a:t>
+            </a:r>
+            <a:r>
+              <a:rPr lang="en-IN" altLang="en-US">
+                <a:solidFill>
+                  <a:schemeClr val="tx1"/>
+                </a:solidFill>
+              </a:rPr>
+              <a:t>:</a:t>
+            </a:r>
+            <a:endParaRPr lang="en-IN" altLang="en-US">
+              <a:solidFill>
+                <a:schemeClr val="tx1"/>
+              </a:solidFill>
+            </a:endParaRPr>
+          </a:p>
+          <a:p>
+            <a:pPr algn="l"/>
+            <a:r>
+              <a:rPr lang="en-US"/>
+              <a:t>Mean Squared Error : 0.11</a:t>
+            </a:r>
+            <a:endParaRPr lang="en-US"/>
+          </a:p>
+          <a:p>
+            <a:pPr algn="l"/>
+            <a:r>
+              <a:rPr lang="en-US"/>
+              <a:t>Root Mean Squared Error : 0</a:t>
+            </a:r>
+            <a:endParaRPr lang="en-US"/>
+          </a:p>
+          <a:p>
+            <a:pPr algn="l"/>
+            <a:r>
+              <a:rPr lang="en-US"/>
+              <a:t>Mean Absolute Error : 0.25</a:t>
+            </a:r>
+            <a:endParaRPr lang="en-US"/>
+          </a:p>
+          <a:p>
+            <a:pPr algn="l"/>
+            <a:r>
+              <a:rPr lang="en-US"/>
+              <a:t>Mean Absolute Percentage Error : 3.41 %</a:t>
+            </a:r>
+            <a:endParaRPr lang="en-US"/>
+          </a:p>
+          <a:p>
+            <a:pPr algn="l"/>
+            <a:r>
+              <a:rPr lang="en-US"/>
+              <a:t>R-Square : 0.99</a:t>
+            </a:r>
+            <a:endParaRPr lang="en-US"/>
+          </a:p>
+          <a:p>
+            <a:pPr algn="l"/>
+            <a:r>
+              <a:rPr lang="en-US"/>
+              <a:t>Adjusted R-Square :  0.99</a:t>
+            </a:r>
+            <a:endParaRPr lang="en-US"/>
+          </a:p>
+        </p:txBody>
+      </p:sp>
+      <p:sp>
+        <p:nvSpPr>
+          <p:cNvPr id="5" name="Text Box 4"/>
+          <p:cNvSpPr txBox="1"/>
+          <p:nvPr/>
+        </p:nvSpPr>
+        <p:spPr>
+          <a:xfrm>
+            <a:off x="4431030" y="3233420"/>
+            <a:ext cx="3851275" cy="1599565"/>
+          </a:xfrm>
+          <a:prstGeom prst="rect">
+            <a:avLst/>
+          </a:prstGeom>
+          <a:noFill/>
+        </p:spPr>
+        <p:txBody>
+          <a:bodyPr wrap="square" rtlCol="0">
+            <a:spAutoFit/>
+          </a:bodyPr>
+          <a:p>
+            <a:pPr algn="l"/>
+            <a:r>
+              <a:rPr lang="en-IN" altLang="en-US">
+                <a:solidFill>
+                  <a:schemeClr val="tx1"/>
+                </a:solidFill>
+                <a:sym typeface="+mn-ea"/>
+              </a:rPr>
+              <a:t>Ridge</a:t>
+            </a:r>
+            <a:r>
+              <a:rPr lang="en-US">
+                <a:solidFill>
+                  <a:schemeClr val="tx1"/>
+                </a:solidFill>
+                <a:sym typeface="+mn-ea"/>
+              </a:rPr>
+              <a:t> Regression with cross validation</a:t>
+            </a:r>
+            <a:r>
+              <a:rPr lang="en-IN" altLang="en-US">
+                <a:solidFill>
+                  <a:schemeClr val="tx1"/>
+                </a:solidFill>
+                <a:sym typeface="+mn-ea"/>
+              </a:rPr>
+              <a:t>:</a:t>
+            </a:r>
+            <a:endParaRPr lang="en-IN" altLang="en-US">
+              <a:solidFill>
+                <a:schemeClr val="tx1"/>
+              </a:solidFill>
+            </a:endParaRPr>
+          </a:p>
+          <a:p>
+            <a:pPr algn="l"/>
+            <a:r>
+              <a:rPr lang="en-US"/>
+              <a:t>Mean Squared Error : 0.11</a:t>
+            </a:r>
+            <a:endParaRPr lang="en-US"/>
+          </a:p>
+          <a:p>
+            <a:pPr algn="l"/>
+            <a:r>
+              <a:rPr lang="en-US"/>
+              <a:t>Root Mean Squared Error : 0</a:t>
+            </a:r>
+            <a:endParaRPr lang="en-US"/>
+          </a:p>
+          <a:p>
+            <a:pPr algn="l"/>
+            <a:r>
+              <a:rPr lang="en-US"/>
+              <a:t>Mean Absolute Error : 0.25</a:t>
+            </a:r>
+            <a:endParaRPr lang="en-US"/>
+          </a:p>
+          <a:p>
+            <a:pPr algn="l"/>
+            <a:r>
+              <a:rPr lang="en-US"/>
+              <a:t>Mean Absolute Percentage Error : 3.41 %</a:t>
+            </a:r>
+            <a:endParaRPr lang="en-US"/>
+          </a:p>
+          <a:p>
+            <a:pPr algn="l"/>
+            <a:r>
+              <a:rPr lang="en-US"/>
+              <a:t>R-Square : 0.99</a:t>
+            </a:r>
+            <a:endParaRPr lang="en-US"/>
+          </a:p>
+          <a:p>
+            <a:pPr algn="l"/>
+            <a:r>
+              <a:rPr lang="en-US"/>
+              <a:t>Adjusted R-Square :  0.99</a:t>
+            </a:r>
+            <a:endParaRPr lang="en-US"/>
+          </a:p>
+        </p:txBody>
+      </p:sp>
+      <p:sp>
+        <p:nvSpPr>
+          <p:cNvPr id="6" name="Text Box 5"/>
+          <p:cNvSpPr txBox="1"/>
+          <p:nvPr/>
+        </p:nvSpPr>
+        <p:spPr>
+          <a:xfrm>
+            <a:off x="311785" y="3233420"/>
+            <a:ext cx="3619500" cy="1599565"/>
+          </a:xfrm>
+          <a:prstGeom prst="rect">
+            <a:avLst/>
+          </a:prstGeom>
+          <a:noFill/>
+        </p:spPr>
+        <p:txBody>
+          <a:bodyPr wrap="square" rtlCol="0">
+            <a:spAutoFit/>
+          </a:bodyPr>
+          <a:p>
+            <a:pPr algn="l"/>
+            <a:r>
+              <a:rPr lang="en-IN" altLang="en-US">
+                <a:solidFill>
+                  <a:schemeClr val="tx1"/>
+                </a:solidFill>
+              </a:rPr>
+              <a:t>ElasticNet Regression:</a:t>
+            </a:r>
+            <a:endParaRPr lang="en-US">
+              <a:solidFill>
+                <a:schemeClr val="tx1"/>
+              </a:solidFill>
+            </a:endParaRPr>
+          </a:p>
+          <a:p>
+            <a:pPr algn="l"/>
+            <a:r>
+              <a:rPr lang="en-US"/>
+              <a:t>Mean Squared Error : 0.11</a:t>
+            </a:r>
+            <a:endParaRPr lang="en-US"/>
+          </a:p>
+          <a:p>
+            <a:pPr algn="l"/>
+            <a:r>
+              <a:rPr lang="en-US"/>
+              <a:t>Root Mean Squared Error : 0</a:t>
+            </a:r>
+            <a:endParaRPr lang="en-US"/>
+          </a:p>
+          <a:p>
+            <a:pPr algn="l"/>
+            <a:r>
+              <a:rPr lang="en-US"/>
+              <a:t>Mean Absolute Error : 0.25</a:t>
+            </a:r>
+            <a:endParaRPr lang="en-US"/>
+          </a:p>
+          <a:p>
+            <a:pPr algn="l"/>
+            <a:r>
+              <a:rPr lang="en-US"/>
+              <a:t>Mean Absolute Percentage Error : 3.41 %</a:t>
+            </a:r>
+            <a:endParaRPr lang="en-US"/>
+          </a:p>
+          <a:p>
+            <a:pPr algn="l"/>
+            <a:r>
+              <a:rPr lang="en-US"/>
+              <a:t>R-Square : 0.99</a:t>
+            </a:r>
+            <a:endParaRPr lang="en-US"/>
+          </a:p>
+          <a:p>
+            <a:pPr algn="l"/>
+            <a:r>
+              <a:rPr lang="en-US"/>
+              <a:t>Adjusted R-Square :  0.99</a:t>
+            </a:r>
+            <a:endParaRPr lang="en-US"/>
+          </a:p>
+        </p:txBody>
+      </p:sp>
+    </p:spTree>
+  </p:cSld>
+  <p:clrMapOvr>
+    <a:masterClrMapping/>
+  </p:clrMapOvr>
+</p:sld>
+</file>
+
+<file path=ppt/slides/slide31.xml><?xml version="1.0" encoding="utf-8"?>
+<p:sld xmlns:a="http://schemas.openxmlformats.org/drawingml/2006/main" xmlns:r="http://schemas.openxmlformats.org/officeDocument/2006/relationships" xmlns:p="http://schemas.openxmlformats.org/presentationml/2006/main">
+  <p:cSld>
+    <p:spTree>
+      <p:nvGrpSpPr>
+        <p:cNvPr id="1" name=""/>
+        <p:cNvGrpSpPr/>
+        <p:nvPr/>
+      </p:nvGrpSpPr>
+      <p:grpSpPr>
+        <a:xfrm>
+          <a:off x="0" y="0"/>
+          <a:ext cx="0" cy="0"/>
+          <a:chOff x="0" y="0"/>
+          <a:chExt cx="0" cy="0"/>
+        </a:xfrm>
+      </p:grpSpPr>
+      <p:sp>
+        <p:nvSpPr>
+          <p:cNvPr id="2" name="Title 1"/>
+          <p:cNvSpPr>
+            <a:spLocks noGrp="1"/>
+          </p:cNvSpPr>
+          <p:nvPr>
+            <p:ph type="title"/>
+          </p:nvPr>
+        </p:nvSpPr>
+        <p:spPr/>
+        <p:txBody>
+          <a:bodyPr/>
+          <a:lstStyle/>
+          <a:p>
+            <a:r>
+              <a:rPr lang="en-US"/>
+              <a:t>Stack Model</a:t>
+            </a:r>
+            <a:r>
+              <a:rPr lang="en-IN" altLang="en-US"/>
+              <a:t>:</a:t>
+            </a:r>
+            <a:endParaRPr lang="en-IN" altLang="en-US"/>
+          </a:p>
+        </p:txBody>
+      </p:sp>
+      <p:pic>
+        <p:nvPicPr>
+          <p:cNvPr id="4" name="Picture 3"/>
+          <p:cNvPicPr>
+            <a:picLocks noChangeAspect="1"/>
+          </p:cNvPicPr>
+          <p:nvPr/>
+        </p:nvPicPr>
+        <p:blipFill>
+          <a:blip r:embed="rId1"/>
+          <a:stretch>
+            <a:fillRect/>
+          </a:stretch>
+        </p:blipFill>
+        <p:spPr>
+          <a:xfrm>
+            <a:off x="311700" y="1239981"/>
+            <a:ext cx="8520600" cy="3664528"/>
           </a:xfrm>
           <a:prstGeom prst="rect">
             <a:avLst/>
@@ -11890,11 +12485,204 @@
         </p:spPr>
       </p:pic>
     </p:spTree>
-    <p:extLst>
-      <p:ext uri="{BB962C8B-B14F-4D97-AF65-F5344CB8AC3E}">
-        <p14:creationId xmlns:p14="http://schemas.microsoft.com/office/powerpoint/2010/main" val="2110020948"/>
-      </p:ext>
-    </p:extLst>
+  </p:cSld>
+  <p:clrMapOvr>
+    <a:masterClrMapping/>
+  </p:clrMapOvr>
+</p:sld>
+</file>
+
+<file path=ppt/slides/slide32.xml><?xml version="1.0" encoding="utf-8"?>
+<p:sld xmlns:a="http://schemas.openxmlformats.org/drawingml/2006/main" xmlns:r="http://schemas.openxmlformats.org/officeDocument/2006/relationships" xmlns:p="http://schemas.openxmlformats.org/presentationml/2006/main">
+  <p:cSld>
+    <p:spTree>
+      <p:nvGrpSpPr>
+        <p:cNvPr id="1" name=""/>
+        <p:cNvGrpSpPr/>
+        <p:nvPr/>
+      </p:nvGrpSpPr>
+      <p:grpSpPr/>
+      <p:sp>
+        <p:nvSpPr>
+          <p:cNvPr id="2" name="Title 1"/>
+          <p:cNvSpPr>
+            <a:spLocks noGrp="1"/>
+          </p:cNvSpPr>
+          <p:nvPr>
+            <p:ph type="title"/>
+          </p:nvPr>
+        </p:nvSpPr>
+        <p:spPr/>
+        <p:txBody>
+          <a:bodyPr/>
+          <a:p>
+            <a:r>
+              <a:rPr lang="en-US"/>
+              <a:t>Predicting Sales for next six weeks</a:t>
+            </a:r>
+            <a:r>
+              <a:rPr lang="en-IN" altLang="en-US"/>
+              <a:t>:</a:t>
+            </a:r>
+            <a:br>
+              <a:rPr lang="en-IN" altLang="en-US"/>
+            </a:br>
+            <a:br>
+              <a:rPr lang="en-US"/>
+            </a:br>
+            <a:r>
+              <a:rPr lang="en-US" sz="2000">
+                <a:solidFill>
+                  <a:schemeClr val="accent2"/>
+                </a:solidFill>
+              </a:rPr>
+              <a:t>Now that we have linear regression models that performing well. we need to predict Sales for next 6 weeks in Advance.</a:t>
+            </a:r>
+            <a:r>
+              <a:rPr lang="en-IN" altLang="en-US" sz="2000">
+                <a:solidFill>
+                  <a:schemeClr val="accent2"/>
+                </a:solidFill>
+              </a:rPr>
+              <a:t> This is what our problem statement states and hence we have considered the last 42 days as our test data.</a:t>
+            </a:r>
+            <a:endParaRPr lang="en-IN" altLang="en-US" sz="2000">
+              <a:solidFill>
+                <a:schemeClr val="accent2"/>
+              </a:solidFill>
+            </a:endParaRPr>
+          </a:p>
+        </p:txBody>
+      </p:sp>
+    </p:spTree>
+  </p:cSld>
+  <p:clrMapOvr>
+    <a:masterClrMapping/>
+  </p:clrMapOvr>
+</p:sld>
+</file>
+
+<file path=ppt/slides/slide33.xml><?xml version="1.0" encoding="utf-8"?>
+<p:sld xmlns:a="http://schemas.openxmlformats.org/drawingml/2006/main" xmlns:r="http://schemas.openxmlformats.org/officeDocument/2006/relationships" xmlns:p="http://schemas.openxmlformats.org/presentationml/2006/main">
+  <p:cSld>
+    <p:spTree>
+      <p:nvGrpSpPr>
+        <p:cNvPr id="1" name=""/>
+        <p:cNvGrpSpPr/>
+        <p:nvPr/>
+      </p:nvGrpSpPr>
+      <p:grpSpPr>
+        <a:xfrm>
+          <a:off x="0" y="0"/>
+          <a:ext cx="0" cy="0"/>
+          <a:chOff x="0" y="0"/>
+          <a:chExt cx="0" cy="0"/>
+        </a:xfrm>
+      </p:grpSpPr>
+      <p:sp>
+        <p:nvSpPr>
+          <p:cNvPr id="2" name="Title 1"/>
+          <p:cNvSpPr>
+            <a:spLocks noGrp="1"/>
+          </p:cNvSpPr>
+          <p:nvPr>
+            <p:ph type="title"/>
+          </p:nvPr>
+        </p:nvSpPr>
+        <p:spPr/>
+        <p:txBody>
+          <a:bodyPr/>
+          <a:lstStyle/>
+          <a:p>
+            <a:r>
+              <a:rPr lang="en-US">
+                <a:sym typeface="+mn-ea"/>
+              </a:rPr>
+              <a:t>Predicting Sales for next six weeks</a:t>
+            </a:r>
+            <a:r>
+              <a:rPr lang="en-IN" altLang="en-US">
+                <a:sym typeface="+mn-ea"/>
+              </a:rPr>
+              <a:t>:</a:t>
+            </a:r>
+            <a:br>
+              <a:rPr lang="en-IN" altLang="en-US">
+                <a:sym typeface="+mn-ea"/>
+              </a:rPr>
+            </a:br>
+            <a:endParaRPr lang="en-US"/>
+          </a:p>
+        </p:txBody>
+      </p:sp>
+      <p:pic>
+        <p:nvPicPr>
+          <p:cNvPr id="4" name="Picture 3"/>
+          <p:cNvPicPr>
+            <a:picLocks noChangeAspect="1"/>
+          </p:cNvPicPr>
+          <p:nvPr/>
+        </p:nvPicPr>
+        <p:blipFill>
+          <a:blip r:embed="rId1"/>
+          <a:stretch>
+            <a:fillRect/>
+          </a:stretch>
+        </p:blipFill>
+        <p:spPr>
+          <a:xfrm>
+            <a:off x="311700" y="1205345"/>
+            <a:ext cx="8520600" cy="3699164"/>
+          </a:xfrm>
+          <a:prstGeom prst="rect">
+            <a:avLst/>
+          </a:prstGeom>
+        </p:spPr>
+      </p:pic>
+    </p:spTree>
+  </p:cSld>
+  <p:clrMapOvr>
+    <a:masterClrMapping/>
+  </p:clrMapOvr>
+</p:sld>
+</file>
+
+<file path=ppt/slides/slide34.xml><?xml version="1.0" encoding="utf-8"?>
+<p:sld xmlns:a="http://schemas.openxmlformats.org/drawingml/2006/main" xmlns:r="http://schemas.openxmlformats.org/officeDocument/2006/relationships" xmlns:p="http://schemas.openxmlformats.org/presentationml/2006/main">
+  <p:cSld>
+    <p:spTree>
+      <p:nvGrpSpPr>
+        <p:cNvPr id="1" name=""/>
+        <p:cNvGrpSpPr/>
+        <p:nvPr/>
+      </p:nvGrpSpPr>
+      <p:grpSpPr/>
+      <p:sp>
+        <p:nvSpPr>
+          <p:cNvPr id="2" name="Title 1"/>
+          <p:cNvSpPr>
+            <a:spLocks noGrp="1"/>
+          </p:cNvSpPr>
+          <p:nvPr>
+            <p:ph type="title"/>
+          </p:nvPr>
+        </p:nvSpPr>
+        <p:spPr/>
+        <p:txBody>
+          <a:bodyPr/>
+          <a:p>
+            <a:r>
+              <a:rPr lang="en-IN" altLang="en-US"/>
+              <a:t>Conclusion:</a:t>
+            </a:r>
+            <a:br>
+              <a:rPr lang="en-IN" altLang="en-US"/>
+            </a:br>
+            <a:endParaRPr lang="en-IN" altLang="en-US"/>
+          </a:p>
+        </p:txBody>
+      </p:sp>
+    </p:spTree>
   </p:cSld>
   <p:clrMapOvr>
     <a:masterClrMapping/>
@@ -11921,13 +12709,7 @@
       </p:grpSpPr>
       <p:sp>
         <p:nvSpPr>
-          <p:cNvPr id="4" name="Title 3">
-            <a:extLst>
-              <a:ext uri="{FF2B5EF4-FFF2-40B4-BE49-F238E27FC236}">
-                <a16:creationId xmlns:a16="http://schemas.microsoft.com/office/drawing/2014/main" id="{A38985B5-08B8-47B2-B2FA-735BAEA65D4D}"/>
-              </a:ext>
-            </a:extLst>
-          </p:cNvPr>
+          <p:cNvPr id="4" name="Title 3"/>
           <p:cNvSpPr>
             <a:spLocks noGrp="1"/>
           </p:cNvSpPr>
@@ -11937,8 +12719,8 @@
         </p:nvSpPr>
         <p:spPr>
           <a:xfrm>
-            <a:off x="1302326" y="76200"/>
-            <a:ext cx="7529973" cy="568036"/>
+            <a:off x="1198418" y="124691"/>
+            <a:ext cx="6837218" cy="644236"/>
           </a:xfrm>
         </p:spPr>
         <p:txBody>
@@ -11949,35 +12731,32 @@
               <a:rPr lang="en-US" dirty="0">
                 <a:latin typeface="Bahnschrift SemiBold" panose="020B0502040204020203" pitchFamily="34" charset="0"/>
               </a:rPr>
-              <a:t>Correlation of variables with each others</a:t>
+              <a:t>	Missing Values in the Datasets</a:t>
             </a:r>
+            <a:endParaRPr lang="en-US" dirty="0">
+              <a:latin typeface="Bahnschrift SemiBold" panose="020B0502040204020203" pitchFamily="34" charset="0"/>
+            </a:endParaRPr>
           </a:p>
         </p:txBody>
       </p:sp>
       <p:pic>
         <p:nvPicPr>
-          <p:cNvPr id="6" name="Picture 5">
-            <a:extLst>
-              <a:ext uri="{FF2B5EF4-FFF2-40B4-BE49-F238E27FC236}">
-                <a16:creationId xmlns:a16="http://schemas.microsoft.com/office/drawing/2014/main" id="{7C61907E-FEED-4FEA-9C5D-785400FBE8DD}"/>
-              </a:ext>
-            </a:extLst>
-          </p:cNvPr>
+          <p:cNvPr id="6" name="Picture 5"/>
           <p:cNvPicPr>
             <a:picLocks noChangeAspect="1"/>
           </p:cNvPicPr>
           <p:nvPr/>
         </p:nvPicPr>
         <p:blipFill>
-          <a:blip r:embed="rId2"/>
+          <a:blip r:embed="rId1"/>
           <a:stretch>
             <a:fillRect/>
           </a:stretch>
         </p:blipFill>
         <p:spPr>
           <a:xfrm>
-            <a:off x="484909" y="692728"/>
-            <a:ext cx="8118764" cy="4450772"/>
+            <a:off x="505691" y="768927"/>
+            <a:ext cx="8014854" cy="4374573"/>
           </a:xfrm>
           <a:prstGeom prst="rect">
             <a:avLst/>
@@ -11985,11 +12764,6 @@
         </p:spPr>
       </p:pic>
     </p:spTree>
-    <p:extLst>
-      <p:ext uri="{BB962C8B-B14F-4D97-AF65-F5344CB8AC3E}">
-        <p14:creationId xmlns:p14="http://schemas.microsoft.com/office/powerpoint/2010/main" val="2389665835"/>
-      </p:ext>
-    </p:extLst>
   </p:cSld>
   <p:clrMapOvr>
     <a:masterClrMapping/>
@@ -12016,13 +12790,7 @@
       </p:grpSpPr>
       <p:sp>
         <p:nvSpPr>
-          <p:cNvPr id="4" name="Title 3">
-            <a:extLst>
-              <a:ext uri="{FF2B5EF4-FFF2-40B4-BE49-F238E27FC236}">
-                <a16:creationId xmlns:a16="http://schemas.microsoft.com/office/drawing/2014/main" id="{E01139C4-AA87-4CE7-8608-4A27F2C05685}"/>
-              </a:ext>
-            </a:extLst>
-          </p:cNvPr>
+          <p:cNvPr id="5" name="Title 4"/>
           <p:cNvSpPr>
             <a:spLocks noGrp="1"/>
           </p:cNvSpPr>
@@ -12032,8 +12800,8 @@
         </p:nvSpPr>
         <p:spPr>
           <a:xfrm>
-            <a:off x="1275598" y="202660"/>
-            <a:ext cx="7577457" cy="822575"/>
+            <a:off x="595745" y="76200"/>
+            <a:ext cx="7744691" cy="637309"/>
           </a:xfrm>
         </p:spPr>
         <p:txBody>
@@ -12044,35 +12812,32 @@
               <a:rPr lang="en-US" dirty="0">
                 <a:latin typeface="Bahnschrift SemiBold" panose="020B0502040204020203" pitchFamily="34" charset="0"/>
               </a:rPr>
-              <a:t>Numbers of stores open on a given Dates</a:t>
+              <a:t>	After filling NaN Values in the Datasets</a:t>
             </a:r>
+            <a:endParaRPr lang="en-US" dirty="0">
+              <a:latin typeface="Bahnschrift SemiBold" panose="020B0502040204020203" pitchFamily="34" charset="0"/>
+            </a:endParaRPr>
           </a:p>
         </p:txBody>
       </p:sp>
       <p:pic>
         <p:nvPicPr>
-          <p:cNvPr id="8" name="Picture 7">
-            <a:extLst>
-              <a:ext uri="{FF2B5EF4-FFF2-40B4-BE49-F238E27FC236}">
-                <a16:creationId xmlns:a16="http://schemas.microsoft.com/office/drawing/2014/main" id="{B03C8A18-ECC4-42C6-AB62-CC2C358D111C}"/>
-              </a:ext>
-            </a:extLst>
-          </p:cNvPr>
+          <p:cNvPr id="7" name="Picture 6"/>
           <p:cNvPicPr>
             <a:picLocks noChangeAspect="1"/>
           </p:cNvPicPr>
           <p:nvPr/>
         </p:nvPicPr>
         <p:blipFill>
-          <a:blip r:embed="rId2"/>
+          <a:blip r:embed="rId1"/>
           <a:stretch>
             <a:fillRect/>
           </a:stretch>
         </p:blipFill>
         <p:spPr>
           <a:xfrm>
-            <a:off x="1275599" y="886691"/>
-            <a:ext cx="6592802" cy="4054147"/>
+            <a:off x="595745" y="796636"/>
+            <a:ext cx="7987146" cy="4346863"/>
           </a:xfrm>
           <a:prstGeom prst="rect">
             <a:avLst/>
@@ -12080,11 +12845,6 @@
         </p:spPr>
       </p:pic>
     </p:spTree>
-    <p:extLst>
-      <p:ext uri="{BB962C8B-B14F-4D97-AF65-F5344CB8AC3E}">
-        <p14:creationId xmlns:p14="http://schemas.microsoft.com/office/powerpoint/2010/main" val="2515752781"/>
-      </p:ext>
-    </p:extLst>
   </p:cSld>
   <p:clrMapOvr>
     <a:masterClrMapping/>
@@ -12111,13 +12871,7 @@
       </p:grpSpPr>
       <p:sp>
         <p:nvSpPr>
-          <p:cNvPr id="4" name="Title 3">
-            <a:extLst>
-              <a:ext uri="{FF2B5EF4-FFF2-40B4-BE49-F238E27FC236}">
-                <a16:creationId xmlns:a16="http://schemas.microsoft.com/office/drawing/2014/main" id="{14A1AA4B-30BF-432B-8FC0-710A260DA15E}"/>
-              </a:ext>
-            </a:extLst>
-          </p:cNvPr>
+          <p:cNvPr id="4" name="Title 3"/>
           <p:cNvSpPr>
             <a:spLocks noGrp="1"/>
           </p:cNvSpPr>
@@ -12127,8 +12881,8 @@
         </p:nvSpPr>
         <p:spPr>
           <a:xfrm>
-            <a:off x="477982" y="202661"/>
-            <a:ext cx="8354318" cy="697884"/>
+            <a:off x="1302326" y="76200"/>
+            <a:ext cx="7529973" cy="568036"/>
           </a:xfrm>
         </p:spPr>
         <p:txBody>
@@ -12139,35 +12893,32 @@
               <a:rPr lang="en-US" dirty="0">
                 <a:latin typeface="Bahnschrift SemiBold" panose="020B0502040204020203" pitchFamily="34" charset="0"/>
               </a:rPr>
-              <a:t>Number of stores running promo on given Dates</a:t>
+              <a:t>Correlation of variables with each others</a:t>
             </a:r>
+            <a:endParaRPr lang="en-US" dirty="0">
+              <a:latin typeface="Bahnschrift SemiBold" panose="020B0502040204020203" pitchFamily="34" charset="0"/>
+            </a:endParaRPr>
           </a:p>
         </p:txBody>
       </p:sp>
       <p:pic>
         <p:nvPicPr>
-          <p:cNvPr id="6" name="Picture 5">
-            <a:extLst>
-              <a:ext uri="{FF2B5EF4-FFF2-40B4-BE49-F238E27FC236}">
-                <a16:creationId xmlns:a16="http://schemas.microsoft.com/office/drawing/2014/main" id="{2F81FA06-677D-4313-A1D7-64F5C06DDC86}"/>
-              </a:ext>
-            </a:extLst>
-          </p:cNvPr>
+          <p:cNvPr id="6" name="Picture 5"/>
           <p:cNvPicPr>
             <a:picLocks noChangeAspect="1"/>
           </p:cNvPicPr>
           <p:nvPr/>
         </p:nvPicPr>
         <p:blipFill>
-          <a:blip r:embed="rId2"/>
+          <a:blip r:embed="rId1"/>
           <a:stretch>
             <a:fillRect/>
           </a:stretch>
         </p:blipFill>
         <p:spPr>
           <a:xfrm>
-            <a:off x="955964" y="962892"/>
-            <a:ext cx="6912437" cy="3977948"/>
+            <a:off x="484909" y="692728"/>
+            <a:ext cx="8118764" cy="4450772"/>
           </a:xfrm>
           <a:prstGeom prst="rect">
             <a:avLst/>
@@ -12175,11 +12926,6 @@
         </p:spPr>
       </p:pic>
     </p:spTree>
-    <p:extLst>
-      <p:ext uri="{BB962C8B-B14F-4D97-AF65-F5344CB8AC3E}">
-        <p14:creationId xmlns:p14="http://schemas.microsoft.com/office/powerpoint/2010/main" val="3263312788"/>
-      </p:ext>
-    </p:extLst>
   </p:cSld>
   <p:clrMapOvr>
     <a:masterClrMapping/>
@@ -12206,13 +12952,7 @@
       </p:grpSpPr>
       <p:sp>
         <p:nvSpPr>
-          <p:cNvPr id="4" name="Title 3">
-            <a:extLst>
-              <a:ext uri="{FF2B5EF4-FFF2-40B4-BE49-F238E27FC236}">
-                <a16:creationId xmlns:a16="http://schemas.microsoft.com/office/drawing/2014/main" id="{5AF521F3-443C-473A-86D8-5B355C317144}"/>
-              </a:ext>
-            </a:extLst>
-          </p:cNvPr>
+          <p:cNvPr id="4" name="Title 3"/>
           <p:cNvSpPr>
             <a:spLocks noGrp="1"/>
           </p:cNvSpPr>
@@ -12222,8 +12962,8 @@
         </p:nvSpPr>
         <p:spPr>
           <a:xfrm>
-            <a:off x="2486891" y="202661"/>
-            <a:ext cx="5230092" cy="1065030"/>
+            <a:off x="1275598" y="202660"/>
+            <a:ext cx="7577457" cy="822575"/>
           </a:xfrm>
         </p:spPr>
         <p:txBody>
@@ -12234,35 +12974,32 @@
               <a:rPr lang="en-US" dirty="0">
                 <a:latin typeface="Bahnschrift SemiBold" panose="020B0502040204020203" pitchFamily="34" charset="0"/>
               </a:rPr>
-              <a:t>Number of school Holidays</a:t>
+              <a:t>Numbers of stores open on a given Dates</a:t>
             </a:r>
+            <a:endParaRPr lang="en-US" dirty="0">
+              <a:latin typeface="Bahnschrift SemiBold" panose="020B0502040204020203" pitchFamily="34" charset="0"/>
+            </a:endParaRPr>
           </a:p>
         </p:txBody>
       </p:sp>
       <p:pic>
         <p:nvPicPr>
-          <p:cNvPr id="6" name="Picture 5">
-            <a:extLst>
-              <a:ext uri="{FF2B5EF4-FFF2-40B4-BE49-F238E27FC236}">
-                <a16:creationId xmlns:a16="http://schemas.microsoft.com/office/drawing/2014/main" id="{49C44E7B-E6A2-4587-A56F-CD476AFFDD5F}"/>
-              </a:ext>
-            </a:extLst>
-          </p:cNvPr>
+          <p:cNvPr id="8" name="Picture 7"/>
           <p:cNvPicPr>
             <a:picLocks noChangeAspect="1"/>
           </p:cNvPicPr>
           <p:nvPr/>
         </p:nvPicPr>
         <p:blipFill>
-          <a:blip r:embed="rId2"/>
+          <a:blip r:embed="rId1"/>
           <a:stretch>
             <a:fillRect/>
           </a:stretch>
         </p:blipFill>
         <p:spPr>
           <a:xfrm>
-            <a:off x="865909" y="879764"/>
-            <a:ext cx="7002492" cy="4061075"/>
+            <a:off x="1275599" y="886691"/>
+            <a:ext cx="6592802" cy="4054147"/>
           </a:xfrm>
           <a:prstGeom prst="rect">
             <a:avLst/>
@@ -12270,11 +13007,6 @@
         </p:spPr>
       </p:pic>
     </p:spTree>
-    <p:extLst>
-      <p:ext uri="{BB962C8B-B14F-4D97-AF65-F5344CB8AC3E}">
-        <p14:creationId xmlns:p14="http://schemas.microsoft.com/office/powerpoint/2010/main" val="1650197669"/>
-      </p:ext>
-    </p:extLst>
   </p:cSld>
   <p:clrMapOvr>
     <a:masterClrMapping/>
@@ -12301,13 +13033,7 @@
       </p:grpSpPr>
       <p:sp>
         <p:nvSpPr>
-          <p:cNvPr id="4" name="Title 3">
-            <a:extLst>
-              <a:ext uri="{FF2B5EF4-FFF2-40B4-BE49-F238E27FC236}">
-                <a16:creationId xmlns:a16="http://schemas.microsoft.com/office/drawing/2014/main" id="{A48DEE0F-3299-4CFA-8E4B-2156C8D7505F}"/>
-              </a:ext>
-            </a:extLst>
-          </p:cNvPr>
+          <p:cNvPr id="4" name="Title 3"/>
           <p:cNvSpPr>
             <a:spLocks noGrp="1"/>
           </p:cNvSpPr>
@@ -12317,8 +13043,8 @@
         </p:nvSpPr>
         <p:spPr>
           <a:xfrm>
-            <a:off x="1447800" y="202661"/>
-            <a:ext cx="7384500" cy="690957"/>
+            <a:off x="477982" y="202661"/>
+            <a:ext cx="8354318" cy="697884"/>
           </a:xfrm>
         </p:spPr>
         <p:txBody>
@@ -12329,35 +13055,32 @@
               <a:rPr lang="en-US" dirty="0">
                 <a:latin typeface="Bahnschrift SemiBold" panose="020B0502040204020203" pitchFamily="34" charset="0"/>
               </a:rPr>
-              <a:t>Number of Holidays celebrated by stores</a:t>
+              <a:t>Number of stores running promo on given Dates</a:t>
             </a:r>
+            <a:endParaRPr lang="en-US" dirty="0">
+              <a:latin typeface="Bahnschrift SemiBold" panose="020B0502040204020203" pitchFamily="34" charset="0"/>
+            </a:endParaRPr>
           </a:p>
         </p:txBody>
       </p:sp>
       <p:pic>
         <p:nvPicPr>
-          <p:cNvPr id="6" name="Picture 5">
-            <a:extLst>
-              <a:ext uri="{FF2B5EF4-FFF2-40B4-BE49-F238E27FC236}">
-                <a16:creationId xmlns:a16="http://schemas.microsoft.com/office/drawing/2014/main" id="{DB9FF1EA-24AF-4043-B2D4-BBB1CBB40BC5}"/>
-              </a:ext>
-            </a:extLst>
-          </p:cNvPr>
+          <p:cNvPr id="6" name="Picture 5"/>
           <p:cNvPicPr>
             <a:picLocks noChangeAspect="1"/>
           </p:cNvPicPr>
           <p:nvPr/>
         </p:nvPicPr>
         <p:blipFill>
-          <a:blip r:embed="rId2"/>
+          <a:blip r:embed="rId1"/>
           <a:stretch>
             <a:fillRect/>
           </a:stretch>
         </p:blipFill>
         <p:spPr>
           <a:xfrm>
-            <a:off x="914400" y="893618"/>
-            <a:ext cx="7239000" cy="4047221"/>
+            <a:off x="955964" y="962892"/>
+            <a:ext cx="6912437" cy="3977948"/>
           </a:xfrm>
           <a:prstGeom prst="rect">
             <a:avLst/>
@@ -12365,11 +13088,6 @@
         </p:spPr>
       </p:pic>
     </p:spTree>
-    <p:extLst>
-      <p:ext uri="{BB962C8B-B14F-4D97-AF65-F5344CB8AC3E}">
-        <p14:creationId xmlns:p14="http://schemas.microsoft.com/office/powerpoint/2010/main" val="1317959947"/>
-      </p:ext>
-    </p:extLst>
   </p:cSld>
   <p:clrMapOvr>
     <a:masterClrMapping/>
@@ -12396,13 +13114,7 @@
       </p:grpSpPr>
       <p:sp>
         <p:nvSpPr>
-          <p:cNvPr id="4" name="Title 3">
-            <a:extLst>
-              <a:ext uri="{FF2B5EF4-FFF2-40B4-BE49-F238E27FC236}">
-                <a16:creationId xmlns:a16="http://schemas.microsoft.com/office/drawing/2014/main" id="{975D9264-081E-42D4-A568-5724B6899184}"/>
-              </a:ext>
-            </a:extLst>
-          </p:cNvPr>
+          <p:cNvPr id="4" name="Title 3"/>
           <p:cNvSpPr>
             <a:spLocks noGrp="1"/>
           </p:cNvSpPr>
@@ -12412,8 +13124,8 @@
         </p:nvSpPr>
         <p:spPr>
           <a:xfrm>
-            <a:off x="1835726" y="249382"/>
-            <a:ext cx="6137565" cy="768343"/>
+            <a:off x="2486891" y="202661"/>
+            <a:ext cx="5230092" cy="1065030"/>
           </a:xfrm>
         </p:spPr>
         <p:txBody>
@@ -12424,35 +13136,32 @@
               <a:rPr lang="en-US" dirty="0">
                 <a:latin typeface="Bahnschrift SemiBold" panose="020B0502040204020203" pitchFamily="34" charset="0"/>
               </a:rPr>
-              <a:t>Number of store data given by Date</a:t>
+              <a:t>Number of school Holidays</a:t>
             </a:r>
+            <a:endParaRPr lang="en-US" dirty="0">
+              <a:latin typeface="Bahnschrift SemiBold" panose="020B0502040204020203" pitchFamily="34" charset="0"/>
+            </a:endParaRPr>
           </a:p>
         </p:txBody>
       </p:sp>
       <p:pic>
         <p:nvPicPr>
-          <p:cNvPr id="6" name="Picture 5">
-            <a:extLst>
-              <a:ext uri="{FF2B5EF4-FFF2-40B4-BE49-F238E27FC236}">
-                <a16:creationId xmlns:a16="http://schemas.microsoft.com/office/drawing/2014/main" id="{BF1B51F7-12ED-451E-9B73-604F7F8B9180}"/>
-              </a:ext>
-            </a:extLst>
-          </p:cNvPr>
+          <p:cNvPr id="6" name="Picture 5"/>
           <p:cNvPicPr>
             <a:picLocks noChangeAspect="1"/>
           </p:cNvPicPr>
           <p:nvPr/>
         </p:nvPicPr>
         <p:blipFill>
-          <a:blip r:embed="rId2"/>
+          <a:blip r:embed="rId1"/>
           <a:stretch>
             <a:fillRect/>
           </a:stretch>
         </p:blipFill>
         <p:spPr>
           <a:xfrm>
-            <a:off x="762000" y="1017725"/>
-            <a:ext cx="7703127" cy="4012034"/>
+            <a:off x="865909" y="879764"/>
+            <a:ext cx="7002492" cy="4061075"/>
           </a:xfrm>
           <a:prstGeom prst="rect">
             <a:avLst/>
@@ -12460,11 +13169,6 @@
         </p:spPr>
       </p:pic>
     </p:spTree>
-    <p:extLst>
-      <p:ext uri="{BB962C8B-B14F-4D97-AF65-F5344CB8AC3E}">
-        <p14:creationId xmlns:p14="http://schemas.microsoft.com/office/powerpoint/2010/main" val="2295807250"/>
-      </p:ext>
-    </p:extLst>
   </p:cSld>
   <p:clrMapOvr>
     <a:masterClrMapping/>
@@ -12748,8 +13452,11 @@
       </a:bgFillStyleLst>
     </a:fmtScheme>
   </a:themeElements>
-  <a:objectDefaults/>
-  <a:extraClrSchemeLst/>
+  <a:extLst>
+    <a:ext uri="{05A4C25C-085E-4340-85A3-A5531E510DB2}">
+      <thm15:themeFamily xmlns:thm15="http://schemas.microsoft.com/office/thememl/2012/main" name="Office Theme" id="{62F939B6-93AF-4DB8-9C6B-D6C7DFDC589F}" vid="{4A3C46E8-61CC-4603-A589-7422A47A8E4A}"/>
+    </a:ext>
+  </a:extLst>
 </a:theme>
 </file>
 
@@ -13029,7 +13736,10 @@
       </a:bgFillStyleLst>
     </a:fmtScheme>
   </a:themeElements>
-  <a:objectDefaults/>
-  <a:extraClrSchemeLst/>
+  <a:extLst>
+    <a:ext uri="{05A4C25C-085E-4340-85A3-A5531E510DB2}">
+      <thm15:themeFamily xmlns:thm15="http://schemas.microsoft.com/office/thememl/2012/main" name="Office Theme" id="{62F939B6-93AF-4DB8-9C6B-D6C7DFDC589F}" vid="{4A3C46E8-61CC-4603-A589-7422A47A8E4A}"/>
+    </a:ext>
+  </a:extLst>
 </a:theme>
 </file>
--- a/CapstoneProjectTemplate-210213-230632.pptx
+++ b/CapstoneProjectTemplate-210213-230632.pptx
@@ -9927,35 +9927,6 @@
                   </a:schemeClr>
                 </a:solidFill>
               </a:rPr>
-              <a:t>Rossmann operates over 3,000 drug stores in 7 European countries. Currently</a:t>
-            </a:r>
-            <a:r>
-              <a:rPr lang="en-IN" altLang="en-US">
-                <a:solidFill>
-                  <a:schemeClr val="bg2">
-                    <a:lumMod val="10000"/>
-                  </a:schemeClr>
-                </a:solidFill>
-              </a:rPr>
-              <a:t>.</a:t>
-            </a:r>
-            <a:endParaRPr lang="en-IN" altLang="en-US">
-              <a:solidFill>
-                <a:schemeClr val="bg2">
-                  <a:lumMod val="10000"/>
-                </a:schemeClr>
-              </a:solidFill>
-            </a:endParaRPr>
-          </a:p>
-          <a:p>
-            <a:r>
-              <a:rPr lang="en-US">
-                <a:solidFill>
-                  <a:schemeClr val="bg2">
-                    <a:lumMod val="10000"/>
-                  </a:schemeClr>
-                </a:solidFill>
-              </a:rPr>
               <a:t>Rossmann store managers are tasked with predicting their daily sales for up to six weeks in advance. </a:t>
             </a:r>
             <a:endParaRPr lang="en-US">
@@ -9967,16 +9938,6 @@
             </a:endParaRPr>
           </a:p>
           <a:p>
-            <a:r>
-              <a:rPr lang="en-US">
-                <a:solidFill>
-                  <a:schemeClr val="bg2">
-                    <a:lumMod val="10000"/>
-                  </a:schemeClr>
-                </a:solidFill>
-              </a:rPr>
-              <a:t>Store sales are influenced by many factors, including promotions, competition, school and state holidays, seasonality, and locality. </a:t>
-            </a:r>
             <a:endParaRPr lang="en-US">
               <a:solidFill>
                 <a:schemeClr val="bg2">
@@ -12678,7 +12639,34 @@
             <a:br>
               <a:rPr lang="en-IN" altLang="en-US"/>
             </a:br>
-            <a:endParaRPr lang="en-IN" altLang="en-US"/>
+            <a:br>
+              <a:rPr lang="en-IN" altLang="en-US"/>
+            </a:br>
+            <a:r>
+              <a:rPr lang="en-IN" altLang="en-US" sz="1800"/>
+              <a:t>In the above project to we applied log transform to a lot of columns to avoid skewness which helped us to predict or values well. We also applied Lasso, Ridge and Elastic Net to Avoid Overfitting.</a:t>
+            </a:r>
+            <a:br>
+              <a:rPr lang="en-IN" altLang="en-US" sz="1800"/>
+            </a:br>
+            <a:br>
+              <a:rPr lang="en-IN" altLang="en-US" sz="1800"/>
+            </a:br>
+            <a:r>
+              <a:rPr lang="en-IN" altLang="en-US" sz="1800"/>
+              <a:t>As we were doing Logistic Regression we took care of all the 4 assumptions.</a:t>
+            </a:r>
+            <a:br>
+              <a:rPr lang="en-IN" altLang="en-US" sz="1800"/>
+            </a:br>
+            <a:br>
+              <a:rPr lang="en-IN" altLang="en-US" sz="1800"/>
+            </a:br>
+            <a:r>
+              <a:rPr lang="en-IN" altLang="en-US" sz="1800"/>
+              <a:t>The above graph is what our final model looks like ate the end and at the end of our model we are able to say that Total of Predicted Sales in next 6 week will be: 250,776,406 euros By 1115 Rossmann stores.  </a:t>
+            </a:r>
+            <a:endParaRPr lang="en-IN" altLang="en-US" sz="1800"/>
           </a:p>
         </p:txBody>
       </p:sp>

--- a/CapstoneProjectTemplate-210213-230632.pptx
+++ b/CapstoneProjectTemplate-210213-230632.pptx
@@ -5,56 +5,56 @@
     <p:sldMasterId id="2147483648" r:id="rId1"/>
   </p:sldMasterIdLst>
   <p:notesMasterIdLst>
-    <p:notesMasterId r:id="rId4"/>
+    <p:notesMasterId r:id="rId36"/>
   </p:notesMasterIdLst>
   <p:sldIdLst>
-    <p:sldId id="256" r:id="rId3"/>
-    <p:sldId id="303" r:id="rId5"/>
-    <p:sldId id="304" r:id="rId6"/>
-    <p:sldId id="276" r:id="rId7"/>
-    <p:sldId id="275" r:id="rId8"/>
-    <p:sldId id="274" r:id="rId9"/>
-    <p:sldId id="273" r:id="rId10"/>
-    <p:sldId id="272" r:id="rId11"/>
-    <p:sldId id="271" r:id="rId12"/>
-    <p:sldId id="270" r:id="rId13"/>
-    <p:sldId id="269" r:id="rId14"/>
-    <p:sldId id="268" r:id="rId15"/>
-    <p:sldId id="267" r:id="rId16"/>
-    <p:sldId id="266" r:id="rId17"/>
-    <p:sldId id="265" r:id="rId18"/>
-    <p:sldId id="264" r:id="rId19"/>
-    <p:sldId id="263" r:id="rId20"/>
-    <p:sldId id="261" r:id="rId21"/>
-    <p:sldId id="260" r:id="rId22"/>
-    <p:sldId id="258" r:id="rId23"/>
-    <p:sldId id="277" r:id="rId24"/>
-    <p:sldId id="278" r:id="rId25"/>
-    <p:sldId id="279" r:id="rId26"/>
-    <p:sldId id="280" r:id="rId27"/>
-    <p:sldId id="305" r:id="rId28"/>
-    <p:sldId id="281" r:id="rId29"/>
-    <p:sldId id="282" r:id="rId30"/>
-    <p:sldId id="283" r:id="rId31"/>
-    <p:sldId id="284" r:id="rId32"/>
-    <p:sldId id="307" r:id="rId33"/>
-    <p:sldId id="285" r:id="rId34"/>
-    <p:sldId id="306" r:id="rId35"/>
-    <p:sldId id="286" r:id="rId36"/>
-    <p:sldId id="308" r:id="rId37"/>
+    <p:sldId id="256" r:id="rId2"/>
+    <p:sldId id="303" r:id="rId3"/>
+    <p:sldId id="304" r:id="rId4"/>
+    <p:sldId id="276" r:id="rId5"/>
+    <p:sldId id="275" r:id="rId6"/>
+    <p:sldId id="274" r:id="rId7"/>
+    <p:sldId id="273" r:id="rId8"/>
+    <p:sldId id="272" r:id="rId9"/>
+    <p:sldId id="271" r:id="rId10"/>
+    <p:sldId id="270" r:id="rId11"/>
+    <p:sldId id="269" r:id="rId12"/>
+    <p:sldId id="268" r:id="rId13"/>
+    <p:sldId id="267" r:id="rId14"/>
+    <p:sldId id="266" r:id="rId15"/>
+    <p:sldId id="265" r:id="rId16"/>
+    <p:sldId id="264" r:id="rId17"/>
+    <p:sldId id="263" r:id="rId18"/>
+    <p:sldId id="261" r:id="rId19"/>
+    <p:sldId id="260" r:id="rId20"/>
+    <p:sldId id="258" r:id="rId21"/>
+    <p:sldId id="277" r:id="rId22"/>
+    <p:sldId id="278" r:id="rId23"/>
+    <p:sldId id="279" r:id="rId24"/>
+    <p:sldId id="280" r:id="rId25"/>
+    <p:sldId id="305" r:id="rId26"/>
+    <p:sldId id="281" r:id="rId27"/>
+    <p:sldId id="282" r:id="rId28"/>
+    <p:sldId id="283" r:id="rId29"/>
+    <p:sldId id="284" r:id="rId30"/>
+    <p:sldId id="307" r:id="rId31"/>
+    <p:sldId id="285" r:id="rId32"/>
+    <p:sldId id="306" r:id="rId33"/>
+    <p:sldId id="286" r:id="rId34"/>
+    <p:sldId id="308" r:id="rId35"/>
   </p:sldIdLst>
   <p:sldSz cx="9144000" cy="5143500" type="screen16x9"/>
   <p:notesSz cx="6858000" cy="9144000"/>
   <p:embeddedFontLst>
     <p:embeddedFont>
-      <p:font typeface="Montserrat" panose="00000500000000000000"/>
-      <p:regular r:id="rId41"/>
-      <p:bold r:id="rId42"/>
-      <p:boldItalic r:id="rId43"/>
+      <p:font typeface="Montserrat" panose="020B0604020202020204" charset="0"/>
+      <p:regular r:id="rId37"/>
+      <p:bold r:id="rId38"/>
+      <p:boldItalic r:id="rId39"/>
     </p:embeddedFont>
     <p:embeddedFont>
-      <p:font typeface="Bahnschrift SemiBold" panose="020B0502040204020203" pitchFamily="34" charset="0"/>
-      <p:bold r:id="rId44"/>
+      <p:font typeface="Bahnschrift SemiBold" panose="020B0604020202020204" charset="0"/>
+      <p:bold r:id="rId40"/>
     </p:embeddedFont>
   </p:embeddedFontLst>
   <p:defaultTextStyle>
@@ -286,6 +286,22 @@
       </a:defRPr>
     </a:lvl9pPr>
   </p:defaultTextStyle>
+  <p:extLst>
+    <p:ext uri="{EFAFB233-063F-42B5-8137-9DF3F51BA10A}">
+      <p15:sldGuideLst xmlns:p15="http://schemas.microsoft.com/office/powerpoint/2012/main">
+        <p15:guide id="1" orient="horz" pos="1620">
+          <p15:clr>
+            <a:srgbClr val="A4A3A4"/>
+          </p15:clr>
+        </p15:guide>
+        <p15:guide id="2" pos="2880">
+          <p15:clr>
+            <a:srgbClr val="A4A3A4"/>
+          </p15:clr>
+        </p15:guide>
+      </p15:sldGuideLst>
+    </p:ext>
+  </p:extLst>
 </p:presentation>
 </file>
 
@@ -625,10 +641,17 @@
               </a:defRPr>
             </a:lvl9pPr>
           </a:lstStyle>
-          <a:p/>
+          <a:p>
+            <a:endParaRPr/>
+          </a:p>
         </p:txBody>
       </p:sp>
     </p:spTree>
+    <p:extLst>
+      <p:ext uri="{BB962C8B-B14F-4D97-AF65-F5344CB8AC3E}">
+        <p14:creationId xmlns:p14="http://schemas.microsoft.com/office/powerpoint/2010/main" val="712801707"/>
+      </p:ext>
+    </p:extLst>
   </p:cSld>
   <p:clrMap bg1="lt1" tx1="dk1" bg2="dk2" tx2="lt2" accent1="accent1" accent2="accent2" accent3="accent3" accent4="accent4" accent5="accent5" accent6="accent6" hlink="hlink" folHlink="folHlink"/>
   <p:notesStyle>
@@ -864,7 +887,7 @@
 </file>
 
 <file path=ppt/notesSlides/notesSlide1.xml><?xml version="1.0" encoding="utf-8"?>
-<p:notes xmlns:a="http://schemas.openxmlformats.org/drawingml/2006/main" xmlns:r="http://schemas.openxmlformats.org/officeDocument/2006/relationships" xmlns:p="http://schemas.openxmlformats.org/presentationml/2006/main" showMasterPhAnim="0" showMasterSp="0">
+<p:notes xmlns:a="http://schemas.openxmlformats.org/drawingml/2006/main" xmlns:r="http://schemas.openxmlformats.org/officeDocument/2006/relationships" xmlns:p="http://schemas.openxmlformats.org/presentationml/2006/main" showMasterSp="0" showMasterPhAnim="0">
   <p:cSld>
     <p:spTree>
       <p:nvGrpSpPr>
@@ -973,10 +996,16 @@
               <a:buSzPts val="1100"/>
               <a:buNone/>
             </a:pPr>
+            <a:endParaRPr/>
           </a:p>
         </p:txBody>
       </p:sp>
     </p:spTree>
+    <p:extLst>
+      <p:ext uri="{BB962C8B-B14F-4D97-AF65-F5344CB8AC3E}">
+        <p14:creationId xmlns:p14="http://schemas.microsoft.com/office/powerpoint/2010/main" val="3736296775"/>
+      </p:ext>
+    </p:extLst>
   </p:cSld>
   <p:clrMapOvr>
     <a:masterClrMapping/>
@@ -985,7 +1014,7 @@
 </file>
 
 <file path=ppt/slideLayouts/slideLayout1.xml><?xml version="1.0" encoding="utf-8"?>
-<p:sldLayout xmlns:a="http://schemas.openxmlformats.org/drawingml/2006/main" xmlns:r="http://schemas.openxmlformats.org/officeDocument/2006/relationships" xmlns:p="http://schemas.openxmlformats.org/presentationml/2006/main" type="title" matchingName="Title slide">
+<p:sldLayout xmlns:a="http://schemas.openxmlformats.org/drawingml/2006/main" xmlns:r="http://schemas.openxmlformats.org/officeDocument/2006/relationships" xmlns:p="http://schemas.openxmlformats.org/presentationml/2006/main" matchingName="Title slide" type="title">
   <p:cSld name="TITLE">
     <p:spTree>
       <p:nvGrpSpPr>
@@ -1156,7 +1185,9 @@
               <a:defRPr sz="5200"/>
             </a:lvl9pPr>
           </a:lstStyle>
-          <a:p/>
+          <a:p>
+            <a:endParaRPr/>
+          </a:p>
         </p:txBody>
       </p:sp>
       <p:sp>
@@ -1314,7 +1345,9 @@
               <a:defRPr sz="2800"/>
             </a:lvl9pPr>
           </a:lstStyle>
-          <a:p/>
+          <a:p>
+            <a:endParaRPr/>
+          </a:p>
         </p:txBody>
       </p:sp>
       <p:sp>
@@ -1592,6 +1625,7 @@
             </a:pPr>
             <a:fld id="{00000000-1234-1234-1234-123412341234}" type="slidenum">
               <a:rPr lang="en-GB"/>
+              <a:t>‹#›</a:t>
             </a:fld>
             <a:endParaRPr lang="en-GB"/>
           </a:p>
@@ -1939,7 +1973,9 @@
               <a:defRPr/>
             </a:lvl9pPr>
           </a:lstStyle>
-          <a:p/>
+          <a:p>
+            <a:endParaRPr/>
+          </a:p>
         </p:txBody>
       </p:sp>
       <p:sp>
@@ -2217,6 +2253,7 @@
             </a:pPr>
             <a:fld id="{00000000-1234-1234-1234-123412341234}" type="slidenum">
               <a:rPr lang="en-GB"/>
+              <a:t>‹#›</a:t>
             </a:fld>
             <a:endParaRPr lang="en-GB"/>
           </a:p>
@@ -2231,7 +2268,7 @@
 </file>
 
 <file path=ppt/slideLayouts/slideLayout11.xml><?xml version="1.0" encoding="utf-8"?>
-<p:sldLayout xmlns:a="http://schemas.openxmlformats.org/drawingml/2006/main" xmlns:r="http://schemas.openxmlformats.org/officeDocument/2006/relationships" xmlns:p="http://schemas.openxmlformats.org/presentationml/2006/main" type="blank" matchingName="Blank">
+<p:sldLayout xmlns:a="http://schemas.openxmlformats.org/drawingml/2006/main" xmlns:r="http://schemas.openxmlformats.org/officeDocument/2006/relationships" xmlns:p="http://schemas.openxmlformats.org/presentationml/2006/main" matchingName="Blank" type="blank">
   <p:cSld name="BLANK">
     <p:spTree>
       <p:nvGrpSpPr>
@@ -2522,6 +2559,7 @@
             </a:pPr>
             <a:fld id="{00000000-1234-1234-1234-123412341234}" type="slidenum">
               <a:rPr lang="en-GB"/>
+              <a:t>‹#›</a:t>
             </a:fld>
             <a:endParaRPr lang="en-GB"/>
           </a:p>
@@ -2536,7 +2574,7 @@
 </file>
 
 <file path=ppt/slideLayouts/slideLayout2.xml><?xml version="1.0" encoding="utf-8"?>
-<p:sldLayout xmlns:a="http://schemas.openxmlformats.org/drawingml/2006/main" xmlns:r="http://schemas.openxmlformats.org/officeDocument/2006/relationships" xmlns:p="http://schemas.openxmlformats.org/presentationml/2006/main" type="tx" matchingName="Title and body">
+<p:sldLayout xmlns:a="http://schemas.openxmlformats.org/drawingml/2006/main" xmlns:r="http://schemas.openxmlformats.org/officeDocument/2006/relationships" xmlns:p="http://schemas.openxmlformats.org/presentationml/2006/main" matchingName="Title and body" type="tx">
   <p:cSld name="TITLE_AND_BODY">
     <p:spTree>
       <p:nvGrpSpPr>
@@ -2707,7 +2745,9 @@
               <a:defRPr/>
             </a:lvl9pPr>
           </a:lstStyle>
-          <a:p/>
+          <a:p>
+            <a:endParaRPr/>
+          </a:p>
         </p:txBody>
       </p:sp>
       <p:sp>
@@ -2865,7 +2905,9 @@
               <a:defRPr/>
             </a:lvl9pPr>
           </a:lstStyle>
-          <a:p/>
+          <a:p>
+            <a:endParaRPr/>
+          </a:p>
         </p:txBody>
       </p:sp>
       <p:sp>
@@ -3143,6 +3185,7 @@
             </a:pPr>
             <a:fld id="{00000000-1234-1234-1234-123412341234}" type="slidenum">
               <a:rPr lang="en-GB"/>
+              <a:t>‹#›</a:t>
             </a:fld>
             <a:endParaRPr lang="en-GB"/>
           </a:p>
@@ -3157,7 +3200,7 @@
 </file>
 
 <file path=ppt/slideLayouts/slideLayout3.xml><?xml version="1.0" encoding="utf-8"?>
-<p:sldLayout xmlns:a="http://schemas.openxmlformats.org/drawingml/2006/main" xmlns:r="http://schemas.openxmlformats.org/officeDocument/2006/relationships" xmlns:p="http://schemas.openxmlformats.org/presentationml/2006/main" type="secHead" matchingName="Section header">
+<p:sldLayout xmlns:a="http://schemas.openxmlformats.org/drawingml/2006/main" xmlns:r="http://schemas.openxmlformats.org/officeDocument/2006/relationships" xmlns:p="http://schemas.openxmlformats.org/presentationml/2006/main" matchingName="Section header" type="secHead">
   <p:cSld name="SECTION_HEADER">
     <p:spTree>
       <p:nvGrpSpPr>
@@ -3328,7 +3371,9 @@
               <a:defRPr sz="3600"/>
             </a:lvl9pPr>
           </a:lstStyle>
-          <a:p/>
+          <a:p>
+            <a:endParaRPr/>
+          </a:p>
         </p:txBody>
       </p:sp>
       <p:sp>
@@ -3606,6 +3651,7 @@
             </a:pPr>
             <a:fld id="{00000000-1234-1234-1234-123412341234}" type="slidenum">
               <a:rPr lang="en-GB"/>
+              <a:t>‹#›</a:t>
             </a:fld>
             <a:endParaRPr lang="en-GB"/>
           </a:p>
@@ -3620,7 +3666,7 @@
 </file>
 
 <file path=ppt/slideLayouts/slideLayout4.xml><?xml version="1.0" encoding="utf-8"?>
-<p:sldLayout xmlns:a="http://schemas.openxmlformats.org/drawingml/2006/main" xmlns:r="http://schemas.openxmlformats.org/officeDocument/2006/relationships" xmlns:p="http://schemas.openxmlformats.org/presentationml/2006/main" type="twoColTx" matchingName="Title and two columns">
+<p:sldLayout xmlns:a="http://schemas.openxmlformats.org/drawingml/2006/main" xmlns:r="http://schemas.openxmlformats.org/officeDocument/2006/relationships" xmlns:p="http://schemas.openxmlformats.org/presentationml/2006/main" matchingName="Title and two columns" type="twoColTx">
   <p:cSld name="TITLE_AND_TWO_COLUMNS">
     <p:spTree>
       <p:nvGrpSpPr>
@@ -3791,7 +3837,9 @@
               <a:defRPr/>
             </a:lvl9pPr>
           </a:lstStyle>
-          <a:p/>
+          <a:p>
+            <a:endParaRPr/>
+          </a:p>
         </p:txBody>
       </p:sp>
       <p:sp>
@@ -3949,7 +3997,9 @@
               <a:defRPr sz="1200"/>
             </a:lvl9pPr>
           </a:lstStyle>
-          <a:p/>
+          <a:p>
+            <a:endParaRPr/>
+          </a:p>
         </p:txBody>
       </p:sp>
       <p:sp>
@@ -4107,7 +4157,9 @@
               <a:defRPr sz="1200"/>
             </a:lvl9pPr>
           </a:lstStyle>
-          <a:p/>
+          <a:p>
+            <a:endParaRPr/>
+          </a:p>
         </p:txBody>
       </p:sp>
       <p:sp>
@@ -4385,6 +4437,7 @@
             </a:pPr>
             <a:fld id="{00000000-1234-1234-1234-123412341234}" type="slidenum">
               <a:rPr lang="en-GB"/>
+              <a:t>‹#›</a:t>
             </a:fld>
             <a:endParaRPr lang="en-GB"/>
           </a:p>
@@ -4399,7 +4452,7 @@
 </file>
 
 <file path=ppt/slideLayouts/slideLayout5.xml><?xml version="1.0" encoding="utf-8"?>
-<p:sldLayout xmlns:a="http://schemas.openxmlformats.org/drawingml/2006/main" xmlns:r="http://schemas.openxmlformats.org/officeDocument/2006/relationships" xmlns:p="http://schemas.openxmlformats.org/presentationml/2006/main" type="titleOnly" matchingName="Title only">
+<p:sldLayout xmlns:a="http://schemas.openxmlformats.org/drawingml/2006/main" xmlns:r="http://schemas.openxmlformats.org/officeDocument/2006/relationships" xmlns:p="http://schemas.openxmlformats.org/presentationml/2006/main" matchingName="Title only" type="titleOnly">
   <p:cSld name="TITLE_ONLY">
     <p:spTree>
       <p:nvGrpSpPr>
@@ -4570,7 +4623,9 @@
               <a:defRPr/>
             </a:lvl9pPr>
           </a:lstStyle>
-          <a:p/>
+          <a:p>
+            <a:endParaRPr/>
+          </a:p>
         </p:txBody>
       </p:sp>
       <p:sp>
@@ -4848,6 +4903,7 @@
             </a:pPr>
             <a:fld id="{00000000-1234-1234-1234-123412341234}" type="slidenum">
               <a:rPr lang="en-GB"/>
+              <a:t>‹#›</a:t>
             </a:fld>
             <a:endParaRPr lang="en-GB"/>
           </a:p>
@@ -5033,7 +5089,9 @@
               <a:defRPr sz="2400"/>
             </a:lvl9pPr>
           </a:lstStyle>
-          <a:p/>
+          <a:p>
+            <a:endParaRPr/>
+          </a:p>
         </p:txBody>
       </p:sp>
       <p:sp>
@@ -5191,7 +5249,9 @@
               <a:defRPr sz="1200"/>
             </a:lvl9pPr>
           </a:lstStyle>
-          <a:p/>
+          <a:p>
+            <a:endParaRPr/>
+          </a:p>
         </p:txBody>
       </p:sp>
       <p:sp>
@@ -5469,6 +5529,7 @@
             </a:pPr>
             <a:fld id="{00000000-1234-1234-1234-123412341234}" type="slidenum">
               <a:rPr lang="en-GB"/>
+              <a:t>‹#›</a:t>
             </a:fld>
             <a:endParaRPr lang="en-GB"/>
           </a:p>
@@ -5654,7 +5715,9 @@
               <a:defRPr sz="4800"/>
             </a:lvl9pPr>
           </a:lstStyle>
-          <a:p/>
+          <a:p>
+            <a:endParaRPr/>
+          </a:p>
         </p:txBody>
       </p:sp>
       <p:sp>
@@ -5932,6 +5995,7 @@
             </a:pPr>
             <a:fld id="{00000000-1234-1234-1234-123412341234}" type="slidenum">
               <a:rPr lang="en-GB"/>
+              <a:t>‹#›</a:t>
             </a:fld>
             <a:endParaRPr lang="en-GB"/>
           </a:p>
@@ -6173,7 +6237,9 @@
               <a:defRPr sz="4200"/>
             </a:lvl9pPr>
           </a:lstStyle>
-          <a:p/>
+          <a:p>
+            <a:endParaRPr/>
+          </a:p>
         </p:txBody>
       </p:sp>
       <p:sp>
@@ -6331,7 +6397,9 @@
               <a:defRPr sz="2100"/>
             </a:lvl9pPr>
           </a:lstStyle>
-          <a:p/>
+          <a:p>
+            <a:endParaRPr/>
+          </a:p>
         </p:txBody>
       </p:sp>
       <p:sp>
@@ -6489,7 +6557,9 @@
               <a:defRPr/>
             </a:lvl9pPr>
           </a:lstStyle>
-          <a:p/>
+          <a:p>
+            <a:endParaRPr/>
+          </a:p>
         </p:txBody>
       </p:sp>
       <p:sp>
@@ -6767,6 +6837,7 @@
             </a:pPr>
             <a:fld id="{00000000-1234-1234-1234-123412341234}" type="slidenum">
               <a:rPr lang="en-GB"/>
+              <a:t>‹#›</a:t>
             </a:fld>
             <a:endParaRPr lang="en-GB"/>
           </a:p>
@@ -6840,7 +6911,9 @@
               <a:defRPr/>
             </a:lvl1pPr>
           </a:lstStyle>
-          <a:p/>
+          <a:p>
+            <a:endParaRPr/>
+          </a:p>
         </p:txBody>
       </p:sp>
       <p:sp>
@@ -7118,6 +7191,7 @@
             </a:pPr>
             <a:fld id="{00000000-1234-1234-1234-123412341234}" type="slidenum">
               <a:rPr lang="en-GB"/>
+              <a:t>‹#›</a:t>
             </a:fld>
             <a:endParaRPr lang="en-GB"/>
           </a:p>
@@ -7419,7 +7493,9 @@
               </a:defRPr>
             </a:lvl9pPr>
           </a:lstStyle>
-          <a:p/>
+          <a:p>
+            <a:endParaRPr/>
+          </a:p>
         </p:txBody>
       </p:sp>
       <p:sp>
@@ -7685,7 +7761,9 @@
               </a:defRPr>
             </a:lvl9pPr>
           </a:lstStyle>
-          <a:p/>
+          <a:p>
+            <a:endParaRPr/>
+          </a:p>
         </p:txBody>
       </p:sp>
       <p:sp>
@@ -7963,6 +8041,7 @@
             </a:pPr>
             <a:fld id="{00000000-1234-1234-1234-123412341234}" type="slidenum">
               <a:rPr lang="en-GB"/>
+              <a:t>‹#›</a:t>
             </a:fld>
             <a:endParaRPr lang="en-GB"/>
           </a:p>
@@ -7975,7 +8054,7 @@
           <p:nvPr/>
         </p:nvPicPr>
         <p:blipFill rotWithShape="1">
-          <a:blip r:embed="rId12"/>
+          <a:blip r:embed="rId13"/>
           <a:srcRect/>
           <a:stretch>
             <a:fillRect/>
@@ -8865,6 +8944,36 @@
           </a:p>
         </p:txBody>
       </p:sp>
+      <p:pic>
+        <p:nvPicPr>
+          <p:cNvPr id="2" name="Picture 1"/>
+          <p:cNvPicPr>
+            <a:picLocks noChangeAspect="1"/>
+          </p:cNvPicPr>
+          <p:nvPr/>
+        </p:nvPicPr>
+        <p:blipFill>
+          <a:blip r:embed="rId3">
+            <a:extLst>
+              <a:ext uri="{28A0092B-C50C-407E-A947-70E740481C1C}">
+                <a14:useLocalDpi xmlns:a14="http://schemas.microsoft.com/office/drawing/2010/main" val="0"/>
+              </a:ext>
+            </a:extLst>
+          </a:blip>
+          <a:stretch>
+            <a:fillRect/>
+          </a:stretch>
+        </p:blipFill>
+        <p:spPr>
+          <a:xfrm>
+            <a:off x="5199225" y="3807859"/>
+            <a:ext cx="3629025" cy="1335641"/>
+          </a:xfrm>
+          <a:prstGeom prst="rect">
+            <a:avLst/>
+          </a:prstGeom>
+        </p:spPr>
+      </p:pic>
     </p:spTree>
   </p:cSld>
   <p:clrMapOvr>
@@ -8916,9 +9025,6 @@
               </a:rPr>
               <a:t>Number of Holidays celebrated by stores</a:t>
             </a:r>
-            <a:endParaRPr lang="en-US" dirty="0">
-              <a:latin typeface="Bahnschrift SemiBold" panose="020B0502040204020203" pitchFamily="34" charset="0"/>
-            </a:endParaRPr>
           </a:p>
         </p:txBody>
       </p:sp>
@@ -8931,7 +9037,7 @@
           <p:nvPr/>
         </p:nvPicPr>
         <p:blipFill>
-          <a:blip r:embed="rId1"/>
+          <a:blip r:embed="rId2"/>
           <a:stretch>
             <a:fillRect/>
           </a:stretch>
@@ -8997,9 +9103,6 @@
               </a:rPr>
               <a:t>Number of store data given by Date</a:t>
             </a:r>
-            <a:endParaRPr lang="en-US" dirty="0">
-              <a:latin typeface="Bahnschrift SemiBold" panose="020B0502040204020203" pitchFamily="34" charset="0"/>
-            </a:endParaRPr>
           </a:p>
         </p:txBody>
       </p:sp>
@@ -9012,7 +9115,7 @@
           <p:nvPr/>
         </p:nvPicPr>
         <p:blipFill>
-          <a:blip r:embed="rId1"/>
+          <a:blip r:embed="rId2"/>
           <a:stretch>
             <a:fillRect/>
           </a:stretch>
@@ -9078,9 +9181,6 @@
               </a:rPr>
               <a:t>Number of stores open on Holidays</a:t>
             </a:r>
-            <a:endParaRPr lang="en-US" dirty="0">
-              <a:latin typeface="Bahnschrift SemiBold" panose="020B0502040204020203" pitchFamily="34" charset="0"/>
-            </a:endParaRPr>
           </a:p>
         </p:txBody>
       </p:sp>
@@ -9093,7 +9193,7 @@
           <p:nvPr/>
         </p:nvPicPr>
         <p:blipFill>
-          <a:blip r:embed="rId1"/>
+          <a:blip r:embed="rId2"/>
           <a:stretch>
             <a:fillRect/>
           </a:stretch>
@@ -9159,9 +9259,6 @@
               </a:rPr>
               <a:t>	Distribution of values</a:t>
             </a:r>
-            <a:endParaRPr lang="en-US" dirty="0">
-              <a:latin typeface="Bahnschrift SemiBold" panose="020B0502040204020203" pitchFamily="34" charset="0"/>
-            </a:endParaRPr>
           </a:p>
         </p:txBody>
       </p:sp>
@@ -9174,7 +9271,7 @@
           <p:nvPr/>
         </p:nvPicPr>
         <p:blipFill>
-          <a:blip r:embed="rId1"/>
+          <a:blip r:embed="rId2"/>
           <a:stretch>
             <a:fillRect/>
           </a:stretch>
@@ -9238,11 +9335,20 @@
               <a:rPr lang="en-US" dirty="0">
                 <a:latin typeface="Bahnschrift SemiBold" panose="020B0502040204020203" pitchFamily="34" charset="0"/>
               </a:rPr>
-              <a:t>After remove the skewness</a:t>
-            </a:r>
-            <a:endParaRPr lang="en-US" dirty="0">
-              <a:latin typeface="Bahnschrift SemiBold" panose="020B0502040204020203" pitchFamily="34" charset="0"/>
-            </a:endParaRPr>
+              <a:t>After </a:t>
+            </a:r>
+            <a:r>
+              <a:rPr lang="en-US" dirty="0" smtClean="0">
+                <a:latin typeface="Bahnschrift SemiBold" panose="020B0502040204020203" pitchFamily="34" charset="0"/>
+              </a:rPr>
+              <a:t>removing </a:t>
+            </a:r>
+            <a:r>
+              <a:rPr lang="en-US" dirty="0">
+                <a:latin typeface="Bahnschrift SemiBold" panose="020B0502040204020203" pitchFamily="34" charset="0"/>
+              </a:rPr>
+              <a:t>the skewness</a:t>
+            </a:r>
           </a:p>
         </p:txBody>
       </p:sp>
@@ -9255,7 +9361,7 @@
           <p:nvPr/>
         </p:nvPicPr>
         <p:blipFill>
-          <a:blip r:embed="rId1"/>
+          <a:blip r:embed="rId2"/>
           <a:stretch>
             <a:fillRect/>
           </a:stretch>
@@ -9321,9 +9427,6 @@
               </a:rPr>
               <a:t>Relationship between sales and customer data</a:t>
             </a:r>
-            <a:endParaRPr lang="en-US" dirty="0">
-              <a:latin typeface="Bahnschrift SemiBold" panose="020B0502040204020203" pitchFamily="34" charset="0"/>
-            </a:endParaRPr>
           </a:p>
         </p:txBody>
       </p:sp>
@@ -9336,7 +9439,7 @@
           <p:nvPr/>
         </p:nvPicPr>
         <p:blipFill>
-          <a:blip r:embed="rId1"/>
+          <a:blip r:embed="rId2"/>
           <a:stretch>
             <a:fillRect/>
           </a:stretch>
@@ -9400,7 +9503,6 @@
               <a:rPr lang="en-IN" altLang="en-US" dirty="0"/>
               <a:t>Correlation matrix of Rossmann’s Dataset</a:t>
             </a:r>
-            <a:endParaRPr lang="en-IN" altLang="en-US" dirty="0"/>
           </a:p>
         </p:txBody>
       </p:sp>
@@ -9413,7 +9515,7 @@
           <p:nvPr/>
         </p:nvPicPr>
         <p:blipFill>
-          <a:blip r:embed="rId1"/>
+          <a:blip r:embed="rId2"/>
           <a:stretch>
             <a:fillRect/>
           </a:stretch>
@@ -9477,7 +9579,6 @@
               <a:rPr lang="en-IN" altLang="en-US" dirty="0"/>
               <a:t>Correlation after merging the two dataset</a:t>
             </a:r>
-            <a:endParaRPr lang="en-IN" altLang="en-US" dirty="0"/>
           </a:p>
         </p:txBody>
       </p:sp>
@@ -9490,7 +9591,7 @@
           <p:nvPr/>
         </p:nvPicPr>
         <p:blipFill>
-          <a:blip r:embed="rId1"/>
+          <a:blip r:embed="rId2"/>
           <a:stretch>
             <a:fillRect/>
           </a:stretch>
@@ -9559,7 +9660,6 @@
               <a:rPr lang="en-IN" altLang="en-US"/>
               <a:t>:</a:t>
             </a:r>
-            <a:endParaRPr lang="en-IN" altLang="en-US"/>
           </a:p>
         </p:txBody>
       </p:sp>
@@ -9572,7 +9672,7 @@
           <p:nvPr/>
         </p:nvPicPr>
         <p:blipFill>
-          <a:blip r:embed="rId1"/>
+          <a:blip r:embed="rId2"/>
           <a:stretch>
             <a:fillRect/>
           </a:stretch>
@@ -9596,7 +9696,7 @@
           <p:nvPr/>
         </p:nvPicPr>
         <p:blipFill>
-          <a:blip r:embed="rId2"/>
+          <a:blip r:embed="rId3"/>
           <a:stretch>
             <a:fillRect/>
           </a:stretch>
@@ -9620,7 +9720,7 @@
           <p:nvPr/>
         </p:nvPicPr>
         <p:blipFill>
-          <a:blip r:embed="rId3"/>
+          <a:blip r:embed="rId4"/>
           <a:stretch>
             <a:fillRect/>
           </a:stretch>
@@ -9644,7 +9744,7 @@
           <p:nvPr/>
         </p:nvPicPr>
         <p:blipFill>
-          <a:blip r:embed="rId4"/>
+          <a:blip r:embed="rId5"/>
           <a:stretch>
             <a:fillRect/>
           </a:stretch>
@@ -9703,19 +9803,7 @@
               <a:rPr lang="en-IN" altLang="en-US">
                 <a:sym typeface="+mn-ea"/>
               </a:rPr>
-              <a:t>The scatter plot for sales_log_t with other </a:t>
-            </a:r>
-            <a:r>
-              <a:rPr lang="en-IN" altLang="en-US">
-                <a:sym typeface="+mn-ea"/>
-              </a:rPr>
-              <a:t>Variables</a:t>
-            </a:r>
-            <a:r>
-              <a:rPr lang="en-IN" altLang="en-US">
-                <a:sym typeface="+mn-ea"/>
-              </a:rPr>
-              <a:t>:</a:t>
+              <a:t>The scatter plot for sales_log_t with other Variables:</a:t>
             </a:r>
             <a:endParaRPr lang="en-US"/>
           </a:p>
@@ -9730,7 +9818,7 @@
           <p:nvPr/>
         </p:nvPicPr>
         <p:blipFill>
-          <a:blip r:embed="rId1"/>
+          <a:blip r:embed="rId2"/>
           <a:stretch>
             <a:fillRect/>
           </a:stretch>
@@ -9754,7 +9842,7 @@
           <p:nvPr/>
         </p:nvPicPr>
         <p:blipFill>
-          <a:blip r:embed="rId2"/>
+          <a:blip r:embed="rId3"/>
           <a:stretch>
             <a:fillRect/>
           </a:stretch>
@@ -9778,7 +9866,7 @@
           <p:nvPr/>
         </p:nvPicPr>
         <p:blipFill>
-          <a:blip r:embed="rId3"/>
+          <a:blip r:embed="rId4"/>
           <a:stretch>
             <a:fillRect/>
           </a:stretch>
@@ -9802,7 +9890,7 @@
           <p:nvPr/>
         </p:nvPicPr>
         <p:blipFill>
-          <a:blip r:embed="rId4"/>
+          <a:blip r:embed="rId5"/>
           <a:stretch>
             <a:fillRect/>
           </a:stretch>
@@ -9826,7 +9914,7 @@
           <p:nvPr/>
         </p:nvPicPr>
         <p:blipFill>
-          <a:blip r:embed="rId5"/>
+          <a:blip r:embed="rId6"/>
           <a:stretch>
             <a:fillRect/>
           </a:stretch>
@@ -9850,7 +9938,7 @@
           <p:nvPr/>
         </p:nvPicPr>
         <p:blipFill>
-          <a:blip r:embed="rId6"/>
+          <a:blip r:embed="rId7"/>
           <a:stretch>
             <a:fillRect/>
           </a:stretch>
@@ -9882,7 +9970,14 @@
         <p:cNvGrpSpPr/>
         <p:nvPr/>
       </p:nvGrpSpPr>
-      <p:grpSpPr/>
+      <p:grpSpPr>
+        <a:xfrm>
+          <a:off x="0" y="0"/>
+          <a:ext cx="0" cy="0"/>
+          <a:chOff x="0" y="0"/>
+          <a:chExt cx="0" cy="0"/>
+        </a:xfrm>
+      </p:grpSpPr>
       <p:sp>
         <p:nvSpPr>
           <p:cNvPr id="2" name="Title 1"/>
@@ -9896,12 +9991,12 @@
         <p:spPr/>
         <p:txBody>
           <a:bodyPr/>
+          <a:lstStyle/>
           <a:p>
             <a:r>
               <a:rPr lang="en-IN" altLang="en-US"/>
               <a:t>Problem Statement:</a:t>
             </a:r>
-            <a:endParaRPr lang="en-IN" altLang="en-US"/>
           </a:p>
         </p:txBody>
       </p:sp>
@@ -9918,75 +10013,106 @@
         <p:spPr/>
         <p:txBody>
           <a:bodyPr/>
+          <a:lstStyle/>
           <a:p>
             <a:r>
-              <a:rPr lang="en-US">
-                <a:solidFill>
-                  <a:schemeClr val="bg2">
-                    <a:lumMod val="10000"/>
-                  </a:schemeClr>
-                </a:solidFill>
-              </a:rPr>
-              <a:t>Rossmann store managers are tasked with predicting their daily sales for up to six weeks in advance. </a:t>
-            </a:r>
-            <a:endParaRPr lang="en-US">
+              <a:rPr lang="en-US" dirty="0" err="1">
+                <a:solidFill>
+                  <a:schemeClr val="bg1"/>
+                </a:solidFill>
+              </a:rPr>
+              <a:t>Rossmann</a:t>
+            </a:r>
+            <a:r>
+              <a:rPr lang="en-US" dirty="0">
+                <a:solidFill>
+                  <a:schemeClr val="bg1"/>
+                </a:solidFill>
+              </a:rPr>
+              <a:t> store managers are tasked with predicting their daily sales for up to six weeks in advance. </a:t>
+            </a:r>
+          </a:p>
+          <a:p>
+            <a:endParaRPr lang="en-US" dirty="0">
               <a:solidFill>
-                <a:schemeClr val="bg2">
-                  <a:lumMod val="10000"/>
-                </a:schemeClr>
+                <a:schemeClr val="bg1"/>
               </a:solidFill>
             </a:endParaRPr>
           </a:p>
           <a:p>
-            <a:endParaRPr lang="en-US">
-              <a:solidFill>
-                <a:schemeClr val="bg2">
-                  <a:lumMod val="10000"/>
-                </a:schemeClr>
-              </a:solidFill>
-            </a:endParaRPr>
-          </a:p>
-          <a:p>
-            <a:r>
-              <a:rPr lang="en-IN" altLang="en-US">
-                <a:solidFill>
-                  <a:schemeClr val="bg2">
-                    <a:lumMod val="10000"/>
-                  </a:schemeClr>
+            <a:r>
+              <a:rPr lang="en-IN" altLang="en-US" dirty="0">
+                <a:solidFill>
+                  <a:schemeClr val="bg1"/>
                 </a:solidFill>
               </a:rPr>
               <a:t>We were</a:t>
             </a:r>
             <a:r>
-              <a:rPr lang="en-US">
-                <a:solidFill>
-                  <a:schemeClr val="bg2">
-                    <a:lumMod val="10000"/>
-                  </a:schemeClr>
-                </a:solidFill>
-              </a:rPr>
-              <a:t> provided with historical sales data for 1,115 Rossmann stores</a:t>
-            </a:r>
-            <a:r>
-              <a:rPr lang="en-IN" altLang="en-US">
-                <a:solidFill>
-                  <a:schemeClr val="bg2">
-                    <a:lumMod val="10000"/>
-                  </a:schemeClr>
+              <a:rPr lang="en-US" dirty="0">
+                <a:solidFill>
+                  <a:schemeClr val="bg1"/>
+                </a:solidFill>
+              </a:rPr>
+              <a:t> provided with historical sales data for 1,115 </a:t>
+            </a:r>
+            <a:r>
+              <a:rPr lang="en-US" dirty="0" err="1">
+                <a:solidFill>
+                  <a:schemeClr val="bg1"/>
+                </a:solidFill>
+              </a:rPr>
+              <a:t>Rossmann</a:t>
+            </a:r>
+            <a:r>
+              <a:rPr lang="en-US" dirty="0">
+                <a:solidFill>
+                  <a:schemeClr val="bg1"/>
+                </a:solidFill>
+              </a:rPr>
+              <a:t> stores</a:t>
+            </a:r>
+            <a:r>
+              <a:rPr lang="en-IN" altLang="en-US" dirty="0">
+                <a:solidFill>
+                  <a:schemeClr val="bg1"/>
                 </a:solidFill>
               </a:rPr>
               <a:t> and were asked to predict the same</a:t>
             </a:r>
-            <a:endParaRPr lang="en-IN" altLang="en-US">
-              <a:solidFill>
-                <a:schemeClr val="bg2">
-                  <a:lumMod val="10000"/>
-                </a:schemeClr>
-              </a:solidFill>
-            </a:endParaRPr>
           </a:p>
         </p:txBody>
       </p:sp>
+      <p:pic>
+        <p:nvPicPr>
+          <p:cNvPr id="4" name="Picture 3"/>
+          <p:cNvPicPr>
+            <a:picLocks noChangeAspect="1"/>
+          </p:cNvPicPr>
+          <p:nvPr/>
+        </p:nvPicPr>
+        <p:blipFill>
+          <a:blip r:embed="rId2">
+            <a:extLst>
+              <a:ext uri="{28A0092B-C50C-407E-A947-70E740481C1C}">
+                <a14:useLocalDpi xmlns:a14="http://schemas.microsoft.com/office/drawing/2010/main" val="0"/>
+              </a:ext>
+            </a:extLst>
+          </a:blip>
+          <a:stretch>
+            <a:fillRect/>
+          </a:stretch>
+        </p:blipFill>
+        <p:spPr>
+          <a:xfrm>
+            <a:off x="6048003" y="2989779"/>
+            <a:ext cx="2876764" cy="1825991"/>
+          </a:xfrm>
+          <a:prstGeom prst="rect">
+            <a:avLst/>
+          </a:prstGeom>
+        </p:spPr>
+      </p:pic>
     </p:spTree>
   </p:cSld>
   <p:clrMapOvr>
@@ -10031,19 +10157,7 @@
               <a:rPr lang="en-IN" altLang="en-US">
                 <a:sym typeface="+mn-ea"/>
               </a:rPr>
-              <a:t>The scatter plot for sales_log_t with other </a:t>
-            </a:r>
-            <a:r>
-              <a:rPr lang="en-IN" altLang="en-US">
-                <a:sym typeface="+mn-ea"/>
-              </a:rPr>
-              <a:t>Variables</a:t>
-            </a:r>
-            <a:r>
-              <a:rPr lang="en-IN" altLang="en-US">
-                <a:sym typeface="+mn-ea"/>
-              </a:rPr>
-              <a:t>:</a:t>
+              <a:t>The scatter plot for sales_log_t with other Variables:</a:t>
             </a:r>
             <a:endParaRPr lang="en-US"/>
           </a:p>
@@ -10058,7 +10172,7 @@
           <p:nvPr/>
         </p:nvPicPr>
         <p:blipFill>
-          <a:blip r:embed="rId1"/>
+          <a:blip r:embed="rId2"/>
           <a:stretch>
             <a:fillRect/>
           </a:stretch>
@@ -10082,7 +10196,7 @@
           <p:nvPr/>
         </p:nvPicPr>
         <p:blipFill>
-          <a:blip r:embed="rId2"/>
+          <a:blip r:embed="rId3"/>
           <a:stretch>
             <a:fillRect/>
           </a:stretch>
@@ -10106,7 +10220,7 @@
           <p:nvPr/>
         </p:nvPicPr>
         <p:blipFill>
-          <a:blip r:embed="rId3"/>
+          <a:blip r:embed="rId4"/>
           <a:stretch>
             <a:fillRect/>
           </a:stretch>
@@ -10130,7 +10244,7 @@
           <p:nvPr/>
         </p:nvPicPr>
         <p:blipFill>
-          <a:blip r:embed="rId4"/>
+          <a:blip r:embed="rId5"/>
           <a:stretch>
             <a:fillRect/>
           </a:stretch>
@@ -10204,7 +10318,7 @@
           <p:nvPr/>
         </p:nvPicPr>
         <p:blipFill>
-          <a:blip r:embed="rId1"/>
+          <a:blip r:embed="rId2"/>
           <a:stretch>
             <a:fillRect/>
           </a:stretch>
@@ -10228,7 +10342,7 @@
           <p:nvPr/>
         </p:nvPicPr>
         <p:blipFill>
-          <a:blip r:embed="rId2"/>
+          <a:blip r:embed="rId3"/>
           <a:stretch>
             <a:fillRect/>
           </a:stretch>
@@ -10252,7 +10366,7 @@
           <p:nvPr/>
         </p:nvPicPr>
         <p:blipFill>
-          <a:blip r:embed="rId3"/>
+          <a:blip r:embed="rId4"/>
           <a:stretch>
             <a:fillRect/>
           </a:stretch>
@@ -10276,7 +10390,7 @@
           <p:nvPr/>
         </p:nvPicPr>
         <p:blipFill>
-          <a:blip r:embed="rId4"/>
+          <a:blip r:embed="rId5"/>
           <a:stretch>
             <a:fillRect/>
           </a:stretch>
@@ -10300,7 +10414,7 @@
           <p:nvPr/>
         </p:nvPicPr>
         <p:blipFill>
-          <a:blip r:embed="rId5"/>
+          <a:blip r:embed="rId6"/>
           <a:stretch>
             <a:fillRect/>
           </a:stretch>
@@ -10324,7 +10438,7 @@
           <p:nvPr/>
         </p:nvPicPr>
         <p:blipFill>
-          <a:blip r:embed="rId6"/>
+          <a:blip r:embed="rId7"/>
           <a:stretch>
             <a:fillRect/>
           </a:stretch>
@@ -10383,7 +10497,6 @@
               <a:rPr lang="en-IN" altLang="en-US"/>
               <a:t>Plot of all the variables:</a:t>
             </a:r>
-            <a:endParaRPr lang="en-IN" altLang="en-US"/>
           </a:p>
         </p:txBody>
       </p:sp>
@@ -10396,7 +10509,7 @@
           <p:nvPr/>
         </p:nvPicPr>
         <p:blipFill>
-          <a:blip r:embed="rId1"/>
+          <a:blip r:embed="rId2"/>
           <a:stretch>
             <a:fillRect/>
           </a:stretch>
@@ -10420,7 +10533,7 @@
           <p:nvPr/>
         </p:nvPicPr>
         <p:blipFill>
-          <a:blip r:embed="rId2"/>
+          <a:blip r:embed="rId3"/>
           <a:stretch>
             <a:fillRect/>
           </a:stretch>
@@ -10444,7 +10557,7 @@
           <p:nvPr/>
         </p:nvPicPr>
         <p:blipFill>
-          <a:blip r:embed="rId3"/>
+          <a:blip r:embed="rId4"/>
           <a:stretch>
             <a:fillRect/>
           </a:stretch>
@@ -10468,7 +10581,7 @@
           <p:nvPr/>
         </p:nvPicPr>
         <p:blipFill>
-          <a:blip r:embed="rId4"/>
+          <a:blip r:embed="rId5"/>
           <a:stretch>
             <a:fillRect/>
           </a:stretch>
@@ -10492,7 +10605,7 @@
           <p:nvPr/>
         </p:nvPicPr>
         <p:blipFill>
-          <a:blip r:embed="rId5"/>
+          <a:blip r:embed="rId6"/>
           <a:stretch>
             <a:fillRect/>
           </a:stretch>
@@ -10516,7 +10629,7 @@
           <p:nvPr/>
         </p:nvPicPr>
         <p:blipFill>
-          <a:blip r:embed="rId6"/>
+          <a:blip r:embed="rId7"/>
           <a:stretch>
             <a:fillRect/>
           </a:stretch>
@@ -10540,7 +10653,7 @@
           <p:nvPr/>
         </p:nvPicPr>
         <p:blipFill>
-          <a:blip r:embed="rId7"/>
+          <a:blip r:embed="rId8"/>
           <a:stretch>
             <a:fillRect/>
           </a:stretch>
@@ -10564,7 +10677,7 @@
           <p:nvPr/>
         </p:nvPicPr>
         <p:blipFill>
-          <a:blip r:embed="rId8"/>
+          <a:blip r:embed="rId9"/>
           <a:stretch>
             <a:fillRect/>
           </a:stretch>
@@ -10588,7 +10701,7 @@
           <p:nvPr/>
         </p:nvPicPr>
         <p:blipFill>
-          <a:blip r:embed="rId9"/>
+          <a:blip r:embed="rId10"/>
           <a:stretch>
             <a:fillRect/>
           </a:stretch>
@@ -10612,7 +10725,7 @@
           <p:nvPr/>
         </p:nvPicPr>
         <p:blipFill>
-          <a:blip r:embed="rId10"/>
+          <a:blip r:embed="rId11"/>
           <a:stretch>
             <a:fillRect/>
           </a:stretch>
@@ -10686,7 +10799,7 @@
           <p:nvPr/>
         </p:nvPicPr>
         <p:blipFill>
-          <a:blip r:embed="rId1"/>
+          <a:blip r:embed="rId2"/>
           <a:stretch>
             <a:fillRect/>
           </a:stretch>
@@ -10710,7 +10823,7 @@
           <p:nvPr/>
         </p:nvPicPr>
         <p:blipFill>
-          <a:blip r:embed="rId2"/>
+          <a:blip r:embed="rId3"/>
           <a:stretch>
             <a:fillRect/>
           </a:stretch>
@@ -10734,7 +10847,7 @@
           <p:nvPr/>
         </p:nvPicPr>
         <p:blipFill>
-          <a:blip r:embed="rId3"/>
+          <a:blip r:embed="rId4"/>
           <a:stretch>
             <a:fillRect/>
           </a:stretch>
@@ -10758,7 +10871,7 @@
           <p:nvPr/>
         </p:nvPicPr>
         <p:blipFill>
-          <a:blip r:embed="rId4"/>
+          <a:blip r:embed="rId5"/>
           <a:stretch>
             <a:fillRect/>
           </a:stretch>
@@ -10782,7 +10895,7 @@
           <p:nvPr/>
         </p:nvPicPr>
         <p:blipFill>
-          <a:blip r:embed="rId5"/>
+          <a:blip r:embed="rId6"/>
           <a:stretch>
             <a:fillRect/>
           </a:stretch>
@@ -10806,7 +10919,7 @@
           <p:nvPr/>
         </p:nvPicPr>
         <p:blipFill>
-          <a:blip r:embed="rId6"/>
+          <a:blip r:embed="rId7"/>
           <a:stretch>
             <a:fillRect/>
           </a:stretch>
@@ -10830,7 +10943,7 @@
           <p:nvPr/>
         </p:nvPicPr>
         <p:blipFill>
-          <a:blip r:embed="rId7"/>
+          <a:blip r:embed="rId8"/>
           <a:stretch>
             <a:fillRect/>
           </a:stretch>
@@ -10854,7 +10967,7 @@
           <p:nvPr/>
         </p:nvPicPr>
         <p:blipFill>
-          <a:blip r:embed="rId8"/>
+          <a:blip r:embed="rId9"/>
           <a:stretch>
             <a:fillRect/>
           </a:stretch>
@@ -10878,7 +10991,7 @@
           <p:nvPr/>
         </p:nvPicPr>
         <p:blipFill>
-          <a:blip r:embed="rId9"/>
+          <a:blip r:embed="rId10"/>
           <a:stretch>
             <a:fillRect/>
           </a:stretch>
@@ -10902,7 +11015,7 @@
           <p:nvPr/>
         </p:nvPicPr>
         <p:blipFill>
-          <a:blip r:embed="rId10"/>
+          <a:blip r:embed="rId11"/>
           <a:stretch>
             <a:fillRect/>
           </a:stretch>
@@ -10963,12 +11076,42 @@
           <a:lstStyle/>
           <a:p>
             <a:r>
-              <a:rPr lang="en-IN" altLang="en-US">
+              <a:rPr lang="en-IN" altLang="en-US" dirty="0">
                 <a:sym typeface="+mn-ea"/>
               </a:rPr>
-              <a:t>Plot first 100 observations between actual and predicted After builduing the linear regression:</a:t>
-            </a:r>
-            <a:endParaRPr lang="en-IN" altLang="en-US">
+              <a:t>Plot </a:t>
+            </a:r>
+            <a:r>
+              <a:rPr lang="en-IN" altLang="en-US" dirty="0" smtClean="0">
+                <a:sym typeface="+mn-ea"/>
+              </a:rPr>
+              <a:t>for first </a:t>
+            </a:r>
+            <a:r>
+              <a:rPr lang="en-IN" altLang="en-US" dirty="0">
+                <a:sym typeface="+mn-ea"/>
+              </a:rPr>
+              <a:t>100 observations between actual and predicted </a:t>
+            </a:r>
+            <a:r>
+              <a:rPr lang="en-IN" altLang="en-US" dirty="0" smtClean="0">
+                <a:sym typeface="+mn-ea"/>
+              </a:rPr>
+              <a:t>after building </a:t>
+            </a:r>
+            <a:r>
+              <a:rPr lang="en-IN" altLang="en-US" dirty="0">
+                <a:sym typeface="+mn-ea"/>
+              </a:rPr>
+              <a:t>the linear </a:t>
+            </a:r>
+            <a:r>
+              <a:rPr lang="en-IN" altLang="en-US" dirty="0" smtClean="0">
+                <a:sym typeface="+mn-ea"/>
+              </a:rPr>
+              <a:t>regression model:</a:t>
+            </a:r>
+            <a:endParaRPr lang="en-IN" altLang="en-US" dirty="0">
               <a:sym typeface="+mn-ea"/>
             </a:endParaRPr>
           </a:p>
@@ -10983,7 +11126,7 @@
           <p:nvPr/>
         </p:nvPicPr>
         <p:blipFill>
-          <a:blip r:embed="rId1"/>
+          <a:blip r:embed="rId2"/>
           <a:stretch>
             <a:fillRect/>
           </a:stretch>
@@ -11015,7 +11158,14 @@
         <p:cNvGrpSpPr/>
         <p:nvPr/>
       </p:nvGrpSpPr>
-      <p:grpSpPr/>
+      <p:grpSpPr>
+        <a:xfrm>
+          <a:off x="0" y="0"/>
+          <a:ext cx="0" cy="0"/>
+          <a:chOff x="0" y="0"/>
+          <a:chExt cx="0" cy="0"/>
+        </a:xfrm>
+      </p:grpSpPr>
       <p:sp>
         <p:nvSpPr>
           <p:cNvPr id="2" name="Title 1"/>
@@ -11034,194 +11184,264 @@
         </p:spPr>
         <p:txBody>
           <a:bodyPr/>
+          <a:lstStyle/>
           <a:p>
             <a:r>
-              <a:rPr lang="en-US"/>
+              <a:rPr lang="en-US" dirty="0"/>
               <a:t>We are using linear regression model so, we need to check 4 basic assumptions of linear regression.</a:t>
             </a:r>
             <a:br>
-              <a:rPr lang="en-US"/>
+              <a:rPr lang="en-US" dirty="0"/>
             </a:br>
+            <a:r>
+              <a:rPr lang="en-US" dirty="0"/>
+              <a:t/>
+            </a:r>
             <a:br>
-              <a:rPr lang="en-US"/>
+              <a:rPr lang="en-US" dirty="0"/>
             </a:br>
             <a:r>
-              <a:rPr lang="en-IN" altLang="en-US">
-                <a:solidFill>
-                  <a:schemeClr val="bg2">
-                    <a:lumMod val="10000"/>
-                  </a:schemeClr>
+              <a:rPr lang="en-IN" altLang="en-US" dirty="0">
+                <a:solidFill>
+                  <a:schemeClr val="bg1"/>
                 </a:solidFill>
               </a:rPr>
               <a:t>1.</a:t>
             </a:r>
             <a:r>
-              <a:rPr lang="en-US">
-                <a:solidFill>
-                  <a:schemeClr val="bg2">
-                    <a:lumMod val="10000"/>
-                  </a:schemeClr>
+              <a:rPr lang="en-US" dirty="0">
+                <a:solidFill>
+                  <a:schemeClr val="bg1"/>
                 </a:solidFill>
                 <a:sym typeface="+mn-ea"/>
               </a:rPr>
-              <a:t>There need to be linear relationship between independent and dependent variables</a:t>
-            </a:r>
-            <a:r>
-              <a:rPr lang="en-IN" altLang="en-US">
-                <a:solidFill>
-                  <a:schemeClr val="bg2">
-                    <a:lumMod val="10000"/>
-                  </a:schemeClr>
+              <a:t>There </a:t>
+            </a:r>
+            <a:r>
+              <a:rPr lang="en-US" dirty="0" smtClean="0">
+                <a:solidFill>
+                  <a:schemeClr val="bg1"/>
                 </a:solidFill>
                 <a:sym typeface="+mn-ea"/>
               </a:rPr>
+              <a:t>should </a:t>
+            </a:r>
+            <a:r>
+              <a:rPr lang="en-US" dirty="0">
+                <a:solidFill>
+                  <a:schemeClr val="bg1"/>
+                </a:solidFill>
+                <a:sym typeface="+mn-ea"/>
+              </a:rPr>
+              <a:t>to be linear relationship between independent and dependent variables</a:t>
+            </a:r>
+            <a:r>
+              <a:rPr lang="en-IN" altLang="en-US" dirty="0">
+                <a:solidFill>
+                  <a:schemeClr val="bg1"/>
+                </a:solidFill>
+                <a:sym typeface="+mn-ea"/>
+              </a:rPr>
               <a:t>.</a:t>
             </a:r>
+            <a:r>
+              <a:rPr lang="en-US" dirty="0">
+                <a:solidFill>
+                  <a:schemeClr val="bg1"/>
+                </a:solidFill>
+                <a:sym typeface="+mn-ea"/>
+              </a:rPr>
+              <a:t/>
+            </a:r>
             <a:br>
-              <a:rPr lang="en-US">
-                <a:solidFill>
-                  <a:schemeClr val="bg2">
-                    <a:lumMod val="10000"/>
-                  </a:schemeClr>
+              <a:rPr lang="en-US" dirty="0">
+                <a:solidFill>
+                  <a:schemeClr val="bg1"/>
                 </a:solidFill>
                 <a:sym typeface="+mn-ea"/>
               </a:rPr>
             </a:br>
             <a:r>
-              <a:rPr lang="en-IN" altLang="en-US">
-                <a:solidFill>
-                  <a:schemeClr val="bg2">
-                    <a:lumMod val="10000"/>
-                  </a:schemeClr>
+              <a:rPr lang="en-IN" altLang="en-US" dirty="0">
+                <a:solidFill>
+                  <a:schemeClr val="bg1"/>
                 </a:solidFill>
                 <a:sym typeface="+mn-ea"/>
               </a:rPr>
               <a:t>2.</a:t>
             </a:r>
             <a:r>
-              <a:rPr lang="en-US">
-                <a:solidFill>
-                  <a:schemeClr val="bg2">
-                    <a:lumMod val="10000"/>
-                  </a:schemeClr>
+              <a:rPr lang="en-US" dirty="0">
+                <a:solidFill>
+                  <a:schemeClr val="bg1"/>
                 </a:solidFill>
                 <a:sym typeface="+mn-ea"/>
               </a:rPr>
-              <a:t>The sum of residuals should be near 0</a:t>
-            </a:r>
-            <a:r>
-              <a:rPr lang="en-IN" altLang="en-US">
-                <a:solidFill>
-                  <a:schemeClr val="bg2">
-                    <a:lumMod val="10000"/>
-                  </a:schemeClr>
+              <a:t>The sum of </a:t>
+            </a:r>
+            <a:r>
+              <a:rPr lang="en-US" dirty="0" smtClean="0">
+                <a:solidFill>
+                  <a:schemeClr val="bg1"/>
                 </a:solidFill>
                 <a:sym typeface="+mn-ea"/>
               </a:rPr>
+              <a:t>residuals/error </a:t>
+            </a:r>
+            <a:r>
+              <a:rPr lang="en-US" dirty="0">
+                <a:solidFill>
+                  <a:schemeClr val="bg1"/>
+                </a:solidFill>
+                <a:sym typeface="+mn-ea"/>
+              </a:rPr>
+              <a:t>should be near </a:t>
+            </a:r>
+            <a:r>
+              <a:rPr lang="en-US" dirty="0" smtClean="0">
+                <a:solidFill>
+                  <a:schemeClr val="bg1"/>
+                </a:solidFill>
+                <a:sym typeface="+mn-ea"/>
+              </a:rPr>
+              <a:t>to 0</a:t>
+            </a:r>
+            <a:r>
+              <a:rPr lang="en-IN" altLang="en-US" dirty="0">
+                <a:solidFill>
+                  <a:schemeClr val="bg1"/>
+                </a:solidFill>
+                <a:sym typeface="+mn-ea"/>
+              </a:rPr>
               <a:t>.</a:t>
             </a:r>
+            <a:r>
+              <a:rPr lang="en-US" dirty="0">
+                <a:solidFill>
+                  <a:schemeClr val="bg1"/>
+                </a:solidFill>
+                <a:sym typeface="+mn-ea"/>
+              </a:rPr>
+              <a:t/>
+            </a:r>
             <a:br>
-              <a:rPr lang="en-US">
-                <a:solidFill>
-                  <a:schemeClr val="bg2">
-                    <a:lumMod val="10000"/>
-                  </a:schemeClr>
+              <a:rPr lang="en-US" dirty="0">
+                <a:solidFill>
+                  <a:schemeClr val="bg1"/>
                 </a:solidFill>
                 <a:sym typeface="+mn-ea"/>
               </a:rPr>
             </a:br>
             <a:r>
-              <a:rPr lang="en-IN" altLang="en-US">
-                <a:solidFill>
-                  <a:schemeClr val="bg2">
-                    <a:lumMod val="10000"/>
-                  </a:schemeClr>
+              <a:rPr lang="en-IN" altLang="en-US" dirty="0">
+                <a:solidFill>
+                  <a:schemeClr val="bg1"/>
                 </a:solidFill>
                 <a:sym typeface="+mn-ea"/>
               </a:rPr>
               <a:t>3.</a:t>
             </a:r>
             <a:r>
-              <a:rPr lang="en-US">
-                <a:solidFill>
-                  <a:schemeClr val="bg2">
-                    <a:lumMod val="10000"/>
-                  </a:schemeClr>
+              <a:rPr lang="en-US" dirty="0">
+                <a:solidFill>
+                  <a:schemeClr val="bg1"/>
                 </a:solidFill>
                 <a:sym typeface="+mn-ea"/>
               </a:rPr>
               <a:t>There should not be multicollinearity</a:t>
             </a:r>
             <a:r>
-              <a:rPr lang="en-IN" altLang="en-US">
-                <a:solidFill>
-                  <a:schemeClr val="bg2">
-                    <a:lumMod val="10000"/>
-                  </a:schemeClr>
+              <a:rPr lang="en-IN" altLang="en-US" dirty="0">
+                <a:solidFill>
+                  <a:schemeClr val="bg1"/>
                 </a:solidFill>
                 <a:sym typeface="+mn-ea"/>
               </a:rPr>
               <a:t>.</a:t>
             </a:r>
+            <a:r>
+              <a:rPr lang="en-US" dirty="0">
+                <a:solidFill>
+                  <a:schemeClr val="bg1"/>
+                </a:solidFill>
+                <a:sym typeface="+mn-ea"/>
+              </a:rPr>
+              <a:t/>
+            </a:r>
             <a:br>
-              <a:rPr lang="en-US">
-                <a:solidFill>
-                  <a:schemeClr val="bg2">
-                    <a:lumMod val="10000"/>
-                  </a:schemeClr>
+              <a:rPr lang="en-US" dirty="0">
+                <a:solidFill>
+                  <a:schemeClr val="bg1"/>
                 </a:solidFill>
                 <a:sym typeface="+mn-ea"/>
               </a:rPr>
             </a:br>
             <a:r>
-              <a:rPr lang="en-IN" altLang="en-US">
-                <a:solidFill>
-                  <a:schemeClr val="bg2">
-                    <a:lumMod val="10000"/>
-                  </a:schemeClr>
+              <a:rPr lang="en-IN" altLang="en-US" dirty="0">
+                <a:solidFill>
+                  <a:schemeClr val="bg1"/>
                 </a:solidFill>
                 <a:sym typeface="+mn-ea"/>
               </a:rPr>
               <a:t>4.</a:t>
             </a:r>
             <a:r>
-              <a:rPr lang="en-US">
-                <a:solidFill>
-                  <a:schemeClr val="bg2">
-                    <a:lumMod val="10000"/>
-                  </a:schemeClr>
+              <a:rPr lang="en-US" dirty="0" smtClean="0">
+                <a:solidFill>
+                  <a:schemeClr val="bg1"/>
                 </a:solidFill>
                 <a:sym typeface="+mn-ea"/>
               </a:rPr>
-              <a:t>These should not be heteroscedasticity</a:t>
-            </a:r>
-            <a:r>
-              <a:rPr lang="en-IN" altLang="en-US">
-                <a:solidFill>
-                  <a:schemeClr val="bg2">
-                    <a:lumMod val="10000"/>
-                  </a:schemeClr>
+              <a:t>There </a:t>
+            </a:r>
+            <a:r>
+              <a:rPr lang="en-US" dirty="0">
+                <a:solidFill>
+                  <a:schemeClr val="bg1"/>
                 </a:solidFill>
                 <a:sym typeface="+mn-ea"/>
               </a:rPr>
+              <a:t>should not be heteroscedasticity</a:t>
+            </a:r>
+            <a:r>
+              <a:rPr lang="en-IN" altLang="en-US" dirty="0">
+                <a:solidFill>
+                  <a:schemeClr val="bg1"/>
+                </a:solidFill>
+                <a:sym typeface="+mn-ea"/>
+              </a:rPr>
               <a:t>.</a:t>
             </a:r>
+            <a:r>
+              <a:rPr lang="en-US" dirty="0">
+                <a:solidFill>
+                  <a:schemeClr val="bg1"/>
+                </a:solidFill>
+              </a:rPr>
+              <a:t/>
+            </a:r>
             <a:br>
-              <a:rPr lang="en-US">
-                <a:solidFill>
-                  <a:schemeClr val="bg2">
-                    <a:lumMod val="10000"/>
-                  </a:schemeClr>
+              <a:rPr lang="en-US" dirty="0">
+                <a:solidFill>
+                  <a:schemeClr val="bg1"/>
                 </a:solidFill>
               </a:rPr>
             </a:br>
+            <a:r>
+              <a:rPr lang="en-US" dirty="0"/>
+              <a:t/>
+            </a:r>
             <a:br>
-              <a:rPr lang="en-US"/>
+              <a:rPr lang="en-US" dirty="0"/>
             </a:br>
+            <a:r>
+              <a:rPr lang="en-US" dirty="0"/>
+              <a:t/>
+            </a:r>
             <a:br>
-              <a:rPr lang="en-US"/>
+              <a:rPr lang="en-US" dirty="0"/>
             </a:br>
-            <a:endParaRPr lang="en-US">
+            <a:endParaRPr lang="en-US" dirty="0">
               <a:solidFill>
                 <a:schemeClr val="bg2">
                   <a:lumMod val="10000"/>
@@ -11279,7 +11499,6 @@
               <a:rPr lang="en-IN" altLang="en-US"/>
               <a:t>assumptions graph:</a:t>
             </a:r>
-            <a:endParaRPr lang="en-IN" altLang="en-US"/>
           </a:p>
         </p:txBody>
       </p:sp>
@@ -11292,7 +11511,7 @@
           <p:nvPr/>
         </p:nvPicPr>
         <p:blipFill>
-          <a:blip r:embed="rId1"/>
+          <a:blip r:embed="rId2"/>
           <a:stretch>
             <a:fillRect/>
           </a:stretch>
@@ -11316,7 +11535,7 @@
           <p:nvPr/>
         </p:nvPicPr>
         <p:blipFill>
-          <a:blip r:embed="rId2"/>
+          <a:blip r:embed="rId3"/>
           <a:stretch>
             <a:fillRect/>
           </a:stretch>
@@ -11340,7 +11559,7 @@
           <p:nvPr/>
         </p:nvPicPr>
         <p:blipFill>
-          <a:blip r:embed="rId3"/>
+          <a:blip r:embed="rId4"/>
           <a:stretch>
             <a:fillRect/>
           </a:stretch>
@@ -11364,7 +11583,7 @@
           <p:nvPr/>
         </p:nvPicPr>
         <p:blipFill>
-          <a:blip r:embed="rId4"/>
+          <a:blip r:embed="rId5"/>
           <a:stretch>
             <a:fillRect/>
           </a:stretch>
@@ -11428,7 +11647,6 @@
               <a:rPr lang="en-US"/>
               <a:t>Running Grid Search Cross Validation for Lasso Regression</a:t>
             </a:r>
-            <a:endParaRPr lang="en-US"/>
           </a:p>
         </p:txBody>
       </p:sp>
@@ -11441,7 +11659,7 @@
           <p:nvPr/>
         </p:nvPicPr>
         <p:blipFill>
-          <a:blip r:embed="rId1"/>
+          <a:blip r:embed="rId2"/>
           <a:stretch>
             <a:fillRect/>
           </a:stretch>
@@ -11476,17 +11694,25 @@
           <a:bodyPr wrap="square" rtlCol="0">
             <a:spAutoFit/>
           </a:bodyPr>
+          <a:lstStyle/>
           <a:p>
             <a:pPr algn="l"/>
             <a:r>
-              <a:rPr lang="en-IN" altLang="en-US"/>
+              <a:rPr lang="en-IN" altLang="en-US" dirty="0">
+                <a:solidFill>
+                  <a:schemeClr val="bg1"/>
+                </a:solidFill>
+              </a:rPr>
               <a:t>Note: </a:t>
             </a:r>
             <a:r>
-              <a:rPr lang="en-US"/>
+              <a:rPr lang="en-US" dirty="0">
+                <a:solidFill>
+                  <a:schemeClr val="bg1"/>
+                </a:solidFill>
+              </a:rPr>
               <a:t>We can see that tuning the learning rate increases the evaluation scores.</a:t>
             </a:r>
-            <a:endParaRPr lang="en-US"/>
           </a:p>
         </p:txBody>
       </p:sp>
@@ -11539,7 +11765,6 @@
               <a:rPr lang="en-US"/>
               <a:t>Running Grid Search Cross Validation for Ridge Regression</a:t>
             </a:r>
-            <a:endParaRPr lang="en-US"/>
           </a:p>
         </p:txBody>
       </p:sp>
@@ -11552,7 +11777,7 @@
           <p:nvPr/>
         </p:nvPicPr>
         <p:blipFill>
-          <a:blip r:embed="rId1"/>
+          <a:blip r:embed="rId2"/>
           <a:stretch>
             <a:fillRect/>
           </a:stretch>
@@ -11616,7 +11841,6 @@
               <a:rPr lang="en-US"/>
               <a:t>Running Grid Search Cross Validation for Elastic Net Regression</a:t>
             </a:r>
-            <a:endParaRPr lang="en-US"/>
           </a:p>
         </p:txBody>
       </p:sp>
@@ -11629,7 +11853,7 @@
           <p:nvPr/>
         </p:nvPicPr>
         <p:blipFill>
-          <a:blip r:embed="rId1"/>
+          <a:blip r:embed="rId2"/>
           <a:stretch>
             <a:fillRect/>
           </a:stretch>
@@ -11664,29 +11888,52 @@
           <a:bodyPr wrap="square" rtlCol="0">
             <a:spAutoFit/>
           </a:bodyPr>
+          <a:lstStyle/>
           <a:p>
             <a:pPr algn="l"/>
             <a:r>
-              <a:rPr lang="en-IN" altLang="en-US" sz="1200"/>
+              <a:rPr lang="en-IN" altLang="en-US" sz="1200" dirty="0">
+                <a:solidFill>
+                  <a:schemeClr val="bg1"/>
+                </a:solidFill>
+              </a:rPr>
               <a:t>Note: </a:t>
             </a:r>
             <a:r>
-              <a:rPr lang="en-US" sz="1200"/>
+              <a:rPr lang="en-US" sz="1200" dirty="0">
+                <a:solidFill>
+                  <a:schemeClr val="bg1"/>
+                </a:solidFill>
+              </a:rPr>
               <a:t>We have made 4 models. Sometimes it's useful to predict data on different models to increase accuracy of prediction and raise our confidence level.</a:t>
             </a:r>
-            <a:endParaRPr lang="en-US" sz="1200"/>
           </a:p>
           <a:p>
             <a:pPr algn="l"/>
-            <a:endParaRPr lang="en-US" sz="1200"/>
+            <a:endParaRPr lang="en-US" sz="1200" dirty="0">
+              <a:solidFill>
+                <a:schemeClr val="bg1"/>
+              </a:solidFill>
+            </a:endParaRPr>
           </a:p>
           <a:p>
             <a:pPr algn="l"/>
             <a:r>
-              <a:rPr lang="en-US" sz="1200"/>
-              <a:t>Staking is a good way to combine all the predictions from different models into one. We can adjust weights for each model in stacking.</a:t>
-            </a:r>
-            <a:endParaRPr lang="en-US" sz="1200"/>
+              <a:rPr lang="en-US" sz="1200" dirty="0" smtClean="0">
+                <a:solidFill>
+                  <a:schemeClr val="bg1"/>
+                </a:solidFill>
+              </a:rPr>
+              <a:t>Stacking </a:t>
+            </a:r>
+            <a:r>
+              <a:rPr lang="en-US" sz="1200" dirty="0">
+                <a:solidFill>
+                  <a:schemeClr val="bg1"/>
+                </a:solidFill>
+              </a:rPr>
+              <a:t>is a good way to combine all the predictions from different models into one. We can adjust weights for each model in stacking.</a:t>
+            </a:r>
           </a:p>
         </p:txBody>
       </p:sp>
@@ -11707,7 +11954,14 @@
         <p:cNvGrpSpPr/>
         <p:nvPr/>
       </p:nvGrpSpPr>
-      <p:grpSpPr/>
+      <p:grpSpPr>
+        <a:xfrm>
+          <a:off x="0" y="0"/>
+          <a:ext cx="0" cy="0"/>
+          <a:chOff x="0" y="0"/>
+          <a:chExt cx="0" cy="0"/>
+        </a:xfrm>
+      </p:grpSpPr>
       <p:sp>
         <p:nvSpPr>
           <p:cNvPr id="2" name="Title 1"/>
@@ -11721,12 +11975,12 @@
         <p:spPr/>
         <p:txBody>
           <a:bodyPr/>
+          <a:lstStyle/>
           <a:p>
             <a:r>
               <a:rPr lang="en-IN" altLang="en-US"/>
               <a:t>Description of data provided</a:t>
             </a:r>
-            <a:endParaRPr lang="en-IN" altLang="en-US"/>
           </a:p>
         </p:txBody>
       </p:sp>
@@ -11743,124 +11997,178 @@
         <p:spPr/>
         <p:txBody>
           <a:bodyPr/>
+          <a:lstStyle/>
           <a:p>
             <a:r>
-              <a:rPr lang="en-IN" altLang="en-US">
-                <a:solidFill>
-                  <a:schemeClr val="bg2">
-                    <a:lumMod val="10000"/>
-                  </a:schemeClr>
+              <a:rPr lang="en-IN" altLang="en-US" dirty="0">
+                <a:solidFill>
+                  <a:schemeClr val="bg1"/>
                 </a:solidFill>
               </a:rPr>
               <a:t>We are provided with 2 data sets:</a:t>
             </a:r>
-            <a:endParaRPr lang="en-IN" altLang="en-US">
-              <a:solidFill>
-                <a:schemeClr val="bg2">
-                  <a:lumMod val="10000"/>
-                </a:schemeClr>
-              </a:solidFill>
-            </a:endParaRPr>
           </a:p>
           <a:p>
             <a:r>
-              <a:rPr lang="en-IN" altLang="en-US">
-                <a:solidFill>
-                  <a:schemeClr val="bg2">
-                    <a:lumMod val="10000"/>
-                  </a:schemeClr>
-                </a:solidFill>
-              </a:rPr>
-              <a:t>1. Rossmann Stores Data.csv - This dataset includes the historical data including Sales. This dataset contain features like Sales, Customers,</a:t>
-            </a:r>
-            <a:endParaRPr lang="en-IN" altLang="en-US">
-              <a:solidFill>
-                <a:schemeClr val="bg2">
-                  <a:lumMod val="10000"/>
-                </a:schemeClr>
-              </a:solidFill>
-            </a:endParaRPr>
+              <a:rPr lang="en-IN" altLang="en-US" dirty="0">
+                <a:solidFill>
+                  <a:schemeClr val="bg1"/>
+                </a:solidFill>
+              </a:rPr>
+              <a:t>1. </a:t>
+            </a:r>
+            <a:r>
+              <a:rPr lang="en-IN" altLang="en-US" dirty="0" err="1">
+                <a:solidFill>
+                  <a:schemeClr val="bg1"/>
+                </a:solidFill>
+              </a:rPr>
+              <a:t>Rossmann</a:t>
+            </a:r>
+            <a:r>
+              <a:rPr lang="en-IN" altLang="en-US" dirty="0">
+                <a:solidFill>
+                  <a:schemeClr val="bg1"/>
+                </a:solidFill>
+              </a:rPr>
+              <a:t> Stores Data.csv - This dataset includes the historical data including Sales. This dataset contain features like Sales, Customers,</a:t>
+            </a:r>
           </a:p>
           <a:p>
             <a:r>
-              <a:rPr lang="en-IN" altLang="en-US">
-                <a:solidFill>
-                  <a:schemeClr val="bg2">
-                    <a:lumMod val="10000"/>
-                  </a:schemeClr>
-                </a:solidFill>
-              </a:rPr>
-              <a:t>Open, StateHoliday, SchoolHoliday.</a:t>
-            </a:r>
-            <a:endParaRPr lang="en-IN" altLang="en-US">
-              <a:solidFill>
-                <a:schemeClr val="bg2">
-                  <a:lumMod val="10000"/>
-                </a:schemeClr>
-              </a:solidFill>
-            </a:endParaRPr>
+              <a:rPr lang="en-IN" altLang="en-US" dirty="0">
+                <a:solidFill>
+                  <a:schemeClr val="bg1"/>
+                </a:solidFill>
+              </a:rPr>
+              <a:t>Open, </a:t>
+            </a:r>
+            <a:r>
+              <a:rPr lang="en-IN" altLang="en-US" dirty="0" err="1">
+                <a:solidFill>
+                  <a:schemeClr val="bg1"/>
+                </a:solidFill>
+              </a:rPr>
+              <a:t>StateHoliday</a:t>
+            </a:r>
+            <a:r>
+              <a:rPr lang="en-IN" altLang="en-US" dirty="0">
+                <a:solidFill>
+                  <a:schemeClr val="bg1"/>
+                </a:solidFill>
+              </a:rPr>
+              <a:t>, </a:t>
+            </a:r>
+            <a:r>
+              <a:rPr lang="en-IN" altLang="en-US" dirty="0" err="1">
+                <a:solidFill>
+                  <a:schemeClr val="bg1"/>
+                </a:solidFill>
+              </a:rPr>
+              <a:t>SchoolHoliday</a:t>
+            </a:r>
+            <a:r>
+              <a:rPr lang="en-IN" altLang="en-US" dirty="0">
+                <a:solidFill>
+                  <a:schemeClr val="bg1"/>
+                </a:solidFill>
+              </a:rPr>
+              <a:t>.</a:t>
+            </a:r>
           </a:p>
           <a:p>
             <a:r>
-              <a:rPr lang="en-IN" altLang="en-US">
-                <a:solidFill>
-                  <a:schemeClr val="bg2">
-                    <a:lumMod val="10000"/>
-                  </a:schemeClr>
+              <a:rPr lang="en-IN" altLang="en-US" dirty="0">
+                <a:solidFill>
+                  <a:schemeClr val="bg1"/>
                 </a:solidFill>
               </a:rPr>
               <a:t>2. store.csv - This includes supplemental information about the stores.</a:t>
             </a:r>
             <a:r>
-              <a:rPr lang="en-IN" altLang="en-US">
-                <a:solidFill>
-                  <a:schemeClr val="bg2">
-                    <a:lumMod val="10000"/>
-                  </a:schemeClr>
+              <a:rPr lang="en-IN" altLang="en-US" dirty="0">
+                <a:solidFill>
+                  <a:schemeClr val="bg1"/>
                 </a:solidFill>
                 <a:sym typeface="+mn-ea"/>
               </a:rPr>
               <a:t> This dataset contain features like Assortment, </a:t>
             </a:r>
             <a:r>
-              <a:rPr lang="en-IN" altLang="en-US">
-                <a:solidFill>
-                  <a:schemeClr val="bg2">
-                    <a:lumMod val="10000"/>
-                  </a:schemeClr>
-                </a:solidFill>
-              </a:rPr>
-              <a:t>CompetitionDistance, CompetitionOpenSince[Month/Year], Promo, Promo2,</a:t>
-            </a:r>
-            <a:endParaRPr lang="en-IN" altLang="en-US">
-              <a:solidFill>
-                <a:schemeClr val="bg2">
-                  <a:lumMod val="10000"/>
-                </a:schemeClr>
-              </a:solidFill>
-            </a:endParaRPr>
+              <a:rPr lang="en-IN" altLang="en-US" dirty="0" err="1">
+                <a:solidFill>
+                  <a:schemeClr val="bg1"/>
+                </a:solidFill>
+              </a:rPr>
+              <a:t>CompetitionDistance</a:t>
+            </a:r>
+            <a:r>
+              <a:rPr lang="en-IN" altLang="en-US" dirty="0">
+                <a:solidFill>
+                  <a:schemeClr val="bg1"/>
+                </a:solidFill>
+              </a:rPr>
+              <a:t>, </a:t>
+            </a:r>
+            <a:r>
+              <a:rPr lang="en-IN" altLang="en-US" dirty="0" err="1">
+                <a:solidFill>
+                  <a:schemeClr val="bg1"/>
+                </a:solidFill>
+              </a:rPr>
+              <a:t>CompetitionOpenSince</a:t>
+            </a:r>
+            <a:r>
+              <a:rPr lang="en-IN" altLang="en-US" dirty="0">
+                <a:solidFill>
+                  <a:schemeClr val="bg1"/>
+                </a:solidFill>
+              </a:rPr>
+              <a:t>[Month/Year], Promo, Promo2,</a:t>
+            </a:r>
           </a:p>
           <a:p>
             <a:r>
-              <a:rPr lang="en-IN" altLang="en-US">
-                <a:solidFill>
-                  <a:schemeClr val="bg2">
-                    <a:lumMod val="10000"/>
-                  </a:schemeClr>
+              <a:rPr lang="en-IN" altLang="en-US" dirty="0">
+                <a:solidFill>
+                  <a:schemeClr val="bg1"/>
                 </a:solidFill>
               </a:rPr>
               <a:t>Promo2Since[Year/Week] </a:t>
             </a:r>
-            <a:endParaRPr lang="en-IN" altLang="en-US">
-              <a:solidFill>
-                <a:schemeClr val="bg2">
-                  <a:lumMod val="10000"/>
-                </a:schemeClr>
-              </a:solidFill>
-            </a:endParaRPr>
           </a:p>
         </p:txBody>
       </p:sp>
+      <p:pic>
+        <p:nvPicPr>
+          <p:cNvPr id="5" name="Picture 4"/>
+          <p:cNvPicPr>
+            <a:picLocks noChangeAspect="1"/>
+          </p:cNvPicPr>
+          <p:nvPr/>
+        </p:nvPicPr>
+        <p:blipFill>
+          <a:blip r:embed="rId2">
+            <a:extLst>
+              <a:ext uri="{28A0092B-C50C-407E-A947-70E740481C1C}">
+                <a14:useLocalDpi xmlns:a14="http://schemas.microsoft.com/office/drawing/2010/main" val="0"/>
+              </a:ext>
+            </a:extLst>
+          </a:blip>
+          <a:stretch>
+            <a:fillRect/>
+          </a:stretch>
+        </p:blipFill>
+        <p:spPr>
+          <a:xfrm>
+            <a:off x="6123398" y="3667875"/>
+            <a:ext cx="3020602" cy="1372884"/>
+          </a:xfrm>
+          <a:prstGeom prst="rect">
+            <a:avLst/>
+          </a:prstGeom>
+        </p:spPr>
+      </p:pic>
     </p:spTree>
   </p:cSld>
   <p:clrMapOvr>
@@ -11878,7 +12186,14 @@
         <p:cNvGrpSpPr/>
         <p:nvPr/>
       </p:nvGrpSpPr>
-      <p:grpSpPr/>
+      <p:grpSpPr>
+        <a:xfrm>
+          <a:off x="0" y="0"/>
+          <a:ext cx="0" cy="0"/>
+          <a:chOff x="0" y="0"/>
+          <a:chExt cx="0" cy="0"/>
+        </a:xfrm>
+      </p:grpSpPr>
       <p:sp>
         <p:nvSpPr>
           <p:cNvPr id="2" name="Title 1"/>
@@ -11897,15 +12212,16 @@
         </p:spPr>
         <p:txBody>
           <a:bodyPr/>
+          <a:lstStyle/>
           <a:p>
             <a:r>
-              <a:rPr lang="en-IN" altLang="en-US"/>
+              <a:rPr lang="en-IN" altLang="en-US" dirty="0"/>
               <a:t>Here are some values of the factors observed in model building:</a:t>
             </a:r>
             <a:br>
-              <a:rPr lang="en-IN" altLang="en-US"/>
+              <a:rPr lang="en-IN" altLang="en-US" dirty="0"/>
             </a:br>
-            <a:endParaRPr lang="en-IN" altLang="en-US">
+            <a:endParaRPr lang="en-IN" altLang="en-US" dirty="0">
               <a:solidFill>
                 <a:schemeClr val="bg2">
                   <a:lumMod val="10000"/>
@@ -11935,152 +12251,141 @@
           <a:bodyPr wrap="square" rtlCol="0">
             <a:spAutoFit/>
           </a:bodyPr>
+          <a:lstStyle/>
           <a:p>
             <a:pPr algn="l"/>
             <a:r>
-              <a:rPr lang="en-IN" altLang="en-US">
+              <a:rPr lang="en-IN" altLang="en-US" b="1" dirty="0">
                 <a:solidFill>
                   <a:schemeClr val="tx1"/>
                 </a:solidFill>
                 <a:sym typeface="+mn-ea"/>
               </a:rPr>
-              <a:t>Linear Reegression model:</a:t>
-            </a:r>
-            <a:endParaRPr lang="en-IN" altLang="en-US">
-              <a:solidFill>
-                <a:schemeClr val="tx1"/>
-              </a:solidFill>
-              <a:sym typeface="+mn-ea"/>
-            </a:endParaRPr>
+              <a:t>Linear </a:t>
+            </a:r>
+            <a:r>
+              <a:rPr lang="en-IN" altLang="en-US" b="1" dirty="0" smtClean="0">
+                <a:solidFill>
+                  <a:schemeClr val="tx1"/>
+                </a:solidFill>
+                <a:sym typeface="+mn-ea"/>
+              </a:rPr>
+              <a:t>Regression </a:t>
+            </a:r>
+            <a:r>
+              <a:rPr lang="en-IN" altLang="en-US" b="1" dirty="0">
+                <a:solidFill>
+                  <a:schemeClr val="tx1"/>
+                </a:solidFill>
+                <a:sym typeface="+mn-ea"/>
+              </a:rPr>
+              <a:t>model:</a:t>
+            </a:r>
           </a:p>
           <a:p>
             <a:pPr algn="l"/>
             <a:r>
-              <a:rPr lang="en-IN" altLang="en-US">
-                <a:solidFill>
-                  <a:schemeClr val="bg2">
-                    <a:lumMod val="10000"/>
-                  </a:schemeClr>
+              <a:rPr lang="en-IN" altLang="en-US" dirty="0">
+                <a:solidFill>
+                  <a:schemeClr val="bg1"/>
                 </a:solidFill>
                 <a:sym typeface="+mn-ea"/>
               </a:rPr>
               <a:t>Mean Squared Error : 0.11</a:t>
             </a:r>
             <a:br>
-              <a:rPr lang="en-IN" altLang="en-US">
-                <a:solidFill>
-                  <a:schemeClr val="bg2">
-                    <a:lumMod val="10000"/>
-                  </a:schemeClr>
+              <a:rPr lang="en-IN" altLang="en-US" dirty="0">
+                <a:solidFill>
+                  <a:schemeClr val="bg1"/>
                 </a:solidFill>
                 <a:sym typeface="+mn-ea"/>
               </a:rPr>
             </a:br>
             <a:r>
-              <a:rPr lang="en-IN" altLang="en-US">
-                <a:solidFill>
-                  <a:schemeClr val="bg2">
-                    <a:lumMod val="10000"/>
-                  </a:schemeClr>
+              <a:rPr lang="en-IN" altLang="en-US" dirty="0">
+                <a:solidFill>
+                  <a:schemeClr val="bg1"/>
                 </a:solidFill>
                 <a:sym typeface="+mn-ea"/>
               </a:rPr>
               <a:t>Root Mean Squared Error : 0</a:t>
             </a:r>
             <a:br>
-              <a:rPr lang="en-IN" altLang="en-US">
-                <a:solidFill>
-                  <a:schemeClr val="bg2">
-                    <a:lumMod val="10000"/>
-                  </a:schemeClr>
+              <a:rPr lang="en-IN" altLang="en-US" dirty="0">
+                <a:solidFill>
+                  <a:schemeClr val="bg1"/>
                 </a:solidFill>
                 <a:sym typeface="+mn-ea"/>
               </a:rPr>
             </a:br>
             <a:r>
-              <a:rPr lang="en-IN" altLang="en-US">
-                <a:solidFill>
-                  <a:schemeClr val="bg2">
-                    <a:lumMod val="10000"/>
-                  </a:schemeClr>
+              <a:rPr lang="en-IN" altLang="en-US" dirty="0">
+                <a:solidFill>
+                  <a:schemeClr val="bg1"/>
                 </a:solidFill>
                 <a:sym typeface="+mn-ea"/>
               </a:rPr>
               <a:t>Mean Absolute Error : 0.25</a:t>
             </a:r>
             <a:br>
-              <a:rPr lang="en-IN" altLang="en-US">
-                <a:solidFill>
-                  <a:schemeClr val="bg2">
-                    <a:lumMod val="10000"/>
-                  </a:schemeClr>
+              <a:rPr lang="en-IN" altLang="en-US" dirty="0">
+                <a:solidFill>
+                  <a:schemeClr val="bg1"/>
                 </a:solidFill>
                 <a:sym typeface="+mn-ea"/>
               </a:rPr>
             </a:br>
             <a:r>
-              <a:rPr lang="en-IN" altLang="en-US">
-                <a:solidFill>
-                  <a:schemeClr val="bg2">
-                    <a:lumMod val="10000"/>
-                  </a:schemeClr>
+              <a:rPr lang="en-IN" altLang="en-US" dirty="0">
+                <a:solidFill>
+                  <a:schemeClr val="bg1"/>
                 </a:solidFill>
                 <a:sym typeface="+mn-ea"/>
               </a:rPr>
               <a:t>Mean Absolute Percentage Error : 3.41 %</a:t>
             </a:r>
             <a:br>
-              <a:rPr lang="en-IN" altLang="en-US">
-                <a:solidFill>
-                  <a:schemeClr val="bg2">
-                    <a:lumMod val="10000"/>
-                  </a:schemeClr>
+              <a:rPr lang="en-IN" altLang="en-US" dirty="0">
+                <a:solidFill>
+                  <a:schemeClr val="bg1"/>
                 </a:solidFill>
                 <a:sym typeface="+mn-ea"/>
               </a:rPr>
             </a:br>
             <a:r>
-              <a:rPr lang="en-IN" altLang="en-US">
-                <a:solidFill>
-                  <a:schemeClr val="bg2">
-                    <a:lumMod val="10000"/>
-                  </a:schemeClr>
+              <a:rPr lang="en-IN" altLang="en-US" dirty="0">
+                <a:solidFill>
+                  <a:schemeClr val="bg1"/>
                 </a:solidFill>
                 <a:sym typeface="+mn-ea"/>
               </a:rPr>
               <a:t>R-Square : 0.99</a:t>
             </a:r>
             <a:br>
-              <a:rPr lang="en-IN" altLang="en-US">
-                <a:solidFill>
-                  <a:schemeClr val="bg2">
-                    <a:lumMod val="10000"/>
-                  </a:schemeClr>
+              <a:rPr lang="en-IN" altLang="en-US" dirty="0">
+                <a:solidFill>
+                  <a:schemeClr val="bg1"/>
                 </a:solidFill>
                 <a:sym typeface="+mn-ea"/>
               </a:rPr>
             </a:br>
             <a:r>
-              <a:rPr lang="en-IN" altLang="en-US">
-                <a:solidFill>
-                  <a:schemeClr val="bg2">
-                    <a:lumMod val="10000"/>
-                  </a:schemeClr>
+              <a:rPr lang="en-IN" altLang="en-US" dirty="0">
+                <a:solidFill>
+                  <a:schemeClr val="bg1"/>
                 </a:solidFill>
                 <a:sym typeface="+mn-ea"/>
               </a:rPr>
               <a:t>Adjusted R-Square :  0.99</a:t>
             </a:r>
-            <a:endParaRPr lang="en-IN" altLang="en-US">
+            <a:endParaRPr lang="en-IN" altLang="en-US" dirty="0">
               <a:solidFill>
-                <a:schemeClr val="bg2">
-                  <a:lumMod val="10000"/>
-                </a:schemeClr>
+                <a:schemeClr val="bg1"/>
               </a:solidFill>
             </a:endParaRPr>
           </a:p>
           <a:p>
-            <a:endParaRPr lang="en-US"/>
+            <a:endParaRPr lang="en-US" dirty="0"/>
           </a:p>
         </p:txBody>
       </p:sp>
@@ -12104,10 +12409,11 @@
           <a:bodyPr wrap="square" rtlCol="0">
             <a:spAutoFit/>
           </a:bodyPr>
+          <a:lstStyle/>
           <a:p>
             <a:pPr algn="l"/>
             <a:r>
-              <a:rPr lang="en-US">
+              <a:rPr lang="en-US" b="1" dirty="0">
                 <a:solidFill>
                   <a:schemeClr val="tx1"/>
                 </a:solidFill>
@@ -12115,66 +12421,79 @@
               <a:t>Lasso Regression with cross validation</a:t>
             </a:r>
             <a:r>
-              <a:rPr lang="en-IN" altLang="en-US">
+              <a:rPr lang="en-IN" altLang="en-US" b="1" dirty="0">
                 <a:solidFill>
                   <a:schemeClr val="tx1"/>
                 </a:solidFill>
               </a:rPr>
               <a:t>:</a:t>
             </a:r>
-            <a:endParaRPr lang="en-IN" altLang="en-US">
-              <a:solidFill>
-                <a:schemeClr val="tx1"/>
-              </a:solidFill>
-            </a:endParaRPr>
           </a:p>
           <a:p>
             <a:pPr algn="l"/>
             <a:r>
-              <a:rPr lang="en-US"/>
+              <a:rPr lang="en-US" dirty="0">
+                <a:solidFill>
+                  <a:schemeClr val="bg1"/>
+                </a:solidFill>
+              </a:rPr>
               <a:t>Mean Squared Error : 0.11</a:t>
             </a:r>
-            <a:endParaRPr lang="en-US"/>
           </a:p>
           <a:p>
             <a:pPr algn="l"/>
             <a:r>
-              <a:rPr lang="en-US"/>
+              <a:rPr lang="en-US" dirty="0">
+                <a:solidFill>
+                  <a:schemeClr val="bg1"/>
+                </a:solidFill>
+              </a:rPr>
               <a:t>Root Mean Squared Error : 0</a:t>
             </a:r>
-            <a:endParaRPr lang="en-US"/>
           </a:p>
           <a:p>
             <a:pPr algn="l"/>
             <a:r>
-              <a:rPr lang="en-US"/>
+              <a:rPr lang="en-US" dirty="0">
+                <a:solidFill>
+                  <a:schemeClr val="bg1"/>
+                </a:solidFill>
+              </a:rPr>
               <a:t>Mean Absolute Error : 0.25</a:t>
             </a:r>
-            <a:endParaRPr lang="en-US"/>
           </a:p>
           <a:p>
             <a:pPr algn="l"/>
             <a:r>
-              <a:rPr lang="en-US"/>
+              <a:rPr lang="en-US" dirty="0">
+                <a:solidFill>
+                  <a:schemeClr val="bg1"/>
+                </a:solidFill>
+              </a:rPr>
               <a:t>Mean Absolute Percentage Error : 3.41 %</a:t>
             </a:r>
-            <a:endParaRPr lang="en-US"/>
           </a:p>
           <a:p>
             <a:pPr algn="l"/>
             <a:r>
-              <a:rPr lang="en-US"/>
+              <a:rPr lang="en-US" dirty="0">
+                <a:solidFill>
+                  <a:schemeClr val="bg1"/>
+                </a:solidFill>
+              </a:rPr>
               <a:t>R-Square : 0.99</a:t>
             </a:r>
-            <a:endParaRPr lang="en-US"/>
           </a:p>
           <a:p>
             <a:pPr algn="l"/>
             <a:r>
-              <a:rPr lang="en-US"/>
+              <a:rPr lang="en-US" dirty="0">
+                <a:solidFill>
+                  <a:schemeClr val="bg1"/>
+                </a:solidFill>
+              </a:rPr>
               <a:t>Adjusted R-Square :  0.99</a:t>
             </a:r>
-            <a:endParaRPr lang="en-US"/>
           </a:p>
         </p:txBody>
       </p:sp>
@@ -12198,10 +12517,11 @@
           <a:bodyPr wrap="square" rtlCol="0">
             <a:spAutoFit/>
           </a:bodyPr>
+          <a:lstStyle/>
           <a:p>
             <a:pPr algn="l"/>
             <a:r>
-              <a:rPr lang="en-IN" altLang="en-US">
+              <a:rPr lang="en-IN" altLang="en-US" b="1" dirty="0">
                 <a:solidFill>
                   <a:schemeClr val="tx1"/>
                 </a:solidFill>
@@ -12210,7 +12530,7 @@
               <a:t>Ridge</a:t>
             </a:r>
             <a:r>
-              <a:rPr lang="en-US">
+              <a:rPr lang="en-US" b="1" dirty="0">
                 <a:solidFill>
                   <a:schemeClr val="tx1"/>
                 </a:solidFill>
@@ -12219,7 +12539,7 @@
               <a:t> Regression with cross validation</a:t>
             </a:r>
             <a:r>
-              <a:rPr lang="en-IN" altLang="en-US">
+              <a:rPr lang="en-IN" altLang="en-US" b="1" dirty="0" smtClean="0">
                 <a:solidFill>
                   <a:schemeClr val="tx1"/>
                 </a:solidFill>
@@ -12227,7 +12547,7 @@
               </a:rPr>
               <a:t>:</a:t>
             </a:r>
-            <a:endParaRPr lang="en-IN" altLang="en-US">
+            <a:endParaRPr lang="en-IN" altLang="en-US" b="1" dirty="0">
               <a:solidFill>
                 <a:schemeClr val="tx1"/>
               </a:solidFill>
@@ -12236,50 +12556,68 @@
           <a:p>
             <a:pPr algn="l"/>
             <a:r>
-              <a:rPr lang="en-US"/>
+              <a:rPr lang="en-US" dirty="0">
+                <a:solidFill>
+                  <a:schemeClr val="bg1"/>
+                </a:solidFill>
+              </a:rPr>
               <a:t>Mean Squared Error : 0.11</a:t>
             </a:r>
-            <a:endParaRPr lang="en-US"/>
           </a:p>
           <a:p>
             <a:pPr algn="l"/>
             <a:r>
-              <a:rPr lang="en-US"/>
+              <a:rPr lang="en-US" dirty="0">
+                <a:solidFill>
+                  <a:schemeClr val="bg1"/>
+                </a:solidFill>
+              </a:rPr>
               <a:t>Root Mean Squared Error : 0</a:t>
             </a:r>
-            <a:endParaRPr lang="en-US"/>
           </a:p>
           <a:p>
             <a:pPr algn="l"/>
             <a:r>
-              <a:rPr lang="en-US"/>
+              <a:rPr lang="en-US" dirty="0">
+                <a:solidFill>
+                  <a:schemeClr val="bg1"/>
+                </a:solidFill>
+              </a:rPr>
               <a:t>Mean Absolute Error : 0.25</a:t>
             </a:r>
-            <a:endParaRPr lang="en-US"/>
           </a:p>
           <a:p>
             <a:pPr algn="l"/>
             <a:r>
-              <a:rPr lang="en-US"/>
+              <a:rPr lang="en-US" dirty="0">
+                <a:solidFill>
+                  <a:schemeClr val="bg1"/>
+                </a:solidFill>
+              </a:rPr>
               <a:t>Mean Absolute Percentage Error : 3.41 %</a:t>
             </a:r>
-            <a:endParaRPr lang="en-US"/>
           </a:p>
           <a:p>
             <a:pPr algn="l"/>
             <a:r>
-              <a:rPr lang="en-US"/>
+              <a:rPr lang="en-US" dirty="0">
+                <a:solidFill>
+                  <a:schemeClr val="bg1"/>
+                </a:solidFill>
+              </a:rPr>
               <a:t>R-Square : 0.99</a:t>
             </a:r>
-            <a:endParaRPr lang="en-US"/>
           </a:p>
           <a:p>
             <a:pPr algn="l"/>
             <a:r>
-              <a:rPr lang="en-US"/>
+              <a:rPr lang="en-US" dirty="0">
+                <a:solidFill>
+                  <a:schemeClr val="bg1"/>
+                </a:solidFill>
+              </a:rPr>
               <a:t>Adjusted R-Square :  0.99</a:t>
             </a:r>
-            <a:endParaRPr lang="en-US"/>
           </a:p>
         </p:txBody>
       </p:sp>
@@ -12303,17 +12641,26 @@
           <a:bodyPr wrap="square" rtlCol="0">
             <a:spAutoFit/>
           </a:bodyPr>
+          <a:lstStyle/>
           <a:p>
             <a:pPr algn="l"/>
             <a:r>
-              <a:rPr lang="en-IN" altLang="en-US">
+              <a:rPr lang="en-IN" altLang="en-US" b="1" dirty="0" err="1">
                 <a:solidFill>
                   <a:schemeClr val="tx1"/>
                 </a:solidFill>
               </a:rPr>
-              <a:t>ElasticNet Regression:</a:t>
-            </a:r>
-            <a:endParaRPr lang="en-US">
+              <a:t>ElasticNet</a:t>
+            </a:r>
+            <a:r>
+              <a:rPr lang="en-IN" altLang="en-US" b="1" dirty="0">
+                <a:solidFill>
+                  <a:schemeClr val="tx1"/>
+                </a:solidFill>
+              </a:rPr>
+              <a:t> Regression:</a:t>
+            </a:r>
+            <a:endParaRPr lang="en-US" b="1" dirty="0">
               <a:solidFill>
                 <a:schemeClr val="tx1"/>
               </a:solidFill>
@@ -12322,50 +12669,68 @@
           <a:p>
             <a:pPr algn="l"/>
             <a:r>
-              <a:rPr lang="en-US"/>
+              <a:rPr lang="en-US" dirty="0">
+                <a:solidFill>
+                  <a:schemeClr val="bg1"/>
+                </a:solidFill>
+              </a:rPr>
               <a:t>Mean Squared Error : 0.11</a:t>
             </a:r>
-            <a:endParaRPr lang="en-US"/>
           </a:p>
           <a:p>
             <a:pPr algn="l"/>
             <a:r>
-              <a:rPr lang="en-US"/>
+              <a:rPr lang="en-US" dirty="0">
+                <a:solidFill>
+                  <a:schemeClr val="bg1"/>
+                </a:solidFill>
+              </a:rPr>
               <a:t>Root Mean Squared Error : 0</a:t>
             </a:r>
-            <a:endParaRPr lang="en-US"/>
           </a:p>
           <a:p>
             <a:pPr algn="l"/>
             <a:r>
-              <a:rPr lang="en-US"/>
+              <a:rPr lang="en-US" dirty="0">
+                <a:solidFill>
+                  <a:schemeClr val="bg1"/>
+                </a:solidFill>
+              </a:rPr>
               <a:t>Mean Absolute Error : 0.25</a:t>
             </a:r>
-            <a:endParaRPr lang="en-US"/>
           </a:p>
           <a:p>
             <a:pPr algn="l"/>
             <a:r>
-              <a:rPr lang="en-US"/>
+              <a:rPr lang="en-US" dirty="0">
+                <a:solidFill>
+                  <a:schemeClr val="bg1"/>
+                </a:solidFill>
+              </a:rPr>
               <a:t>Mean Absolute Percentage Error : 3.41 %</a:t>
             </a:r>
-            <a:endParaRPr lang="en-US"/>
           </a:p>
           <a:p>
             <a:pPr algn="l"/>
             <a:r>
-              <a:rPr lang="en-US"/>
+              <a:rPr lang="en-US" dirty="0">
+                <a:solidFill>
+                  <a:schemeClr val="bg1"/>
+                </a:solidFill>
+              </a:rPr>
               <a:t>R-Square : 0.99</a:t>
             </a:r>
-            <a:endParaRPr lang="en-US"/>
           </a:p>
           <a:p>
             <a:pPr algn="l"/>
             <a:r>
-              <a:rPr lang="en-US"/>
+              <a:rPr lang="en-US" dirty="0">
+                <a:solidFill>
+                  <a:schemeClr val="bg1"/>
+                </a:solidFill>
+              </a:rPr>
               <a:t>Adjusted R-Square :  0.99</a:t>
             </a:r>
-            <a:endParaRPr lang="en-US"/>
           </a:p>
         </p:txBody>
       </p:sp>
@@ -12417,7 +12782,6 @@
               <a:rPr lang="en-IN" altLang="en-US"/>
               <a:t>:</a:t>
             </a:r>
-            <a:endParaRPr lang="en-IN" altLang="en-US"/>
           </a:p>
         </p:txBody>
       </p:sp>
@@ -12430,7 +12794,7 @@
           <p:nvPr/>
         </p:nvPicPr>
         <p:blipFill>
-          <a:blip r:embed="rId1"/>
+          <a:blip r:embed="rId2"/>
           <a:stretch>
             <a:fillRect/>
           </a:stretch>
@@ -12462,7 +12826,14 @@
         <p:cNvGrpSpPr/>
         <p:nvPr/>
       </p:nvGrpSpPr>
-      <p:grpSpPr/>
+      <p:grpSpPr>
+        <a:xfrm>
+          <a:off x="0" y="0"/>
+          <a:ext cx="0" cy="0"/>
+          <a:chOff x="0" y="0"/>
+          <a:chExt cx="0" cy="0"/>
+        </a:xfrm>
+      </p:grpSpPr>
       <p:sp>
         <p:nvSpPr>
           <p:cNvPr id="2" name="Title 1"/>
@@ -12476,45 +12847,91 @@
         <p:spPr/>
         <p:txBody>
           <a:bodyPr/>
+          <a:lstStyle/>
           <a:p>
             <a:r>
-              <a:rPr lang="en-US"/>
+              <a:rPr lang="en-US" dirty="0"/>
               <a:t>Predicting Sales for next six weeks</a:t>
             </a:r>
             <a:r>
-              <a:rPr lang="en-IN" altLang="en-US"/>
+              <a:rPr lang="en-IN" altLang="en-US" dirty="0"/>
               <a:t>:</a:t>
             </a:r>
             <a:br>
-              <a:rPr lang="en-IN" altLang="en-US"/>
+              <a:rPr lang="en-IN" altLang="en-US" dirty="0"/>
             </a:br>
+            <a:r>
+              <a:rPr lang="en-US" dirty="0"/>
+              <a:t/>
+            </a:r>
             <a:br>
-              <a:rPr lang="en-US"/>
+              <a:rPr lang="en-US" dirty="0"/>
             </a:br>
             <a:r>
-              <a:rPr lang="en-US" sz="2000">
-                <a:solidFill>
-                  <a:schemeClr val="accent2"/>
-                </a:solidFill>
-              </a:rPr>
-              <a:t>Now that we have linear regression models that performing well. we need to predict Sales for next 6 weeks in Advance.</a:t>
-            </a:r>
-            <a:r>
-              <a:rPr lang="en-IN" altLang="en-US" sz="2000">
-                <a:solidFill>
-                  <a:schemeClr val="accent2"/>
+              <a:rPr lang="en-US" sz="2000" dirty="0">
+                <a:solidFill>
+                  <a:schemeClr val="bg1"/>
+                </a:solidFill>
+              </a:rPr>
+              <a:t>Now that we have linear regression models </a:t>
+            </a:r>
+            <a:r>
+              <a:rPr lang="en-US" sz="2000" dirty="0" smtClean="0">
+                <a:solidFill>
+                  <a:schemeClr val="bg1"/>
+                </a:solidFill>
+              </a:rPr>
+              <a:t>performing </a:t>
+            </a:r>
+            <a:r>
+              <a:rPr lang="en-US" sz="2000" dirty="0">
+                <a:solidFill>
+                  <a:schemeClr val="bg1"/>
+                </a:solidFill>
+              </a:rPr>
+              <a:t>well. we need to predict Sales for next 6 weeks in Advance.</a:t>
+            </a:r>
+            <a:r>
+              <a:rPr lang="en-IN" altLang="en-US" sz="2000" dirty="0">
+                <a:solidFill>
+                  <a:schemeClr val="bg1"/>
                 </a:solidFill>
               </a:rPr>
               <a:t> This is what our problem statement states and hence we have considered the last 42 days as our test data.</a:t>
             </a:r>
-            <a:endParaRPr lang="en-IN" altLang="en-US" sz="2000">
-              <a:solidFill>
-                <a:schemeClr val="accent2"/>
-              </a:solidFill>
-            </a:endParaRPr>
           </a:p>
         </p:txBody>
       </p:sp>
+      <p:pic>
+        <p:nvPicPr>
+          <p:cNvPr id="3" name="Picture 2"/>
+          <p:cNvPicPr>
+            <a:picLocks noChangeAspect="1"/>
+          </p:cNvPicPr>
+          <p:nvPr/>
+        </p:nvPicPr>
+        <p:blipFill>
+          <a:blip r:embed="rId2">
+            <a:extLst>
+              <a:ext uri="{28A0092B-C50C-407E-A947-70E740481C1C}">
+                <a14:useLocalDpi xmlns:a14="http://schemas.microsoft.com/office/drawing/2010/main" val="0"/>
+              </a:ext>
+            </a:extLst>
+          </a:blip>
+          <a:stretch>
+            <a:fillRect/>
+          </a:stretch>
+        </p:blipFill>
+        <p:spPr>
+          <a:xfrm>
+            <a:off x="5770259" y="3103474"/>
+            <a:ext cx="3140300" cy="1920589"/>
+          </a:xfrm>
+          <a:prstGeom prst="rect">
+            <a:avLst/>
+          </a:prstGeom>
+        </p:spPr>
+      </p:pic>
     </p:spTree>
   </p:cSld>
   <p:clrMapOvr>
@@ -12585,7 +13002,7 @@
           <p:nvPr/>
         </p:nvPicPr>
         <p:blipFill>
-          <a:blip r:embed="rId1"/>
+          <a:blip r:embed="rId2"/>
           <a:stretch>
             <a:fillRect/>
           </a:stretch>
@@ -12617,7 +13034,14 @@
         <p:cNvGrpSpPr/>
         <p:nvPr/>
       </p:nvGrpSpPr>
-      <p:grpSpPr/>
+      <p:grpSpPr>
+        <a:xfrm>
+          <a:off x="0" y="0"/>
+          <a:ext cx="0" cy="0"/>
+          <a:chOff x="0" y="0"/>
+          <a:chExt cx="0" cy="0"/>
+        </a:xfrm>
+      </p:grpSpPr>
       <p:sp>
         <p:nvSpPr>
           <p:cNvPr id="2" name="Title 1"/>
@@ -12631,45 +13055,235 @@
         <p:spPr/>
         <p:txBody>
           <a:bodyPr/>
+          <a:lstStyle/>
           <a:p>
             <a:r>
-              <a:rPr lang="en-IN" altLang="en-US"/>
+              <a:rPr lang="en-IN" altLang="en-US" dirty="0"/>
               <a:t>Conclusion:</a:t>
             </a:r>
             <a:br>
-              <a:rPr lang="en-IN" altLang="en-US"/>
+              <a:rPr lang="en-IN" altLang="en-US" dirty="0"/>
             </a:br>
+            <a:r>
+              <a:rPr lang="en-IN" altLang="en-US" dirty="0"/>
+              <a:t/>
+            </a:r>
             <a:br>
-              <a:rPr lang="en-IN" altLang="en-US"/>
+              <a:rPr lang="en-IN" altLang="en-US" dirty="0"/>
             </a:br>
             <a:r>
-              <a:rPr lang="en-IN" altLang="en-US" sz="1800"/>
-              <a:t>In the above project to we applied log transform to a lot of columns to avoid skewness which helped us to predict or values well. We also applied Lasso, Ridge and Elastic Net to Avoid Overfitting.</a:t>
+              <a:rPr lang="en-IN" altLang="en-US" sz="1800" dirty="0">
+                <a:solidFill>
+                  <a:schemeClr val="bg1"/>
+                </a:solidFill>
+              </a:rPr>
+              <a:t>In the above project to we applied log transform to a lot of columns to avoid skewness which helped us to predict </a:t>
+            </a:r>
+            <a:r>
+              <a:rPr lang="en-IN" altLang="en-US" sz="1800" dirty="0" smtClean="0">
+                <a:solidFill>
+                  <a:schemeClr val="bg1"/>
+                </a:solidFill>
+              </a:rPr>
+              <a:t>our </a:t>
+            </a:r>
+            <a:r>
+              <a:rPr lang="en-IN" altLang="en-US" sz="1800" dirty="0">
+                <a:solidFill>
+                  <a:schemeClr val="bg1"/>
+                </a:solidFill>
+              </a:rPr>
+              <a:t>values well. We also </a:t>
+            </a:r>
+            <a:r>
+              <a:rPr lang="en-IN" altLang="en-US" sz="1800" dirty="0" smtClean="0">
+                <a:solidFill>
+                  <a:schemeClr val="bg1"/>
+                </a:solidFill>
+              </a:rPr>
+              <a:t>applied regularization techniques like </a:t>
+            </a:r>
+            <a:r>
+              <a:rPr lang="en-IN" altLang="en-US" sz="1800" dirty="0">
+                <a:solidFill>
+                  <a:schemeClr val="bg1"/>
+                </a:solidFill>
+              </a:rPr>
+              <a:t>Lasso, Ridge and Elastic Net to Avoid Overfitting.</a:t>
             </a:r>
             <a:br>
-              <a:rPr lang="en-IN" altLang="en-US" sz="1800"/>
+              <a:rPr lang="en-IN" altLang="en-US" sz="1800" dirty="0">
+                <a:solidFill>
+                  <a:schemeClr val="bg1"/>
+                </a:solidFill>
+              </a:rPr>
             </a:br>
+            <a:r>
+              <a:rPr lang="en-IN" altLang="en-US" sz="1800" dirty="0">
+                <a:solidFill>
+                  <a:schemeClr val="bg1"/>
+                </a:solidFill>
+              </a:rPr>
+              <a:t/>
+            </a:r>
             <a:br>
-              <a:rPr lang="en-IN" altLang="en-US" sz="1800"/>
+              <a:rPr lang="en-IN" altLang="en-US" sz="1800" dirty="0">
+                <a:solidFill>
+                  <a:schemeClr val="bg1"/>
+                </a:solidFill>
+              </a:rPr>
             </a:br>
             <a:r>
-              <a:rPr lang="en-IN" altLang="en-US" sz="1800"/>
+              <a:rPr lang="en-IN" altLang="en-US" sz="1800" dirty="0">
+                <a:solidFill>
+                  <a:schemeClr val="bg1"/>
+                </a:solidFill>
+              </a:rPr>
               <a:t>As we were doing Logistic Regression we took care of all the 4 assumptions.</a:t>
             </a:r>
             <a:br>
-              <a:rPr lang="en-IN" altLang="en-US" sz="1800"/>
+              <a:rPr lang="en-IN" altLang="en-US" sz="1800" dirty="0">
+                <a:solidFill>
+                  <a:schemeClr val="bg1"/>
+                </a:solidFill>
+              </a:rPr>
             </a:br>
+            <a:r>
+              <a:rPr lang="en-IN" altLang="en-US" sz="1800" dirty="0">
+                <a:solidFill>
+                  <a:schemeClr val="bg1"/>
+                </a:solidFill>
+              </a:rPr>
+              <a:t/>
+            </a:r>
             <a:br>
-              <a:rPr lang="en-IN" altLang="en-US" sz="1800"/>
+              <a:rPr lang="en-IN" altLang="en-US" sz="1800" dirty="0">
+                <a:solidFill>
+                  <a:schemeClr val="bg1"/>
+                </a:solidFill>
+              </a:rPr>
             </a:br>
             <a:r>
-              <a:rPr lang="en-IN" altLang="en-US" sz="1800"/>
-              <a:t>The above graph is what our final model looks like ate the end and at the end of our model we are able to say that Total of Predicted Sales in next 6 week will be: 250,776,406 euros By 1115 Rossmann stores.  </a:t>
-            </a:r>
-            <a:endParaRPr lang="en-IN" altLang="en-US" sz="1800"/>
+              <a:rPr lang="en-IN" altLang="en-US" sz="1800" dirty="0">
+                <a:solidFill>
+                  <a:schemeClr val="bg1"/>
+                </a:solidFill>
+              </a:rPr>
+              <a:t>The above graph is what our final model looks like </a:t>
+            </a:r>
+            <a:r>
+              <a:rPr lang="en-IN" altLang="en-US" sz="1800" dirty="0" smtClean="0">
+                <a:solidFill>
+                  <a:schemeClr val="bg1"/>
+                </a:solidFill>
+              </a:rPr>
+              <a:t>at </a:t>
+            </a:r>
+            <a:r>
+              <a:rPr lang="en-IN" altLang="en-US" sz="1800" dirty="0">
+                <a:solidFill>
+                  <a:schemeClr val="bg1"/>
+                </a:solidFill>
+              </a:rPr>
+              <a:t>the </a:t>
+            </a:r>
+            <a:r>
+              <a:rPr lang="en-IN" altLang="en-US" sz="1800" dirty="0" smtClean="0">
+                <a:solidFill>
+                  <a:schemeClr val="bg1"/>
+                </a:solidFill>
+              </a:rPr>
+              <a:t>end. As per our model prediction we can conclude that </a:t>
+            </a:r>
+            <a:r>
+              <a:rPr lang="en-IN" altLang="en-US" sz="1800" dirty="0">
+                <a:solidFill>
+                  <a:schemeClr val="bg1"/>
+                </a:solidFill>
+              </a:rPr>
+              <a:t>Total </a:t>
+            </a:r>
+            <a:r>
+              <a:rPr lang="en-IN" altLang="en-US" sz="1800" dirty="0" smtClean="0">
+                <a:solidFill>
+                  <a:schemeClr val="bg1"/>
+                </a:solidFill>
+              </a:rPr>
+              <a:t>revenue of </a:t>
+            </a:r>
+            <a:r>
+              <a:rPr lang="en-IN" altLang="en-US" sz="1800" dirty="0">
+                <a:solidFill>
+                  <a:schemeClr val="bg1"/>
+                </a:solidFill>
+              </a:rPr>
+              <a:t>Predicted Sales in next 6 </a:t>
+            </a:r>
+            <a:r>
+              <a:rPr lang="en-IN" altLang="en-US" sz="1800" dirty="0" smtClean="0">
+                <a:solidFill>
+                  <a:schemeClr val="bg1"/>
+                </a:solidFill>
+              </a:rPr>
+              <a:t>weeks </a:t>
+            </a:r>
+            <a:r>
+              <a:rPr lang="en-IN" altLang="en-US" sz="1800" dirty="0">
+                <a:solidFill>
+                  <a:schemeClr val="bg1"/>
+                </a:solidFill>
+              </a:rPr>
+              <a:t>will be: 250,776,406 euros By 1115 </a:t>
+            </a:r>
+            <a:r>
+              <a:rPr lang="en-IN" altLang="en-US" sz="1800" dirty="0" err="1">
+                <a:solidFill>
+                  <a:schemeClr val="bg1"/>
+                </a:solidFill>
+              </a:rPr>
+              <a:t>Rossmann</a:t>
+            </a:r>
+            <a:r>
+              <a:rPr lang="en-IN" altLang="en-US" sz="1800" dirty="0">
+                <a:solidFill>
+                  <a:schemeClr val="bg1"/>
+                </a:solidFill>
+              </a:rPr>
+              <a:t> stores.  </a:t>
+            </a:r>
           </a:p>
         </p:txBody>
       </p:sp>
+      <p:pic>
+        <p:nvPicPr>
+          <p:cNvPr id="4" name="Picture 3"/>
+          <p:cNvPicPr>
+            <a:picLocks noChangeAspect="1"/>
+          </p:cNvPicPr>
+          <p:nvPr/>
+        </p:nvPicPr>
+        <p:blipFill>
+          <a:blip r:embed="rId2">
+            <a:extLst>
+              <a:ext uri="{28A0092B-C50C-407E-A947-70E740481C1C}">
+                <a14:useLocalDpi xmlns:a14="http://schemas.microsoft.com/office/drawing/2010/main" val="0"/>
+              </a:ext>
+            </a:extLst>
+          </a:blip>
+          <a:stretch>
+            <a:fillRect/>
+          </a:stretch>
+        </p:blipFill>
+        <p:spPr>
+          <a:xfrm>
+            <a:off x="6719299" y="3822831"/>
+            <a:ext cx="1795998" cy="1080617"/>
+          </a:xfrm>
+          <a:prstGeom prst="rect">
+            <a:avLst/>
+          </a:prstGeom>
+        </p:spPr>
+      </p:pic>
     </p:spTree>
   </p:cSld>
   <p:clrMapOvr>
@@ -12721,9 +13335,6 @@
               </a:rPr>
               <a:t>	Missing Values in the Datasets</a:t>
             </a:r>
-            <a:endParaRPr lang="en-US" dirty="0">
-              <a:latin typeface="Bahnschrift SemiBold" panose="020B0502040204020203" pitchFamily="34" charset="0"/>
-            </a:endParaRPr>
           </a:p>
         </p:txBody>
       </p:sp>
@@ -12736,7 +13347,7 @@
           <p:nvPr/>
         </p:nvPicPr>
         <p:blipFill>
-          <a:blip r:embed="rId1"/>
+          <a:blip r:embed="rId2"/>
           <a:stretch>
             <a:fillRect/>
           </a:stretch>
@@ -12802,9 +13413,6 @@
               </a:rPr>
               <a:t>	After filling NaN Values in the Datasets</a:t>
             </a:r>
-            <a:endParaRPr lang="en-US" dirty="0">
-              <a:latin typeface="Bahnschrift SemiBold" panose="020B0502040204020203" pitchFamily="34" charset="0"/>
-            </a:endParaRPr>
           </a:p>
         </p:txBody>
       </p:sp>
@@ -12817,7 +13425,7 @@
           <p:nvPr/>
         </p:nvPicPr>
         <p:blipFill>
-          <a:blip r:embed="rId1"/>
+          <a:blip r:embed="rId2"/>
           <a:stretch>
             <a:fillRect/>
           </a:stretch>
@@ -12883,9 +13491,6 @@
               </a:rPr>
               <a:t>Correlation of variables with each others</a:t>
             </a:r>
-            <a:endParaRPr lang="en-US" dirty="0">
-              <a:latin typeface="Bahnschrift SemiBold" panose="020B0502040204020203" pitchFamily="34" charset="0"/>
-            </a:endParaRPr>
           </a:p>
         </p:txBody>
       </p:sp>
@@ -12898,7 +13503,7 @@
           <p:nvPr/>
         </p:nvPicPr>
         <p:blipFill>
-          <a:blip r:embed="rId1"/>
+          <a:blip r:embed="rId2"/>
           <a:stretch>
             <a:fillRect/>
           </a:stretch>
@@ -12964,9 +13569,6 @@
               </a:rPr>
               <a:t>Numbers of stores open on a given Dates</a:t>
             </a:r>
-            <a:endParaRPr lang="en-US" dirty="0">
-              <a:latin typeface="Bahnschrift SemiBold" panose="020B0502040204020203" pitchFamily="34" charset="0"/>
-            </a:endParaRPr>
           </a:p>
         </p:txBody>
       </p:sp>
@@ -12979,7 +13581,7 @@
           <p:nvPr/>
         </p:nvPicPr>
         <p:blipFill>
-          <a:blip r:embed="rId1"/>
+          <a:blip r:embed="rId2"/>
           <a:stretch>
             <a:fillRect/>
           </a:stretch>
@@ -13045,9 +13647,6 @@
               </a:rPr>
               <a:t>Number of stores running promo on given Dates</a:t>
             </a:r>
-            <a:endParaRPr lang="en-US" dirty="0">
-              <a:latin typeface="Bahnschrift SemiBold" panose="020B0502040204020203" pitchFamily="34" charset="0"/>
-            </a:endParaRPr>
           </a:p>
         </p:txBody>
       </p:sp>
@@ -13060,7 +13659,7 @@
           <p:nvPr/>
         </p:nvPicPr>
         <p:blipFill>
-          <a:blip r:embed="rId1"/>
+          <a:blip r:embed="rId2"/>
           <a:stretch>
             <a:fillRect/>
           </a:stretch>
@@ -13126,9 +13725,6 @@
               </a:rPr>
               <a:t>Number of school Holidays</a:t>
             </a:r>
-            <a:endParaRPr lang="en-US" dirty="0">
-              <a:latin typeface="Bahnschrift SemiBold" panose="020B0502040204020203" pitchFamily="34" charset="0"/>
-            </a:endParaRPr>
           </a:p>
         </p:txBody>
       </p:sp>
@@ -13141,7 +13737,7 @@
           <p:nvPr/>
         </p:nvPicPr>
         <p:blipFill>
-          <a:blip r:embed="rId1"/>
+          <a:blip r:embed="rId2"/>
           <a:stretch>
             <a:fillRect/>
           </a:stretch>
@@ -13440,6 +14036,8 @@
       </a:bgFillStyleLst>
     </a:fmtScheme>
   </a:themeElements>
+  <a:objectDefaults/>
+  <a:extraClrSchemeLst/>
   <a:extLst>
     <a:ext uri="{05A4C25C-085E-4340-85A3-A5531E510DB2}">
       <thm15:themeFamily xmlns:thm15="http://schemas.microsoft.com/office/thememl/2012/main" name="Office Theme" id="{62F939B6-93AF-4DB8-9C6B-D6C7DFDC589F}" vid="{4A3C46E8-61CC-4603-A589-7422A47A8E4A}"/>
@@ -13724,6 +14322,8 @@
       </a:bgFillStyleLst>
     </a:fmtScheme>
   </a:themeElements>
+  <a:objectDefaults/>
+  <a:extraClrSchemeLst/>
   <a:extLst>
     <a:ext uri="{05A4C25C-085E-4340-85A3-A5531E510DB2}">
       <thm15:themeFamily xmlns:thm15="http://schemas.microsoft.com/office/thememl/2012/main" name="Office Theme" id="{62F939B6-93AF-4DB8-9C6B-D6C7DFDC589F}" vid="{4A3C46E8-61CC-4603-A589-7422A47A8E4A}"/>
